--- a/analysis/output/FigsFinal/CV.pptx
+++ b/analysis/output/FigsFinal/CV.pptx
@@ -243,7 +243,7 @@
           <a:p>
             <a:fld id="{95656FF8-6698-2D4C-A6FB-723933382C5D}" type="datetimeFigureOut">
               <a:rPr lang="en-US" smtClean="0"/>
-              <a:t>4/20/21</a:t>
+              <a:t>5/3/21</a:t>
             </a:fld>
             <a:endParaRPr lang="en-US"/>
           </a:p>
@@ -413,7 +413,7 @@
           <a:p>
             <a:fld id="{95656FF8-6698-2D4C-A6FB-723933382C5D}" type="datetimeFigureOut">
               <a:rPr lang="en-US" smtClean="0"/>
-              <a:t>4/20/21</a:t>
+              <a:t>5/3/21</a:t>
             </a:fld>
             <a:endParaRPr lang="en-US"/>
           </a:p>
@@ -593,7 +593,7 @@
           <a:p>
             <a:fld id="{95656FF8-6698-2D4C-A6FB-723933382C5D}" type="datetimeFigureOut">
               <a:rPr lang="en-US" smtClean="0"/>
-              <a:t>4/20/21</a:t>
+              <a:t>5/3/21</a:t>
             </a:fld>
             <a:endParaRPr lang="en-US"/>
           </a:p>
@@ -763,7 +763,7 @@
           <a:p>
             <a:fld id="{95656FF8-6698-2D4C-A6FB-723933382C5D}" type="datetimeFigureOut">
               <a:rPr lang="en-US" smtClean="0"/>
-              <a:t>4/20/21</a:t>
+              <a:t>5/3/21</a:t>
             </a:fld>
             <a:endParaRPr lang="en-US"/>
           </a:p>
@@ -1007,7 +1007,7 @@
           <a:p>
             <a:fld id="{95656FF8-6698-2D4C-A6FB-723933382C5D}" type="datetimeFigureOut">
               <a:rPr lang="en-US" smtClean="0"/>
-              <a:t>4/20/21</a:t>
+              <a:t>5/3/21</a:t>
             </a:fld>
             <a:endParaRPr lang="en-US"/>
           </a:p>
@@ -1239,7 +1239,7 @@
           <a:p>
             <a:fld id="{95656FF8-6698-2D4C-A6FB-723933382C5D}" type="datetimeFigureOut">
               <a:rPr lang="en-US" smtClean="0"/>
-              <a:t>4/20/21</a:t>
+              <a:t>5/3/21</a:t>
             </a:fld>
             <a:endParaRPr lang="en-US"/>
           </a:p>
@@ -1606,7 +1606,7 @@
           <a:p>
             <a:fld id="{95656FF8-6698-2D4C-A6FB-723933382C5D}" type="datetimeFigureOut">
               <a:rPr lang="en-US" smtClean="0"/>
-              <a:t>4/20/21</a:t>
+              <a:t>5/3/21</a:t>
             </a:fld>
             <a:endParaRPr lang="en-US"/>
           </a:p>
@@ -1724,7 +1724,7 @@
           <a:p>
             <a:fld id="{95656FF8-6698-2D4C-A6FB-723933382C5D}" type="datetimeFigureOut">
               <a:rPr lang="en-US" smtClean="0"/>
-              <a:t>4/20/21</a:t>
+              <a:t>5/3/21</a:t>
             </a:fld>
             <a:endParaRPr lang="en-US"/>
           </a:p>
@@ -1819,7 +1819,7 @@
           <a:p>
             <a:fld id="{95656FF8-6698-2D4C-A6FB-723933382C5D}" type="datetimeFigureOut">
               <a:rPr lang="en-US" smtClean="0"/>
-              <a:t>4/20/21</a:t>
+              <a:t>5/3/21</a:t>
             </a:fld>
             <a:endParaRPr lang="en-US"/>
           </a:p>
@@ -2096,7 +2096,7 @@
           <a:p>
             <a:fld id="{95656FF8-6698-2D4C-A6FB-723933382C5D}" type="datetimeFigureOut">
               <a:rPr lang="en-US" smtClean="0"/>
-              <a:t>4/20/21</a:t>
+              <a:t>5/3/21</a:t>
             </a:fld>
             <a:endParaRPr lang="en-US"/>
           </a:p>
@@ -2353,7 +2353,7 @@
           <a:p>
             <a:fld id="{95656FF8-6698-2D4C-A6FB-723933382C5D}" type="datetimeFigureOut">
               <a:rPr lang="en-US" smtClean="0"/>
-              <a:t>4/20/21</a:t>
+              <a:t>5/3/21</a:t>
             </a:fld>
             <a:endParaRPr lang="en-US"/>
           </a:p>
@@ -2566,7 +2566,7 @@
           <a:p>
             <a:fld id="{95656FF8-6698-2D4C-A6FB-723933382C5D}" type="datetimeFigureOut">
               <a:rPr lang="en-US" smtClean="0"/>
-              <a:t>4/20/21</a:t>
+              <a:t>5/3/21</a:t>
             </a:fld>
             <a:endParaRPr lang="en-US"/>
           </a:p>
@@ -4491,789 +4491,648 @@
           </p:spPr>
         </p:pic>
       </p:grpSp>
-      <p:grpSp>
-        <p:nvGrpSpPr>
-          <p:cNvPr id="93" name="Group 92">
+      <p:pic>
+        <p:nvPicPr>
+          <p:cNvPr id="94" name="Picture 93">
             <a:extLst>
               <a:ext uri="{FF2B5EF4-FFF2-40B4-BE49-F238E27FC236}">
-                <a16:creationId xmlns:a16="http://schemas.microsoft.com/office/drawing/2014/main" id="{1EA9DAC8-8EF4-B440-B98F-F24F12D02FAA}"/>
+                <a16:creationId xmlns:a16="http://schemas.microsoft.com/office/drawing/2014/main" id="{1D907DAE-C553-C148-9558-65102E1A0826}"/>
               </a:ext>
             </a:extLst>
           </p:cNvPr>
-          <p:cNvGrpSpPr/>
+          <p:cNvPicPr>
+            <a:picLocks noChangeAspect="1"/>
+          </p:cNvPicPr>
           <p:nvPr/>
-        </p:nvGrpSpPr>
-        <p:grpSpPr>
+        </p:nvPicPr>
+        <p:blipFill rotWithShape="1">
+          <a:blip r:embed="rId2"/>
+          <a:srcRect t="30185" r="49984" b="29388"/>
+          <a:stretch/>
+        </p:blipFill>
+        <p:spPr>
           <a:xfrm>
-            <a:off x="4427873" y="8495787"/>
-            <a:ext cx="3943826" cy="3212705"/>
-            <a:chOff x="101822" y="1828421"/>
-            <a:chExt cx="3943826" cy="3212705"/>
+            <a:off x="5011957" y="9201464"/>
+            <a:ext cx="3359742" cy="2140127"/>
           </a:xfrm>
-        </p:grpSpPr>
-        <p:pic>
-          <p:nvPicPr>
-            <p:cNvPr id="94" name="Picture 93">
-              <a:extLst>
-                <a:ext uri="{FF2B5EF4-FFF2-40B4-BE49-F238E27FC236}">
-                  <a16:creationId xmlns:a16="http://schemas.microsoft.com/office/drawing/2014/main" id="{1D907DAE-C553-C148-9558-65102E1A0826}"/>
-                </a:ext>
-              </a:extLst>
-            </p:cNvPr>
-            <p:cNvPicPr>
-              <a:picLocks noChangeAspect="1"/>
-            </p:cNvPicPr>
-            <p:nvPr/>
-          </p:nvPicPr>
-          <p:blipFill rotWithShape="1">
-            <a:blip r:embed="rId2"/>
-            <a:srcRect t="30185" r="49984" b="29388"/>
-            <a:stretch/>
-          </p:blipFill>
-          <p:spPr>
-            <a:xfrm>
-              <a:off x="685906" y="2501108"/>
-              <a:ext cx="3359742" cy="2140127"/>
-            </a:xfrm>
-            <a:prstGeom prst="rect">
-              <a:avLst/>
-            </a:prstGeom>
-          </p:spPr>
-        </p:pic>
-        <p:sp>
-          <p:nvSpPr>
-            <p:cNvPr id="95" name="TextBox 94">
-              <a:extLst>
-                <a:ext uri="{FF2B5EF4-FFF2-40B4-BE49-F238E27FC236}">
-                  <a16:creationId xmlns:a16="http://schemas.microsoft.com/office/drawing/2014/main" id="{AA85C00D-EB8F-F548-9B0D-5283C56119D7}"/>
-                </a:ext>
-              </a:extLst>
-            </p:cNvPr>
-            <p:cNvSpPr txBox="1"/>
-            <p:nvPr/>
-          </p:nvSpPr>
-          <p:spPr>
-            <a:xfrm>
-              <a:off x="120062" y="2910137"/>
-              <a:ext cx="627283" cy="300082"/>
-            </a:xfrm>
-            <a:prstGeom prst="rect">
-              <a:avLst/>
-            </a:prstGeom>
-            <a:noFill/>
-          </p:spPr>
-          <p:txBody>
-            <a:bodyPr wrap="square" rtlCol="0">
-              <a:spAutoFit/>
-            </a:bodyPr>
-            <a:lstStyle/>
-            <a:p>
-              <a:r>
-                <a:rPr lang="en-US" sz="1350" u="sng" dirty="0">
-                  <a:solidFill>
-                    <a:srgbClr val="00B050"/>
-                  </a:solidFill>
-                </a:rPr>
-                <a:t>Task A</a:t>
-              </a:r>
-            </a:p>
-          </p:txBody>
-        </p:sp>
-        <p:sp>
-          <p:nvSpPr>
-            <p:cNvPr id="96" name="TextBox 95">
-              <a:extLst>
-                <a:ext uri="{FF2B5EF4-FFF2-40B4-BE49-F238E27FC236}">
-                  <a16:creationId xmlns:a16="http://schemas.microsoft.com/office/drawing/2014/main" id="{66AAD2B6-2F95-2D4B-A775-F60FB2AC2262}"/>
-                </a:ext>
-              </a:extLst>
-            </p:cNvPr>
-            <p:cNvSpPr txBox="1"/>
-            <p:nvPr/>
-          </p:nvSpPr>
-          <p:spPr>
-            <a:xfrm>
-              <a:off x="170732" y="3825591"/>
-              <a:ext cx="576613" cy="300082"/>
-            </a:xfrm>
-            <a:prstGeom prst="rect">
-              <a:avLst/>
-            </a:prstGeom>
-            <a:noFill/>
-          </p:spPr>
-          <p:txBody>
-            <a:bodyPr wrap="square" rtlCol="0">
-              <a:spAutoFit/>
-            </a:bodyPr>
-            <a:lstStyle/>
-            <a:p>
-              <a:r>
-                <a:rPr lang="en-US" sz="1350" dirty="0"/>
-                <a:t>Rest</a:t>
-              </a:r>
-            </a:p>
-          </p:txBody>
-        </p:sp>
-        <p:sp>
-          <p:nvSpPr>
-            <p:cNvPr id="97" name="TextBox 96">
-              <a:extLst>
-                <a:ext uri="{FF2B5EF4-FFF2-40B4-BE49-F238E27FC236}">
-                  <a16:creationId xmlns:a16="http://schemas.microsoft.com/office/drawing/2014/main" id="{60DB4ABA-9130-734E-8D7B-F3FD66C5C56C}"/>
-                </a:ext>
-              </a:extLst>
-            </p:cNvPr>
-            <p:cNvSpPr txBox="1"/>
-            <p:nvPr/>
-          </p:nvSpPr>
-          <p:spPr>
-            <a:xfrm>
-              <a:off x="765215" y="2467466"/>
-              <a:ext cx="775138" cy="300082"/>
-            </a:xfrm>
-            <a:prstGeom prst="rect">
-              <a:avLst/>
-            </a:prstGeom>
-            <a:noFill/>
-          </p:spPr>
-          <p:txBody>
-            <a:bodyPr wrap="square" rtlCol="0">
-              <a:spAutoFit/>
-            </a:bodyPr>
-            <a:lstStyle/>
-            <a:p>
-              <a:r>
-                <a:rPr lang="en-US" sz="1350" dirty="0">
-                  <a:solidFill>
-                    <a:srgbClr val="0070C0"/>
-                  </a:solidFill>
-                </a:rPr>
-                <a:t>MSC01</a:t>
-              </a:r>
-            </a:p>
-          </p:txBody>
-        </p:sp>
-        <p:sp>
-          <p:nvSpPr>
-            <p:cNvPr id="98" name="TextBox 97">
-              <a:extLst>
-                <a:ext uri="{FF2B5EF4-FFF2-40B4-BE49-F238E27FC236}">
-                  <a16:creationId xmlns:a16="http://schemas.microsoft.com/office/drawing/2014/main" id="{5010949A-8B30-344C-AC3D-EC68D8BC00F8}"/>
-                </a:ext>
-              </a:extLst>
-            </p:cNvPr>
-            <p:cNvSpPr txBox="1"/>
-            <p:nvPr/>
-          </p:nvSpPr>
-          <p:spPr>
-            <a:xfrm>
-              <a:off x="801030" y="4392066"/>
-              <a:ext cx="629307" cy="207749"/>
-            </a:xfrm>
-            <a:prstGeom prst="rect">
-              <a:avLst/>
-            </a:prstGeom>
-            <a:noFill/>
-          </p:spPr>
-          <p:txBody>
-            <a:bodyPr wrap="square" rtlCol="0">
-              <a:spAutoFit/>
-            </a:bodyPr>
-            <a:lstStyle/>
-            <a:p>
-              <a:r>
-                <a:rPr lang="en-US" sz="750" dirty="0"/>
-                <a:t>Session 1</a:t>
-              </a:r>
-            </a:p>
-          </p:txBody>
-        </p:sp>
-        <p:sp>
-          <p:nvSpPr>
-            <p:cNvPr id="99" name="TextBox 98">
-              <a:extLst>
-                <a:ext uri="{FF2B5EF4-FFF2-40B4-BE49-F238E27FC236}">
-                  <a16:creationId xmlns:a16="http://schemas.microsoft.com/office/drawing/2014/main" id="{E492C3DF-E620-AF42-AA70-4EFE0822F1B6}"/>
-                </a:ext>
-              </a:extLst>
-            </p:cNvPr>
-            <p:cNvSpPr txBox="1"/>
-            <p:nvPr/>
-          </p:nvSpPr>
-          <p:spPr>
-            <a:xfrm>
-              <a:off x="1639762" y="4431834"/>
-              <a:ext cx="591622" cy="207749"/>
-            </a:xfrm>
-            <a:prstGeom prst="rect">
-              <a:avLst/>
-            </a:prstGeom>
-            <a:noFill/>
-          </p:spPr>
-          <p:txBody>
-            <a:bodyPr wrap="square" rtlCol="0">
-              <a:spAutoFit/>
-            </a:bodyPr>
-            <a:lstStyle/>
-            <a:p>
-              <a:r>
-                <a:rPr lang="en-US" sz="750" dirty="0"/>
-                <a:t>Session 2</a:t>
-              </a:r>
-            </a:p>
-          </p:txBody>
-        </p:sp>
-        <p:sp>
-          <p:nvSpPr>
-            <p:cNvPr id="100" name="TextBox 99">
-              <a:extLst>
-                <a:ext uri="{FF2B5EF4-FFF2-40B4-BE49-F238E27FC236}">
-                  <a16:creationId xmlns:a16="http://schemas.microsoft.com/office/drawing/2014/main" id="{4B0BF58E-4587-124B-AED9-D3D2054A9A8D}"/>
-                </a:ext>
-              </a:extLst>
-            </p:cNvPr>
-            <p:cNvSpPr txBox="1"/>
-            <p:nvPr/>
-          </p:nvSpPr>
-          <p:spPr>
-            <a:xfrm>
-              <a:off x="2548437" y="4362989"/>
-              <a:ext cx="421536" cy="276999"/>
-            </a:xfrm>
-            <a:prstGeom prst="rect">
-              <a:avLst/>
-            </a:prstGeom>
-            <a:noFill/>
-          </p:spPr>
-          <p:txBody>
-            <a:bodyPr wrap="square" rtlCol="0">
-              <a:spAutoFit/>
-            </a:bodyPr>
-            <a:lstStyle/>
-            <a:p>
-              <a:pPr algn="ctr"/>
-              <a:r>
-                <a:rPr lang="en-US" sz="1200" dirty="0"/>
-                <a:t>.…</a:t>
-              </a:r>
-            </a:p>
-          </p:txBody>
-        </p:sp>
-        <p:sp>
-          <p:nvSpPr>
-            <p:cNvPr id="101" name="TextBox 100">
-              <a:extLst>
-                <a:ext uri="{FF2B5EF4-FFF2-40B4-BE49-F238E27FC236}">
-                  <a16:creationId xmlns:a16="http://schemas.microsoft.com/office/drawing/2014/main" id="{4A9C255D-BB6B-8147-B3DD-CF5F0E32778F}"/>
-                </a:ext>
-              </a:extLst>
-            </p:cNvPr>
-            <p:cNvSpPr txBox="1"/>
-            <p:nvPr/>
-          </p:nvSpPr>
-          <p:spPr>
-            <a:xfrm>
-              <a:off x="3334218" y="4431834"/>
-              <a:ext cx="631794" cy="207749"/>
-            </a:xfrm>
-            <a:prstGeom prst="rect">
-              <a:avLst/>
-            </a:prstGeom>
-            <a:noFill/>
-          </p:spPr>
-          <p:txBody>
-            <a:bodyPr wrap="square" rtlCol="0">
-              <a:spAutoFit/>
-            </a:bodyPr>
-            <a:lstStyle/>
-            <a:p>
-              <a:r>
-                <a:rPr lang="en-US" sz="750" dirty="0"/>
-                <a:t>Session 9</a:t>
-              </a:r>
-            </a:p>
-          </p:txBody>
-        </p:sp>
-        <p:sp>
-          <p:nvSpPr>
-            <p:cNvPr id="102" name="Rectangle 101">
-              <a:extLst>
-                <a:ext uri="{FF2B5EF4-FFF2-40B4-BE49-F238E27FC236}">
-                  <a16:creationId xmlns:a16="http://schemas.microsoft.com/office/drawing/2014/main" id="{BBA0B75B-E7D4-384A-9388-96290A53A0CF}"/>
-                </a:ext>
-              </a:extLst>
-            </p:cNvPr>
-            <p:cNvSpPr/>
-            <p:nvPr/>
-          </p:nvSpPr>
-          <p:spPr>
-            <a:xfrm>
-              <a:off x="101822" y="1828421"/>
-              <a:ext cx="3925585" cy="3212705"/>
-            </a:xfrm>
-            <a:prstGeom prst="rect">
-              <a:avLst/>
-            </a:prstGeom>
-            <a:noFill/>
-            <a:ln w="28575">
-              <a:solidFill>
-                <a:schemeClr val="tx1"/>
-              </a:solidFill>
-            </a:ln>
-          </p:spPr>
-          <p:style>
-            <a:lnRef idx="2">
-              <a:schemeClr val="accent1">
-                <a:shade val="50000"/>
-              </a:schemeClr>
-            </a:lnRef>
-            <a:fillRef idx="1">
-              <a:schemeClr val="accent1"/>
-            </a:fillRef>
-            <a:effectRef idx="0">
-              <a:schemeClr val="accent1"/>
-            </a:effectRef>
-            <a:fontRef idx="minor">
-              <a:schemeClr val="lt1"/>
-            </a:fontRef>
-          </p:style>
-          <p:txBody>
-            <a:bodyPr rtlCol="0" anchor="ctr"/>
-            <a:lstStyle/>
-            <a:p>
-              <a:pPr algn="ctr"/>
-              <a:endParaRPr lang="en-US" sz="1350"/>
-            </a:p>
-          </p:txBody>
-        </p:sp>
-        <p:sp>
-          <p:nvSpPr>
-            <p:cNvPr id="103" name="TextBox 102">
-              <a:extLst>
-                <a:ext uri="{FF2B5EF4-FFF2-40B4-BE49-F238E27FC236}">
-                  <a16:creationId xmlns:a16="http://schemas.microsoft.com/office/drawing/2014/main" id="{0DAB29C8-7CF8-F54B-97C0-82CF81A13EFE}"/>
-                </a:ext>
-              </a:extLst>
-            </p:cNvPr>
-            <p:cNvSpPr txBox="1"/>
-            <p:nvPr/>
-          </p:nvSpPr>
-          <p:spPr>
-            <a:xfrm>
-              <a:off x="1559668" y="1867520"/>
-              <a:ext cx="1009892" cy="400110"/>
-            </a:xfrm>
-            <a:prstGeom prst="rect">
-              <a:avLst/>
-            </a:prstGeom>
-            <a:noFill/>
-          </p:spPr>
-          <p:txBody>
-            <a:bodyPr wrap="none" rtlCol="0">
-              <a:spAutoFit/>
-            </a:bodyPr>
-            <a:lstStyle/>
-            <a:p>
-              <a:r>
-                <a:rPr lang="en-US" sz="2000" u="sng" dirty="0"/>
-                <a:t>Training</a:t>
-              </a:r>
-            </a:p>
-          </p:txBody>
-        </p:sp>
-      </p:grpSp>
-      <p:grpSp>
-        <p:nvGrpSpPr>
-          <p:cNvPr id="104" name="Group 103">
+          <a:prstGeom prst="rect">
+            <a:avLst/>
+          </a:prstGeom>
+        </p:spPr>
+      </p:pic>
+      <p:sp>
+        <p:nvSpPr>
+          <p:cNvPr id="95" name="TextBox 94">
             <a:extLst>
               <a:ext uri="{FF2B5EF4-FFF2-40B4-BE49-F238E27FC236}">
-                <a16:creationId xmlns:a16="http://schemas.microsoft.com/office/drawing/2014/main" id="{32A278A4-C4B9-1F40-8B32-183E0C433F82}"/>
+                <a16:creationId xmlns:a16="http://schemas.microsoft.com/office/drawing/2014/main" id="{AA85C00D-EB8F-F548-9B0D-5283C56119D7}"/>
               </a:ext>
             </a:extLst>
           </p:cNvPr>
-          <p:cNvGrpSpPr/>
+          <p:cNvSpPr txBox="1"/>
           <p:nvPr/>
-        </p:nvGrpSpPr>
-        <p:grpSpPr>
+        </p:nvSpPr>
+        <p:spPr>
           <a:xfrm>
-            <a:off x="8498023" y="8505264"/>
-            <a:ext cx="2841385" cy="3203227"/>
-            <a:chOff x="4096623" y="1804908"/>
-            <a:chExt cx="2841385" cy="3203227"/>
+            <a:off x="4446113" y="9610493"/>
+            <a:ext cx="627283" cy="300082"/>
           </a:xfrm>
-        </p:grpSpPr>
-        <p:grpSp>
-          <p:nvGrpSpPr>
-            <p:cNvPr id="105" name="Group 104">
-              <a:extLst>
-                <a:ext uri="{FF2B5EF4-FFF2-40B4-BE49-F238E27FC236}">
-                  <a16:creationId xmlns:a16="http://schemas.microsoft.com/office/drawing/2014/main" id="{BFD95928-E36A-8142-8604-4A474928B458}"/>
-                </a:ext>
-              </a:extLst>
-            </p:cNvPr>
-            <p:cNvGrpSpPr/>
-            <p:nvPr/>
-          </p:nvGrpSpPr>
-          <p:grpSpPr>
-            <a:xfrm>
-              <a:off x="4096623" y="1804908"/>
-              <a:ext cx="2841385" cy="3203227"/>
-              <a:chOff x="4096623" y="1804908"/>
-              <a:chExt cx="2841385" cy="3203227"/>
-            </a:xfrm>
-          </p:grpSpPr>
-          <p:sp>
-            <p:nvSpPr>
-              <p:cNvPr id="107" name="Rectangle 106">
-                <a:extLst>
-                  <a:ext uri="{FF2B5EF4-FFF2-40B4-BE49-F238E27FC236}">
-                    <a16:creationId xmlns:a16="http://schemas.microsoft.com/office/drawing/2014/main" id="{726A95C8-24DA-304D-9D15-C02F9FBE049D}"/>
-                  </a:ext>
-                </a:extLst>
-              </p:cNvPr>
-              <p:cNvSpPr/>
-              <p:nvPr/>
-            </p:nvSpPr>
-            <p:spPr>
-              <a:xfrm>
-                <a:off x="4096623" y="1804908"/>
-                <a:ext cx="2841385" cy="3203227"/>
-              </a:xfrm>
-              <a:prstGeom prst="rect">
-                <a:avLst/>
-              </a:prstGeom>
-              <a:noFill/>
-              <a:ln w="28575">
+          <a:prstGeom prst="rect">
+            <a:avLst/>
+          </a:prstGeom>
+          <a:noFill/>
+        </p:spPr>
+        <p:txBody>
+          <a:bodyPr wrap="square" rtlCol="0">
+            <a:spAutoFit/>
+          </a:bodyPr>
+          <a:lstStyle/>
+          <a:p>
+            <a:r>
+              <a:rPr lang="en-US" sz="1350" u="sng" dirty="0">
                 <a:solidFill>
-                  <a:schemeClr val="tx1"/>
+                  <a:srgbClr val="00B050"/>
                 </a:solidFill>
-              </a:ln>
-            </p:spPr>
-            <p:style>
-              <a:lnRef idx="2">
-                <a:schemeClr val="accent1">
-                  <a:shade val="50000"/>
-                </a:schemeClr>
-              </a:lnRef>
-              <a:fillRef idx="1">
-                <a:schemeClr val="accent1"/>
-              </a:fillRef>
-              <a:effectRef idx="0">
-                <a:schemeClr val="accent1"/>
-              </a:effectRef>
-              <a:fontRef idx="minor">
-                <a:schemeClr val="lt1"/>
-              </a:fontRef>
-            </p:style>
-            <p:txBody>
-              <a:bodyPr rtlCol="0" anchor="ctr"/>
-              <a:lstStyle/>
-              <a:p>
-                <a:pPr algn="ctr"/>
-                <a:endParaRPr lang="en-US" sz="1350"/>
-              </a:p>
-            </p:txBody>
-          </p:sp>
-          <p:grpSp>
-            <p:nvGrpSpPr>
-              <p:cNvPr id="108" name="Group 107">
-                <a:extLst>
-                  <a:ext uri="{FF2B5EF4-FFF2-40B4-BE49-F238E27FC236}">
-                    <a16:creationId xmlns:a16="http://schemas.microsoft.com/office/drawing/2014/main" id="{5245BECB-95B0-2644-8ADB-F5D391D1EE94}"/>
-                  </a:ext>
-                </a:extLst>
-              </p:cNvPr>
-              <p:cNvGrpSpPr/>
-              <p:nvPr/>
-            </p:nvGrpSpPr>
-            <p:grpSpPr>
-              <a:xfrm>
-                <a:off x="4287352" y="2421842"/>
-                <a:ext cx="940415" cy="2198813"/>
-                <a:chOff x="4276842" y="2421842"/>
-                <a:chExt cx="940415" cy="2198813"/>
-              </a:xfrm>
-            </p:grpSpPr>
-            <p:grpSp>
-              <p:nvGrpSpPr>
-                <p:cNvPr id="112" name="Group 111">
-                  <a:extLst>
-                    <a:ext uri="{FF2B5EF4-FFF2-40B4-BE49-F238E27FC236}">
-                      <a16:creationId xmlns:a16="http://schemas.microsoft.com/office/drawing/2014/main" id="{90371C1C-C52D-844C-8B08-66697EE01518}"/>
-                    </a:ext>
-                  </a:extLst>
-                </p:cNvPr>
-                <p:cNvGrpSpPr/>
-                <p:nvPr/>
-              </p:nvGrpSpPr>
-              <p:grpSpPr>
-                <a:xfrm>
-                  <a:off x="4276842" y="2699364"/>
-                  <a:ext cx="927648" cy="1910779"/>
-                  <a:chOff x="4245312" y="2699364"/>
-                  <a:chExt cx="927648" cy="1910779"/>
-                </a:xfrm>
-              </p:grpSpPr>
-              <p:pic>
-                <p:nvPicPr>
-                  <p:cNvPr id="114" name="Picture 113">
-                    <a:extLst>
-                      <a:ext uri="{FF2B5EF4-FFF2-40B4-BE49-F238E27FC236}">
-                        <a16:creationId xmlns:a16="http://schemas.microsoft.com/office/drawing/2014/main" id="{D66B7766-2D71-3F48-9D15-4DEB1EAE7FEA}"/>
-                      </a:ext>
-                    </a:extLst>
-                  </p:cNvPr>
-                  <p:cNvPicPr>
-                    <a:picLocks noChangeAspect="1"/>
-                  </p:cNvPicPr>
-                  <p:nvPr/>
-                </p:nvPicPr>
-                <p:blipFill rotWithShape="1">
-                  <a:blip r:embed="rId2"/>
-                  <a:srcRect l="74431" t="-2" r="12089" b="64747"/>
-                  <a:stretch/>
-                </p:blipFill>
-                <p:spPr>
-                  <a:xfrm>
-                    <a:off x="4245312" y="2699364"/>
-                    <a:ext cx="927648" cy="1908619"/>
-                  </a:xfrm>
-                  <a:prstGeom prst="rect">
-                    <a:avLst/>
-                  </a:prstGeom>
-                </p:spPr>
-              </p:pic>
-              <p:sp>
-                <p:nvSpPr>
-                  <p:cNvPr id="115" name="TextBox 114">
-                    <a:extLst>
-                      <a:ext uri="{FF2B5EF4-FFF2-40B4-BE49-F238E27FC236}">
-                        <a16:creationId xmlns:a16="http://schemas.microsoft.com/office/drawing/2014/main" id="{15BD6EF2-E8B3-2A4D-8183-6713F47C91C1}"/>
-                      </a:ext>
-                    </a:extLst>
-                  </p:cNvPr>
-                  <p:cNvSpPr txBox="1"/>
-                  <p:nvPr/>
-                </p:nvSpPr>
-                <p:spPr>
-                  <a:xfrm>
-                    <a:off x="4414337" y="4402394"/>
-                    <a:ext cx="631794" cy="207749"/>
-                  </a:xfrm>
-                  <a:prstGeom prst="rect">
-                    <a:avLst/>
-                  </a:prstGeom>
-                  <a:noFill/>
-                </p:spPr>
-                <p:txBody>
-                  <a:bodyPr wrap="square" rtlCol="0">
-                    <a:spAutoFit/>
-                  </a:bodyPr>
-                  <a:lstStyle/>
-                  <a:p>
-                    <a:r>
-                      <a:rPr lang="en-US" sz="750" dirty="0"/>
-                      <a:t>Session 10</a:t>
-                    </a:r>
-                  </a:p>
-                </p:txBody>
-              </p:sp>
-            </p:grpSp>
-            <p:sp>
-              <p:nvSpPr>
-                <p:cNvPr id="113" name="Rectangle 112">
-                  <a:extLst>
-                    <a:ext uri="{FF2B5EF4-FFF2-40B4-BE49-F238E27FC236}">
-                      <a16:creationId xmlns:a16="http://schemas.microsoft.com/office/drawing/2014/main" id="{DE9AFE85-530F-DD43-A230-18EC53B8EAC4}"/>
-                    </a:ext>
-                  </a:extLst>
-                </p:cNvPr>
-                <p:cNvSpPr/>
-                <p:nvPr/>
-              </p:nvSpPr>
-              <p:spPr>
-                <a:xfrm>
-                  <a:off x="4316973" y="2421842"/>
-                  <a:ext cx="900284" cy="2198813"/>
-                </a:xfrm>
-                <a:prstGeom prst="rect">
-                  <a:avLst/>
-                </a:prstGeom>
-                <a:noFill/>
-                <a:ln w="28575">
-                  <a:solidFill>
-                    <a:srgbClr val="FF0000"/>
-                  </a:solidFill>
-                  <a:prstDash val="lgDash"/>
-                </a:ln>
-              </p:spPr>
-              <p:style>
-                <a:lnRef idx="2">
-                  <a:schemeClr val="accent1">
-                    <a:shade val="50000"/>
-                  </a:schemeClr>
-                </a:lnRef>
-                <a:fillRef idx="1">
-                  <a:schemeClr val="accent1"/>
-                </a:fillRef>
-                <a:effectRef idx="0">
-                  <a:schemeClr val="accent1"/>
-                </a:effectRef>
-                <a:fontRef idx="minor">
-                  <a:schemeClr val="lt1"/>
-                </a:fontRef>
-              </p:style>
-              <p:txBody>
-                <a:bodyPr rtlCol="0" anchor="ctr"/>
-                <a:lstStyle/>
-                <a:p>
-                  <a:pPr algn="ctr"/>
-                  <a:endParaRPr lang="en-US" sz="1350"/>
-                </a:p>
-              </p:txBody>
-            </p:sp>
-          </p:grpSp>
-          <p:sp>
-            <p:nvSpPr>
-              <p:cNvPr id="109" name="TextBox 108">
-                <a:extLst>
-                  <a:ext uri="{FF2B5EF4-FFF2-40B4-BE49-F238E27FC236}">
-                    <a16:creationId xmlns:a16="http://schemas.microsoft.com/office/drawing/2014/main" id="{2E5164F5-DCFB-5E46-9AF8-366986C908E1}"/>
-                  </a:ext>
-                </a:extLst>
-              </p:cNvPr>
-              <p:cNvSpPr txBox="1"/>
-              <p:nvPr/>
-            </p:nvSpPr>
-            <p:spPr>
-              <a:xfrm>
-                <a:off x="4368577" y="2459771"/>
-                <a:ext cx="775138" cy="307777"/>
-              </a:xfrm>
-              <a:prstGeom prst="rect">
-                <a:avLst/>
-              </a:prstGeom>
-              <a:noFill/>
-            </p:spPr>
-            <p:txBody>
-              <a:bodyPr wrap="square" rtlCol="0">
-                <a:spAutoFit/>
-              </a:bodyPr>
-              <a:lstStyle/>
-              <a:p>
-                <a:pPr algn="ctr"/>
-                <a:r>
-                  <a:rPr lang="en-US" sz="1400" dirty="0"/>
-                  <a:t>Test</a:t>
-                </a:r>
-              </a:p>
-            </p:txBody>
-          </p:sp>
-          <p:sp>
-            <p:nvSpPr>
-              <p:cNvPr id="110" name="TextBox 109">
-                <a:extLst>
-                  <a:ext uri="{FF2B5EF4-FFF2-40B4-BE49-F238E27FC236}">
-                    <a16:creationId xmlns:a16="http://schemas.microsoft.com/office/drawing/2014/main" id="{6DC92F72-9492-434D-A308-AC4063CFB0FD}"/>
-                  </a:ext>
-                </a:extLst>
-              </p:cNvPr>
-              <p:cNvSpPr txBox="1"/>
-              <p:nvPr/>
-            </p:nvSpPr>
-            <p:spPr>
-              <a:xfrm>
-                <a:off x="4661357" y="1840642"/>
-                <a:ext cx="1842043" cy="400110"/>
-              </a:xfrm>
-              <a:prstGeom prst="rect">
-                <a:avLst/>
-              </a:prstGeom>
-              <a:noFill/>
-            </p:spPr>
-            <p:txBody>
-              <a:bodyPr wrap="none" rtlCol="0">
-                <a:spAutoFit/>
-              </a:bodyPr>
-              <a:lstStyle/>
-              <a:p>
-                <a:r>
-                  <a:rPr lang="en-US" sz="2000" u="sng" dirty="0"/>
-                  <a:t>Test Across Task</a:t>
-                </a:r>
-              </a:p>
-            </p:txBody>
-          </p:sp>
-          <p:pic>
-            <p:nvPicPr>
-              <p:cNvPr id="111" name="Picture 110">
-                <a:extLst>
-                  <a:ext uri="{FF2B5EF4-FFF2-40B4-BE49-F238E27FC236}">
-                    <a16:creationId xmlns:a16="http://schemas.microsoft.com/office/drawing/2014/main" id="{15E47063-E326-7846-9003-18F11340EC5D}"/>
-                  </a:ext>
-                </a:extLst>
-              </p:cNvPr>
-              <p:cNvPicPr>
-                <a:picLocks noChangeAspect="1"/>
-              </p:cNvPicPr>
-              <p:nvPr/>
-            </p:nvPicPr>
-            <p:blipFill rotWithShape="1">
-              <a:blip r:embed="rId2"/>
-              <a:srcRect l="75916" t="-2" r="12672" b="67934"/>
-              <a:stretch/>
-            </p:blipFill>
-            <p:spPr>
-              <a:xfrm>
-                <a:off x="5754355" y="2714940"/>
-                <a:ext cx="785890" cy="1737360"/>
-              </a:xfrm>
-              <a:prstGeom prst="rect">
-                <a:avLst/>
-              </a:prstGeom>
-            </p:spPr>
-          </p:pic>
-        </p:grpSp>
-        <p:sp>
-          <p:nvSpPr>
-            <p:cNvPr id="106" name="TextBox 105">
-              <a:extLst>
-                <a:ext uri="{FF2B5EF4-FFF2-40B4-BE49-F238E27FC236}">
-                  <a16:creationId xmlns:a16="http://schemas.microsoft.com/office/drawing/2014/main" id="{0DF8BBBA-6C40-1048-BC48-A04C77D97943}"/>
-                </a:ext>
-              </a:extLst>
-            </p:cNvPr>
-            <p:cNvSpPr txBox="1"/>
-            <p:nvPr/>
-          </p:nvSpPr>
-          <p:spPr>
-            <a:xfrm>
-              <a:off x="5830462" y="2425937"/>
-              <a:ext cx="775138" cy="338554"/>
-            </a:xfrm>
-            <a:prstGeom prst="rect">
-              <a:avLst/>
-            </a:prstGeom>
-            <a:noFill/>
-          </p:spPr>
-          <p:txBody>
-            <a:bodyPr wrap="square" rtlCol="0">
-              <a:spAutoFit/>
-            </a:bodyPr>
-            <a:lstStyle/>
-            <a:p>
-              <a:r>
-                <a:rPr lang="en-US" sz="1600" dirty="0">
-                  <a:solidFill>
-                    <a:schemeClr val="accent4"/>
-                  </a:solidFill>
-                </a:rPr>
-                <a:t>Task B</a:t>
-              </a:r>
-            </a:p>
-          </p:txBody>
-        </p:sp>
-      </p:grpSp>
+              </a:rPr>
+              <a:t>Task A</a:t>
+            </a:r>
+          </a:p>
+        </p:txBody>
+      </p:sp>
+      <p:sp>
+        <p:nvSpPr>
+          <p:cNvPr id="96" name="TextBox 95">
+            <a:extLst>
+              <a:ext uri="{FF2B5EF4-FFF2-40B4-BE49-F238E27FC236}">
+                <a16:creationId xmlns:a16="http://schemas.microsoft.com/office/drawing/2014/main" id="{66AAD2B6-2F95-2D4B-A775-F60FB2AC2262}"/>
+              </a:ext>
+            </a:extLst>
+          </p:cNvPr>
+          <p:cNvSpPr txBox="1"/>
+          <p:nvPr/>
+        </p:nvSpPr>
+        <p:spPr>
+          <a:xfrm>
+            <a:off x="4496783" y="10525947"/>
+            <a:ext cx="576613" cy="300082"/>
+          </a:xfrm>
+          <a:prstGeom prst="rect">
+            <a:avLst/>
+          </a:prstGeom>
+          <a:noFill/>
+        </p:spPr>
+        <p:txBody>
+          <a:bodyPr wrap="square" rtlCol="0">
+            <a:spAutoFit/>
+          </a:bodyPr>
+          <a:lstStyle/>
+          <a:p>
+            <a:r>
+              <a:rPr lang="en-US" sz="1350" dirty="0"/>
+              <a:t>Rest</a:t>
+            </a:r>
+          </a:p>
+        </p:txBody>
+      </p:sp>
+      <p:sp>
+        <p:nvSpPr>
+          <p:cNvPr id="97" name="TextBox 96">
+            <a:extLst>
+              <a:ext uri="{FF2B5EF4-FFF2-40B4-BE49-F238E27FC236}">
+                <a16:creationId xmlns:a16="http://schemas.microsoft.com/office/drawing/2014/main" id="{60DB4ABA-9130-734E-8D7B-F3FD66C5C56C}"/>
+              </a:ext>
+            </a:extLst>
+          </p:cNvPr>
+          <p:cNvSpPr txBox="1"/>
+          <p:nvPr/>
+        </p:nvSpPr>
+        <p:spPr>
+          <a:xfrm>
+            <a:off x="5091266" y="9167822"/>
+            <a:ext cx="775138" cy="300082"/>
+          </a:xfrm>
+          <a:prstGeom prst="rect">
+            <a:avLst/>
+          </a:prstGeom>
+          <a:noFill/>
+        </p:spPr>
+        <p:txBody>
+          <a:bodyPr wrap="square" rtlCol="0">
+            <a:spAutoFit/>
+          </a:bodyPr>
+          <a:lstStyle/>
+          <a:p>
+            <a:r>
+              <a:rPr lang="en-US" sz="1350" dirty="0">
+                <a:solidFill>
+                  <a:srgbClr val="0070C0"/>
+                </a:solidFill>
+              </a:rPr>
+              <a:t>MSC01</a:t>
+            </a:r>
+          </a:p>
+        </p:txBody>
+      </p:sp>
+      <p:sp>
+        <p:nvSpPr>
+          <p:cNvPr id="98" name="TextBox 97">
+            <a:extLst>
+              <a:ext uri="{FF2B5EF4-FFF2-40B4-BE49-F238E27FC236}">
+                <a16:creationId xmlns:a16="http://schemas.microsoft.com/office/drawing/2014/main" id="{5010949A-8B30-344C-AC3D-EC68D8BC00F8}"/>
+              </a:ext>
+            </a:extLst>
+          </p:cNvPr>
+          <p:cNvSpPr txBox="1"/>
+          <p:nvPr/>
+        </p:nvSpPr>
+        <p:spPr>
+          <a:xfrm>
+            <a:off x="5127081" y="11092422"/>
+            <a:ext cx="629307" cy="207749"/>
+          </a:xfrm>
+          <a:prstGeom prst="rect">
+            <a:avLst/>
+          </a:prstGeom>
+          <a:noFill/>
+        </p:spPr>
+        <p:txBody>
+          <a:bodyPr wrap="square" rtlCol="0">
+            <a:spAutoFit/>
+          </a:bodyPr>
+          <a:lstStyle/>
+          <a:p>
+            <a:r>
+              <a:rPr lang="en-US" sz="750" dirty="0"/>
+              <a:t>Session 1</a:t>
+            </a:r>
+          </a:p>
+        </p:txBody>
+      </p:sp>
+      <p:sp>
+        <p:nvSpPr>
+          <p:cNvPr id="99" name="TextBox 98">
+            <a:extLst>
+              <a:ext uri="{FF2B5EF4-FFF2-40B4-BE49-F238E27FC236}">
+                <a16:creationId xmlns:a16="http://schemas.microsoft.com/office/drawing/2014/main" id="{E492C3DF-E620-AF42-AA70-4EFE0822F1B6}"/>
+              </a:ext>
+            </a:extLst>
+          </p:cNvPr>
+          <p:cNvSpPr txBox="1"/>
+          <p:nvPr/>
+        </p:nvSpPr>
+        <p:spPr>
+          <a:xfrm>
+            <a:off x="5965813" y="11132190"/>
+            <a:ext cx="591622" cy="207749"/>
+          </a:xfrm>
+          <a:prstGeom prst="rect">
+            <a:avLst/>
+          </a:prstGeom>
+          <a:noFill/>
+        </p:spPr>
+        <p:txBody>
+          <a:bodyPr wrap="square" rtlCol="0">
+            <a:spAutoFit/>
+          </a:bodyPr>
+          <a:lstStyle/>
+          <a:p>
+            <a:r>
+              <a:rPr lang="en-US" sz="750" dirty="0"/>
+              <a:t>Session 2</a:t>
+            </a:r>
+          </a:p>
+        </p:txBody>
+      </p:sp>
+      <p:sp>
+        <p:nvSpPr>
+          <p:cNvPr id="100" name="TextBox 99">
+            <a:extLst>
+              <a:ext uri="{FF2B5EF4-FFF2-40B4-BE49-F238E27FC236}">
+                <a16:creationId xmlns:a16="http://schemas.microsoft.com/office/drawing/2014/main" id="{4B0BF58E-4587-124B-AED9-D3D2054A9A8D}"/>
+              </a:ext>
+            </a:extLst>
+          </p:cNvPr>
+          <p:cNvSpPr txBox="1"/>
+          <p:nvPr/>
+        </p:nvSpPr>
+        <p:spPr>
+          <a:xfrm>
+            <a:off x="6874488" y="11063345"/>
+            <a:ext cx="421536" cy="276999"/>
+          </a:xfrm>
+          <a:prstGeom prst="rect">
+            <a:avLst/>
+          </a:prstGeom>
+          <a:noFill/>
+        </p:spPr>
+        <p:txBody>
+          <a:bodyPr wrap="square" rtlCol="0">
+            <a:spAutoFit/>
+          </a:bodyPr>
+          <a:lstStyle/>
+          <a:p>
+            <a:pPr algn="ctr"/>
+            <a:r>
+              <a:rPr lang="en-US" sz="1200" dirty="0"/>
+              <a:t>.…</a:t>
+            </a:r>
+          </a:p>
+        </p:txBody>
+      </p:sp>
+      <p:sp>
+        <p:nvSpPr>
+          <p:cNvPr id="101" name="TextBox 100">
+            <a:extLst>
+              <a:ext uri="{FF2B5EF4-FFF2-40B4-BE49-F238E27FC236}">
+                <a16:creationId xmlns:a16="http://schemas.microsoft.com/office/drawing/2014/main" id="{4A9C255D-BB6B-8147-B3DD-CF5F0E32778F}"/>
+              </a:ext>
+            </a:extLst>
+          </p:cNvPr>
+          <p:cNvSpPr txBox="1"/>
+          <p:nvPr/>
+        </p:nvSpPr>
+        <p:spPr>
+          <a:xfrm>
+            <a:off x="7660269" y="11132190"/>
+            <a:ext cx="631794" cy="207749"/>
+          </a:xfrm>
+          <a:prstGeom prst="rect">
+            <a:avLst/>
+          </a:prstGeom>
+          <a:noFill/>
+        </p:spPr>
+        <p:txBody>
+          <a:bodyPr wrap="square" rtlCol="0">
+            <a:spAutoFit/>
+          </a:bodyPr>
+          <a:lstStyle/>
+          <a:p>
+            <a:r>
+              <a:rPr lang="en-US" sz="750" dirty="0"/>
+              <a:t>Session 9</a:t>
+            </a:r>
+          </a:p>
+        </p:txBody>
+      </p:sp>
+      <p:sp>
+        <p:nvSpPr>
+          <p:cNvPr id="102" name="Rectangle 101">
+            <a:extLst>
+              <a:ext uri="{FF2B5EF4-FFF2-40B4-BE49-F238E27FC236}">
+                <a16:creationId xmlns:a16="http://schemas.microsoft.com/office/drawing/2014/main" id="{BBA0B75B-E7D4-384A-9388-96290A53A0CF}"/>
+              </a:ext>
+            </a:extLst>
+          </p:cNvPr>
+          <p:cNvSpPr/>
+          <p:nvPr/>
+        </p:nvSpPr>
+        <p:spPr>
+          <a:xfrm>
+            <a:off x="4427873" y="8498786"/>
+            <a:ext cx="3925585" cy="3246120"/>
+          </a:xfrm>
+          <a:prstGeom prst="rect">
+            <a:avLst/>
+          </a:prstGeom>
+          <a:noFill/>
+          <a:ln w="28575">
+            <a:solidFill>
+              <a:schemeClr val="tx1"/>
+            </a:solidFill>
+          </a:ln>
+        </p:spPr>
+        <p:style>
+          <a:lnRef idx="2">
+            <a:schemeClr val="accent1">
+              <a:shade val="50000"/>
+            </a:schemeClr>
+          </a:lnRef>
+          <a:fillRef idx="1">
+            <a:schemeClr val="accent1"/>
+          </a:fillRef>
+          <a:effectRef idx="0">
+            <a:schemeClr val="accent1"/>
+          </a:effectRef>
+          <a:fontRef idx="minor">
+            <a:schemeClr val="lt1"/>
+          </a:fontRef>
+        </p:style>
+        <p:txBody>
+          <a:bodyPr rtlCol="0" anchor="ctr"/>
+          <a:lstStyle/>
+          <a:p>
+            <a:pPr algn="ctr"/>
+            <a:endParaRPr lang="en-US" sz="1350" dirty="0"/>
+          </a:p>
+        </p:txBody>
+      </p:sp>
+      <p:sp>
+        <p:nvSpPr>
+          <p:cNvPr id="103" name="TextBox 102">
+            <a:extLst>
+              <a:ext uri="{FF2B5EF4-FFF2-40B4-BE49-F238E27FC236}">
+                <a16:creationId xmlns:a16="http://schemas.microsoft.com/office/drawing/2014/main" id="{0DAB29C8-7CF8-F54B-97C0-82CF81A13EFE}"/>
+              </a:ext>
+            </a:extLst>
+          </p:cNvPr>
+          <p:cNvSpPr txBox="1"/>
+          <p:nvPr/>
+        </p:nvSpPr>
+        <p:spPr>
+          <a:xfrm>
+            <a:off x="5885719" y="8567876"/>
+            <a:ext cx="1009892" cy="400110"/>
+          </a:xfrm>
+          <a:prstGeom prst="rect">
+            <a:avLst/>
+          </a:prstGeom>
+          <a:noFill/>
+        </p:spPr>
+        <p:txBody>
+          <a:bodyPr wrap="none" rtlCol="0">
+            <a:spAutoFit/>
+          </a:bodyPr>
+          <a:lstStyle/>
+          <a:p>
+            <a:r>
+              <a:rPr lang="en-US" sz="2000" u="sng" dirty="0"/>
+              <a:t>Training</a:t>
+            </a:r>
+          </a:p>
+        </p:txBody>
+      </p:sp>
+      <p:sp>
+        <p:nvSpPr>
+          <p:cNvPr id="107" name="Rectangle 106">
+            <a:extLst>
+              <a:ext uri="{FF2B5EF4-FFF2-40B4-BE49-F238E27FC236}">
+                <a16:creationId xmlns:a16="http://schemas.microsoft.com/office/drawing/2014/main" id="{726A95C8-24DA-304D-9D15-C02F9FBE049D}"/>
+              </a:ext>
+            </a:extLst>
+          </p:cNvPr>
+          <p:cNvSpPr/>
+          <p:nvPr/>
+        </p:nvSpPr>
+        <p:spPr>
+          <a:xfrm>
+            <a:off x="8498023" y="8498786"/>
+            <a:ext cx="2841385" cy="3246120"/>
+          </a:xfrm>
+          <a:prstGeom prst="rect">
+            <a:avLst/>
+          </a:prstGeom>
+          <a:noFill/>
+          <a:ln w="28575">
+            <a:solidFill>
+              <a:schemeClr val="tx1"/>
+            </a:solidFill>
+          </a:ln>
+        </p:spPr>
+        <p:style>
+          <a:lnRef idx="2">
+            <a:schemeClr val="accent1">
+              <a:shade val="50000"/>
+            </a:schemeClr>
+          </a:lnRef>
+          <a:fillRef idx="1">
+            <a:schemeClr val="accent1"/>
+          </a:fillRef>
+          <a:effectRef idx="0">
+            <a:schemeClr val="accent1"/>
+          </a:effectRef>
+          <a:fontRef idx="minor">
+            <a:schemeClr val="lt1"/>
+          </a:fontRef>
+        </p:style>
+        <p:txBody>
+          <a:bodyPr rtlCol="0" anchor="ctr"/>
+          <a:lstStyle/>
+          <a:p>
+            <a:pPr algn="ctr"/>
+            <a:endParaRPr lang="en-US" sz="1350"/>
+          </a:p>
+        </p:txBody>
+      </p:sp>
+      <p:pic>
+        <p:nvPicPr>
+          <p:cNvPr id="114" name="Picture 113">
+            <a:extLst>
+              <a:ext uri="{FF2B5EF4-FFF2-40B4-BE49-F238E27FC236}">
+                <a16:creationId xmlns:a16="http://schemas.microsoft.com/office/drawing/2014/main" id="{D66B7766-2D71-3F48-9D15-4DEB1EAE7FEA}"/>
+              </a:ext>
+            </a:extLst>
+          </p:cNvPr>
+          <p:cNvPicPr>
+            <a:picLocks noChangeAspect="1"/>
+          </p:cNvPicPr>
+          <p:nvPr/>
+        </p:nvPicPr>
+        <p:blipFill rotWithShape="1">
+          <a:blip r:embed="rId2"/>
+          <a:srcRect l="74431" t="15712" r="12089" b="64747"/>
+          <a:stretch/>
+        </p:blipFill>
+        <p:spPr>
+          <a:xfrm>
+            <a:off x="8654602" y="9571288"/>
+            <a:ext cx="945088" cy="1077804"/>
+          </a:xfrm>
+          <a:prstGeom prst="rect">
+            <a:avLst/>
+          </a:prstGeom>
+        </p:spPr>
+      </p:pic>
+      <p:sp>
+        <p:nvSpPr>
+          <p:cNvPr id="115" name="TextBox 114">
+            <a:extLst>
+              <a:ext uri="{FF2B5EF4-FFF2-40B4-BE49-F238E27FC236}">
+                <a16:creationId xmlns:a16="http://schemas.microsoft.com/office/drawing/2014/main" id="{15BD6EF2-E8B3-2A4D-8183-6713F47C91C1}"/>
+              </a:ext>
+            </a:extLst>
+          </p:cNvPr>
+          <p:cNvSpPr txBox="1"/>
+          <p:nvPr/>
+        </p:nvSpPr>
+        <p:spPr>
+          <a:xfrm>
+            <a:off x="8863128" y="10449941"/>
+            <a:ext cx="631794" cy="207749"/>
+          </a:xfrm>
+          <a:prstGeom prst="rect">
+            <a:avLst/>
+          </a:prstGeom>
+          <a:noFill/>
+        </p:spPr>
+        <p:txBody>
+          <a:bodyPr wrap="square" rtlCol="0">
+            <a:spAutoFit/>
+          </a:bodyPr>
+          <a:lstStyle/>
+          <a:p>
+            <a:r>
+              <a:rPr lang="en-US" sz="750" dirty="0"/>
+              <a:t>Session 10</a:t>
+            </a:r>
+          </a:p>
+        </p:txBody>
+      </p:sp>
+      <p:sp>
+        <p:nvSpPr>
+          <p:cNvPr id="113" name="Rectangle 112">
+            <a:extLst>
+              <a:ext uri="{FF2B5EF4-FFF2-40B4-BE49-F238E27FC236}">
+                <a16:creationId xmlns:a16="http://schemas.microsoft.com/office/drawing/2014/main" id="{DE9AFE85-530F-DD43-A230-18EC53B8EAC4}"/>
+              </a:ext>
+            </a:extLst>
+          </p:cNvPr>
+          <p:cNvSpPr/>
+          <p:nvPr/>
+        </p:nvSpPr>
+        <p:spPr>
+          <a:xfrm>
+            <a:off x="8728883" y="9122199"/>
+            <a:ext cx="900284" cy="1535492"/>
+          </a:xfrm>
+          <a:prstGeom prst="rect">
+            <a:avLst/>
+          </a:prstGeom>
+          <a:noFill/>
+          <a:ln w="28575">
+            <a:solidFill>
+              <a:srgbClr val="FF0000"/>
+            </a:solidFill>
+            <a:prstDash val="lgDash"/>
+          </a:ln>
+        </p:spPr>
+        <p:style>
+          <a:lnRef idx="2">
+            <a:schemeClr val="accent1">
+              <a:shade val="50000"/>
+            </a:schemeClr>
+          </a:lnRef>
+          <a:fillRef idx="1">
+            <a:schemeClr val="accent1"/>
+          </a:fillRef>
+          <a:effectRef idx="0">
+            <a:schemeClr val="accent1"/>
+          </a:effectRef>
+          <a:fontRef idx="minor">
+            <a:schemeClr val="lt1"/>
+          </a:fontRef>
+        </p:style>
+        <p:txBody>
+          <a:bodyPr rtlCol="0" anchor="ctr"/>
+          <a:lstStyle/>
+          <a:p>
+            <a:pPr algn="ctr"/>
+            <a:endParaRPr lang="en-US" sz="1350"/>
+          </a:p>
+        </p:txBody>
+      </p:sp>
+      <p:sp>
+        <p:nvSpPr>
+          <p:cNvPr id="110" name="TextBox 109">
+            <a:extLst>
+              <a:ext uri="{FF2B5EF4-FFF2-40B4-BE49-F238E27FC236}">
+                <a16:creationId xmlns:a16="http://schemas.microsoft.com/office/drawing/2014/main" id="{6DC92F72-9492-434D-A308-AC4063CFB0FD}"/>
+              </a:ext>
+            </a:extLst>
+          </p:cNvPr>
+          <p:cNvSpPr txBox="1"/>
+          <p:nvPr/>
+        </p:nvSpPr>
+        <p:spPr>
+          <a:xfrm>
+            <a:off x="9062757" y="8540998"/>
+            <a:ext cx="1842043" cy="400110"/>
+          </a:xfrm>
+          <a:prstGeom prst="rect">
+            <a:avLst/>
+          </a:prstGeom>
+          <a:noFill/>
+        </p:spPr>
+        <p:txBody>
+          <a:bodyPr wrap="none" rtlCol="0">
+            <a:spAutoFit/>
+          </a:bodyPr>
+          <a:lstStyle/>
+          <a:p>
+            <a:r>
+              <a:rPr lang="en-US" sz="2000" u="sng" dirty="0"/>
+              <a:t>Test Across Task</a:t>
+            </a:r>
+          </a:p>
+        </p:txBody>
+      </p:sp>
+      <p:pic>
+        <p:nvPicPr>
+          <p:cNvPr id="111" name="Picture 110">
+            <a:extLst>
+              <a:ext uri="{FF2B5EF4-FFF2-40B4-BE49-F238E27FC236}">
+                <a16:creationId xmlns:a16="http://schemas.microsoft.com/office/drawing/2014/main" id="{15E47063-E326-7846-9003-18F11340EC5D}"/>
+              </a:ext>
+            </a:extLst>
+          </p:cNvPr>
+          <p:cNvPicPr>
+            <a:picLocks noChangeAspect="1"/>
+          </p:cNvPicPr>
+          <p:nvPr/>
+        </p:nvPicPr>
+        <p:blipFill rotWithShape="1">
+          <a:blip r:embed="rId2"/>
+          <a:srcRect l="75916" t="16763" r="12672" b="67934"/>
+          <a:stretch/>
+        </p:blipFill>
+        <p:spPr>
+          <a:xfrm>
+            <a:off x="10046289" y="9658064"/>
+            <a:ext cx="830943" cy="876609"/>
+          </a:xfrm>
+          <a:prstGeom prst="rect">
+            <a:avLst/>
+          </a:prstGeom>
+        </p:spPr>
+      </p:pic>
+      <p:sp>
+        <p:nvSpPr>
+          <p:cNvPr id="106" name="TextBox 105">
+            <a:extLst>
+              <a:ext uri="{FF2B5EF4-FFF2-40B4-BE49-F238E27FC236}">
+                <a16:creationId xmlns:a16="http://schemas.microsoft.com/office/drawing/2014/main" id="{0DF8BBBA-6C40-1048-BC48-A04C77D97943}"/>
+              </a:ext>
+            </a:extLst>
+          </p:cNvPr>
+          <p:cNvSpPr txBox="1"/>
+          <p:nvPr/>
+        </p:nvSpPr>
+        <p:spPr>
+          <a:xfrm>
+            <a:off x="10139045" y="9126293"/>
+            <a:ext cx="775138" cy="338554"/>
+          </a:xfrm>
+          <a:prstGeom prst="rect">
+            <a:avLst/>
+          </a:prstGeom>
+          <a:noFill/>
+        </p:spPr>
+        <p:txBody>
+          <a:bodyPr wrap="square" rtlCol="0">
+            <a:spAutoFit/>
+          </a:bodyPr>
+          <a:lstStyle/>
+          <a:p>
+            <a:r>
+              <a:rPr lang="en-US" sz="1600" dirty="0">
+                <a:solidFill>
+                  <a:schemeClr val="accent4"/>
+                </a:solidFill>
+              </a:rPr>
+              <a:t>Task B</a:t>
+            </a:r>
+          </a:p>
+        </p:txBody>
+      </p:sp>
       <p:grpSp>
         <p:nvGrpSpPr>
           <p:cNvPr id="141" name="Group 140">
@@ -6288,6 +6147,228 @@
           </a:p>
         </p:txBody>
       </p:sp>
+      <p:sp>
+        <p:nvSpPr>
+          <p:cNvPr id="143" name="TextBox 142">
+            <a:extLst>
+              <a:ext uri="{FF2B5EF4-FFF2-40B4-BE49-F238E27FC236}">
+                <a16:creationId xmlns:a16="http://schemas.microsoft.com/office/drawing/2014/main" id="{96AC88D8-2526-EA45-B806-BF9D15E67BC4}"/>
+              </a:ext>
+            </a:extLst>
+          </p:cNvPr>
+          <p:cNvSpPr txBox="1"/>
+          <p:nvPr/>
+        </p:nvSpPr>
+        <p:spPr>
+          <a:xfrm>
+            <a:off x="10139045" y="9357599"/>
+            <a:ext cx="775138" cy="300082"/>
+          </a:xfrm>
+          <a:prstGeom prst="rect">
+            <a:avLst/>
+          </a:prstGeom>
+          <a:noFill/>
+        </p:spPr>
+        <p:txBody>
+          <a:bodyPr wrap="square" rtlCol="0">
+            <a:spAutoFit/>
+          </a:bodyPr>
+          <a:lstStyle/>
+          <a:p>
+            <a:r>
+              <a:rPr lang="en-US" sz="1350" dirty="0">
+                <a:solidFill>
+                  <a:srgbClr val="0070C0"/>
+                </a:solidFill>
+              </a:rPr>
+              <a:t>MSC01</a:t>
+            </a:r>
+          </a:p>
+        </p:txBody>
+      </p:sp>
+      <p:sp>
+        <p:nvSpPr>
+          <p:cNvPr id="144" name="TextBox 143">
+            <a:extLst>
+              <a:ext uri="{FF2B5EF4-FFF2-40B4-BE49-F238E27FC236}">
+                <a16:creationId xmlns:a16="http://schemas.microsoft.com/office/drawing/2014/main" id="{ACDFF5A2-4CD7-2141-AA85-0CDA0036D498}"/>
+              </a:ext>
+            </a:extLst>
+          </p:cNvPr>
+          <p:cNvSpPr txBox="1"/>
+          <p:nvPr/>
+        </p:nvSpPr>
+        <p:spPr>
+          <a:xfrm>
+            <a:off x="8873181" y="9126293"/>
+            <a:ext cx="627283" cy="300082"/>
+          </a:xfrm>
+          <a:prstGeom prst="rect">
+            <a:avLst/>
+          </a:prstGeom>
+          <a:noFill/>
+        </p:spPr>
+        <p:txBody>
+          <a:bodyPr wrap="square" rtlCol="0">
+            <a:spAutoFit/>
+          </a:bodyPr>
+          <a:lstStyle/>
+          <a:p>
+            <a:r>
+              <a:rPr lang="en-US" sz="1350" u="sng" dirty="0">
+                <a:solidFill>
+                  <a:srgbClr val="00B050"/>
+                </a:solidFill>
+              </a:rPr>
+              <a:t>Task A</a:t>
+            </a:r>
+          </a:p>
+        </p:txBody>
+      </p:sp>
+      <p:sp>
+        <p:nvSpPr>
+          <p:cNvPr id="145" name="TextBox 144">
+            <a:extLst>
+              <a:ext uri="{FF2B5EF4-FFF2-40B4-BE49-F238E27FC236}">
+                <a16:creationId xmlns:a16="http://schemas.microsoft.com/office/drawing/2014/main" id="{1E59405D-92A3-3F4C-8338-190F9F4D7288}"/>
+              </a:ext>
+            </a:extLst>
+          </p:cNvPr>
+          <p:cNvSpPr txBox="1"/>
+          <p:nvPr/>
+        </p:nvSpPr>
+        <p:spPr>
+          <a:xfrm>
+            <a:off x="8849060" y="9357599"/>
+            <a:ext cx="775138" cy="300082"/>
+          </a:xfrm>
+          <a:prstGeom prst="rect">
+            <a:avLst/>
+          </a:prstGeom>
+          <a:noFill/>
+        </p:spPr>
+        <p:txBody>
+          <a:bodyPr wrap="square" rtlCol="0">
+            <a:spAutoFit/>
+          </a:bodyPr>
+          <a:lstStyle/>
+          <a:p>
+            <a:r>
+              <a:rPr lang="en-US" sz="1350" dirty="0">
+                <a:solidFill>
+                  <a:srgbClr val="0070C0"/>
+                </a:solidFill>
+              </a:rPr>
+              <a:t>MSC01</a:t>
+            </a:r>
+          </a:p>
+        </p:txBody>
+      </p:sp>
+      <p:sp>
+        <p:nvSpPr>
+          <p:cNvPr id="146" name="TextBox 145">
+            <a:extLst>
+              <a:ext uri="{FF2B5EF4-FFF2-40B4-BE49-F238E27FC236}">
+                <a16:creationId xmlns:a16="http://schemas.microsoft.com/office/drawing/2014/main" id="{B395A729-FD21-FC4F-A3A8-93DC6921329B}"/>
+              </a:ext>
+            </a:extLst>
+          </p:cNvPr>
+          <p:cNvSpPr txBox="1"/>
+          <p:nvPr/>
+        </p:nvSpPr>
+        <p:spPr>
+          <a:xfrm>
+            <a:off x="260983" y="1856718"/>
+            <a:ext cx="454612" cy="461665"/>
+          </a:xfrm>
+          <a:prstGeom prst="rect">
+            <a:avLst/>
+          </a:prstGeom>
+          <a:noFill/>
+        </p:spPr>
+        <p:txBody>
+          <a:bodyPr wrap="none" rtlCol="0">
+            <a:spAutoFit/>
+          </a:bodyPr>
+          <a:lstStyle/>
+          <a:p>
+            <a:r>
+              <a:rPr lang="en-US" sz="2400" b="1" dirty="0"/>
+              <a:t>A.</a:t>
+            </a:r>
+          </a:p>
+        </p:txBody>
+      </p:sp>
+      <p:sp>
+        <p:nvSpPr>
+          <p:cNvPr id="147" name="TextBox 146">
+            <a:extLst>
+              <a:ext uri="{FF2B5EF4-FFF2-40B4-BE49-F238E27FC236}">
+                <a16:creationId xmlns:a16="http://schemas.microsoft.com/office/drawing/2014/main" id="{FE3D4AD7-48BC-F342-BDC0-C4236B805C97}"/>
+              </a:ext>
+            </a:extLst>
+          </p:cNvPr>
+          <p:cNvSpPr txBox="1"/>
+          <p:nvPr/>
+        </p:nvSpPr>
+        <p:spPr>
+          <a:xfrm>
+            <a:off x="210279" y="5157053"/>
+            <a:ext cx="439544" cy="461665"/>
+          </a:xfrm>
+          <a:prstGeom prst="rect">
+            <a:avLst/>
+          </a:prstGeom>
+          <a:noFill/>
+        </p:spPr>
+        <p:txBody>
+          <a:bodyPr wrap="none" rtlCol="0">
+            <a:spAutoFit/>
+          </a:bodyPr>
+          <a:lstStyle/>
+          <a:p>
+            <a:r>
+              <a:rPr lang="en-US" sz="2400" b="1" dirty="0"/>
+              <a:t>B.</a:t>
+            </a:r>
+          </a:p>
+        </p:txBody>
+      </p:sp>
+      <p:sp>
+        <p:nvSpPr>
+          <p:cNvPr id="148" name="TextBox 147">
+            <a:extLst>
+              <a:ext uri="{FF2B5EF4-FFF2-40B4-BE49-F238E27FC236}">
+                <a16:creationId xmlns:a16="http://schemas.microsoft.com/office/drawing/2014/main" id="{FF7F2424-31BA-0F4B-A630-6C9D9ED2E6AA}"/>
+              </a:ext>
+            </a:extLst>
+          </p:cNvPr>
+          <p:cNvSpPr txBox="1"/>
+          <p:nvPr/>
+        </p:nvSpPr>
+        <p:spPr>
+          <a:xfrm>
+            <a:off x="232472" y="8495787"/>
+            <a:ext cx="429926" cy="461665"/>
+          </a:xfrm>
+          <a:prstGeom prst="rect">
+            <a:avLst/>
+          </a:prstGeom>
+          <a:noFill/>
+        </p:spPr>
+        <p:txBody>
+          <a:bodyPr wrap="none" rtlCol="0">
+            <a:spAutoFit/>
+          </a:bodyPr>
+          <a:lstStyle/>
+          <a:p>
+            <a:r>
+              <a:rPr lang="en-US" sz="2400" b="1" dirty="0"/>
+              <a:t>C.</a:t>
+            </a:r>
+          </a:p>
+        </p:txBody>
+      </p:sp>
     </p:spTree>
     <p:extLst>
       <p:ext uri="{BB962C8B-B14F-4D97-AF65-F5344CB8AC3E}">
@@ -6506,112 +6587,6 @@
                                         <p:cTn id="22" dur="500"/>
                                         <p:tgtEl>
                                           <p:spTgt spid="82"/>
-                                        </p:tgtEl>
-                                      </p:cBhvr>
-                                    </p:animEffect>
-                                  </p:childTnLst>
-                                </p:cTn>
-                              </p:par>
-                            </p:childTnLst>
-                          </p:cTn>
-                        </p:par>
-                      </p:childTnLst>
-                    </p:cTn>
-                  </p:par>
-                  <p:par>
-                    <p:cTn id="23" fill="hold">
-                      <p:stCondLst>
-                        <p:cond delay="indefinite"/>
-                      </p:stCondLst>
-                      <p:childTnLst>
-                        <p:par>
-                          <p:cTn id="24" fill="hold">
-                            <p:stCondLst>
-                              <p:cond delay="0"/>
-                            </p:stCondLst>
-                            <p:childTnLst>
-                              <p:par>
-                                <p:cTn id="25" presetID="10" presetClass="entr" presetSubtype="0" fill="hold" nodeType="clickEffect">
-                                  <p:stCondLst>
-                                    <p:cond delay="0"/>
-                                  </p:stCondLst>
-                                  <p:childTnLst>
-                                    <p:set>
-                                      <p:cBhvr>
-                                        <p:cTn id="26" dur="1" fill="hold">
-                                          <p:stCondLst>
-                                            <p:cond delay="0"/>
-                                          </p:stCondLst>
-                                        </p:cTn>
-                                        <p:tgtEl>
-                                          <p:spTgt spid="93"/>
-                                        </p:tgtEl>
-                                        <p:attrNameLst>
-                                          <p:attrName>style.visibility</p:attrName>
-                                        </p:attrNameLst>
-                                      </p:cBhvr>
-                                      <p:to>
-                                        <p:strVal val="visible"/>
-                                      </p:to>
-                                    </p:set>
-                                    <p:animEffect transition="in" filter="fade">
-                                      <p:cBhvr>
-                                        <p:cTn id="27" dur="500"/>
-                                        <p:tgtEl>
-                                          <p:spTgt spid="93"/>
-                                        </p:tgtEl>
-                                      </p:cBhvr>
-                                    </p:animEffect>
-                                  </p:childTnLst>
-                                </p:cTn>
-                              </p:par>
-                            </p:childTnLst>
-                          </p:cTn>
-                        </p:par>
-                      </p:childTnLst>
-                    </p:cTn>
-                  </p:par>
-                  <p:par>
-                    <p:cTn id="28" fill="hold">
-                      <p:stCondLst>
-                        <p:cond delay="indefinite"/>
-                      </p:stCondLst>
-                      <p:childTnLst>
-                        <p:par>
-                          <p:cTn id="29" fill="hold">
-                            <p:stCondLst>
-                              <p:cond delay="0"/>
-                            </p:stCondLst>
-                            <p:childTnLst>
-                              <p:par>
-                                <p:cTn id="30" presetID="10" presetClass="entr" presetSubtype="0" fill="hold" nodeType="clickEffect">
-                                  <p:stCondLst>
-                                    <p:cond delay="0"/>
-                                  </p:stCondLst>
-                                  <p:childTnLst>
-                                    <p:set>
-                                      <p:cBhvr>
-                                        <p:cTn id="31" dur="1" fill="hold">
-                                          <p:stCondLst>
-                                            <p:cond delay="0"/>
-                                          </p:stCondLst>
-                                        </p:cTn>
-                                        <p:tgtEl>
-                                          <p:spTgt spid="104"/>
-                                        </p:tgtEl>
-                                        <p:attrNameLst>
-                                          <p:attrName>style.visibility</p:attrName>
-                                        </p:attrNameLst>
-                                      </p:cBhvr>
-                                      <p:to>
-                                        <p:strVal val="visible"/>
-                                      </p:to>
-                                    </p:set>
-                                    <p:animEffect transition="in" filter="fade">
-                                      <p:cBhvr>
-                                        <p:cTn id="32" dur="500"/>
-                                        <p:tgtEl>
-                                          <p:spTgt spid="104"/>
                                         </p:tgtEl>
                                       </p:cBhvr>
                                     </p:animEffect>

--- a/analysis/output/FigsFinal/CV.pptx
+++ b/analysis/output/FigsFinal/CV.pptx
@@ -243,7 +243,7 @@
           <a:p>
             <a:fld id="{95656FF8-6698-2D4C-A6FB-723933382C5D}" type="datetimeFigureOut">
               <a:rPr lang="en-US" smtClean="0"/>
-              <a:t>5/3/21</a:t>
+              <a:t>5/5/21</a:t>
             </a:fld>
             <a:endParaRPr lang="en-US"/>
           </a:p>
@@ -413,7 +413,7 @@
           <a:p>
             <a:fld id="{95656FF8-6698-2D4C-A6FB-723933382C5D}" type="datetimeFigureOut">
               <a:rPr lang="en-US" smtClean="0"/>
-              <a:t>5/3/21</a:t>
+              <a:t>5/5/21</a:t>
             </a:fld>
             <a:endParaRPr lang="en-US"/>
           </a:p>
@@ -593,7 +593,7 @@
           <a:p>
             <a:fld id="{95656FF8-6698-2D4C-A6FB-723933382C5D}" type="datetimeFigureOut">
               <a:rPr lang="en-US" smtClean="0"/>
-              <a:t>5/3/21</a:t>
+              <a:t>5/5/21</a:t>
             </a:fld>
             <a:endParaRPr lang="en-US"/>
           </a:p>
@@ -763,7 +763,7 @@
           <a:p>
             <a:fld id="{95656FF8-6698-2D4C-A6FB-723933382C5D}" type="datetimeFigureOut">
               <a:rPr lang="en-US" smtClean="0"/>
-              <a:t>5/3/21</a:t>
+              <a:t>5/5/21</a:t>
             </a:fld>
             <a:endParaRPr lang="en-US"/>
           </a:p>
@@ -1007,7 +1007,7 @@
           <a:p>
             <a:fld id="{95656FF8-6698-2D4C-A6FB-723933382C5D}" type="datetimeFigureOut">
               <a:rPr lang="en-US" smtClean="0"/>
-              <a:t>5/3/21</a:t>
+              <a:t>5/5/21</a:t>
             </a:fld>
             <a:endParaRPr lang="en-US"/>
           </a:p>
@@ -1239,7 +1239,7 @@
           <a:p>
             <a:fld id="{95656FF8-6698-2D4C-A6FB-723933382C5D}" type="datetimeFigureOut">
               <a:rPr lang="en-US" smtClean="0"/>
-              <a:t>5/3/21</a:t>
+              <a:t>5/5/21</a:t>
             </a:fld>
             <a:endParaRPr lang="en-US"/>
           </a:p>
@@ -1606,7 +1606,7 @@
           <a:p>
             <a:fld id="{95656FF8-6698-2D4C-A6FB-723933382C5D}" type="datetimeFigureOut">
               <a:rPr lang="en-US" smtClean="0"/>
-              <a:t>5/3/21</a:t>
+              <a:t>5/5/21</a:t>
             </a:fld>
             <a:endParaRPr lang="en-US"/>
           </a:p>
@@ -1724,7 +1724,7 @@
           <a:p>
             <a:fld id="{95656FF8-6698-2D4C-A6FB-723933382C5D}" type="datetimeFigureOut">
               <a:rPr lang="en-US" smtClean="0"/>
-              <a:t>5/3/21</a:t>
+              <a:t>5/5/21</a:t>
             </a:fld>
             <a:endParaRPr lang="en-US"/>
           </a:p>
@@ -1819,7 +1819,7 @@
           <a:p>
             <a:fld id="{95656FF8-6698-2D4C-A6FB-723933382C5D}" type="datetimeFigureOut">
               <a:rPr lang="en-US" smtClean="0"/>
-              <a:t>5/3/21</a:t>
+              <a:t>5/5/21</a:t>
             </a:fld>
             <a:endParaRPr lang="en-US"/>
           </a:p>
@@ -2096,7 +2096,7 @@
           <a:p>
             <a:fld id="{95656FF8-6698-2D4C-A6FB-723933382C5D}" type="datetimeFigureOut">
               <a:rPr lang="en-US" smtClean="0"/>
-              <a:t>5/3/21</a:t>
+              <a:t>5/5/21</a:t>
             </a:fld>
             <a:endParaRPr lang="en-US"/>
           </a:p>
@@ -2353,7 +2353,7 @@
           <a:p>
             <a:fld id="{95656FF8-6698-2D4C-A6FB-723933382C5D}" type="datetimeFigureOut">
               <a:rPr lang="en-US" smtClean="0"/>
-              <a:t>5/3/21</a:t>
+              <a:t>5/5/21</a:t>
             </a:fld>
             <a:endParaRPr lang="en-US"/>
           </a:p>
@@ -2566,7 +2566,7 @@
           <a:p>
             <a:fld id="{95656FF8-6698-2D4C-A6FB-723933382C5D}" type="datetimeFigureOut">
               <a:rPr lang="en-US" smtClean="0"/>
-              <a:t>5/3/21</a:t>
+              <a:t>5/5/21</a:t>
             </a:fld>
             <a:endParaRPr lang="en-US"/>
           </a:p>
@@ -3812,7 +3812,7 @@
                     <a:srgbClr val="00B050"/>
                   </a:solidFill>
                 </a:rPr>
-                <a:t>Task A</a:t>
+                <a:t>Motor</a:t>
               </a:r>
             </a:p>
           </p:txBody>
@@ -4554,7 +4554,7 @@
                   <a:srgbClr val="00B050"/>
                 </a:solidFill>
               </a:rPr>
-              <a:t>Task A</a:t>
+              <a:t>Motor</a:t>
             </a:r>
           </a:p>
         </p:txBody>
@@ -5108,8 +5108,8 @@
         </p:nvSpPr>
         <p:spPr>
           <a:xfrm>
-            <a:off x="10139045" y="9126293"/>
-            <a:ext cx="775138" cy="338554"/>
+            <a:off x="10079670" y="9126293"/>
+            <a:ext cx="1069723" cy="307777"/>
           </a:xfrm>
           <a:prstGeom prst="rect">
             <a:avLst/>
@@ -5123,12 +5123,12 @@
           <a:lstStyle/>
           <a:p>
             <a:r>
-              <a:rPr lang="en-US" sz="1600" dirty="0">
+              <a:rPr lang="en-US" sz="1400" dirty="0">
                 <a:solidFill>
                   <a:schemeClr val="accent4"/>
                 </a:solidFill>
               </a:rPr>
-              <a:t>Task B</a:t>
+              <a:t>Memory</a:t>
             </a:r>
           </a:p>
         </p:txBody>
@@ -5552,7 +5552,7 @@
                     <a:latin typeface="Arial" panose="020B0604020202020204" pitchFamily="34" charset="0"/>
                     <a:cs typeface="Arial" panose="020B0604020202020204" pitchFamily="34" charset="0"/>
                   </a:rPr>
-                  <a:t>Task A</a:t>
+                  <a:t>Motor</a:t>
                 </a:r>
               </a:p>
             </p:txBody>
@@ -5670,7 +5670,7 @@
                     <a:latin typeface="Arial" panose="020B0604020202020204" pitchFamily="34" charset="0"/>
                     <a:cs typeface="Arial" panose="020B0604020202020204" pitchFamily="34" charset="0"/>
                   </a:rPr>
-                  <a:t>Task B</a:t>
+                  <a:t>Memory</a:t>
                 </a:r>
               </a:p>
             </p:txBody>
@@ -5779,7 +5779,7 @@
             <p:spPr>
               <a:xfrm>
                 <a:off x="1367876" y="2553229"/>
-                <a:ext cx="1797269" cy="767232"/>
+                <a:ext cx="1797269" cy="731851"/>
               </a:xfrm>
               <a:prstGeom prst="rect">
                 <a:avLst/>
@@ -5811,7 +5811,7 @@
                     <a:latin typeface="Arial" panose="020B0604020202020204" pitchFamily="34" charset="0"/>
                     <a:cs typeface="Arial" panose="020B0604020202020204" pitchFamily="34" charset="0"/>
                   </a:rPr>
-                  <a:t>Task A</a:t>
+                  <a:t>Motor</a:t>
                 </a:r>
               </a:p>
             </p:txBody>
@@ -5899,7 +5899,7 @@
             <p:spPr>
               <a:xfrm>
                 <a:off x="6118418" y="2322184"/>
-                <a:ext cx="1797269" cy="781960"/>
+                <a:ext cx="1797269" cy="712378"/>
               </a:xfrm>
               <a:prstGeom prst="rect">
                 <a:avLst/>
@@ -5931,7 +5931,7 @@
                     <a:latin typeface="Arial" panose="020B0604020202020204" pitchFamily="34" charset="0"/>
                     <a:cs typeface="Arial" panose="020B0604020202020204" pitchFamily="34" charset="0"/>
                   </a:rPr>
-                  <a:t>Task A</a:t>
+                  <a:t>Motor</a:t>
                 </a:r>
               </a:p>
             </p:txBody>
@@ -6092,7 +6092,7 @@
         <p:spPr>
           <a:xfrm>
             <a:off x="1596667" y="5192635"/>
-            <a:ext cx="1334020" cy="461665"/>
+            <a:ext cx="1529586" cy="461665"/>
           </a:xfrm>
           <a:prstGeom prst="rect">
             <a:avLst/>
@@ -6107,7 +6107,7 @@
           <a:p>
             <a:r>
               <a:rPr lang="en-US" sz="2400" u="sng" dirty="0"/>
-              <a:t>Split Task</a:t>
+              <a:t>Single Task</a:t>
             </a:r>
           </a:p>
         </p:txBody>
@@ -6220,7 +6220,7 @@
                   <a:srgbClr val="00B050"/>
                 </a:solidFill>
               </a:rPr>
-              <a:t>Task A</a:t>
+              <a:t>Motor</a:t>
             </a:r>
           </a:p>
         </p:txBody>

--- a/analysis/output/FigsFinal/CV.pptx
+++ b/analysis/output/FigsFinal/CV.pptx
@@ -6,6 +6,7 @@
   </p:sldMasterIdLst>
   <p:sldIdLst>
     <p:sldId id="256" r:id="rId2"/>
+    <p:sldId id="257" r:id="rId3"/>
   </p:sldIdLst>
   <p:sldSz cx="12192000" cy="16551275"/>
   <p:notesSz cx="6858000" cy="9144000"/>
@@ -243,7 +244,7 @@
           <a:p>
             <a:fld id="{95656FF8-6698-2D4C-A6FB-723933382C5D}" type="datetimeFigureOut">
               <a:rPr lang="en-US" smtClean="0"/>
-              <a:t>5/5/21</a:t>
+              <a:t>5/11/21</a:t>
             </a:fld>
             <a:endParaRPr lang="en-US"/>
           </a:p>
@@ -413,7 +414,7 @@
           <a:p>
             <a:fld id="{95656FF8-6698-2D4C-A6FB-723933382C5D}" type="datetimeFigureOut">
               <a:rPr lang="en-US" smtClean="0"/>
-              <a:t>5/5/21</a:t>
+              <a:t>5/11/21</a:t>
             </a:fld>
             <a:endParaRPr lang="en-US"/>
           </a:p>
@@ -593,7 +594,7 @@
           <a:p>
             <a:fld id="{95656FF8-6698-2D4C-A6FB-723933382C5D}" type="datetimeFigureOut">
               <a:rPr lang="en-US" smtClean="0"/>
-              <a:t>5/5/21</a:t>
+              <a:t>5/11/21</a:t>
             </a:fld>
             <a:endParaRPr lang="en-US"/>
           </a:p>
@@ -763,7 +764,7 @@
           <a:p>
             <a:fld id="{95656FF8-6698-2D4C-A6FB-723933382C5D}" type="datetimeFigureOut">
               <a:rPr lang="en-US" smtClean="0"/>
-              <a:t>5/5/21</a:t>
+              <a:t>5/11/21</a:t>
             </a:fld>
             <a:endParaRPr lang="en-US"/>
           </a:p>
@@ -1007,7 +1008,7 @@
           <a:p>
             <a:fld id="{95656FF8-6698-2D4C-A6FB-723933382C5D}" type="datetimeFigureOut">
               <a:rPr lang="en-US" smtClean="0"/>
-              <a:t>5/5/21</a:t>
+              <a:t>5/11/21</a:t>
             </a:fld>
             <a:endParaRPr lang="en-US"/>
           </a:p>
@@ -1239,7 +1240,7 @@
           <a:p>
             <a:fld id="{95656FF8-6698-2D4C-A6FB-723933382C5D}" type="datetimeFigureOut">
               <a:rPr lang="en-US" smtClean="0"/>
-              <a:t>5/5/21</a:t>
+              <a:t>5/11/21</a:t>
             </a:fld>
             <a:endParaRPr lang="en-US"/>
           </a:p>
@@ -1606,7 +1607,7 @@
           <a:p>
             <a:fld id="{95656FF8-6698-2D4C-A6FB-723933382C5D}" type="datetimeFigureOut">
               <a:rPr lang="en-US" smtClean="0"/>
-              <a:t>5/5/21</a:t>
+              <a:t>5/11/21</a:t>
             </a:fld>
             <a:endParaRPr lang="en-US"/>
           </a:p>
@@ -1724,7 +1725,7 @@
           <a:p>
             <a:fld id="{95656FF8-6698-2D4C-A6FB-723933382C5D}" type="datetimeFigureOut">
               <a:rPr lang="en-US" smtClean="0"/>
-              <a:t>5/5/21</a:t>
+              <a:t>5/11/21</a:t>
             </a:fld>
             <a:endParaRPr lang="en-US"/>
           </a:p>
@@ -1819,7 +1820,7 @@
           <a:p>
             <a:fld id="{95656FF8-6698-2D4C-A6FB-723933382C5D}" type="datetimeFigureOut">
               <a:rPr lang="en-US" smtClean="0"/>
-              <a:t>5/5/21</a:t>
+              <a:t>5/11/21</a:t>
             </a:fld>
             <a:endParaRPr lang="en-US"/>
           </a:p>
@@ -2096,7 +2097,7 @@
           <a:p>
             <a:fld id="{95656FF8-6698-2D4C-A6FB-723933382C5D}" type="datetimeFigureOut">
               <a:rPr lang="en-US" smtClean="0"/>
-              <a:t>5/5/21</a:t>
+              <a:t>5/11/21</a:t>
             </a:fld>
             <a:endParaRPr lang="en-US"/>
           </a:p>
@@ -2353,7 +2354,7 @@
           <a:p>
             <a:fld id="{95656FF8-6698-2D4C-A6FB-723933382C5D}" type="datetimeFigureOut">
               <a:rPr lang="en-US" smtClean="0"/>
-              <a:t>5/5/21</a:t>
+              <a:t>5/11/21</a:t>
             </a:fld>
             <a:endParaRPr lang="en-US"/>
           </a:p>
@@ -2566,7 +2567,7 @@
           <a:p>
             <a:fld id="{95656FF8-6698-2D4C-A6FB-723933382C5D}" type="datetimeFigureOut">
               <a:rPr lang="en-US" smtClean="0"/>
-              <a:t>5/5/21</a:t>
+              <a:t>5/11/21</a:t>
             </a:fld>
             <a:endParaRPr lang="en-US"/>
           </a:p>
@@ -6624,6 +6625,3850 @@
 </p:sld>
 </file>
 
+<file path=ppt/slides/slide2.xml><?xml version="1.0" encoding="utf-8"?>
+<p:sld xmlns:a="http://schemas.openxmlformats.org/drawingml/2006/main" xmlns:r="http://schemas.openxmlformats.org/officeDocument/2006/relationships" xmlns:p="http://schemas.openxmlformats.org/presentationml/2006/main">
+  <p:cSld>
+    <p:spTree>
+      <p:nvGrpSpPr>
+        <p:cNvPr id="1" name=""/>
+        <p:cNvGrpSpPr/>
+        <p:nvPr/>
+      </p:nvGrpSpPr>
+      <p:grpSpPr>
+        <a:xfrm>
+          <a:off x="0" y="0"/>
+          <a:ext cx="0" cy="0"/>
+          <a:chOff x="0" y="0"/>
+          <a:chExt cx="0" cy="0"/>
+        </a:xfrm>
+      </p:grpSpPr>
+      <p:grpSp>
+        <p:nvGrpSpPr>
+          <p:cNvPr id="2" name="Group 1">
+            <a:extLst>
+              <a:ext uri="{FF2B5EF4-FFF2-40B4-BE49-F238E27FC236}">
+                <a16:creationId xmlns:a16="http://schemas.microsoft.com/office/drawing/2014/main" id="{118AFA69-4F2A-7543-984B-2763DF927DB5}"/>
+              </a:ext>
+            </a:extLst>
+          </p:cNvPr>
+          <p:cNvGrpSpPr/>
+          <p:nvPr/>
+        </p:nvGrpSpPr>
+        <p:grpSpPr>
+          <a:xfrm>
+            <a:off x="5393521" y="5495703"/>
+            <a:ext cx="2075339" cy="2805881"/>
+            <a:chOff x="5367452" y="5661135"/>
+            <a:chExt cx="1707419" cy="2404296"/>
+          </a:xfrm>
+        </p:grpSpPr>
+        <p:pic>
+          <p:nvPicPr>
+            <p:cNvPr id="105" name="Picture 104">
+              <a:extLst>
+                <a:ext uri="{FF2B5EF4-FFF2-40B4-BE49-F238E27FC236}">
+                  <a16:creationId xmlns:a16="http://schemas.microsoft.com/office/drawing/2014/main" id="{7E0633CE-883D-DE45-99D4-951EA7667FAB}"/>
+                </a:ext>
+              </a:extLst>
+            </p:cNvPr>
+            <p:cNvPicPr>
+              <a:picLocks noChangeAspect="1"/>
+            </p:cNvPicPr>
+            <p:nvPr/>
+          </p:nvPicPr>
+          <p:blipFill rotWithShape="1">
+            <a:blip r:embed="rId2"/>
+            <a:srcRect t="30185" r="49984" b="29388"/>
+            <a:stretch/>
+          </p:blipFill>
+          <p:spPr>
+            <a:xfrm>
+              <a:off x="5367452" y="6980507"/>
+              <a:ext cx="1703199" cy="1084924"/>
+            </a:xfrm>
+            <a:prstGeom prst="rect">
+              <a:avLst/>
+            </a:prstGeom>
+          </p:spPr>
+        </p:pic>
+        <p:pic>
+          <p:nvPicPr>
+            <p:cNvPr id="178" name="Picture 177">
+              <a:extLst>
+                <a:ext uri="{FF2B5EF4-FFF2-40B4-BE49-F238E27FC236}">
+                  <a16:creationId xmlns:a16="http://schemas.microsoft.com/office/drawing/2014/main" id="{137F0DF1-4A8D-AB40-AE81-F36469BAC1EC}"/>
+                </a:ext>
+              </a:extLst>
+            </p:cNvPr>
+            <p:cNvPicPr>
+              <a:picLocks noChangeAspect="1"/>
+            </p:cNvPicPr>
+            <p:nvPr/>
+          </p:nvPicPr>
+          <p:blipFill rotWithShape="1">
+            <a:blip r:embed="rId2"/>
+            <a:srcRect t="30185" r="49984" b="33566"/>
+            <a:stretch/>
+          </p:blipFill>
+          <p:spPr>
+            <a:xfrm>
+              <a:off x="5370869" y="6093645"/>
+              <a:ext cx="1703199" cy="972790"/>
+            </a:xfrm>
+            <a:prstGeom prst="rect">
+              <a:avLst/>
+            </a:prstGeom>
+          </p:spPr>
+        </p:pic>
+        <p:pic>
+          <p:nvPicPr>
+            <p:cNvPr id="179" name="Picture 178">
+              <a:extLst>
+                <a:ext uri="{FF2B5EF4-FFF2-40B4-BE49-F238E27FC236}">
+                  <a16:creationId xmlns:a16="http://schemas.microsoft.com/office/drawing/2014/main" id="{F982828C-8CBA-394C-B25A-DD05EB6F5E5C}"/>
+                </a:ext>
+              </a:extLst>
+            </p:cNvPr>
+            <p:cNvPicPr>
+              <a:picLocks noChangeAspect="1"/>
+            </p:cNvPicPr>
+            <p:nvPr/>
+          </p:nvPicPr>
+          <p:blipFill rotWithShape="1">
+            <a:blip r:embed="rId2"/>
+            <a:srcRect t="30185" r="49984" b="48900"/>
+            <a:stretch/>
+          </p:blipFill>
+          <p:spPr>
+            <a:xfrm>
+              <a:off x="5371672" y="5661135"/>
+              <a:ext cx="1703199" cy="561269"/>
+            </a:xfrm>
+            <a:prstGeom prst="rect">
+              <a:avLst/>
+            </a:prstGeom>
+          </p:spPr>
+        </p:pic>
+      </p:grpSp>
+      <p:pic>
+        <p:nvPicPr>
+          <p:cNvPr id="184" name="Picture 183">
+            <a:extLst>
+              <a:ext uri="{FF2B5EF4-FFF2-40B4-BE49-F238E27FC236}">
+                <a16:creationId xmlns:a16="http://schemas.microsoft.com/office/drawing/2014/main" id="{0D833588-73AD-9A4C-B681-1D2AF9ED908C}"/>
+              </a:ext>
+            </a:extLst>
+          </p:cNvPr>
+          <p:cNvPicPr>
+            <a:picLocks noChangeAspect="1"/>
+          </p:cNvPicPr>
+          <p:nvPr/>
+        </p:nvPicPr>
+        <p:blipFill rotWithShape="1">
+          <a:blip r:embed="rId2"/>
+          <a:srcRect t="32766" r="49984" b="33566"/>
+          <a:stretch/>
+        </p:blipFill>
+        <p:spPr>
+          <a:xfrm rot="5400000">
+            <a:off x="8338182" y="6382080"/>
+            <a:ext cx="1703199" cy="903525"/>
+          </a:xfrm>
+          <a:prstGeom prst="rect">
+            <a:avLst/>
+          </a:prstGeom>
+        </p:spPr>
+      </p:pic>
+      <p:grpSp>
+        <p:nvGrpSpPr>
+          <p:cNvPr id="49" name="Group 48">
+            <a:extLst>
+              <a:ext uri="{FF2B5EF4-FFF2-40B4-BE49-F238E27FC236}">
+                <a16:creationId xmlns:a16="http://schemas.microsoft.com/office/drawing/2014/main" id="{9F4F22CC-8F61-0C4D-B566-00EC8DB7A9C2}"/>
+              </a:ext>
+            </a:extLst>
+          </p:cNvPr>
+          <p:cNvGrpSpPr/>
+          <p:nvPr/>
+        </p:nvGrpSpPr>
+        <p:grpSpPr>
+          <a:xfrm>
+            <a:off x="4357664" y="1824058"/>
+            <a:ext cx="3992698" cy="3212705"/>
+            <a:chOff x="52950" y="1828421"/>
+            <a:chExt cx="3992698" cy="3212705"/>
+          </a:xfrm>
+        </p:grpSpPr>
+        <p:pic>
+          <p:nvPicPr>
+            <p:cNvPr id="50" name="Picture 49">
+              <a:extLst>
+                <a:ext uri="{FF2B5EF4-FFF2-40B4-BE49-F238E27FC236}">
+                  <a16:creationId xmlns:a16="http://schemas.microsoft.com/office/drawing/2014/main" id="{F181AA92-831C-3343-8F3A-03CE0E823073}"/>
+                </a:ext>
+              </a:extLst>
+            </p:cNvPr>
+            <p:cNvPicPr>
+              <a:picLocks noChangeAspect="1"/>
+            </p:cNvPicPr>
+            <p:nvPr/>
+          </p:nvPicPr>
+          <p:blipFill rotWithShape="1">
+            <a:blip r:embed="rId2"/>
+            <a:srcRect t="30185" r="49984" b="29388"/>
+            <a:stretch/>
+          </p:blipFill>
+          <p:spPr>
+            <a:xfrm>
+              <a:off x="685906" y="2501108"/>
+              <a:ext cx="3359742" cy="2140127"/>
+            </a:xfrm>
+            <a:prstGeom prst="rect">
+              <a:avLst/>
+            </a:prstGeom>
+          </p:spPr>
+        </p:pic>
+        <p:sp>
+          <p:nvSpPr>
+            <p:cNvPr id="51" name="TextBox 50">
+              <a:extLst>
+                <a:ext uri="{FF2B5EF4-FFF2-40B4-BE49-F238E27FC236}">
+                  <a16:creationId xmlns:a16="http://schemas.microsoft.com/office/drawing/2014/main" id="{5894F6F8-4675-F345-AE70-C470759C0F68}"/>
+                </a:ext>
+              </a:extLst>
+            </p:cNvPr>
+            <p:cNvSpPr txBox="1"/>
+            <p:nvPr/>
+          </p:nvSpPr>
+          <p:spPr>
+            <a:xfrm>
+              <a:off x="52950" y="2910137"/>
+              <a:ext cx="824874" cy="300082"/>
+            </a:xfrm>
+            <a:prstGeom prst="rect">
+              <a:avLst/>
+            </a:prstGeom>
+            <a:noFill/>
+          </p:spPr>
+          <p:txBody>
+            <a:bodyPr wrap="square" rtlCol="0">
+              <a:spAutoFit/>
+            </a:bodyPr>
+            <a:lstStyle/>
+            <a:p>
+              <a:r>
+                <a:rPr lang="en-US" sz="1350" u="sng" dirty="0"/>
+                <a:t>All Tasks</a:t>
+              </a:r>
+            </a:p>
+          </p:txBody>
+        </p:sp>
+        <p:sp>
+          <p:nvSpPr>
+            <p:cNvPr id="52" name="TextBox 51">
+              <a:extLst>
+                <a:ext uri="{FF2B5EF4-FFF2-40B4-BE49-F238E27FC236}">
+                  <a16:creationId xmlns:a16="http://schemas.microsoft.com/office/drawing/2014/main" id="{2F88D740-160F-134A-BCBA-9865B9A2C8F0}"/>
+                </a:ext>
+              </a:extLst>
+            </p:cNvPr>
+            <p:cNvSpPr txBox="1"/>
+            <p:nvPr/>
+          </p:nvSpPr>
+          <p:spPr>
+            <a:xfrm>
+              <a:off x="170732" y="3825591"/>
+              <a:ext cx="576613" cy="300082"/>
+            </a:xfrm>
+            <a:prstGeom prst="rect">
+              <a:avLst/>
+            </a:prstGeom>
+            <a:noFill/>
+          </p:spPr>
+          <p:txBody>
+            <a:bodyPr wrap="square" rtlCol="0">
+              <a:spAutoFit/>
+            </a:bodyPr>
+            <a:lstStyle/>
+            <a:p>
+              <a:r>
+                <a:rPr lang="en-US" sz="1350" dirty="0"/>
+                <a:t>Rest</a:t>
+              </a:r>
+            </a:p>
+          </p:txBody>
+        </p:sp>
+        <p:sp>
+          <p:nvSpPr>
+            <p:cNvPr id="53" name="TextBox 52">
+              <a:extLst>
+                <a:ext uri="{FF2B5EF4-FFF2-40B4-BE49-F238E27FC236}">
+                  <a16:creationId xmlns:a16="http://schemas.microsoft.com/office/drawing/2014/main" id="{9121F5C0-CF21-0E47-9F88-D8E6B74FFB88}"/>
+                </a:ext>
+              </a:extLst>
+            </p:cNvPr>
+            <p:cNvSpPr txBox="1"/>
+            <p:nvPr/>
+          </p:nvSpPr>
+          <p:spPr>
+            <a:xfrm>
+              <a:off x="105144" y="2373930"/>
+              <a:ext cx="775138" cy="300082"/>
+            </a:xfrm>
+            <a:prstGeom prst="rect">
+              <a:avLst/>
+            </a:prstGeom>
+            <a:noFill/>
+          </p:spPr>
+          <p:txBody>
+            <a:bodyPr wrap="square" rtlCol="0">
+              <a:spAutoFit/>
+            </a:bodyPr>
+            <a:lstStyle/>
+            <a:p>
+              <a:r>
+                <a:rPr lang="en-US" sz="1350" dirty="0">
+                  <a:solidFill>
+                    <a:srgbClr val="0070C0"/>
+                  </a:solidFill>
+                </a:rPr>
+                <a:t>MSC01</a:t>
+              </a:r>
+            </a:p>
+          </p:txBody>
+        </p:sp>
+        <p:sp>
+          <p:nvSpPr>
+            <p:cNvPr id="54" name="TextBox 53">
+              <a:extLst>
+                <a:ext uri="{FF2B5EF4-FFF2-40B4-BE49-F238E27FC236}">
+                  <a16:creationId xmlns:a16="http://schemas.microsoft.com/office/drawing/2014/main" id="{FFADD284-9A4E-0645-A57D-DA13803027BB}"/>
+                </a:ext>
+              </a:extLst>
+            </p:cNvPr>
+            <p:cNvSpPr txBox="1"/>
+            <p:nvPr/>
+          </p:nvSpPr>
+          <p:spPr>
+            <a:xfrm>
+              <a:off x="801030" y="4392066"/>
+              <a:ext cx="629307" cy="207749"/>
+            </a:xfrm>
+            <a:prstGeom prst="rect">
+              <a:avLst/>
+            </a:prstGeom>
+            <a:noFill/>
+          </p:spPr>
+          <p:txBody>
+            <a:bodyPr wrap="square" rtlCol="0">
+              <a:spAutoFit/>
+            </a:bodyPr>
+            <a:lstStyle/>
+            <a:p>
+              <a:r>
+                <a:rPr lang="en-US" sz="750" dirty="0"/>
+                <a:t>Session 1</a:t>
+              </a:r>
+            </a:p>
+          </p:txBody>
+        </p:sp>
+        <p:sp>
+          <p:nvSpPr>
+            <p:cNvPr id="55" name="TextBox 54">
+              <a:extLst>
+                <a:ext uri="{FF2B5EF4-FFF2-40B4-BE49-F238E27FC236}">
+                  <a16:creationId xmlns:a16="http://schemas.microsoft.com/office/drawing/2014/main" id="{67EFDAB6-33CA-1842-9B29-9136FD2D9431}"/>
+                </a:ext>
+              </a:extLst>
+            </p:cNvPr>
+            <p:cNvSpPr txBox="1"/>
+            <p:nvPr/>
+          </p:nvSpPr>
+          <p:spPr>
+            <a:xfrm>
+              <a:off x="1639762" y="4392066"/>
+              <a:ext cx="591622" cy="207749"/>
+            </a:xfrm>
+            <a:prstGeom prst="rect">
+              <a:avLst/>
+            </a:prstGeom>
+            <a:noFill/>
+          </p:spPr>
+          <p:txBody>
+            <a:bodyPr wrap="square" rtlCol="0">
+              <a:spAutoFit/>
+            </a:bodyPr>
+            <a:lstStyle/>
+            <a:p>
+              <a:r>
+                <a:rPr lang="en-US" sz="750" dirty="0"/>
+                <a:t>Session 2</a:t>
+              </a:r>
+            </a:p>
+          </p:txBody>
+        </p:sp>
+        <p:sp>
+          <p:nvSpPr>
+            <p:cNvPr id="56" name="TextBox 55">
+              <a:extLst>
+                <a:ext uri="{FF2B5EF4-FFF2-40B4-BE49-F238E27FC236}">
+                  <a16:creationId xmlns:a16="http://schemas.microsoft.com/office/drawing/2014/main" id="{0AAE4441-F4E8-C340-84D8-9F49B21E9422}"/>
+                </a:ext>
+              </a:extLst>
+            </p:cNvPr>
+            <p:cNvSpPr txBox="1"/>
+            <p:nvPr/>
+          </p:nvSpPr>
+          <p:spPr>
+            <a:xfrm>
+              <a:off x="2548437" y="4362989"/>
+              <a:ext cx="421536" cy="276999"/>
+            </a:xfrm>
+            <a:prstGeom prst="rect">
+              <a:avLst/>
+            </a:prstGeom>
+            <a:noFill/>
+          </p:spPr>
+          <p:txBody>
+            <a:bodyPr wrap="square" rtlCol="0">
+              <a:spAutoFit/>
+            </a:bodyPr>
+            <a:lstStyle/>
+            <a:p>
+              <a:pPr algn="ctr"/>
+              <a:r>
+                <a:rPr lang="en-US" sz="1200" dirty="0"/>
+                <a:t>.…</a:t>
+              </a:r>
+            </a:p>
+          </p:txBody>
+        </p:sp>
+        <p:sp>
+          <p:nvSpPr>
+            <p:cNvPr id="57" name="TextBox 56">
+              <a:extLst>
+                <a:ext uri="{FF2B5EF4-FFF2-40B4-BE49-F238E27FC236}">
+                  <a16:creationId xmlns:a16="http://schemas.microsoft.com/office/drawing/2014/main" id="{51541200-2D5E-E54D-BA6B-F3028F7ECC9B}"/>
+                </a:ext>
+              </a:extLst>
+            </p:cNvPr>
+            <p:cNvSpPr txBox="1"/>
+            <p:nvPr/>
+          </p:nvSpPr>
+          <p:spPr>
+            <a:xfrm>
+              <a:off x="3334218" y="4392066"/>
+              <a:ext cx="631794" cy="207749"/>
+            </a:xfrm>
+            <a:prstGeom prst="rect">
+              <a:avLst/>
+            </a:prstGeom>
+            <a:noFill/>
+          </p:spPr>
+          <p:txBody>
+            <a:bodyPr wrap="square" rtlCol="0">
+              <a:spAutoFit/>
+            </a:bodyPr>
+            <a:lstStyle/>
+            <a:p>
+              <a:r>
+                <a:rPr lang="en-US" sz="750" dirty="0"/>
+                <a:t>Session 9</a:t>
+              </a:r>
+            </a:p>
+          </p:txBody>
+        </p:sp>
+        <p:sp>
+          <p:nvSpPr>
+            <p:cNvPr id="58" name="Rectangle 57">
+              <a:extLst>
+                <a:ext uri="{FF2B5EF4-FFF2-40B4-BE49-F238E27FC236}">
+                  <a16:creationId xmlns:a16="http://schemas.microsoft.com/office/drawing/2014/main" id="{5E648BF2-8DA8-A443-B6AA-5BCC7DF56100}"/>
+                </a:ext>
+              </a:extLst>
+            </p:cNvPr>
+            <p:cNvSpPr/>
+            <p:nvPr/>
+          </p:nvSpPr>
+          <p:spPr>
+            <a:xfrm>
+              <a:off x="101822" y="1828421"/>
+              <a:ext cx="3925585" cy="3212705"/>
+            </a:xfrm>
+            <a:prstGeom prst="rect">
+              <a:avLst/>
+            </a:prstGeom>
+            <a:noFill/>
+            <a:ln w="28575">
+              <a:solidFill>
+                <a:schemeClr val="tx1"/>
+              </a:solidFill>
+            </a:ln>
+          </p:spPr>
+          <p:style>
+            <a:lnRef idx="2">
+              <a:schemeClr val="accent1">
+                <a:shade val="50000"/>
+              </a:schemeClr>
+            </a:lnRef>
+            <a:fillRef idx="1">
+              <a:schemeClr val="accent1"/>
+            </a:fillRef>
+            <a:effectRef idx="0">
+              <a:schemeClr val="accent1"/>
+            </a:effectRef>
+            <a:fontRef idx="minor">
+              <a:schemeClr val="lt1"/>
+            </a:fontRef>
+          </p:style>
+          <p:txBody>
+            <a:bodyPr rtlCol="0" anchor="ctr"/>
+            <a:lstStyle/>
+            <a:p>
+              <a:pPr algn="ctr"/>
+              <a:endParaRPr lang="en-US" sz="1350"/>
+            </a:p>
+          </p:txBody>
+        </p:sp>
+        <p:sp>
+          <p:nvSpPr>
+            <p:cNvPr id="59" name="TextBox 58">
+              <a:extLst>
+                <a:ext uri="{FF2B5EF4-FFF2-40B4-BE49-F238E27FC236}">
+                  <a16:creationId xmlns:a16="http://schemas.microsoft.com/office/drawing/2014/main" id="{BD687136-3638-A043-AE97-5CD5105C8665}"/>
+                </a:ext>
+              </a:extLst>
+            </p:cNvPr>
+            <p:cNvSpPr txBox="1"/>
+            <p:nvPr/>
+          </p:nvSpPr>
+          <p:spPr>
+            <a:xfrm>
+              <a:off x="1559668" y="1867520"/>
+              <a:ext cx="1009892" cy="400110"/>
+            </a:xfrm>
+            <a:prstGeom prst="rect">
+              <a:avLst/>
+            </a:prstGeom>
+            <a:noFill/>
+          </p:spPr>
+          <p:txBody>
+            <a:bodyPr wrap="none" rtlCol="0">
+              <a:spAutoFit/>
+            </a:bodyPr>
+            <a:lstStyle/>
+            <a:p>
+              <a:r>
+                <a:rPr lang="en-US" sz="2000" u="sng" dirty="0"/>
+                <a:t>Training</a:t>
+              </a:r>
+            </a:p>
+          </p:txBody>
+        </p:sp>
+      </p:grpSp>
+      <p:grpSp>
+        <p:nvGrpSpPr>
+          <p:cNvPr id="60" name="Group 59">
+            <a:extLst>
+              <a:ext uri="{FF2B5EF4-FFF2-40B4-BE49-F238E27FC236}">
+                <a16:creationId xmlns:a16="http://schemas.microsoft.com/office/drawing/2014/main" id="{A12F294C-34AB-6345-BC97-D8BAFBD7197B}"/>
+              </a:ext>
+            </a:extLst>
+          </p:cNvPr>
+          <p:cNvGrpSpPr/>
+          <p:nvPr/>
+        </p:nvGrpSpPr>
+        <p:grpSpPr>
+          <a:xfrm>
+            <a:off x="8481313" y="1824057"/>
+            <a:ext cx="2841385" cy="3212705"/>
+            <a:chOff x="4096623" y="1861145"/>
+            <a:chExt cx="2841385" cy="3212705"/>
+          </a:xfrm>
+        </p:grpSpPr>
+        <p:sp>
+          <p:nvSpPr>
+            <p:cNvPr id="61" name="Rectangle 60">
+              <a:extLst>
+                <a:ext uri="{FF2B5EF4-FFF2-40B4-BE49-F238E27FC236}">
+                  <a16:creationId xmlns:a16="http://schemas.microsoft.com/office/drawing/2014/main" id="{2F43F4E4-7632-2646-9467-AEC9E4A1EED7}"/>
+                </a:ext>
+              </a:extLst>
+            </p:cNvPr>
+            <p:cNvSpPr/>
+            <p:nvPr/>
+          </p:nvSpPr>
+          <p:spPr>
+            <a:xfrm>
+              <a:off x="4096623" y="1861145"/>
+              <a:ext cx="2841385" cy="3212705"/>
+            </a:xfrm>
+            <a:prstGeom prst="rect">
+              <a:avLst/>
+            </a:prstGeom>
+            <a:noFill/>
+            <a:ln w="28575">
+              <a:solidFill>
+                <a:schemeClr val="tx1"/>
+              </a:solidFill>
+            </a:ln>
+          </p:spPr>
+          <p:style>
+            <a:lnRef idx="2">
+              <a:schemeClr val="accent1">
+                <a:shade val="50000"/>
+              </a:schemeClr>
+            </a:lnRef>
+            <a:fillRef idx="1">
+              <a:schemeClr val="accent1"/>
+            </a:fillRef>
+            <a:effectRef idx="0">
+              <a:schemeClr val="accent1"/>
+            </a:effectRef>
+            <a:fontRef idx="minor">
+              <a:schemeClr val="lt1"/>
+            </a:fontRef>
+          </p:style>
+          <p:txBody>
+            <a:bodyPr rtlCol="0" anchor="ctr"/>
+            <a:lstStyle/>
+            <a:p>
+              <a:pPr algn="ctr"/>
+              <a:endParaRPr lang="en-US" sz="1350"/>
+            </a:p>
+          </p:txBody>
+        </p:sp>
+        <p:grpSp>
+          <p:nvGrpSpPr>
+            <p:cNvPr id="62" name="Group 61">
+              <a:extLst>
+                <a:ext uri="{FF2B5EF4-FFF2-40B4-BE49-F238E27FC236}">
+                  <a16:creationId xmlns:a16="http://schemas.microsoft.com/office/drawing/2014/main" id="{297AC414-CDDB-2D48-B700-BEEC96DE4F7A}"/>
+                </a:ext>
+              </a:extLst>
+            </p:cNvPr>
+            <p:cNvGrpSpPr/>
+            <p:nvPr/>
+          </p:nvGrpSpPr>
+          <p:grpSpPr>
+            <a:xfrm>
+              <a:off x="4287352" y="2421842"/>
+              <a:ext cx="940415" cy="2198813"/>
+              <a:chOff x="4276842" y="2421842"/>
+              <a:chExt cx="940415" cy="2198813"/>
+            </a:xfrm>
+          </p:grpSpPr>
+          <p:grpSp>
+            <p:nvGrpSpPr>
+              <p:cNvPr id="67" name="Group 66">
+                <a:extLst>
+                  <a:ext uri="{FF2B5EF4-FFF2-40B4-BE49-F238E27FC236}">
+                    <a16:creationId xmlns:a16="http://schemas.microsoft.com/office/drawing/2014/main" id="{ECE16C9C-DF0F-D444-9B5F-40808AC92D7C}"/>
+                  </a:ext>
+                </a:extLst>
+              </p:cNvPr>
+              <p:cNvGrpSpPr/>
+              <p:nvPr/>
+            </p:nvGrpSpPr>
+            <p:grpSpPr>
+              <a:xfrm>
+                <a:off x="4276842" y="2699364"/>
+                <a:ext cx="927648" cy="1910779"/>
+                <a:chOff x="4245312" y="2699364"/>
+                <a:chExt cx="927648" cy="1910779"/>
+              </a:xfrm>
+            </p:grpSpPr>
+            <p:pic>
+              <p:nvPicPr>
+                <p:cNvPr id="69" name="Picture 68">
+                  <a:extLst>
+                    <a:ext uri="{FF2B5EF4-FFF2-40B4-BE49-F238E27FC236}">
+                      <a16:creationId xmlns:a16="http://schemas.microsoft.com/office/drawing/2014/main" id="{57030E1A-DB95-E444-B134-5D585F08DADA}"/>
+                    </a:ext>
+                  </a:extLst>
+                </p:cNvPr>
+                <p:cNvPicPr>
+                  <a:picLocks noChangeAspect="1"/>
+                </p:cNvPicPr>
+                <p:nvPr/>
+              </p:nvPicPr>
+              <p:blipFill rotWithShape="1">
+                <a:blip r:embed="rId2"/>
+                <a:srcRect l="74431" t="-2" r="12089" b="64747"/>
+                <a:stretch/>
+              </p:blipFill>
+              <p:spPr>
+                <a:xfrm>
+                  <a:off x="4245312" y="2699364"/>
+                  <a:ext cx="927648" cy="1908619"/>
+                </a:xfrm>
+                <a:prstGeom prst="rect">
+                  <a:avLst/>
+                </a:prstGeom>
+              </p:spPr>
+            </p:pic>
+            <p:sp>
+              <p:nvSpPr>
+                <p:cNvPr id="70" name="TextBox 69">
+                  <a:extLst>
+                    <a:ext uri="{FF2B5EF4-FFF2-40B4-BE49-F238E27FC236}">
+                      <a16:creationId xmlns:a16="http://schemas.microsoft.com/office/drawing/2014/main" id="{89FAA5EB-9A97-E147-86E7-35C0EE90AAFC}"/>
+                    </a:ext>
+                  </a:extLst>
+                </p:cNvPr>
+                <p:cNvSpPr txBox="1"/>
+                <p:nvPr/>
+              </p:nvSpPr>
+              <p:spPr>
+                <a:xfrm>
+                  <a:off x="4414337" y="4402394"/>
+                  <a:ext cx="631794" cy="207749"/>
+                </a:xfrm>
+                <a:prstGeom prst="rect">
+                  <a:avLst/>
+                </a:prstGeom>
+                <a:noFill/>
+              </p:spPr>
+              <p:txBody>
+                <a:bodyPr wrap="square" rtlCol="0">
+                  <a:spAutoFit/>
+                </a:bodyPr>
+                <a:lstStyle/>
+                <a:p>
+                  <a:r>
+                    <a:rPr lang="en-US" sz="750" dirty="0"/>
+                    <a:t>Session 10</a:t>
+                  </a:r>
+                </a:p>
+              </p:txBody>
+            </p:sp>
+          </p:grpSp>
+          <p:sp>
+            <p:nvSpPr>
+              <p:cNvPr id="68" name="Rectangle 67">
+                <a:extLst>
+                  <a:ext uri="{FF2B5EF4-FFF2-40B4-BE49-F238E27FC236}">
+                    <a16:creationId xmlns:a16="http://schemas.microsoft.com/office/drawing/2014/main" id="{C80EA7A3-B316-964E-89DA-7D98F1940715}"/>
+                  </a:ext>
+                </a:extLst>
+              </p:cNvPr>
+              <p:cNvSpPr/>
+              <p:nvPr/>
+            </p:nvSpPr>
+            <p:spPr>
+              <a:xfrm>
+                <a:off x="4316973" y="2421842"/>
+                <a:ext cx="900284" cy="2198813"/>
+              </a:xfrm>
+              <a:prstGeom prst="rect">
+                <a:avLst/>
+              </a:prstGeom>
+              <a:noFill/>
+              <a:ln w="28575">
+                <a:solidFill>
+                  <a:srgbClr val="FF0000"/>
+                </a:solidFill>
+                <a:prstDash val="lgDash"/>
+              </a:ln>
+            </p:spPr>
+            <p:style>
+              <a:lnRef idx="2">
+                <a:schemeClr val="accent1">
+                  <a:shade val="50000"/>
+                </a:schemeClr>
+              </a:lnRef>
+              <a:fillRef idx="1">
+                <a:schemeClr val="accent1"/>
+              </a:fillRef>
+              <a:effectRef idx="0">
+                <a:schemeClr val="accent1"/>
+              </a:effectRef>
+              <a:fontRef idx="minor">
+                <a:schemeClr val="lt1"/>
+              </a:fontRef>
+            </p:style>
+            <p:txBody>
+              <a:bodyPr rtlCol="0" anchor="ctr"/>
+              <a:lstStyle/>
+              <a:p>
+                <a:pPr algn="ctr"/>
+                <a:endParaRPr lang="en-US" sz="1350"/>
+              </a:p>
+            </p:txBody>
+          </p:sp>
+        </p:grpSp>
+        <p:sp>
+          <p:nvSpPr>
+            <p:cNvPr id="63" name="TextBox 62">
+              <a:extLst>
+                <a:ext uri="{FF2B5EF4-FFF2-40B4-BE49-F238E27FC236}">
+                  <a16:creationId xmlns:a16="http://schemas.microsoft.com/office/drawing/2014/main" id="{C0F89206-AF00-1E4D-94D3-1D90439B4F88}"/>
+                </a:ext>
+              </a:extLst>
+            </p:cNvPr>
+            <p:cNvSpPr txBox="1"/>
+            <p:nvPr/>
+          </p:nvSpPr>
+          <p:spPr>
+            <a:xfrm>
+              <a:off x="4368577" y="2459771"/>
+              <a:ext cx="775138" cy="307777"/>
+            </a:xfrm>
+            <a:prstGeom prst="rect">
+              <a:avLst/>
+            </a:prstGeom>
+            <a:noFill/>
+          </p:spPr>
+          <p:txBody>
+            <a:bodyPr wrap="square" rtlCol="0">
+              <a:spAutoFit/>
+            </a:bodyPr>
+            <a:lstStyle/>
+            <a:p>
+              <a:pPr algn="ctr"/>
+              <a:r>
+                <a:rPr lang="en-US" sz="1400" dirty="0"/>
+                <a:t>Test</a:t>
+              </a:r>
+            </a:p>
+          </p:txBody>
+        </p:sp>
+        <p:sp>
+          <p:nvSpPr>
+            <p:cNvPr id="64" name="TextBox 63">
+              <a:extLst>
+                <a:ext uri="{FF2B5EF4-FFF2-40B4-BE49-F238E27FC236}">
+                  <a16:creationId xmlns:a16="http://schemas.microsoft.com/office/drawing/2014/main" id="{B70ACFC5-F5A2-6C4C-A02C-D56E18737D32}"/>
+                </a:ext>
+              </a:extLst>
+            </p:cNvPr>
+            <p:cNvSpPr txBox="1"/>
+            <p:nvPr/>
+          </p:nvSpPr>
+          <p:spPr>
+            <a:xfrm>
+              <a:off x="4467287" y="1869309"/>
+              <a:ext cx="2108654" cy="400110"/>
+            </a:xfrm>
+            <a:prstGeom prst="rect">
+              <a:avLst/>
+            </a:prstGeom>
+            <a:noFill/>
+          </p:spPr>
+          <p:txBody>
+            <a:bodyPr wrap="none" rtlCol="0">
+              <a:spAutoFit/>
+            </a:bodyPr>
+            <a:lstStyle/>
+            <a:p>
+              <a:r>
+                <a:rPr lang="en-US" sz="2000" u="sng" dirty="0"/>
+                <a:t>Test Across People</a:t>
+              </a:r>
+            </a:p>
+          </p:txBody>
+        </p:sp>
+        <p:sp>
+          <p:nvSpPr>
+            <p:cNvPr id="65" name="TextBox 64">
+              <a:extLst>
+                <a:ext uri="{FF2B5EF4-FFF2-40B4-BE49-F238E27FC236}">
+                  <a16:creationId xmlns:a16="http://schemas.microsoft.com/office/drawing/2014/main" id="{F4C63CDE-B9D7-934F-89AB-C93F20ECA694}"/>
+                </a:ext>
+              </a:extLst>
+            </p:cNvPr>
+            <p:cNvSpPr txBox="1"/>
+            <p:nvPr/>
+          </p:nvSpPr>
+          <p:spPr>
+            <a:xfrm>
+              <a:off x="5824470" y="2459771"/>
+              <a:ext cx="710793" cy="307777"/>
+            </a:xfrm>
+            <a:prstGeom prst="rect">
+              <a:avLst/>
+            </a:prstGeom>
+            <a:noFill/>
+          </p:spPr>
+          <p:txBody>
+            <a:bodyPr wrap="square" rtlCol="0">
+              <a:spAutoFit/>
+            </a:bodyPr>
+            <a:lstStyle/>
+            <a:p>
+              <a:r>
+                <a:rPr lang="en-US" sz="1400" dirty="0">
+                  <a:solidFill>
+                    <a:srgbClr val="00B0F0"/>
+                  </a:solidFill>
+                </a:rPr>
+                <a:t>MSC02</a:t>
+              </a:r>
+            </a:p>
+          </p:txBody>
+        </p:sp>
+        <p:pic>
+          <p:nvPicPr>
+            <p:cNvPr id="66" name="Picture 65">
+              <a:extLst>
+                <a:ext uri="{FF2B5EF4-FFF2-40B4-BE49-F238E27FC236}">
+                  <a16:creationId xmlns:a16="http://schemas.microsoft.com/office/drawing/2014/main" id="{D9DA12F0-3B8F-1949-B19C-CEEF76C3C5BB}"/>
+                </a:ext>
+              </a:extLst>
+            </p:cNvPr>
+            <p:cNvPicPr>
+              <a:picLocks noChangeAspect="1"/>
+            </p:cNvPicPr>
+            <p:nvPr/>
+          </p:nvPicPr>
+          <p:blipFill rotWithShape="1">
+            <a:blip r:embed="rId2"/>
+            <a:srcRect l="75916" t="-2" r="12672" b="67934"/>
+            <a:stretch/>
+          </p:blipFill>
+          <p:spPr>
+            <a:xfrm>
+              <a:off x="5754355" y="2714940"/>
+              <a:ext cx="785890" cy="1737360"/>
+            </a:xfrm>
+            <a:prstGeom prst="rect">
+              <a:avLst/>
+            </a:prstGeom>
+          </p:spPr>
+        </p:pic>
+      </p:grpSp>
+      <p:grpSp>
+        <p:nvGrpSpPr>
+          <p:cNvPr id="71" name="Group 70">
+            <a:extLst>
+              <a:ext uri="{FF2B5EF4-FFF2-40B4-BE49-F238E27FC236}">
+                <a16:creationId xmlns:a16="http://schemas.microsoft.com/office/drawing/2014/main" id="{F7071A2E-45B7-6544-A4EE-D1DB3FF05A56}"/>
+              </a:ext>
+            </a:extLst>
+          </p:cNvPr>
+          <p:cNvGrpSpPr/>
+          <p:nvPr/>
+        </p:nvGrpSpPr>
+        <p:grpSpPr>
+          <a:xfrm>
+            <a:off x="4383135" y="8469337"/>
+            <a:ext cx="3948808" cy="3212705"/>
+            <a:chOff x="96840" y="1828421"/>
+            <a:chExt cx="3948808" cy="3212705"/>
+          </a:xfrm>
+        </p:grpSpPr>
+        <p:pic>
+          <p:nvPicPr>
+            <p:cNvPr id="72" name="Picture 71">
+              <a:extLst>
+                <a:ext uri="{FF2B5EF4-FFF2-40B4-BE49-F238E27FC236}">
+                  <a16:creationId xmlns:a16="http://schemas.microsoft.com/office/drawing/2014/main" id="{60A59F33-2A12-2746-9DD5-704A8BA36731}"/>
+                </a:ext>
+              </a:extLst>
+            </p:cNvPr>
+            <p:cNvPicPr>
+              <a:picLocks noChangeAspect="1"/>
+            </p:cNvPicPr>
+            <p:nvPr/>
+          </p:nvPicPr>
+          <p:blipFill rotWithShape="1">
+            <a:blip r:embed="rId2"/>
+            <a:srcRect t="30185" r="49984" b="29388"/>
+            <a:stretch/>
+          </p:blipFill>
+          <p:spPr>
+            <a:xfrm>
+              <a:off x="685906" y="2501108"/>
+              <a:ext cx="3359742" cy="2140127"/>
+            </a:xfrm>
+            <a:prstGeom prst="rect">
+              <a:avLst/>
+            </a:prstGeom>
+          </p:spPr>
+        </p:pic>
+        <p:sp>
+          <p:nvSpPr>
+            <p:cNvPr id="73" name="TextBox 72">
+              <a:extLst>
+                <a:ext uri="{FF2B5EF4-FFF2-40B4-BE49-F238E27FC236}">
+                  <a16:creationId xmlns:a16="http://schemas.microsoft.com/office/drawing/2014/main" id="{4C7C1EE5-8C21-A149-AEA8-AE0F252D5DFD}"/>
+                </a:ext>
+              </a:extLst>
+            </p:cNvPr>
+            <p:cNvSpPr txBox="1"/>
+            <p:nvPr/>
+          </p:nvSpPr>
+          <p:spPr>
+            <a:xfrm>
+              <a:off x="120062" y="2910137"/>
+              <a:ext cx="627283" cy="300082"/>
+            </a:xfrm>
+            <a:prstGeom prst="rect">
+              <a:avLst/>
+            </a:prstGeom>
+            <a:noFill/>
+          </p:spPr>
+          <p:txBody>
+            <a:bodyPr wrap="square" rtlCol="0">
+              <a:spAutoFit/>
+            </a:bodyPr>
+            <a:lstStyle/>
+            <a:p>
+              <a:r>
+                <a:rPr lang="en-US" sz="1350" u="sng" dirty="0">
+                  <a:solidFill>
+                    <a:srgbClr val="00B050"/>
+                  </a:solidFill>
+                </a:rPr>
+                <a:t>Motor</a:t>
+              </a:r>
+            </a:p>
+          </p:txBody>
+        </p:sp>
+        <p:sp>
+          <p:nvSpPr>
+            <p:cNvPr id="74" name="TextBox 73">
+              <a:extLst>
+                <a:ext uri="{FF2B5EF4-FFF2-40B4-BE49-F238E27FC236}">
+                  <a16:creationId xmlns:a16="http://schemas.microsoft.com/office/drawing/2014/main" id="{BB8F45C8-29E8-E446-B8B5-E4F1C8641345}"/>
+                </a:ext>
+              </a:extLst>
+            </p:cNvPr>
+            <p:cNvSpPr txBox="1"/>
+            <p:nvPr/>
+          </p:nvSpPr>
+          <p:spPr>
+            <a:xfrm>
+              <a:off x="170732" y="3825591"/>
+              <a:ext cx="576613" cy="300082"/>
+            </a:xfrm>
+            <a:prstGeom prst="rect">
+              <a:avLst/>
+            </a:prstGeom>
+            <a:noFill/>
+          </p:spPr>
+          <p:txBody>
+            <a:bodyPr wrap="square" rtlCol="0">
+              <a:spAutoFit/>
+            </a:bodyPr>
+            <a:lstStyle/>
+            <a:p>
+              <a:r>
+                <a:rPr lang="en-US" sz="1350" dirty="0"/>
+                <a:t>Rest</a:t>
+              </a:r>
+            </a:p>
+          </p:txBody>
+        </p:sp>
+        <p:sp>
+          <p:nvSpPr>
+            <p:cNvPr id="75" name="TextBox 74">
+              <a:extLst>
+                <a:ext uri="{FF2B5EF4-FFF2-40B4-BE49-F238E27FC236}">
+                  <a16:creationId xmlns:a16="http://schemas.microsoft.com/office/drawing/2014/main" id="{A5262EE6-B88B-4F47-B11A-0CE03F756E49}"/>
+                </a:ext>
+              </a:extLst>
+            </p:cNvPr>
+            <p:cNvSpPr txBox="1"/>
+            <p:nvPr/>
+          </p:nvSpPr>
+          <p:spPr>
+            <a:xfrm>
+              <a:off x="96840" y="2267630"/>
+              <a:ext cx="775138" cy="300082"/>
+            </a:xfrm>
+            <a:prstGeom prst="rect">
+              <a:avLst/>
+            </a:prstGeom>
+            <a:noFill/>
+          </p:spPr>
+          <p:txBody>
+            <a:bodyPr wrap="square" rtlCol="0">
+              <a:spAutoFit/>
+            </a:bodyPr>
+            <a:lstStyle/>
+            <a:p>
+              <a:r>
+                <a:rPr lang="en-US" sz="1350" dirty="0">
+                  <a:solidFill>
+                    <a:srgbClr val="0070C0"/>
+                  </a:solidFill>
+                </a:rPr>
+                <a:t>MSC01</a:t>
+              </a:r>
+            </a:p>
+          </p:txBody>
+        </p:sp>
+        <p:sp>
+          <p:nvSpPr>
+            <p:cNvPr id="76" name="TextBox 75">
+              <a:extLst>
+                <a:ext uri="{FF2B5EF4-FFF2-40B4-BE49-F238E27FC236}">
+                  <a16:creationId xmlns:a16="http://schemas.microsoft.com/office/drawing/2014/main" id="{65FB9F2F-9888-BB42-AD21-427702718A06}"/>
+                </a:ext>
+              </a:extLst>
+            </p:cNvPr>
+            <p:cNvSpPr txBox="1"/>
+            <p:nvPr/>
+          </p:nvSpPr>
+          <p:spPr>
+            <a:xfrm>
+              <a:off x="801030" y="4392066"/>
+              <a:ext cx="629307" cy="207749"/>
+            </a:xfrm>
+            <a:prstGeom prst="rect">
+              <a:avLst/>
+            </a:prstGeom>
+            <a:noFill/>
+          </p:spPr>
+          <p:txBody>
+            <a:bodyPr wrap="square" rtlCol="0">
+              <a:spAutoFit/>
+            </a:bodyPr>
+            <a:lstStyle/>
+            <a:p>
+              <a:r>
+                <a:rPr lang="en-US" sz="750" dirty="0"/>
+                <a:t>Session 1</a:t>
+              </a:r>
+            </a:p>
+          </p:txBody>
+        </p:sp>
+        <p:sp>
+          <p:nvSpPr>
+            <p:cNvPr id="77" name="TextBox 76">
+              <a:extLst>
+                <a:ext uri="{FF2B5EF4-FFF2-40B4-BE49-F238E27FC236}">
+                  <a16:creationId xmlns:a16="http://schemas.microsoft.com/office/drawing/2014/main" id="{7C03CDB6-4F53-9040-B4E0-7AFB21FE1684}"/>
+                </a:ext>
+              </a:extLst>
+            </p:cNvPr>
+            <p:cNvSpPr txBox="1"/>
+            <p:nvPr/>
+          </p:nvSpPr>
+          <p:spPr>
+            <a:xfrm>
+              <a:off x="1639762" y="4392066"/>
+              <a:ext cx="591622" cy="207749"/>
+            </a:xfrm>
+            <a:prstGeom prst="rect">
+              <a:avLst/>
+            </a:prstGeom>
+            <a:noFill/>
+          </p:spPr>
+          <p:txBody>
+            <a:bodyPr wrap="square" rtlCol="0">
+              <a:spAutoFit/>
+            </a:bodyPr>
+            <a:lstStyle/>
+            <a:p>
+              <a:r>
+                <a:rPr lang="en-US" sz="750" dirty="0"/>
+                <a:t>Session 2</a:t>
+              </a:r>
+            </a:p>
+          </p:txBody>
+        </p:sp>
+        <p:sp>
+          <p:nvSpPr>
+            <p:cNvPr id="78" name="TextBox 77">
+              <a:extLst>
+                <a:ext uri="{FF2B5EF4-FFF2-40B4-BE49-F238E27FC236}">
+                  <a16:creationId xmlns:a16="http://schemas.microsoft.com/office/drawing/2014/main" id="{829E2E5F-4B66-0043-ABE8-257EEDF99E1B}"/>
+                </a:ext>
+              </a:extLst>
+            </p:cNvPr>
+            <p:cNvSpPr txBox="1"/>
+            <p:nvPr/>
+          </p:nvSpPr>
+          <p:spPr>
+            <a:xfrm>
+              <a:off x="2548437" y="4362989"/>
+              <a:ext cx="421536" cy="276999"/>
+            </a:xfrm>
+            <a:prstGeom prst="rect">
+              <a:avLst/>
+            </a:prstGeom>
+            <a:noFill/>
+          </p:spPr>
+          <p:txBody>
+            <a:bodyPr wrap="square" rtlCol="0">
+              <a:spAutoFit/>
+            </a:bodyPr>
+            <a:lstStyle/>
+            <a:p>
+              <a:pPr algn="ctr"/>
+              <a:r>
+                <a:rPr lang="en-US" sz="1200" dirty="0"/>
+                <a:t>.…</a:t>
+              </a:r>
+            </a:p>
+          </p:txBody>
+        </p:sp>
+        <p:sp>
+          <p:nvSpPr>
+            <p:cNvPr id="79" name="TextBox 78">
+              <a:extLst>
+                <a:ext uri="{FF2B5EF4-FFF2-40B4-BE49-F238E27FC236}">
+                  <a16:creationId xmlns:a16="http://schemas.microsoft.com/office/drawing/2014/main" id="{F8872E11-6506-EE43-9E95-C1CEB1B0D1D5}"/>
+                </a:ext>
+              </a:extLst>
+            </p:cNvPr>
+            <p:cNvSpPr txBox="1"/>
+            <p:nvPr/>
+          </p:nvSpPr>
+          <p:spPr>
+            <a:xfrm>
+              <a:off x="3334218" y="4392066"/>
+              <a:ext cx="631794" cy="207749"/>
+            </a:xfrm>
+            <a:prstGeom prst="rect">
+              <a:avLst/>
+            </a:prstGeom>
+            <a:noFill/>
+          </p:spPr>
+          <p:txBody>
+            <a:bodyPr wrap="square" rtlCol="0">
+              <a:spAutoFit/>
+            </a:bodyPr>
+            <a:lstStyle/>
+            <a:p>
+              <a:r>
+                <a:rPr lang="en-US" sz="750" dirty="0"/>
+                <a:t>Session 9</a:t>
+              </a:r>
+            </a:p>
+          </p:txBody>
+        </p:sp>
+        <p:sp>
+          <p:nvSpPr>
+            <p:cNvPr id="80" name="Rectangle 79">
+              <a:extLst>
+                <a:ext uri="{FF2B5EF4-FFF2-40B4-BE49-F238E27FC236}">
+                  <a16:creationId xmlns:a16="http://schemas.microsoft.com/office/drawing/2014/main" id="{BF7B54BC-395F-8B4F-AC57-CE13C748FBF2}"/>
+                </a:ext>
+              </a:extLst>
+            </p:cNvPr>
+            <p:cNvSpPr/>
+            <p:nvPr/>
+          </p:nvSpPr>
+          <p:spPr>
+            <a:xfrm>
+              <a:off x="101822" y="1828421"/>
+              <a:ext cx="3925585" cy="3212705"/>
+            </a:xfrm>
+            <a:prstGeom prst="rect">
+              <a:avLst/>
+            </a:prstGeom>
+            <a:noFill/>
+            <a:ln w="28575">
+              <a:solidFill>
+                <a:schemeClr val="tx1"/>
+              </a:solidFill>
+            </a:ln>
+          </p:spPr>
+          <p:style>
+            <a:lnRef idx="2">
+              <a:schemeClr val="accent1">
+                <a:shade val="50000"/>
+              </a:schemeClr>
+            </a:lnRef>
+            <a:fillRef idx="1">
+              <a:schemeClr val="accent1"/>
+            </a:fillRef>
+            <a:effectRef idx="0">
+              <a:schemeClr val="accent1"/>
+            </a:effectRef>
+            <a:fontRef idx="minor">
+              <a:schemeClr val="lt1"/>
+            </a:fontRef>
+          </p:style>
+          <p:txBody>
+            <a:bodyPr rtlCol="0" anchor="ctr"/>
+            <a:lstStyle/>
+            <a:p>
+              <a:pPr algn="ctr"/>
+              <a:endParaRPr lang="en-US" sz="1350"/>
+            </a:p>
+          </p:txBody>
+        </p:sp>
+        <p:sp>
+          <p:nvSpPr>
+            <p:cNvPr id="81" name="TextBox 80">
+              <a:extLst>
+                <a:ext uri="{FF2B5EF4-FFF2-40B4-BE49-F238E27FC236}">
+                  <a16:creationId xmlns:a16="http://schemas.microsoft.com/office/drawing/2014/main" id="{28FD1BD6-D278-3543-ACAA-FE98672CEDD2}"/>
+                </a:ext>
+              </a:extLst>
+            </p:cNvPr>
+            <p:cNvSpPr txBox="1"/>
+            <p:nvPr/>
+          </p:nvSpPr>
+          <p:spPr>
+            <a:xfrm>
+              <a:off x="1559668" y="1867520"/>
+              <a:ext cx="1009892" cy="400110"/>
+            </a:xfrm>
+            <a:prstGeom prst="rect">
+              <a:avLst/>
+            </a:prstGeom>
+            <a:noFill/>
+          </p:spPr>
+          <p:txBody>
+            <a:bodyPr wrap="none" rtlCol="0">
+              <a:spAutoFit/>
+            </a:bodyPr>
+            <a:lstStyle/>
+            <a:p>
+              <a:r>
+                <a:rPr lang="en-US" sz="2000" u="sng" dirty="0"/>
+                <a:t>Training</a:t>
+              </a:r>
+            </a:p>
+          </p:txBody>
+        </p:sp>
+      </p:grpSp>
+      <p:grpSp>
+        <p:nvGrpSpPr>
+          <p:cNvPr id="82" name="Group 81">
+            <a:extLst>
+              <a:ext uri="{FF2B5EF4-FFF2-40B4-BE49-F238E27FC236}">
+                <a16:creationId xmlns:a16="http://schemas.microsoft.com/office/drawing/2014/main" id="{D63D35EB-92E9-2C43-85DA-25BC80BDE852}"/>
+              </a:ext>
+            </a:extLst>
+          </p:cNvPr>
+          <p:cNvGrpSpPr/>
+          <p:nvPr/>
+        </p:nvGrpSpPr>
+        <p:grpSpPr>
+          <a:xfrm>
+            <a:off x="8466065" y="8459872"/>
+            <a:ext cx="2841385" cy="3204373"/>
+            <a:chOff x="4096623" y="1836753"/>
+            <a:chExt cx="2841385" cy="3204373"/>
+          </a:xfrm>
+        </p:grpSpPr>
+        <p:sp>
+          <p:nvSpPr>
+            <p:cNvPr id="83" name="Rectangle 82">
+              <a:extLst>
+                <a:ext uri="{FF2B5EF4-FFF2-40B4-BE49-F238E27FC236}">
+                  <a16:creationId xmlns:a16="http://schemas.microsoft.com/office/drawing/2014/main" id="{811DF2AC-05C2-D442-B108-7C9CEACDE59D}"/>
+                </a:ext>
+              </a:extLst>
+            </p:cNvPr>
+            <p:cNvSpPr/>
+            <p:nvPr/>
+          </p:nvSpPr>
+          <p:spPr>
+            <a:xfrm>
+              <a:off x="4096623" y="1836753"/>
+              <a:ext cx="2841385" cy="3204373"/>
+            </a:xfrm>
+            <a:prstGeom prst="rect">
+              <a:avLst/>
+            </a:prstGeom>
+            <a:noFill/>
+            <a:ln w="28575">
+              <a:solidFill>
+                <a:schemeClr val="tx1"/>
+              </a:solidFill>
+            </a:ln>
+          </p:spPr>
+          <p:style>
+            <a:lnRef idx="2">
+              <a:schemeClr val="accent1">
+                <a:shade val="50000"/>
+              </a:schemeClr>
+            </a:lnRef>
+            <a:fillRef idx="1">
+              <a:schemeClr val="accent1"/>
+            </a:fillRef>
+            <a:effectRef idx="0">
+              <a:schemeClr val="accent1"/>
+            </a:effectRef>
+            <a:fontRef idx="minor">
+              <a:schemeClr val="lt1"/>
+            </a:fontRef>
+          </p:style>
+          <p:txBody>
+            <a:bodyPr rtlCol="0" anchor="ctr"/>
+            <a:lstStyle/>
+            <a:p>
+              <a:pPr algn="ctr"/>
+              <a:endParaRPr lang="en-US" sz="1350"/>
+            </a:p>
+          </p:txBody>
+        </p:sp>
+        <p:grpSp>
+          <p:nvGrpSpPr>
+            <p:cNvPr id="84" name="Group 83">
+              <a:extLst>
+                <a:ext uri="{FF2B5EF4-FFF2-40B4-BE49-F238E27FC236}">
+                  <a16:creationId xmlns:a16="http://schemas.microsoft.com/office/drawing/2014/main" id="{F999EA9A-6CB1-B342-83FF-4C62D4CA200E}"/>
+                </a:ext>
+              </a:extLst>
+            </p:cNvPr>
+            <p:cNvGrpSpPr/>
+            <p:nvPr/>
+          </p:nvGrpSpPr>
+          <p:grpSpPr>
+            <a:xfrm>
+              <a:off x="4287352" y="2421842"/>
+              <a:ext cx="940415" cy="2198813"/>
+              <a:chOff x="4276842" y="2421842"/>
+              <a:chExt cx="940415" cy="2198813"/>
+            </a:xfrm>
+          </p:grpSpPr>
+          <p:grpSp>
+            <p:nvGrpSpPr>
+              <p:cNvPr id="89" name="Group 88">
+                <a:extLst>
+                  <a:ext uri="{FF2B5EF4-FFF2-40B4-BE49-F238E27FC236}">
+                    <a16:creationId xmlns:a16="http://schemas.microsoft.com/office/drawing/2014/main" id="{3F73FD71-493C-F145-9DE7-E2F7EFAAD8EC}"/>
+                  </a:ext>
+                </a:extLst>
+              </p:cNvPr>
+              <p:cNvGrpSpPr/>
+              <p:nvPr/>
+            </p:nvGrpSpPr>
+            <p:grpSpPr>
+              <a:xfrm>
+                <a:off x="4276842" y="2699364"/>
+                <a:ext cx="927648" cy="1910779"/>
+                <a:chOff x="4245312" y="2699364"/>
+                <a:chExt cx="927648" cy="1910779"/>
+              </a:xfrm>
+            </p:grpSpPr>
+            <p:pic>
+              <p:nvPicPr>
+                <p:cNvPr id="91" name="Picture 90">
+                  <a:extLst>
+                    <a:ext uri="{FF2B5EF4-FFF2-40B4-BE49-F238E27FC236}">
+                      <a16:creationId xmlns:a16="http://schemas.microsoft.com/office/drawing/2014/main" id="{5426C38C-6F87-064B-A4F7-B5C6E7C12BB3}"/>
+                    </a:ext>
+                  </a:extLst>
+                </p:cNvPr>
+                <p:cNvPicPr>
+                  <a:picLocks noChangeAspect="1"/>
+                </p:cNvPicPr>
+                <p:nvPr/>
+              </p:nvPicPr>
+              <p:blipFill rotWithShape="1">
+                <a:blip r:embed="rId2"/>
+                <a:srcRect l="74431" t="-2" r="12089" b="64747"/>
+                <a:stretch/>
+              </p:blipFill>
+              <p:spPr>
+                <a:xfrm>
+                  <a:off x="4245312" y="2699364"/>
+                  <a:ext cx="927648" cy="1908619"/>
+                </a:xfrm>
+                <a:prstGeom prst="rect">
+                  <a:avLst/>
+                </a:prstGeom>
+              </p:spPr>
+            </p:pic>
+            <p:sp>
+              <p:nvSpPr>
+                <p:cNvPr id="92" name="TextBox 91">
+                  <a:extLst>
+                    <a:ext uri="{FF2B5EF4-FFF2-40B4-BE49-F238E27FC236}">
+                      <a16:creationId xmlns:a16="http://schemas.microsoft.com/office/drawing/2014/main" id="{DFF33AB6-9393-FF4D-A5CA-5D252732B23D}"/>
+                    </a:ext>
+                  </a:extLst>
+                </p:cNvPr>
+                <p:cNvSpPr txBox="1"/>
+                <p:nvPr/>
+              </p:nvSpPr>
+              <p:spPr>
+                <a:xfrm>
+                  <a:off x="4414337" y="4402394"/>
+                  <a:ext cx="631794" cy="207749"/>
+                </a:xfrm>
+                <a:prstGeom prst="rect">
+                  <a:avLst/>
+                </a:prstGeom>
+                <a:noFill/>
+              </p:spPr>
+              <p:txBody>
+                <a:bodyPr wrap="square" rtlCol="0">
+                  <a:spAutoFit/>
+                </a:bodyPr>
+                <a:lstStyle/>
+                <a:p>
+                  <a:r>
+                    <a:rPr lang="en-US" sz="750" dirty="0"/>
+                    <a:t>Session 10</a:t>
+                  </a:r>
+                </a:p>
+              </p:txBody>
+            </p:sp>
+          </p:grpSp>
+          <p:sp>
+            <p:nvSpPr>
+              <p:cNvPr id="90" name="Rectangle 89">
+                <a:extLst>
+                  <a:ext uri="{FF2B5EF4-FFF2-40B4-BE49-F238E27FC236}">
+                    <a16:creationId xmlns:a16="http://schemas.microsoft.com/office/drawing/2014/main" id="{3A5DCAD8-01E7-6B4E-A8CF-3F4AD2F26E27}"/>
+                  </a:ext>
+                </a:extLst>
+              </p:cNvPr>
+              <p:cNvSpPr/>
+              <p:nvPr/>
+            </p:nvSpPr>
+            <p:spPr>
+              <a:xfrm>
+                <a:off x="4316973" y="2421842"/>
+                <a:ext cx="900284" cy="2198813"/>
+              </a:xfrm>
+              <a:prstGeom prst="rect">
+                <a:avLst/>
+              </a:prstGeom>
+              <a:noFill/>
+              <a:ln w="28575">
+                <a:solidFill>
+                  <a:srgbClr val="FF0000"/>
+                </a:solidFill>
+                <a:prstDash val="lgDash"/>
+              </a:ln>
+            </p:spPr>
+            <p:style>
+              <a:lnRef idx="2">
+                <a:schemeClr val="accent1">
+                  <a:shade val="50000"/>
+                </a:schemeClr>
+              </a:lnRef>
+              <a:fillRef idx="1">
+                <a:schemeClr val="accent1"/>
+              </a:fillRef>
+              <a:effectRef idx="0">
+                <a:schemeClr val="accent1"/>
+              </a:effectRef>
+              <a:fontRef idx="minor">
+                <a:schemeClr val="lt1"/>
+              </a:fontRef>
+            </p:style>
+            <p:txBody>
+              <a:bodyPr rtlCol="0" anchor="ctr"/>
+              <a:lstStyle/>
+              <a:p>
+                <a:pPr algn="ctr"/>
+                <a:endParaRPr lang="en-US" sz="1350"/>
+              </a:p>
+            </p:txBody>
+          </p:sp>
+        </p:grpSp>
+        <p:sp>
+          <p:nvSpPr>
+            <p:cNvPr id="85" name="TextBox 84">
+              <a:extLst>
+                <a:ext uri="{FF2B5EF4-FFF2-40B4-BE49-F238E27FC236}">
+                  <a16:creationId xmlns:a16="http://schemas.microsoft.com/office/drawing/2014/main" id="{9B77699D-C189-8A46-B005-FF79E3BB3CFE}"/>
+                </a:ext>
+              </a:extLst>
+            </p:cNvPr>
+            <p:cNvSpPr txBox="1"/>
+            <p:nvPr/>
+          </p:nvSpPr>
+          <p:spPr>
+            <a:xfrm>
+              <a:off x="4368577" y="2459771"/>
+              <a:ext cx="775138" cy="307777"/>
+            </a:xfrm>
+            <a:prstGeom prst="rect">
+              <a:avLst/>
+            </a:prstGeom>
+            <a:noFill/>
+          </p:spPr>
+          <p:txBody>
+            <a:bodyPr wrap="square" rtlCol="0">
+              <a:spAutoFit/>
+            </a:bodyPr>
+            <a:lstStyle/>
+            <a:p>
+              <a:pPr algn="ctr"/>
+              <a:r>
+                <a:rPr lang="en-US" sz="1400" dirty="0"/>
+                <a:t>Test</a:t>
+              </a:r>
+            </a:p>
+          </p:txBody>
+        </p:sp>
+        <p:sp>
+          <p:nvSpPr>
+            <p:cNvPr id="86" name="TextBox 85">
+              <a:extLst>
+                <a:ext uri="{FF2B5EF4-FFF2-40B4-BE49-F238E27FC236}">
+                  <a16:creationId xmlns:a16="http://schemas.microsoft.com/office/drawing/2014/main" id="{08406A11-4C88-D34D-8AC9-8CF074B08167}"/>
+                </a:ext>
+              </a:extLst>
+            </p:cNvPr>
+            <p:cNvSpPr txBox="1"/>
+            <p:nvPr/>
+          </p:nvSpPr>
+          <p:spPr>
+            <a:xfrm>
+              <a:off x="4467287" y="1869309"/>
+              <a:ext cx="2108654" cy="400110"/>
+            </a:xfrm>
+            <a:prstGeom prst="rect">
+              <a:avLst/>
+            </a:prstGeom>
+            <a:noFill/>
+          </p:spPr>
+          <p:txBody>
+            <a:bodyPr wrap="none" rtlCol="0">
+              <a:spAutoFit/>
+            </a:bodyPr>
+            <a:lstStyle/>
+            <a:p>
+              <a:r>
+                <a:rPr lang="en-US" sz="2000" u="sng" dirty="0"/>
+                <a:t>Test Across People</a:t>
+              </a:r>
+            </a:p>
+          </p:txBody>
+        </p:sp>
+        <p:sp>
+          <p:nvSpPr>
+            <p:cNvPr id="87" name="TextBox 86">
+              <a:extLst>
+                <a:ext uri="{FF2B5EF4-FFF2-40B4-BE49-F238E27FC236}">
+                  <a16:creationId xmlns:a16="http://schemas.microsoft.com/office/drawing/2014/main" id="{FABFD1EB-45A5-6C4B-96A7-6A05D6CFD5B7}"/>
+                </a:ext>
+              </a:extLst>
+            </p:cNvPr>
+            <p:cNvSpPr txBox="1"/>
+            <p:nvPr/>
+          </p:nvSpPr>
+          <p:spPr>
+            <a:xfrm>
+              <a:off x="5824470" y="2459771"/>
+              <a:ext cx="710793" cy="307777"/>
+            </a:xfrm>
+            <a:prstGeom prst="rect">
+              <a:avLst/>
+            </a:prstGeom>
+            <a:noFill/>
+          </p:spPr>
+          <p:txBody>
+            <a:bodyPr wrap="square" rtlCol="0">
+              <a:spAutoFit/>
+            </a:bodyPr>
+            <a:lstStyle/>
+            <a:p>
+              <a:r>
+                <a:rPr lang="en-US" sz="1400" dirty="0">
+                  <a:solidFill>
+                    <a:srgbClr val="00B0F0"/>
+                  </a:solidFill>
+                </a:rPr>
+                <a:t>MSC02</a:t>
+              </a:r>
+            </a:p>
+          </p:txBody>
+        </p:sp>
+        <p:pic>
+          <p:nvPicPr>
+            <p:cNvPr id="88" name="Picture 87">
+              <a:extLst>
+                <a:ext uri="{FF2B5EF4-FFF2-40B4-BE49-F238E27FC236}">
+                  <a16:creationId xmlns:a16="http://schemas.microsoft.com/office/drawing/2014/main" id="{EE5E8CA4-C83B-F543-AEE2-3B96F7D5314C}"/>
+                </a:ext>
+              </a:extLst>
+            </p:cNvPr>
+            <p:cNvPicPr>
+              <a:picLocks noChangeAspect="1"/>
+            </p:cNvPicPr>
+            <p:nvPr/>
+          </p:nvPicPr>
+          <p:blipFill rotWithShape="1">
+            <a:blip r:embed="rId2"/>
+            <a:srcRect l="75916" t="-2" r="12672" b="67934"/>
+            <a:stretch/>
+          </p:blipFill>
+          <p:spPr>
+            <a:xfrm>
+              <a:off x="5754355" y="2714940"/>
+              <a:ext cx="785890" cy="1737360"/>
+            </a:xfrm>
+            <a:prstGeom prst="rect">
+              <a:avLst/>
+            </a:prstGeom>
+          </p:spPr>
+        </p:pic>
+      </p:grpSp>
+      <p:grpSp>
+        <p:nvGrpSpPr>
+          <p:cNvPr id="141" name="Group 140">
+            <a:extLst>
+              <a:ext uri="{FF2B5EF4-FFF2-40B4-BE49-F238E27FC236}">
+                <a16:creationId xmlns:a16="http://schemas.microsoft.com/office/drawing/2014/main" id="{7F16FA8B-05E7-F147-9025-A63440F343BB}"/>
+              </a:ext>
+            </a:extLst>
+          </p:cNvPr>
+          <p:cNvGrpSpPr/>
+          <p:nvPr/>
+        </p:nvGrpSpPr>
+        <p:grpSpPr>
+          <a:xfrm>
+            <a:off x="179515" y="1836753"/>
+            <a:ext cx="4091013" cy="3410222"/>
+            <a:chOff x="424118" y="1836753"/>
+            <a:chExt cx="4091013" cy="3410222"/>
+          </a:xfrm>
+        </p:grpSpPr>
+        <p:sp>
+          <p:nvSpPr>
+            <p:cNvPr id="116" name="Rectangle 115">
+              <a:extLst>
+                <a:ext uri="{FF2B5EF4-FFF2-40B4-BE49-F238E27FC236}">
+                  <a16:creationId xmlns:a16="http://schemas.microsoft.com/office/drawing/2014/main" id="{A56D409C-F263-774E-BCA2-5C71D738FD30}"/>
+                </a:ext>
+              </a:extLst>
+            </p:cNvPr>
+            <p:cNvSpPr/>
+            <p:nvPr/>
+          </p:nvSpPr>
+          <p:spPr>
+            <a:xfrm>
+              <a:off x="424118" y="1836753"/>
+              <a:ext cx="4091013" cy="3204373"/>
+            </a:xfrm>
+            <a:prstGeom prst="rect">
+              <a:avLst/>
+            </a:prstGeom>
+            <a:noFill/>
+            <a:ln w="28575">
+              <a:solidFill>
+                <a:schemeClr val="tx1"/>
+              </a:solidFill>
+            </a:ln>
+          </p:spPr>
+          <p:style>
+            <a:lnRef idx="2">
+              <a:schemeClr val="accent1">
+                <a:shade val="50000"/>
+              </a:schemeClr>
+            </a:lnRef>
+            <a:fillRef idx="1">
+              <a:schemeClr val="accent1"/>
+            </a:fillRef>
+            <a:effectRef idx="0">
+              <a:schemeClr val="accent1"/>
+            </a:effectRef>
+            <a:fontRef idx="minor">
+              <a:schemeClr val="lt1"/>
+            </a:fontRef>
+          </p:style>
+          <p:txBody>
+            <a:bodyPr rtlCol="0" anchor="ctr"/>
+            <a:lstStyle/>
+            <a:p>
+              <a:pPr algn="ctr"/>
+              <a:endParaRPr lang="en-US" sz="1350"/>
+            </a:p>
+          </p:txBody>
+        </p:sp>
+        <p:grpSp>
+          <p:nvGrpSpPr>
+            <p:cNvPr id="117" name="Group 116">
+              <a:extLst>
+                <a:ext uri="{FF2B5EF4-FFF2-40B4-BE49-F238E27FC236}">
+                  <a16:creationId xmlns:a16="http://schemas.microsoft.com/office/drawing/2014/main" id="{7DD3D9D5-1DF3-754A-8E31-649783B92699}"/>
+                </a:ext>
+              </a:extLst>
+            </p:cNvPr>
+            <p:cNvGrpSpPr>
+              <a:grpSpLocks noChangeAspect="1"/>
+            </p:cNvGrpSpPr>
+            <p:nvPr/>
+          </p:nvGrpSpPr>
+          <p:grpSpPr>
+            <a:xfrm>
+              <a:off x="654805" y="2508435"/>
+              <a:ext cx="1636852" cy="2738540"/>
+              <a:chOff x="1279021" y="2800444"/>
+              <a:chExt cx="1827620" cy="2968122"/>
+            </a:xfrm>
+          </p:grpSpPr>
+          <p:pic>
+            <p:nvPicPr>
+              <p:cNvPr id="118" name="Picture 2" descr="https://lh6.googleusercontent.com/DuXYwIKwLy2KJzBSpPXxgqQoZ7B-vpsVSuRCW7ZhW76TmjVYNy2yyQ89dt5Z5a_d8-yPZT9xU8N4DNjewP7ACYL-Ym72rVuCL1Jwq0_xC8_3vN9bxXvt7wuDYT4CYTCJ6WyruMvEvDk">
+                <a:extLst>
+                  <a:ext uri="{FF2B5EF4-FFF2-40B4-BE49-F238E27FC236}">
+                    <a16:creationId xmlns:a16="http://schemas.microsoft.com/office/drawing/2014/main" id="{6F570A7A-BEEF-934D-B95C-40E0E82892C5}"/>
+                  </a:ext>
+                </a:extLst>
+              </p:cNvPr>
+              <p:cNvPicPr>
+                <a:picLocks noChangeAspect="1" noChangeArrowheads="1"/>
+              </p:cNvPicPr>
+              <p:nvPr/>
+            </p:nvPicPr>
+            <p:blipFill rotWithShape="1">
+              <a:blip r:embed="rId3">
+                <a:extLst>
+                  <a:ext uri="{28A0092B-C50C-407E-A947-70E740481C1C}">
+                    <a14:useLocalDpi xmlns:a14="http://schemas.microsoft.com/office/drawing/2010/main" val="0"/>
+                  </a:ext>
+                </a:extLst>
+              </a:blip>
+              <a:srcRect r="71721" b="25589"/>
+              <a:stretch/>
+            </p:blipFill>
+            <p:spPr bwMode="auto">
+              <a:xfrm>
+                <a:off x="1279021" y="3191816"/>
+                <a:ext cx="1682018" cy="2576750"/>
+              </a:xfrm>
+              <a:prstGeom prst="rect">
+                <a:avLst/>
+              </a:prstGeom>
+              <a:noFill/>
+              <a:extLst>
+                <a:ext uri="{909E8E84-426E-40DD-AFC4-6F175D3DCCD1}">
+                  <a14:hiddenFill xmlns:a14="http://schemas.microsoft.com/office/drawing/2010/main">
+                    <a:solidFill>
+                      <a:srgbClr val="FFFFFF"/>
+                    </a:solidFill>
+                  </a14:hiddenFill>
+                </a:ext>
+              </a:extLst>
+            </p:spPr>
+          </p:pic>
+          <p:sp>
+            <p:nvSpPr>
+              <p:cNvPr id="119" name="TextBox 118">
+                <a:extLst>
+                  <a:ext uri="{FF2B5EF4-FFF2-40B4-BE49-F238E27FC236}">
+                    <a16:creationId xmlns:a16="http://schemas.microsoft.com/office/drawing/2014/main" id="{64473E81-A95F-254E-A8D8-E19E977C9328}"/>
+                  </a:ext>
+                </a:extLst>
+              </p:cNvPr>
+              <p:cNvSpPr txBox="1"/>
+              <p:nvPr/>
+            </p:nvSpPr>
+            <p:spPr>
+              <a:xfrm>
+                <a:off x="1309372" y="2800444"/>
+                <a:ext cx="1797269" cy="366734"/>
+              </a:xfrm>
+              <a:prstGeom prst="rect">
+                <a:avLst/>
+              </a:prstGeom>
+              <a:noFill/>
+            </p:spPr>
+            <p:txBody>
+              <a:bodyPr wrap="square" rtlCol="0">
+                <a:spAutoFit/>
+              </a:bodyPr>
+              <a:lstStyle/>
+              <a:p>
+                <a:pPr algn="ctr"/>
+                <a:r>
+                  <a:rPr lang="en-US" sz="2000" b="1" u="sng" dirty="0">
+                    <a:latin typeface="Arial" panose="020B0604020202020204" pitchFamily="34" charset="0"/>
+                    <a:cs typeface="Arial" panose="020B0604020202020204" pitchFamily="34" charset="0"/>
+                  </a:rPr>
+                  <a:t>Train</a:t>
+                </a:r>
+              </a:p>
+            </p:txBody>
+          </p:sp>
+        </p:grpSp>
+        <p:grpSp>
+          <p:nvGrpSpPr>
+            <p:cNvPr id="121" name="Group 120">
+              <a:extLst>
+                <a:ext uri="{FF2B5EF4-FFF2-40B4-BE49-F238E27FC236}">
+                  <a16:creationId xmlns:a16="http://schemas.microsoft.com/office/drawing/2014/main" id="{4E8471B7-93DE-DD43-B022-57B6CEECF10E}"/>
+                </a:ext>
+              </a:extLst>
+            </p:cNvPr>
+            <p:cNvGrpSpPr>
+              <a:grpSpLocks noChangeAspect="1"/>
+            </p:cNvGrpSpPr>
+            <p:nvPr/>
+          </p:nvGrpSpPr>
+          <p:grpSpPr>
+            <a:xfrm>
+              <a:off x="2590009" y="2503362"/>
+              <a:ext cx="1551164" cy="2500801"/>
+              <a:chOff x="6159164" y="2688153"/>
+              <a:chExt cx="1797269" cy="2670406"/>
+            </a:xfrm>
+          </p:grpSpPr>
+          <p:pic>
+            <p:nvPicPr>
+              <p:cNvPr id="122" name="Picture 2" descr="https://lh6.googleusercontent.com/DuXYwIKwLy2KJzBSpPXxgqQoZ7B-vpsVSuRCW7ZhW76TmjVYNy2yyQ89dt5Z5a_d8-yPZT9xU8N4DNjewP7ACYL-Ym72rVuCL1Jwq0_xC8_3vN9bxXvt7wuDYT4CYTCJ6WyruMvEvDk">
+                <a:extLst>
+                  <a:ext uri="{FF2B5EF4-FFF2-40B4-BE49-F238E27FC236}">
+                    <a16:creationId xmlns:a16="http://schemas.microsoft.com/office/drawing/2014/main" id="{0E46419F-8093-334E-9F26-558F184C24C6}"/>
+                  </a:ext>
+                </a:extLst>
+              </p:cNvPr>
+              <p:cNvPicPr>
+                <a:picLocks noChangeAspect="1" noChangeArrowheads="1"/>
+              </p:cNvPicPr>
+              <p:nvPr/>
+            </p:nvPicPr>
+            <p:blipFill rotWithShape="1">
+              <a:blip r:embed="rId3">
+                <a:extLst>
+                  <a:ext uri="{28A0092B-C50C-407E-A947-70E740481C1C}">
+                    <a14:useLocalDpi xmlns:a14="http://schemas.microsoft.com/office/drawing/2010/main" val="0"/>
+                  </a:ext>
+                </a:extLst>
+              </a:blip>
+              <a:srcRect l="28545" r="47341" b="34338"/>
+              <a:stretch/>
+            </p:blipFill>
+            <p:spPr bwMode="auto">
+              <a:xfrm>
+                <a:off x="6290114" y="3043348"/>
+                <a:ext cx="1460396" cy="2315211"/>
+              </a:xfrm>
+              <a:prstGeom prst="rect">
+                <a:avLst/>
+              </a:prstGeom>
+              <a:noFill/>
+              <a:extLst>
+                <a:ext uri="{909E8E84-426E-40DD-AFC4-6F175D3DCCD1}">
+                  <a14:hiddenFill xmlns:a14="http://schemas.microsoft.com/office/drawing/2010/main">
+                    <a:solidFill>
+                      <a:srgbClr val="FFFFFF"/>
+                    </a:solidFill>
+                  </a14:hiddenFill>
+                </a:ext>
+              </a:extLst>
+            </p:spPr>
+          </p:pic>
+          <p:sp>
+            <p:nvSpPr>
+              <p:cNvPr id="123" name="TextBox 122">
+                <a:extLst>
+                  <a:ext uri="{FF2B5EF4-FFF2-40B4-BE49-F238E27FC236}">
+                    <a16:creationId xmlns:a16="http://schemas.microsoft.com/office/drawing/2014/main" id="{F33194BD-9761-BB41-A445-7E0CD62FBB80}"/>
+                  </a:ext>
+                </a:extLst>
+              </p:cNvPr>
+              <p:cNvSpPr txBox="1"/>
+              <p:nvPr/>
+            </p:nvSpPr>
+            <p:spPr>
+              <a:xfrm>
+                <a:off x="6159164" y="2688153"/>
+                <a:ext cx="1797269" cy="366733"/>
+              </a:xfrm>
+              <a:prstGeom prst="rect">
+                <a:avLst/>
+              </a:prstGeom>
+              <a:noFill/>
+            </p:spPr>
+            <p:txBody>
+              <a:bodyPr wrap="square" rtlCol="0">
+                <a:spAutoFit/>
+              </a:bodyPr>
+              <a:lstStyle/>
+              <a:p>
+                <a:pPr algn="ctr"/>
+                <a:r>
+                  <a:rPr lang="en-US" sz="2000" b="1" u="sng" dirty="0">
+                    <a:latin typeface="Arial" panose="020B0604020202020204" pitchFamily="34" charset="0"/>
+                    <a:cs typeface="Arial" panose="020B0604020202020204" pitchFamily="34" charset="0"/>
+                  </a:rPr>
+                  <a:t>Predict</a:t>
+                </a:r>
+              </a:p>
+            </p:txBody>
+          </p:sp>
+        </p:grpSp>
+      </p:grpSp>
+      <p:grpSp>
+        <p:nvGrpSpPr>
+          <p:cNvPr id="140" name="Group 139">
+            <a:extLst>
+              <a:ext uri="{FF2B5EF4-FFF2-40B4-BE49-F238E27FC236}">
+                <a16:creationId xmlns:a16="http://schemas.microsoft.com/office/drawing/2014/main" id="{1E66DD72-1BE6-374C-A026-EC6A15B07067}"/>
+              </a:ext>
+            </a:extLst>
+          </p:cNvPr>
+          <p:cNvGrpSpPr/>
+          <p:nvPr/>
+        </p:nvGrpSpPr>
+        <p:grpSpPr>
+          <a:xfrm>
+            <a:off x="184497" y="8453295"/>
+            <a:ext cx="4091013" cy="3483660"/>
+            <a:chOff x="435686" y="5153502"/>
+            <a:chExt cx="4091013" cy="3483660"/>
+          </a:xfrm>
+        </p:grpSpPr>
+        <p:grpSp>
+          <p:nvGrpSpPr>
+            <p:cNvPr id="133" name="Group 132">
+              <a:extLst>
+                <a:ext uri="{FF2B5EF4-FFF2-40B4-BE49-F238E27FC236}">
+                  <a16:creationId xmlns:a16="http://schemas.microsoft.com/office/drawing/2014/main" id="{34B20E6E-E084-8240-8832-B1D063B37842}"/>
+                </a:ext>
+              </a:extLst>
+            </p:cNvPr>
+            <p:cNvGrpSpPr>
+              <a:grpSpLocks noChangeAspect="1"/>
+            </p:cNvGrpSpPr>
+            <p:nvPr/>
+          </p:nvGrpSpPr>
+          <p:grpSpPr>
+            <a:xfrm>
+              <a:off x="641396" y="5600075"/>
+              <a:ext cx="1742162" cy="3037087"/>
+              <a:chOff x="1309641" y="2553229"/>
+              <a:chExt cx="1855504" cy="3139905"/>
+            </a:xfrm>
+          </p:grpSpPr>
+          <p:pic>
+            <p:nvPicPr>
+              <p:cNvPr id="134" name="Picture 2" descr="https://lh6.googleusercontent.com/DuXYwIKwLy2KJzBSpPXxgqQoZ7B-vpsVSuRCW7ZhW76TmjVYNy2yyQ89dt5Z5a_d8-yPZT9xU8N4DNjewP7ACYL-Ym72rVuCL1Jwq0_xC8_3vN9bxXvt7wuDYT4CYTCJ6WyruMvEvDk">
+                <a:extLst>
+                  <a:ext uri="{FF2B5EF4-FFF2-40B4-BE49-F238E27FC236}">
+                    <a16:creationId xmlns:a16="http://schemas.microsoft.com/office/drawing/2014/main" id="{E1A8852C-B049-DE40-85D1-1D4FB4291721}"/>
+                  </a:ext>
+                </a:extLst>
+              </p:cNvPr>
+              <p:cNvPicPr>
+                <a:picLocks noChangeAspect="1" noChangeArrowheads="1"/>
+              </p:cNvPicPr>
+              <p:nvPr/>
+            </p:nvPicPr>
+            <p:blipFill rotWithShape="1">
+              <a:blip r:embed="rId3">
+                <a:extLst>
+                  <a:ext uri="{28A0092B-C50C-407E-A947-70E740481C1C}">
+                    <a14:useLocalDpi xmlns:a14="http://schemas.microsoft.com/office/drawing/2010/main" val="0"/>
+                  </a:ext>
+                </a:extLst>
+              </a:blip>
+              <a:srcRect r="71721" b="25589"/>
+              <a:stretch/>
+            </p:blipFill>
+            <p:spPr bwMode="auto">
+              <a:xfrm>
+                <a:off x="1309641" y="3182861"/>
+                <a:ext cx="1638623" cy="2510273"/>
+              </a:xfrm>
+              <a:prstGeom prst="rect">
+                <a:avLst/>
+              </a:prstGeom>
+              <a:noFill/>
+              <a:extLst>
+                <a:ext uri="{909E8E84-426E-40DD-AFC4-6F175D3DCCD1}">
+                  <a14:hiddenFill xmlns:a14="http://schemas.microsoft.com/office/drawing/2010/main">
+                    <a:solidFill>
+                      <a:srgbClr val="FFFFFF"/>
+                    </a:solidFill>
+                  </a14:hiddenFill>
+                </a:ext>
+              </a:extLst>
+            </p:spPr>
+          </p:pic>
+          <p:sp>
+            <p:nvSpPr>
+              <p:cNvPr id="135" name="TextBox 134">
+                <a:extLst>
+                  <a:ext uri="{FF2B5EF4-FFF2-40B4-BE49-F238E27FC236}">
+                    <a16:creationId xmlns:a16="http://schemas.microsoft.com/office/drawing/2014/main" id="{636798DE-6BE4-4A4F-80EF-4674E01B5FA1}"/>
+                  </a:ext>
+                </a:extLst>
+              </p:cNvPr>
+              <p:cNvSpPr txBox="1"/>
+              <p:nvPr/>
+            </p:nvSpPr>
+            <p:spPr>
+              <a:xfrm>
+                <a:off x="1367876" y="2553229"/>
+                <a:ext cx="1797269" cy="731851"/>
+              </a:xfrm>
+              <a:prstGeom prst="rect">
+                <a:avLst/>
+              </a:prstGeom>
+              <a:noFill/>
+            </p:spPr>
+            <p:txBody>
+              <a:bodyPr wrap="square" rtlCol="0">
+                <a:spAutoFit/>
+              </a:bodyPr>
+              <a:lstStyle/>
+              <a:p>
+                <a:pPr algn="ctr"/>
+                <a:r>
+                  <a:rPr lang="en-US" sz="2000" b="1" u="sng" dirty="0">
+                    <a:latin typeface="Arial" panose="020B0604020202020204" pitchFamily="34" charset="0"/>
+                    <a:cs typeface="Arial" panose="020B0604020202020204" pitchFamily="34" charset="0"/>
+                  </a:rPr>
+                  <a:t>Train</a:t>
+                </a:r>
+              </a:p>
+              <a:p>
+                <a:pPr algn="ctr"/>
+                <a:r>
+                  <a:rPr lang="en-US" sz="2000" b="1" dirty="0">
+                    <a:solidFill>
+                      <a:srgbClr val="00B050"/>
+                    </a:solidFill>
+                    <a:latin typeface="Arial" panose="020B0604020202020204" pitchFamily="34" charset="0"/>
+                    <a:cs typeface="Arial" panose="020B0604020202020204" pitchFamily="34" charset="0"/>
+                  </a:rPr>
+                  <a:t>Motor</a:t>
+                </a:r>
+              </a:p>
+            </p:txBody>
+          </p:sp>
+        </p:grpSp>
+        <p:grpSp>
+          <p:nvGrpSpPr>
+            <p:cNvPr id="136" name="Group 135">
+              <a:extLst>
+                <a:ext uri="{FF2B5EF4-FFF2-40B4-BE49-F238E27FC236}">
+                  <a16:creationId xmlns:a16="http://schemas.microsoft.com/office/drawing/2014/main" id="{F0FA99B9-9D3B-4144-B375-50B36E3751F3}"/>
+                </a:ext>
+              </a:extLst>
+            </p:cNvPr>
+            <p:cNvGrpSpPr>
+              <a:grpSpLocks noChangeAspect="1"/>
+            </p:cNvGrpSpPr>
+            <p:nvPr/>
+          </p:nvGrpSpPr>
+          <p:grpSpPr>
+            <a:xfrm>
+              <a:off x="2618164" y="5545273"/>
+              <a:ext cx="1645920" cy="2783188"/>
+              <a:chOff x="6118418" y="2322184"/>
+              <a:chExt cx="1797269" cy="2800851"/>
+            </a:xfrm>
+          </p:grpSpPr>
+          <p:pic>
+            <p:nvPicPr>
+              <p:cNvPr id="137" name="Picture 2" descr="https://lh6.googleusercontent.com/DuXYwIKwLy2KJzBSpPXxgqQoZ7B-vpsVSuRCW7ZhW76TmjVYNy2yyQ89dt5Z5a_d8-yPZT9xU8N4DNjewP7ACYL-Ym72rVuCL1Jwq0_xC8_3vN9bxXvt7wuDYT4CYTCJ6WyruMvEvDk">
+                <a:extLst>
+                  <a:ext uri="{FF2B5EF4-FFF2-40B4-BE49-F238E27FC236}">
+                    <a16:creationId xmlns:a16="http://schemas.microsoft.com/office/drawing/2014/main" id="{7A28B338-EE30-DE43-8691-D7DC53B602E2}"/>
+                  </a:ext>
+                </a:extLst>
+              </p:cNvPr>
+              <p:cNvPicPr>
+                <a:picLocks noChangeAspect="1" noChangeArrowheads="1"/>
+              </p:cNvPicPr>
+              <p:nvPr/>
+            </p:nvPicPr>
+            <p:blipFill rotWithShape="1">
+              <a:blip r:embed="rId3">
+                <a:extLst>
+                  <a:ext uri="{28A0092B-C50C-407E-A947-70E740481C1C}">
+                    <a14:useLocalDpi xmlns:a14="http://schemas.microsoft.com/office/drawing/2010/main" val="0"/>
+                  </a:ext>
+                </a:extLst>
+              </a:blip>
+              <a:srcRect l="28545" r="47341" b="34338"/>
+              <a:stretch/>
+            </p:blipFill>
+            <p:spPr bwMode="auto">
+              <a:xfrm>
+                <a:off x="6277673" y="2871248"/>
+                <a:ext cx="1420389" cy="2251787"/>
+              </a:xfrm>
+              <a:prstGeom prst="rect">
+                <a:avLst/>
+              </a:prstGeom>
+              <a:noFill/>
+              <a:extLst>
+                <a:ext uri="{909E8E84-426E-40DD-AFC4-6F175D3DCCD1}">
+                  <a14:hiddenFill xmlns:a14="http://schemas.microsoft.com/office/drawing/2010/main">
+                    <a:solidFill>
+                      <a:srgbClr val="FFFFFF"/>
+                    </a:solidFill>
+                  </a14:hiddenFill>
+                </a:ext>
+              </a:extLst>
+            </p:spPr>
+          </p:pic>
+          <p:sp>
+            <p:nvSpPr>
+              <p:cNvPr id="138" name="TextBox 137">
+                <a:extLst>
+                  <a:ext uri="{FF2B5EF4-FFF2-40B4-BE49-F238E27FC236}">
+                    <a16:creationId xmlns:a16="http://schemas.microsoft.com/office/drawing/2014/main" id="{934D2E15-AF4C-5240-9D23-A541357BF419}"/>
+                  </a:ext>
+                </a:extLst>
+              </p:cNvPr>
+              <p:cNvSpPr txBox="1"/>
+              <p:nvPr/>
+            </p:nvSpPr>
+            <p:spPr>
+              <a:xfrm>
+                <a:off x="6118418" y="2322184"/>
+                <a:ext cx="1797269" cy="712378"/>
+              </a:xfrm>
+              <a:prstGeom prst="rect">
+                <a:avLst/>
+              </a:prstGeom>
+              <a:noFill/>
+            </p:spPr>
+            <p:txBody>
+              <a:bodyPr wrap="square" rtlCol="0">
+                <a:spAutoFit/>
+              </a:bodyPr>
+              <a:lstStyle/>
+              <a:p>
+                <a:pPr algn="ctr"/>
+                <a:r>
+                  <a:rPr lang="en-US" sz="2000" b="1" u="sng" dirty="0">
+                    <a:latin typeface="Arial" panose="020B0604020202020204" pitchFamily="34" charset="0"/>
+                    <a:cs typeface="Arial" panose="020B0604020202020204" pitchFamily="34" charset="0"/>
+                  </a:rPr>
+                  <a:t>Predict</a:t>
+                </a:r>
+              </a:p>
+              <a:p>
+                <a:pPr algn="ctr"/>
+                <a:r>
+                  <a:rPr lang="en-US" sz="2000" b="1" dirty="0">
+                    <a:solidFill>
+                      <a:srgbClr val="00B050"/>
+                    </a:solidFill>
+                    <a:latin typeface="Arial" panose="020B0604020202020204" pitchFamily="34" charset="0"/>
+                    <a:cs typeface="Arial" panose="020B0604020202020204" pitchFamily="34" charset="0"/>
+                  </a:rPr>
+                  <a:t>Motor</a:t>
+                </a:r>
+              </a:p>
+            </p:txBody>
+          </p:sp>
+        </p:grpSp>
+        <p:sp>
+          <p:nvSpPr>
+            <p:cNvPr id="132" name="Rectangle 131">
+              <a:extLst>
+                <a:ext uri="{FF2B5EF4-FFF2-40B4-BE49-F238E27FC236}">
+                  <a16:creationId xmlns:a16="http://schemas.microsoft.com/office/drawing/2014/main" id="{380E46AA-5003-2A4E-9C52-27FFC8F8850E}"/>
+                </a:ext>
+              </a:extLst>
+            </p:cNvPr>
+            <p:cNvSpPr/>
+            <p:nvPr/>
+          </p:nvSpPr>
+          <p:spPr>
+            <a:xfrm>
+              <a:off x="435686" y="5153502"/>
+              <a:ext cx="4091013" cy="3204373"/>
+            </a:xfrm>
+            <a:prstGeom prst="rect">
+              <a:avLst/>
+            </a:prstGeom>
+            <a:noFill/>
+            <a:ln w="28575">
+              <a:solidFill>
+                <a:schemeClr val="tx1"/>
+              </a:solidFill>
+            </a:ln>
+          </p:spPr>
+          <p:style>
+            <a:lnRef idx="2">
+              <a:schemeClr val="accent1">
+                <a:shade val="50000"/>
+              </a:schemeClr>
+            </a:lnRef>
+            <a:fillRef idx="1">
+              <a:schemeClr val="accent1"/>
+            </a:fillRef>
+            <a:effectRef idx="0">
+              <a:schemeClr val="accent1"/>
+            </a:effectRef>
+            <a:fontRef idx="minor">
+              <a:schemeClr val="lt1"/>
+            </a:fontRef>
+          </p:style>
+          <p:txBody>
+            <a:bodyPr rtlCol="0" anchor="ctr"/>
+            <a:lstStyle/>
+            <a:p>
+              <a:pPr algn="ctr"/>
+              <a:endParaRPr lang="en-US" sz="1350"/>
+            </a:p>
+          </p:txBody>
+        </p:sp>
+      </p:grpSp>
+      <p:sp>
+        <p:nvSpPr>
+          <p:cNvPr id="120" name="TextBox 119">
+            <a:extLst>
+              <a:ext uri="{FF2B5EF4-FFF2-40B4-BE49-F238E27FC236}">
+                <a16:creationId xmlns:a16="http://schemas.microsoft.com/office/drawing/2014/main" id="{8952212E-06AB-D541-BC75-5D3A6D0014A9}"/>
+              </a:ext>
+            </a:extLst>
+          </p:cNvPr>
+          <p:cNvSpPr txBox="1"/>
+          <p:nvPr/>
+        </p:nvSpPr>
+        <p:spPr>
+          <a:xfrm>
+            <a:off x="1671824" y="1863157"/>
+            <a:ext cx="1106393" cy="461665"/>
+          </a:xfrm>
+          <a:prstGeom prst="rect">
+            <a:avLst/>
+          </a:prstGeom>
+          <a:noFill/>
+        </p:spPr>
+        <p:txBody>
+          <a:bodyPr wrap="none" rtlCol="0">
+            <a:spAutoFit/>
+          </a:bodyPr>
+          <a:lstStyle/>
+          <a:p>
+            <a:r>
+              <a:rPr lang="en-US" sz="2400" u="sng" dirty="0"/>
+              <a:t>All Task</a:t>
+            </a:r>
+          </a:p>
+        </p:txBody>
+      </p:sp>
+      <p:sp>
+        <p:nvSpPr>
+          <p:cNvPr id="124" name="TextBox 123">
+            <a:extLst>
+              <a:ext uri="{FF2B5EF4-FFF2-40B4-BE49-F238E27FC236}">
+                <a16:creationId xmlns:a16="http://schemas.microsoft.com/office/drawing/2014/main" id="{9362654E-6CDF-8142-B8C2-D070AFEF3C34}"/>
+              </a:ext>
+            </a:extLst>
+          </p:cNvPr>
+          <p:cNvSpPr txBox="1"/>
+          <p:nvPr/>
+        </p:nvSpPr>
+        <p:spPr>
+          <a:xfrm>
+            <a:off x="1596667" y="8492428"/>
+            <a:ext cx="1529586" cy="461665"/>
+          </a:xfrm>
+          <a:prstGeom prst="rect">
+            <a:avLst/>
+          </a:prstGeom>
+          <a:noFill/>
+        </p:spPr>
+        <p:txBody>
+          <a:bodyPr wrap="none" rtlCol="0">
+            <a:spAutoFit/>
+          </a:bodyPr>
+          <a:lstStyle/>
+          <a:p>
+            <a:r>
+              <a:rPr lang="en-US" sz="2400" u="sng" dirty="0"/>
+              <a:t>Single Task</a:t>
+            </a:r>
+          </a:p>
+        </p:txBody>
+      </p:sp>
+      <p:sp>
+        <p:nvSpPr>
+          <p:cNvPr id="146" name="TextBox 145">
+            <a:extLst>
+              <a:ext uri="{FF2B5EF4-FFF2-40B4-BE49-F238E27FC236}">
+                <a16:creationId xmlns:a16="http://schemas.microsoft.com/office/drawing/2014/main" id="{B395A729-FD21-FC4F-A3A8-93DC6921329B}"/>
+              </a:ext>
+            </a:extLst>
+          </p:cNvPr>
+          <p:cNvSpPr txBox="1"/>
+          <p:nvPr/>
+        </p:nvSpPr>
+        <p:spPr>
+          <a:xfrm>
+            <a:off x="260983" y="1856718"/>
+            <a:ext cx="336952" cy="461665"/>
+          </a:xfrm>
+          <a:prstGeom prst="rect">
+            <a:avLst/>
+          </a:prstGeom>
+          <a:noFill/>
+        </p:spPr>
+        <p:txBody>
+          <a:bodyPr wrap="none" rtlCol="0">
+            <a:spAutoFit/>
+          </a:bodyPr>
+          <a:lstStyle/>
+          <a:p>
+            <a:r>
+              <a:rPr lang="en-US" sz="2400" b="1" dirty="0"/>
+              <a:t>a</a:t>
+            </a:r>
+          </a:p>
+        </p:txBody>
+      </p:sp>
+      <p:sp>
+        <p:nvSpPr>
+          <p:cNvPr id="147" name="TextBox 146">
+            <a:extLst>
+              <a:ext uri="{FF2B5EF4-FFF2-40B4-BE49-F238E27FC236}">
+                <a16:creationId xmlns:a16="http://schemas.microsoft.com/office/drawing/2014/main" id="{FE3D4AD7-48BC-F342-BDC0-C4236B805C97}"/>
+              </a:ext>
+            </a:extLst>
+          </p:cNvPr>
+          <p:cNvSpPr txBox="1"/>
+          <p:nvPr/>
+        </p:nvSpPr>
+        <p:spPr>
+          <a:xfrm>
+            <a:off x="210279" y="8456846"/>
+            <a:ext cx="312906" cy="461665"/>
+          </a:xfrm>
+          <a:prstGeom prst="rect">
+            <a:avLst/>
+          </a:prstGeom>
+          <a:noFill/>
+        </p:spPr>
+        <p:txBody>
+          <a:bodyPr wrap="none" rtlCol="0">
+            <a:spAutoFit/>
+          </a:bodyPr>
+          <a:lstStyle/>
+          <a:p>
+            <a:r>
+              <a:rPr lang="en-US" sz="2400" b="1"/>
+              <a:t>c</a:t>
+            </a:r>
+            <a:endParaRPr lang="en-US" sz="2400" b="1" dirty="0"/>
+          </a:p>
+        </p:txBody>
+      </p:sp>
+      <p:sp>
+        <p:nvSpPr>
+          <p:cNvPr id="109" name="TextBox 108">
+            <a:extLst>
+              <a:ext uri="{FF2B5EF4-FFF2-40B4-BE49-F238E27FC236}">
+                <a16:creationId xmlns:a16="http://schemas.microsoft.com/office/drawing/2014/main" id="{EC31F65D-B58F-D447-A391-2B4223B4DD94}"/>
+              </a:ext>
+            </a:extLst>
+          </p:cNvPr>
+          <p:cNvSpPr txBox="1"/>
+          <p:nvPr/>
+        </p:nvSpPr>
+        <p:spPr>
+          <a:xfrm>
+            <a:off x="4736541" y="7591312"/>
+            <a:ext cx="576613" cy="300082"/>
+          </a:xfrm>
+          <a:prstGeom prst="rect">
+            <a:avLst/>
+          </a:prstGeom>
+          <a:noFill/>
+        </p:spPr>
+        <p:txBody>
+          <a:bodyPr wrap="square" rtlCol="0">
+            <a:spAutoFit/>
+          </a:bodyPr>
+          <a:lstStyle/>
+          <a:p>
+            <a:r>
+              <a:rPr lang="en-US" sz="1350" dirty="0"/>
+              <a:t>Rest</a:t>
+            </a:r>
+          </a:p>
+        </p:txBody>
+      </p:sp>
+      <p:sp>
+        <p:nvSpPr>
+          <p:cNvPr id="112" name="TextBox 111">
+            <a:extLst>
+              <a:ext uri="{FF2B5EF4-FFF2-40B4-BE49-F238E27FC236}">
+                <a16:creationId xmlns:a16="http://schemas.microsoft.com/office/drawing/2014/main" id="{47D18AFD-984F-A947-9BAD-601DAC7BCD1B}"/>
+              </a:ext>
+            </a:extLst>
+          </p:cNvPr>
+          <p:cNvSpPr txBox="1"/>
+          <p:nvPr/>
+        </p:nvSpPr>
+        <p:spPr>
+          <a:xfrm>
+            <a:off x="4704257" y="5377268"/>
+            <a:ext cx="775138" cy="300082"/>
+          </a:xfrm>
+          <a:prstGeom prst="rect">
+            <a:avLst/>
+          </a:prstGeom>
+          <a:noFill/>
+        </p:spPr>
+        <p:txBody>
+          <a:bodyPr wrap="square" rtlCol="0">
+            <a:spAutoFit/>
+          </a:bodyPr>
+          <a:lstStyle/>
+          <a:p>
+            <a:r>
+              <a:rPr lang="en-US" sz="1350" dirty="0">
+                <a:solidFill>
+                  <a:srgbClr val="0070C0"/>
+                </a:solidFill>
+              </a:rPr>
+              <a:t>MSC01</a:t>
+            </a:r>
+          </a:p>
+        </p:txBody>
+      </p:sp>
+      <p:sp>
+        <p:nvSpPr>
+          <p:cNvPr id="149" name="TextBox 148">
+            <a:extLst>
+              <a:ext uri="{FF2B5EF4-FFF2-40B4-BE49-F238E27FC236}">
+                <a16:creationId xmlns:a16="http://schemas.microsoft.com/office/drawing/2014/main" id="{52A0FDFB-DF51-334B-8833-8976851DFE78}"/>
+              </a:ext>
+            </a:extLst>
+          </p:cNvPr>
+          <p:cNvSpPr txBox="1"/>
+          <p:nvPr/>
+        </p:nvSpPr>
+        <p:spPr>
+          <a:xfrm>
+            <a:off x="5339670" y="8131584"/>
+            <a:ext cx="629307" cy="207749"/>
+          </a:xfrm>
+          <a:prstGeom prst="rect">
+            <a:avLst/>
+          </a:prstGeom>
+          <a:noFill/>
+        </p:spPr>
+        <p:txBody>
+          <a:bodyPr wrap="square" rtlCol="0">
+            <a:spAutoFit/>
+          </a:bodyPr>
+          <a:lstStyle/>
+          <a:p>
+            <a:r>
+              <a:rPr lang="en-US" sz="750" dirty="0"/>
+              <a:t>Session 1</a:t>
+            </a:r>
+          </a:p>
+        </p:txBody>
+      </p:sp>
+      <p:sp>
+        <p:nvSpPr>
+          <p:cNvPr id="150" name="TextBox 149">
+            <a:extLst>
+              <a:ext uri="{FF2B5EF4-FFF2-40B4-BE49-F238E27FC236}">
+                <a16:creationId xmlns:a16="http://schemas.microsoft.com/office/drawing/2014/main" id="{F41C918F-E990-734F-8C8A-95EBF39D580A}"/>
+              </a:ext>
+            </a:extLst>
+          </p:cNvPr>
+          <p:cNvSpPr txBox="1"/>
+          <p:nvPr/>
+        </p:nvSpPr>
+        <p:spPr>
+          <a:xfrm>
+            <a:off x="5903471" y="8131584"/>
+            <a:ext cx="591622" cy="207749"/>
+          </a:xfrm>
+          <a:prstGeom prst="rect">
+            <a:avLst/>
+          </a:prstGeom>
+          <a:noFill/>
+        </p:spPr>
+        <p:txBody>
+          <a:bodyPr wrap="square" rtlCol="0">
+            <a:spAutoFit/>
+          </a:bodyPr>
+          <a:lstStyle/>
+          <a:p>
+            <a:r>
+              <a:rPr lang="en-US" sz="750" dirty="0"/>
+              <a:t>Session 2</a:t>
+            </a:r>
+          </a:p>
+        </p:txBody>
+      </p:sp>
+      <p:sp>
+        <p:nvSpPr>
+          <p:cNvPr id="151" name="TextBox 150">
+            <a:extLst>
+              <a:ext uri="{FF2B5EF4-FFF2-40B4-BE49-F238E27FC236}">
+                <a16:creationId xmlns:a16="http://schemas.microsoft.com/office/drawing/2014/main" id="{D79B51A8-C393-0647-B141-5145877213DA}"/>
+              </a:ext>
+            </a:extLst>
+          </p:cNvPr>
+          <p:cNvSpPr txBox="1"/>
+          <p:nvPr/>
+        </p:nvSpPr>
+        <p:spPr>
+          <a:xfrm>
+            <a:off x="6472833" y="8092662"/>
+            <a:ext cx="421536" cy="276999"/>
+          </a:xfrm>
+          <a:prstGeom prst="rect">
+            <a:avLst/>
+          </a:prstGeom>
+          <a:noFill/>
+        </p:spPr>
+        <p:txBody>
+          <a:bodyPr wrap="square" rtlCol="0">
+            <a:spAutoFit/>
+          </a:bodyPr>
+          <a:lstStyle/>
+          <a:p>
+            <a:pPr algn="ctr"/>
+            <a:r>
+              <a:rPr lang="en-US" sz="1200" dirty="0"/>
+              <a:t>.…</a:t>
+            </a:r>
+          </a:p>
+        </p:txBody>
+      </p:sp>
+      <p:sp>
+        <p:nvSpPr>
+          <p:cNvPr id="152" name="TextBox 151">
+            <a:extLst>
+              <a:ext uri="{FF2B5EF4-FFF2-40B4-BE49-F238E27FC236}">
+                <a16:creationId xmlns:a16="http://schemas.microsoft.com/office/drawing/2014/main" id="{2B17802F-9687-C04C-8F44-5C0045E937AA}"/>
+              </a:ext>
+            </a:extLst>
+          </p:cNvPr>
+          <p:cNvSpPr txBox="1"/>
+          <p:nvPr/>
+        </p:nvSpPr>
+        <p:spPr>
+          <a:xfrm>
+            <a:off x="6932218" y="8131584"/>
+            <a:ext cx="631794" cy="207749"/>
+          </a:xfrm>
+          <a:prstGeom prst="rect">
+            <a:avLst/>
+          </a:prstGeom>
+          <a:noFill/>
+        </p:spPr>
+        <p:txBody>
+          <a:bodyPr wrap="square" rtlCol="0">
+            <a:spAutoFit/>
+          </a:bodyPr>
+          <a:lstStyle/>
+          <a:p>
+            <a:r>
+              <a:rPr lang="en-US" sz="750" dirty="0"/>
+              <a:t>Session 9</a:t>
+            </a:r>
+          </a:p>
+        </p:txBody>
+      </p:sp>
+      <p:sp>
+        <p:nvSpPr>
+          <p:cNvPr id="153" name="Rectangle 152">
+            <a:extLst>
+              <a:ext uri="{FF2B5EF4-FFF2-40B4-BE49-F238E27FC236}">
+                <a16:creationId xmlns:a16="http://schemas.microsoft.com/office/drawing/2014/main" id="{147C621D-9C36-3440-932B-2575854EE49B}"/>
+              </a:ext>
+            </a:extLst>
+          </p:cNvPr>
+          <p:cNvSpPr/>
+          <p:nvPr/>
+        </p:nvSpPr>
+        <p:spPr>
+          <a:xfrm>
+            <a:off x="4399911" y="5156986"/>
+            <a:ext cx="3925585" cy="3212705"/>
+          </a:xfrm>
+          <a:prstGeom prst="rect">
+            <a:avLst/>
+          </a:prstGeom>
+          <a:noFill/>
+          <a:ln w="28575">
+            <a:solidFill>
+              <a:schemeClr val="tx1"/>
+            </a:solidFill>
+          </a:ln>
+        </p:spPr>
+        <p:style>
+          <a:lnRef idx="2">
+            <a:schemeClr val="accent1">
+              <a:shade val="50000"/>
+            </a:schemeClr>
+          </a:lnRef>
+          <a:fillRef idx="1">
+            <a:schemeClr val="accent1"/>
+          </a:fillRef>
+          <a:effectRef idx="0">
+            <a:schemeClr val="accent1"/>
+          </a:effectRef>
+          <a:fontRef idx="minor">
+            <a:schemeClr val="lt1"/>
+          </a:fontRef>
+        </p:style>
+        <p:txBody>
+          <a:bodyPr rtlCol="0" anchor="ctr"/>
+          <a:lstStyle/>
+          <a:p>
+            <a:pPr algn="ctr"/>
+            <a:endParaRPr lang="en-US" sz="1350"/>
+          </a:p>
+        </p:txBody>
+      </p:sp>
+      <p:sp>
+        <p:nvSpPr>
+          <p:cNvPr id="154" name="TextBox 153">
+            <a:extLst>
+              <a:ext uri="{FF2B5EF4-FFF2-40B4-BE49-F238E27FC236}">
+                <a16:creationId xmlns:a16="http://schemas.microsoft.com/office/drawing/2014/main" id="{C39F8EC0-A5D1-E44D-A8E4-1F34FCA2AB3A}"/>
+              </a:ext>
+            </a:extLst>
+          </p:cNvPr>
+          <p:cNvSpPr txBox="1"/>
+          <p:nvPr/>
+        </p:nvSpPr>
+        <p:spPr>
+          <a:xfrm>
+            <a:off x="5857757" y="5196085"/>
+            <a:ext cx="1009892" cy="400110"/>
+          </a:xfrm>
+          <a:prstGeom prst="rect">
+            <a:avLst/>
+          </a:prstGeom>
+          <a:noFill/>
+        </p:spPr>
+        <p:txBody>
+          <a:bodyPr wrap="none" rtlCol="0">
+            <a:spAutoFit/>
+          </a:bodyPr>
+          <a:lstStyle/>
+          <a:p>
+            <a:r>
+              <a:rPr lang="en-US" sz="2000" u="sng" dirty="0"/>
+              <a:t>Training</a:t>
+            </a:r>
+          </a:p>
+        </p:txBody>
+      </p:sp>
+      <p:grpSp>
+        <p:nvGrpSpPr>
+          <p:cNvPr id="155" name="Group 154">
+            <a:extLst>
+              <a:ext uri="{FF2B5EF4-FFF2-40B4-BE49-F238E27FC236}">
+                <a16:creationId xmlns:a16="http://schemas.microsoft.com/office/drawing/2014/main" id="{CEC1F35C-AE38-F840-9F40-25EB2AB44969}"/>
+              </a:ext>
+            </a:extLst>
+          </p:cNvPr>
+          <p:cNvGrpSpPr/>
+          <p:nvPr/>
+        </p:nvGrpSpPr>
+        <p:grpSpPr>
+          <a:xfrm>
+            <a:off x="8474688" y="5156985"/>
+            <a:ext cx="2841385" cy="3212705"/>
+            <a:chOff x="4096623" y="1861145"/>
+            <a:chExt cx="2841385" cy="3212705"/>
+          </a:xfrm>
+        </p:grpSpPr>
+        <p:sp>
+          <p:nvSpPr>
+            <p:cNvPr id="156" name="Rectangle 155">
+              <a:extLst>
+                <a:ext uri="{FF2B5EF4-FFF2-40B4-BE49-F238E27FC236}">
+                  <a16:creationId xmlns:a16="http://schemas.microsoft.com/office/drawing/2014/main" id="{82E5084F-DF30-FE43-A95B-63616D090977}"/>
+                </a:ext>
+              </a:extLst>
+            </p:cNvPr>
+            <p:cNvSpPr/>
+            <p:nvPr/>
+          </p:nvSpPr>
+          <p:spPr>
+            <a:xfrm>
+              <a:off x="4096623" y="1861145"/>
+              <a:ext cx="2841385" cy="3212705"/>
+            </a:xfrm>
+            <a:prstGeom prst="rect">
+              <a:avLst/>
+            </a:prstGeom>
+            <a:noFill/>
+            <a:ln w="28575">
+              <a:solidFill>
+                <a:schemeClr val="tx1"/>
+              </a:solidFill>
+            </a:ln>
+          </p:spPr>
+          <p:style>
+            <a:lnRef idx="2">
+              <a:schemeClr val="accent1">
+                <a:shade val="50000"/>
+              </a:schemeClr>
+            </a:lnRef>
+            <a:fillRef idx="1">
+              <a:schemeClr val="accent1"/>
+            </a:fillRef>
+            <a:effectRef idx="0">
+              <a:schemeClr val="accent1"/>
+            </a:effectRef>
+            <a:fontRef idx="minor">
+              <a:schemeClr val="lt1"/>
+            </a:fontRef>
+          </p:style>
+          <p:txBody>
+            <a:bodyPr rtlCol="0" anchor="ctr"/>
+            <a:lstStyle/>
+            <a:p>
+              <a:pPr algn="ctr"/>
+              <a:endParaRPr lang="en-US" sz="1350"/>
+            </a:p>
+          </p:txBody>
+        </p:sp>
+        <p:grpSp>
+          <p:nvGrpSpPr>
+            <p:cNvPr id="157" name="Group 156">
+              <a:extLst>
+                <a:ext uri="{FF2B5EF4-FFF2-40B4-BE49-F238E27FC236}">
+                  <a16:creationId xmlns:a16="http://schemas.microsoft.com/office/drawing/2014/main" id="{6F77EDD8-1716-C645-83A6-F7C4AD0646EE}"/>
+                </a:ext>
+              </a:extLst>
+            </p:cNvPr>
+            <p:cNvGrpSpPr/>
+            <p:nvPr/>
+          </p:nvGrpSpPr>
+          <p:grpSpPr>
+            <a:xfrm>
+              <a:off x="4327483" y="2421842"/>
+              <a:ext cx="935996" cy="2198813"/>
+              <a:chOff x="4316973" y="2421842"/>
+              <a:chExt cx="935996" cy="2198813"/>
+            </a:xfrm>
+          </p:grpSpPr>
+          <p:sp>
+            <p:nvSpPr>
+              <p:cNvPr id="165" name="TextBox 164">
+                <a:extLst>
+                  <a:ext uri="{FF2B5EF4-FFF2-40B4-BE49-F238E27FC236}">
+                    <a16:creationId xmlns:a16="http://schemas.microsoft.com/office/drawing/2014/main" id="{EEC1E19C-6C19-7444-8E15-AF2D491BAC26}"/>
+                  </a:ext>
+                </a:extLst>
+              </p:cNvPr>
+              <p:cNvSpPr txBox="1"/>
+              <p:nvPr/>
+            </p:nvSpPr>
+            <p:spPr>
+              <a:xfrm>
+                <a:off x="4445867" y="4402394"/>
+                <a:ext cx="631794" cy="207749"/>
+              </a:xfrm>
+              <a:prstGeom prst="rect">
+                <a:avLst/>
+              </a:prstGeom>
+              <a:noFill/>
+            </p:spPr>
+            <p:txBody>
+              <a:bodyPr wrap="square" rtlCol="0">
+                <a:spAutoFit/>
+              </a:bodyPr>
+              <a:lstStyle/>
+              <a:p>
+                <a:r>
+                  <a:rPr lang="en-US" sz="750" dirty="0"/>
+                  <a:t>Session 10</a:t>
+                </a:r>
+              </a:p>
+            </p:txBody>
+          </p:sp>
+          <p:sp>
+            <p:nvSpPr>
+              <p:cNvPr id="163" name="Rectangle 162">
+                <a:extLst>
+                  <a:ext uri="{FF2B5EF4-FFF2-40B4-BE49-F238E27FC236}">
+                    <a16:creationId xmlns:a16="http://schemas.microsoft.com/office/drawing/2014/main" id="{74EB74B1-0A66-F046-B4E3-1B198BCC05A4}"/>
+                  </a:ext>
+                </a:extLst>
+              </p:cNvPr>
+              <p:cNvSpPr/>
+              <p:nvPr/>
+            </p:nvSpPr>
+            <p:spPr>
+              <a:xfrm>
+                <a:off x="4316973" y="2421842"/>
+                <a:ext cx="935996" cy="2198813"/>
+              </a:xfrm>
+              <a:prstGeom prst="rect">
+                <a:avLst/>
+              </a:prstGeom>
+              <a:noFill/>
+              <a:ln w="28575">
+                <a:solidFill>
+                  <a:srgbClr val="FF0000"/>
+                </a:solidFill>
+                <a:prstDash val="lgDash"/>
+              </a:ln>
+            </p:spPr>
+            <p:style>
+              <a:lnRef idx="2">
+                <a:schemeClr val="accent1">
+                  <a:shade val="50000"/>
+                </a:schemeClr>
+              </a:lnRef>
+              <a:fillRef idx="1">
+                <a:schemeClr val="accent1"/>
+              </a:fillRef>
+              <a:effectRef idx="0">
+                <a:schemeClr val="accent1"/>
+              </a:effectRef>
+              <a:fontRef idx="minor">
+                <a:schemeClr val="lt1"/>
+              </a:fontRef>
+            </p:style>
+            <p:txBody>
+              <a:bodyPr rtlCol="0" anchor="ctr"/>
+              <a:lstStyle/>
+              <a:p>
+                <a:pPr algn="ctr"/>
+                <a:endParaRPr lang="en-US" sz="1350"/>
+              </a:p>
+            </p:txBody>
+          </p:sp>
+        </p:grpSp>
+        <p:sp>
+          <p:nvSpPr>
+            <p:cNvPr id="158" name="TextBox 157">
+              <a:extLst>
+                <a:ext uri="{FF2B5EF4-FFF2-40B4-BE49-F238E27FC236}">
+                  <a16:creationId xmlns:a16="http://schemas.microsoft.com/office/drawing/2014/main" id="{B8ACD487-6077-DC47-9E90-49D4D4CFB679}"/>
+                </a:ext>
+              </a:extLst>
+            </p:cNvPr>
+            <p:cNvSpPr txBox="1"/>
+            <p:nvPr/>
+          </p:nvSpPr>
+          <p:spPr>
+            <a:xfrm>
+              <a:off x="4431239" y="2449644"/>
+              <a:ext cx="775138" cy="307777"/>
+            </a:xfrm>
+            <a:prstGeom prst="rect">
+              <a:avLst/>
+            </a:prstGeom>
+            <a:noFill/>
+          </p:spPr>
+          <p:txBody>
+            <a:bodyPr wrap="square" rtlCol="0">
+              <a:spAutoFit/>
+            </a:bodyPr>
+            <a:lstStyle/>
+            <a:p>
+              <a:pPr algn="ctr"/>
+              <a:r>
+                <a:rPr lang="en-US" sz="1400" dirty="0"/>
+                <a:t>Test</a:t>
+              </a:r>
+            </a:p>
+          </p:txBody>
+        </p:sp>
+        <p:sp>
+          <p:nvSpPr>
+            <p:cNvPr id="159" name="TextBox 158">
+              <a:extLst>
+                <a:ext uri="{FF2B5EF4-FFF2-40B4-BE49-F238E27FC236}">
+                  <a16:creationId xmlns:a16="http://schemas.microsoft.com/office/drawing/2014/main" id="{61754372-922F-ED4B-B635-8985F7B5FD01}"/>
+                </a:ext>
+              </a:extLst>
+            </p:cNvPr>
+            <p:cNvSpPr txBox="1"/>
+            <p:nvPr/>
+          </p:nvSpPr>
+          <p:spPr>
+            <a:xfrm>
+              <a:off x="4467287" y="1869309"/>
+              <a:ext cx="2108654" cy="400110"/>
+            </a:xfrm>
+            <a:prstGeom prst="rect">
+              <a:avLst/>
+            </a:prstGeom>
+            <a:noFill/>
+          </p:spPr>
+          <p:txBody>
+            <a:bodyPr wrap="none" rtlCol="0">
+              <a:spAutoFit/>
+            </a:bodyPr>
+            <a:lstStyle/>
+            <a:p>
+              <a:r>
+                <a:rPr lang="en-US" sz="2000" u="sng" dirty="0"/>
+                <a:t>Test Across People</a:t>
+              </a:r>
+            </a:p>
+          </p:txBody>
+        </p:sp>
+        <p:sp>
+          <p:nvSpPr>
+            <p:cNvPr id="160" name="TextBox 159">
+              <a:extLst>
+                <a:ext uri="{FF2B5EF4-FFF2-40B4-BE49-F238E27FC236}">
+                  <a16:creationId xmlns:a16="http://schemas.microsoft.com/office/drawing/2014/main" id="{3548A0E6-DCD9-C240-B6D8-DB6ABBC21BC3}"/>
+                </a:ext>
+              </a:extLst>
+            </p:cNvPr>
+            <p:cNvSpPr txBox="1"/>
+            <p:nvPr/>
+          </p:nvSpPr>
+          <p:spPr>
+            <a:xfrm>
+              <a:off x="5824470" y="2459771"/>
+              <a:ext cx="710793" cy="307777"/>
+            </a:xfrm>
+            <a:prstGeom prst="rect">
+              <a:avLst/>
+            </a:prstGeom>
+            <a:noFill/>
+          </p:spPr>
+          <p:txBody>
+            <a:bodyPr wrap="square" rtlCol="0">
+              <a:spAutoFit/>
+            </a:bodyPr>
+            <a:lstStyle/>
+            <a:p>
+              <a:r>
+                <a:rPr lang="en-US" sz="1400" dirty="0">
+                  <a:solidFill>
+                    <a:srgbClr val="00B0F0"/>
+                  </a:solidFill>
+                </a:rPr>
+                <a:t>MSC02</a:t>
+              </a:r>
+            </a:p>
+          </p:txBody>
+        </p:sp>
+      </p:grpSp>
+      <p:grpSp>
+        <p:nvGrpSpPr>
+          <p:cNvPr id="166" name="Group 165">
+            <a:extLst>
+              <a:ext uri="{FF2B5EF4-FFF2-40B4-BE49-F238E27FC236}">
+                <a16:creationId xmlns:a16="http://schemas.microsoft.com/office/drawing/2014/main" id="{E32C4461-1B93-E04B-9320-1598F7276A24}"/>
+              </a:ext>
+            </a:extLst>
+          </p:cNvPr>
+          <p:cNvGrpSpPr/>
+          <p:nvPr/>
+        </p:nvGrpSpPr>
+        <p:grpSpPr>
+          <a:xfrm>
+            <a:off x="172890" y="5169681"/>
+            <a:ext cx="4091013" cy="3410222"/>
+            <a:chOff x="424118" y="1836753"/>
+            <a:chExt cx="4091013" cy="3410222"/>
+          </a:xfrm>
+        </p:grpSpPr>
+        <p:sp>
+          <p:nvSpPr>
+            <p:cNvPr id="167" name="Rectangle 166">
+              <a:extLst>
+                <a:ext uri="{FF2B5EF4-FFF2-40B4-BE49-F238E27FC236}">
+                  <a16:creationId xmlns:a16="http://schemas.microsoft.com/office/drawing/2014/main" id="{BF93D781-DE2A-4C4C-BDE5-F7792FEA61BC}"/>
+                </a:ext>
+              </a:extLst>
+            </p:cNvPr>
+            <p:cNvSpPr/>
+            <p:nvPr/>
+          </p:nvSpPr>
+          <p:spPr>
+            <a:xfrm>
+              <a:off x="424118" y="1836753"/>
+              <a:ext cx="4091013" cy="3204373"/>
+            </a:xfrm>
+            <a:prstGeom prst="rect">
+              <a:avLst/>
+            </a:prstGeom>
+            <a:noFill/>
+            <a:ln w="28575">
+              <a:solidFill>
+                <a:schemeClr val="tx1"/>
+              </a:solidFill>
+            </a:ln>
+          </p:spPr>
+          <p:style>
+            <a:lnRef idx="2">
+              <a:schemeClr val="accent1">
+                <a:shade val="50000"/>
+              </a:schemeClr>
+            </a:lnRef>
+            <a:fillRef idx="1">
+              <a:schemeClr val="accent1"/>
+            </a:fillRef>
+            <a:effectRef idx="0">
+              <a:schemeClr val="accent1"/>
+            </a:effectRef>
+            <a:fontRef idx="minor">
+              <a:schemeClr val="lt1"/>
+            </a:fontRef>
+          </p:style>
+          <p:txBody>
+            <a:bodyPr rtlCol="0" anchor="ctr"/>
+            <a:lstStyle/>
+            <a:p>
+              <a:pPr algn="ctr"/>
+              <a:endParaRPr lang="en-US" sz="1350"/>
+            </a:p>
+          </p:txBody>
+        </p:sp>
+        <p:grpSp>
+          <p:nvGrpSpPr>
+            <p:cNvPr id="168" name="Group 167">
+              <a:extLst>
+                <a:ext uri="{FF2B5EF4-FFF2-40B4-BE49-F238E27FC236}">
+                  <a16:creationId xmlns:a16="http://schemas.microsoft.com/office/drawing/2014/main" id="{DD2C54E4-67FF-2B4C-A06A-2132B3E6C62B}"/>
+                </a:ext>
+              </a:extLst>
+            </p:cNvPr>
+            <p:cNvGrpSpPr>
+              <a:grpSpLocks noChangeAspect="1"/>
+            </p:cNvGrpSpPr>
+            <p:nvPr/>
+          </p:nvGrpSpPr>
+          <p:grpSpPr>
+            <a:xfrm>
+              <a:off x="654805" y="2508435"/>
+              <a:ext cx="1636852" cy="2738540"/>
+              <a:chOff x="1279021" y="2800444"/>
+              <a:chExt cx="1827620" cy="2968122"/>
+            </a:xfrm>
+          </p:grpSpPr>
+          <p:pic>
+            <p:nvPicPr>
+              <p:cNvPr id="172" name="Picture 2" descr="https://lh6.googleusercontent.com/DuXYwIKwLy2KJzBSpPXxgqQoZ7B-vpsVSuRCW7ZhW76TmjVYNy2yyQ89dt5Z5a_d8-yPZT9xU8N4DNjewP7ACYL-Ym72rVuCL1Jwq0_xC8_3vN9bxXvt7wuDYT4CYTCJ6WyruMvEvDk">
+                <a:extLst>
+                  <a:ext uri="{FF2B5EF4-FFF2-40B4-BE49-F238E27FC236}">
+                    <a16:creationId xmlns:a16="http://schemas.microsoft.com/office/drawing/2014/main" id="{70BD004F-7DA5-8C44-B88D-66ADF9C62C65}"/>
+                  </a:ext>
+                </a:extLst>
+              </p:cNvPr>
+              <p:cNvPicPr>
+                <a:picLocks noChangeAspect="1" noChangeArrowheads="1"/>
+              </p:cNvPicPr>
+              <p:nvPr/>
+            </p:nvPicPr>
+            <p:blipFill rotWithShape="1">
+              <a:blip r:embed="rId3">
+                <a:extLst>
+                  <a:ext uri="{28A0092B-C50C-407E-A947-70E740481C1C}">
+                    <a14:useLocalDpi xmlns:a14="http://schemas.microsoft.com/office/drawing/2010/main" val="0"/>
+                  </a:ext>
+                </a:extLst>
+              </a:blip>
+              <a:srcRect r="71721" b="25589"/>
+              <a:stretch/>
+            </p:blipFill>
+            <p:spPr bwMode="auto">
+              <a:xfrm>
+                <a:off x="1279021" y="3191816"/>
+                <a:ext cx="1682018" cy="2576750"/>
+              </a:xfrm>
+              <a:prstGeom prst="rect">
+                <a:avLst/>
+              </a:prstGeom>
+              <a:noFill/>
+              <a:extLst>
+                <a:ext uri="{909E8E84-426E-40DD-AFC4-6F175D3DCCD1}">
+                  <a14:hiddenFill xmlns:a14="http://schemas.microsoft.com/office/drawing/2010/main">
+                    <a:solidFill>
+                      <a:srgbClr val="FFFFFF"/>
+                    </a:solidFill>
+                  </a14:hiddenFill>
+                </a:ext>
+              </a:extLst>
+            </p:spPr>
+          </p:pic>
+          <p:sp>
+            <p:nvSpPr>
+              <p:cNvPr id="173" name="TextBox 172">
+                <a:extLst>
+                  <a:ext uri="{FF2B5EF4-FFF2-40B4-BE49-F238E27FC236}">
+                    <a16:creationId xmlns:a16="http://schemas.microsoft.com/office/drawing/2014/main" id="{A4E60D72-47BA-7F43-8EF2-25B3257E1C0B}"/>
+                  </a:ext>
+                </a:extLst>
+              </p:cNvPr>
+              <p:cNvSpPr txBox="1"/>
+              <p:nvPr/>
+            </p:nvSpPr>
+            <p:spPr>
+              <a:xfrm>
+                <a:off x="1309372" y="2800444"/>
+                <a:ext cx="1797269" cy="366734"/>
+              </a:xfrm>
+              <a:prstGeom prst="rect">
+                <a:avLst/>
+              </a:prstGeom>
+              <a:noFill/>
+            </p:spPr>
+            <p:txBody>
+              <a:bodyPr wrap="square" rtlCol="0">
+                <a:spAutoFit/>
+              </a:bodyPr>
+              <a:lstStyle/>
+              <a:p>
+                <a:pPr algn="ctr"/>
+                <a:r>
+                  <a:rPr lang="en-US" sz="2000" b="1" u="sng" dirty="0">
+                    <a:latin typeface="Arial" panose="020B0604020202020204" pitchFamily="34" charset="0"/>
+                    <a:cs typeface="Arial" panose="020B0604020202020204" pitchFamily="34" charset="0"/>
+                  </a:rPr>
+                  <a:t>Train</a:t>
+                </a:r>
+              </a:p>
+            </p:txBody>
+          </p:sp>
+        </p:grpSp>
+        <p:grpSp>
+          <p:nvGrpSpPr>
+            <p:cNvPr id="169" name="Group 168">
+              <a:extLst>
+                <a:ext uri="{FF2B5EF4-FFF2-40B4-BE49-F238E27FC236}">
+                  <a16:creationId xmlns:a16="http://schemas.microsoft.com/office/drawing/2014/main" id="{58ECA867-170D-C94F-8B48-407B08923342}"/>
+                </a:ext>
+              </a:extLst>
+            </p:cNvPr>
+            <p:cNvGrpSpPr>
+              <a:grpSpLocks noChangeAspect="1"/>
+            </p:cNvGrpSpPr>
+            <p:nvPr/>
+          </p:nvGrpSpPr>
+          <p:grpSpPr>
+            <a:xfrm>
+              <a:off x="2590009" y="2503362"/>
+              <a:ext cx="1551164" cy="2500801"/>
+              <a:chOff x="6159164" y="2688153"/>
+              <a:chExt cx="1797269" cy="2670406"/>
+            </a:xfrm>
+          </p:grpSpPr>
+          <p:pic>
+            <p:nvPicPr>
+              <p:cNvPr id="170" name="Picture 2" descr="https://lh6.googleusercontent.com/DuXYwIKwLy2KJzBSpPXxgqQoZ7B-vpsVSuRCW7ZhW76TmjVYNy2yyQ89dt5Z5a_d8-yPZT9xU8N4DNjewP7ACYL-Ym72rVuCL1Jwq0_xC8_3vN9bxXvt7wuDYT4CYTCJ6WyruMvEvDk">
+                <a:extLst>
+                  <a:ext uri="{FF2B5EF4-FFF2-40B4-BE49-F238E27FC236}">
+                    <a16:creationId xmlns:a16="http://schemas.microsoft.com/office/drawing/2014/main" id="{D18BFBF4-3ECD-E442-97E7-57D1953728EA}"/>
+                  </a:ext>
+                </a:extLst>
+              </p:cNvPr>
+              <p:cNvPicPr>
+                <a:picLocks noChangeAspect="1" noChangeArrowheads="1"/>
+              </p:cNvPicPr>
+              <p:nvPr/>
+            </p:nvPicPr>
+            <p:blipFill rotWithShape="1">
+              <a:blip r:embed="rId3">
+                <a:extLst>
+                  <a:ext uri="{28A0092B-C50C-407E-A947-70E740481C1C}">
+                    <a14:useLocalDpi xmlns:a14="http://schemas.microsoft.com/office/drawing/2010/main" val="0"/>
+                  </a:ext>
+                </a:extLst>
+              </a:blip>
+              <a:srcRect l="28545" r="47341" b="34338"/>
+              <a:stretch/>
+            </p:blipFill>
+            <p:spPr bwMode="auto">
+              <a:xfrm>
+                <a:off x="6290114" y="3043348"/>
+                <a:ext cx="1460396" cy="2315211"/>
+              </a:xfrm>
+              <a:prstGeom prst="rect">
+                <a:avLst/>
+              </a:prstGeom>
+              <a:noFill/>
+              <a:extLst>
+                <a:ext uri="{909E8E84-426E-40DD-AFC4-6F175D3DCCD1}">
+                  <a14:hiddenFill xmlns:a14="http://schemas.microsoft.com/office/drawing/2010/main">
+                    <a:solidFill>
+                      <a:srgbClr val="FFFFFF"/>
+                    </a:solidFill>
+                  </a14:hiddenFill>
+                </a:ext>
+              </a:extLst>
+            </p:spPr>
+          </p:pic>
+          <p:sp>
+            <p:nvSpPr>
+              <p:cNvPr id="171" name="TextBox 170">
+                <a:extLst>
+                  <a:ext uri="{FF2B5EF4-FFF2-40B4-BE49-F238E27FC236}">
+                    <a16:creationId xmlns:a16="http://schemas.microsoft.com/office/drawing/2014/main" id="{43AC7AB5-979F-4D45-B70D-0810B542B19A}"/>
+                  </a:ext>
+                </a:extLst>
+              </p:cNvPr>
+              <p:cNvSpPr txBox="1"/>
+              <p:nvPr/>
+            </p:nvSpPr>
+            <p:spPr>
+              <a:xfrm>
+                <a:off x="6159164" y="2688153"/>
+                <a:ext cx="1797269" cy="366733"/>
+              </a:xfrm>
+              <a:prstGeom prst="rect">
+                <a:avLst/>
+              </a:prstGeom>
+              <a:noFill/>
+            </p:spPr>
+            <p:txBody>
+              <a:bodyPr wrap="square" rtlCol="0">
+                <a:spAutoFit/>
+              </a:bodyPr>
+              <a:lstStyle/>
+              <a:p>
+                <a:pPr algn="ctr"/>
+                <a:r>
+                  <a:rPr lang="en-US" sz="2000" b="1" u="sng" dirty="0">
+                    <a:latin typeface="Arial" panose="020B0604020202020204" pitchFamily="34" charset="0"/>
+                    <a:cs typeface="Arial" panose="020B0604020202020204" pitchFamily="34" charset="0"/>
+                  </a:rPr>
+                  <a:t>Predict</a:t>
+                </a:r>
+              </a:p>
+            </p:txBody>
+          </p:sp>
+        </p:grpSp>
+      </p:grpSp>
+      <p:sp>
+        <p:nvSpPr>
+          <p:cNvPr id="174" name="TextBox 173">
+            <a:extLst>
+              <a:ext uri="{FF2B5EF4-FFF2-40B4-BE49-F238E27FC236}">
+                <a16:creationId xmlns:a16="http://schemas.microsoft.com/office/drawing/2014/main" id="{6DA6A4FD-E4D8-7E4F-86A1-93BC54939012}"/>
+              </a:ext>
+            </a:extLst>
+          </p:cNvPr>
+          <p:cNvSpPr txBox="1"/>
+          <p:nvPr/>
+        </p:nvSpPr>
+        <p:spPr>
+          <a:xfrm>
+            <a:off x="1665199" y="5196085"/>
+            <a:ext cx="1475084" cy="461665"/>
+          </a:xfrm>
+          <a:prstGeom prst="rect">
+            <a:avLst/>
+          </a:prstGeom>
+          <a:noFill/>
+        </p:spPr>
+        <p:txBody>
+          <a:bodyPr wrap="none" rtlCol="0">
+            <a:spAutoFit/>
+          </a:bodyPr>
+          <a:lstStyle/>
+          <a:p>
+            <a:r>
+              <a:rPr lang="en-US" sz="2400" u="sng" dirty="0" err="1"/>
+              <a:t>MultiClass</a:t>
+            </a:r>
+            <a:endParaRPr lang="en-US" sz="2400" u="sng" dirty="0"/>
+          </a:p>
+        </p:txBody>
+      </p:sp>
+      <p:sp>
+        <p:nvSpPr>
+          <p:cNvPr id="175" name="TextBox 174">
+            <a:extLst>
+              <a:ext uri="{FF2B5EF4-FFF2-40B4-BE49-F238E27FC236}">
+                <a16:creationId xmlns:a16="http://schemas.microsoft.com/office/drawing/2014/main" id="{666EAE55-CBC9-AB4E-A38E-27A394C542F9}"/>
+              </a:ext>
+            </a:extLst>
+          </p:cNvPr>
+          <p:cNvSpPr txBox="1"/>
+          <p:nvPr/>
+        </p:nvSpPr>
+        <p:spPr>
+          <a:xfrm>
+            <a:off x="254358" y="5189646"/>
+            <a:ext cx="349776" cy="461665"/>
+          </a:xfrm>
+          <a:prstGeom prst="rect">
+            <a:avLst/>
+          </a:prstGeom>
+          <a:noFill/>
+        </p:spPr>
+        <p:txBody>
+          <a:bodyPr wrap="none" rtlCol="0">
+            <a:spAutoFit/>
+          </a:bodyPr>
+          <a:lstStyle/>
+          <a:p>
+            <a:r>
+              <a:rPr lang="en-US" sz="2400" b="1" dirty="0"/>
+              <a:t>b</a:t>
+            </a:r>
+          </a:p>
+        </p:txBody>
+      </p:sp>
+      <p:sp>
+        <p:nvSpPr>
+          <p:cNvPr id="180" name="TextBox 179">
+            <a:extLst>
+              <a:ext uri="{FF2B5EF4-FFF2-40B4-BE49-F238E27FC236}">
+                <a16:creationId xmlns:a16="http://schemas.microsoft.com/office/drawing/2014/main" id="{862A1B86-B76E-974C-AF13-9E9222036408}"/>
+              </a:ext>
+            </a:extLst>
+          </p:cNvPr>
+          <p:cNvSpPr txBox="1"/>
+          <p:nvPr/>
+        </p:nvSpPr>
+        <p:spPr>
+          <a:xfrm>
+            <a:off x="4614827" y="5761093"/>
+            <a:ext cx="1120224" cy="300082"/>
+          </a:xfrm>
+          <a:prstGeom prst="rect">
+            <a:avLst/>
+          </a:prstGeom>
+          <a:noFill/>
+        </p:spPr>
+        <p:txBody>
+          <a:bodyPr wrap="square" rtlCol="0">
+            <a:spAutoFit/>
+          </a:bodyPr>
+          <a:lstStyle/>
+          <a:p>
+            <a:r>
+              <a:rPr lang="en-US" sz="1350" dirty="0"/>
+              <a:t>Semantic</a:t>
+            </a:r>
+          </a:p>
+        </p:txBody>
+      </p:sp>
+      <p:sp>
+        <p:nvSpPr>
+          <p:cNvPr id="181" name="TextBox 180">
+            <a:extLst>
+              <a:ext uri="{FF2B5EF4-FFF2-40B4-BE49-F238E27FC236}">
+                <a16:creationId xmlns:a16="http://schemas.microsoft.com/office/drawing/2014/main" id="{129D0F50-30E8-6947-B97B-4810C3C1426C}"/>
+              </a:ext>
+            </a:extLst>
+          </p:cNvPr>
+          <p:cNvSpPr txBox="1"/>
+          <p:nvPr/>
+        </p:nvSpPr>
+        <p:spPr>
+          <a:xfrm>
+            <a:off x="4541212" y="6228661"/>
+            <a:ext cx="967271" cy="300082"/>
+          </a:xfrm>
+          <a:prstGeom prst="rect">
+            <a:avLst/>
+          </a:prstGeom>
+          <a:noFill/>
+        </p:spPr>
+        <p:txBody>
+          <a:bodyPr wrap="square" rtlCol="0">
+            <a:spAutoFit/>
+          </a:bodyPr>
+          <a:lstStyle/>
+          <a:p>
+            <a:r>
+              <a:rPr lang="en-US" sz="1350" dirty="0"/>
+              <a:t>Coherence</a:t>
+            </a:r>
+          </a:p>
+        </p:txBody>
+      </p:sp>
+      <p:sp>
+        <p:nvSpPr>
+          <p:cNvPr id="182" name="TextBox 181">
+            <a:extLst>
+              <a:ext uri="{FF2B5EF4-FFF2-40B4-BE49-F238E27FC236}">
+                <a16:creationId xmlns:a16="http://schemas.microsoft.com/office/drawing/2014/main" id="{3E126B5B-C761-2A48-9A2E-E3B72ECA7CFA}"/>
+              </a:ext>
+            </a:extLst>
+          </p:cNvPr>
+          <p:cNvSpPr txBox="1"/>
+          <p:nvPr/>
+        </p:nvSpPr>
+        <p:spPr>
+          <a:xfrm>
+            <a:off x="4574298" y="7145421"/>
+            <a:ext cx="901099" cy="300082"/>
+          </a:xfrm>
+          <a:prstGeom prst="rect">
+            <a:avLst/>
+          </a:prstGeom>
+          <a:noFill/>
+        </p:spPr>
+        <p:txBody>
+          <a:bodyPr wrap="square" rtlCol="0">
+            <a:spAutoFit/>
+          </a:bodyPr>
+          <a:lstStyle/>
+          <a:p>
+            <a:r>
+              <a:rPr lang="en-US" sz="1350" dirty="0"/>
+              <a:t>Memory</a:t>
+            </a:r>
+          </a:p>
+        </p:txBody>
+      </p:sp>
+      <p:sp>
+        <p:nvSpPr>
+          <p:cNvPr id="183" name="TextBox 182">
+            <a:extLst>
+              <a:ext uri="{FF2B5EF4-FFF2-40B4-BE49-F238E27FC236}">
+                <a16:creationId xmlns:a16="http://schemas.microsoft.com/office/drawing/2014/main" id="{16583687-521D-2440-B9C4-10D9CA7F4348}"/>
+              </a:ext>
+            </a:extLst>
+          </p:cNvPr>
+          <p:cNvSpPr txBox="1"/>
+          <p:nvPr/>
+        </p:nvSpPr>
+        <p:spPr>
+          <a:xfrm>
+            <a:off x="4711206" y="6700569"/>
+            <a:ext cx="627283" cy="300082"/>
+          </a:xfrm>
+          <a:prstGeom prst="rect">
+            <a:avLst/>
+          </a:prstGeom>
+          <a:noFill/>
+        </p:spPr>
+        <p:txBody>
+          <a:bodyPr wrap="square" rtlCol="0">
+            <a:spAutoFit/>
+          </a:bodyPr>
+          <a:lstStyle/>
+          <a:p>
+            <a:r>
+              <a:rPr lang="en-US" sz="1350" dirty="0"/>
+              <a:t>Motor</a:t>
+            </a:r>
+          </a:p>
+        </p:txBody>
+      </p:sp>
+      <p:pic>
+        <p:nvPicPr>
+          <p:cNvPr id="185" name="Picture 184">
+            <a:extLst>
+              <a:ext uri="{FF2B5EF4-FFF2-40B4-BE49-F238E27FC236}">
+                <a16:creationId xmlns:a16="http://schemas.microsoft.com/office/drawing/2014/main" id="{A9F950DA-159D-C74A-8C65-E95B282D9C21}"/>
+              </a:ext>
+            </a:extLst>
+          </p:cNvPr>
+          <p:cNvPicPr>
+            <a:picLocks noChangeAspect="1"/>
+          </p:cNvPicPr>
+          <p:nvPr/>
+        </p:nvPicPr>
+        <p:blipFill rotWithShape="1">
+          <a:blip r:embed="rId2"/>
+          <a:srcRect t="32766" r="49984" b="33566"/>
+          <a:stretch/>
+        </p:blipFill>
+        <p:spPr>
+          <a:xfrm rot="5400000">
+            <a:off x="9680390" y="6450379"/>
+            <a:ext cx="1703199" cy="903525"/>
+          </a:xfrm>
+          <a:prstGeom prst="rect">
+            <a:avLst/>
+          </a:prstGeom>
+        </p:spPr>
+      </p:pic>
+    </p:spTree>
+    <p:extLst>
+      <p:ext uri="{BB962C8B-B14F-4D97-AF65-F5344CB8AC3E}">
+        <p14:creationId xmlns:p14="http://schemas.microsoft.com/office/powerpoint/2010/main" val="3077328601"/>
+      </p:ext>
+    </p:extLst>
+  </p:cSld>
+  <p:clrMapOvr>
+    <a:masterClrMapping/>
+  </p:clrMapOvr>
+  <p:timing>
+    <p:tnLst>
+      <p:par>
+        <p:cTn id="1" dur="indefinite" restart="never" nodeType="tmRoot">
+          <p:childTnLst>
+            <p:seq concurrent="1" nextAc="seek">
+              <p:cTn id="2" dur="indefinite" nodeType="mainSeq">
+                <p:childTnLst>
+                  <p:par>
+                    <p:cTn id="3" fill="hold">
+                      <p:stCondLst>
+                        <p:cond delay="indefinite"/>
+                      </p:stCondLst>
+                      <p:childTnLst>
+                        <p:par>
+                          <p:cTn id="4" fill="hold">
+                            <p:stCondLst>
+                              <p:cond delay="0"/>
+                            </p:stCondLst>
+                            <p:childTnLst>
+                              <p:par>
+                                <p:cTn id="5" presetID="10" presetClass="entr" presetSubtype="0" fill="hold" nodeType="clickEffect">
+                                  <p:stCondLst>
+                                    <p:cond delay="0"/>
+                                  </p:stCondLst>
+                                  <p:childTnLst>
+                                    <p:set>
+                                      <p:cBhvr>
+                                        <p:cTn id="6" dur="1" fill="hold">
+                                          <p:stCondLst>
+                                            <p:cond delay="0"/>
+                                          </p:stCondLst>
+                                        </p:cTn>
+                                        <p:tgtEl>
+                                          <p:spTgt spid="49"/>
+                                        </p:tgtEl>
+                                        <p:attrNameLst>
+                                          <p:attrName>style.visibility</p:attrName>
+                                        </p:attrNameLst>
+                                      </p:cBhvr>
+                                      <p:to>
+                                        <p:strVal val="visible"/>
+                                      </p:to>
+                                    </p:set>
+                                    <p:animEffect transition="in" filter="fade">
+                                      <p:cBhvr>
+                                        <p:cTn id="7" dur="500"/>
+                                        <p:tgtEl>
+                                          <p:spTgt spid="49"/>
+                                        </p:tgtEl>
+                                      </p:cBhvr>
+                                    </p:animEffect>
+                                  </p:childTnLst>
+                                </p:cTn>
+                              </p:par>
+                            </p:childTnLst>
+                          </p:cTn>
+                        </p:par>
+                      </p:childTnLst>
+                    </p:cTn>
+                  </p:par>
+                  <p:par>
+                    <p:cTn id="8" fill="hold">
+                      <p:stCondLst>
+                        <p:cond delay="indefinite"/>
+                      </p:stCondLst>
+                      <p:childTnLst>
+                        <p:par>
+                          <p:cTn id="9" fill="hold">
+                            <p:stCondLst>
+                              <p:cond delay="0"/>
+                            </p:stCondLst>
+                            <p:childTnLst>
+                              <p:par>
+                                <p:cTn id="10" presetID="10" presetClass="entr" presetSubtype="0" fill="hold" nodeType="clickEffect">
+                                  <p:stCondLst>
+                                    <p:cond delay="0"/>
+                                  </p:stCondLst>
+                                  <p:childTnLst>
+                                    <p:set>
+                                      <p:cBhvr>
+                                        <p:cTn id="11" dur="1" fill="hold">
+                                          <p:stCondLst>
+                                            <p:cond delay="0"/>
+                                          </p:stCondLst>
+                                        </p:cTn>
+                                        <p:tgtEl>
+                                          <p:spTgt spid="60"/>
+                                        </p:tgtEl>
+                                        <p:attrNameLst>
+                                          <p:attrName>style.visibility</p:attrName>
+                                        </p:attrNameLst>
+                                      </p:cBhvr>
+                                      <p:to>
+                                        <p:strVal val="visible"/>
+                                      </p:to>
+                                    </p:set>
+                                    <p:animEffect transition="in" filter="fade">
+                                      <p:cBhvr>
+                                        <p:cTn id="12" dur="500"/>
+                                        <p:tgtEl>
+                                          <p:spTgt spid="60"/>
+                                        </p:tgtEl>
+                                      </p:cBhvr>
+                                    </p:animEffect>
+                                  </p:childTnLst>
+                                </p:cTn>
+                              </p:par>
+                            </p:childTnLst>
+                          </p:cTn>
+                        </p:par>
+                      </p:childTnLst>
+                    </p:cTn>
+                  </p:par>
+                  <p:par>
+                    <p:cTn id="13" fill="hold">
+                      <p:stCondLst>
+                        <p:cond delay="indefinite"/>
+                      </p:stCondLst>
+                      <p:childTnLst>
+                        <p:par>
+                          <p:cTn id="14" fill="hold">
+                            <p:stCondLst>
+                              <p:cond delay="0"/>
+                            </p:stCondLst>
+                            <p:childTnLst>
+                              <p:par>
+                                <p:cTn id="15" presetID="10" presetClass="entr" presetSubtype="0" fill="hold" nodeType="clickEffect">
+                                  <p:stCondLst>
+                                    <p:cond delay="0"/>
+                                  </p:stCondLst>
+                                  <p:childTnLst>
+                                    <p:set>
+                                      <p:cBhvr>
+                                        <p:cTn id="16" dur="1" fill="hold">
+                                          <p:stCondLst>
+                                            <p:cond delay="0"/>
+                                          </p:stCondLst>
+                                        </p:cTn>
+                                        <p:tgtEl>
+                                          <p:spTgt spid="71"/>
+                                        </p:tgtEl>
+                                        <p:attrNameLst>
+                                          <p:attrName>style.visibility</p:attrName>
+                                        </p:attrNameLst>
+                                      </p:cBhvr>
+                                      <p:to>
+                                        <p:strVal val="visible"/>
+                                      </p:to>
+                                    </p:set>
+                                    <p:animEffect transition="in" filter="fade">
+                                      <p:cBhvr>
+                                        <p:cTn id="17" dur="500"/>
+                                        <p:tgtEl>
+                                          <p:spTgt spid="71"/>
+                                        </p:tgtEl>
+                                      </p:cBhvr>
+                                    </p:animEffect>
+                                  </p:childTnLst>
+                                </p:cTn>
+                              </p:par>
+                            </p:childTnLst>
+                          </p:cTn>
+                        </p:par>
+                      </p:childTnLst>
+                    </p:cTn>
+                  </p:par>
+                  <p:par>
+                    <p:cTn id="18" fill="hold">
+                      <p:stCondLst>
+                        <p:cond delay="indefinite"/>
+                      </p:stCondLst>
+                      <p:childTnLst>
+                        <p:par>
+                          <p:cTn id="19" fill="hold">
+                            <p:stCondLst>
+                              <p:cond delay="0"/>
+                            </p:stCondLst>
+                            <p:childTnLst>
+                              <p:par>
+                                <p:cTn id="20" presetID="10" presetClass="entr" presetSubtype="0" fill="hold" nodeType="clickEffect">
+                                  <p:stCondLst>
+                                    <p:cond delay="0"/>
+                                  </p:stCondLst>
+                                  <p:childTnLst>
+                                    <p:set>
+                                      <p:cBhvr>
+                                        <p:cTn id="21" dur="1" fill="hold">
+                                          <p:stCondLst>
+                                            <p:cond delay="0"/>
+                                          </p:stCondLst>
+                                        </p:cTn>
+                                        <p:tgtEl>
+                                          <p:spTgt spid="82"/>
+                                        </p:tgtEl>
+                                        <p:attrNameLst>
+                                          <p:attrName>style.visibility</p:attrName>
+                                        </p:attrNameLst>
+                                      </p:cBhvr>
+                                      <p:to>
+                                        <p:strVal val="visible"/>
+                                      </p:to>
+                                    </p:set>
+                                    <p:animEffect transition="in" filter="fade">
+                                      <p:cBhvr>
+                                        <p:cTn id="22" dur="500"/>
+                                        <p:tgtEl>
+                                          <p:spTgt spid="82"/>
+                                        </p:tgtEl>
+                                      </p:cBhvr>
+                                    </p:animEffect>
+                                  </p:childTnLst>
+                                </p:cTn>
+                              </p:par>
+                            </p:childTnLst>
+                          </p:cTn>
+                        </p:par>
+                      </p:childTnLst>
+                    </p:cTn>
+                  </p:par>
+                  <p:par>
+                    <p:cTn id="23" fill="hold">
+                      <p:stCondLst>
+                        <p:cond delay="indefinite"/>
+                      </p:stCondLst>
+                      <p:childTnLst>
+                        <p:par>
+                          <p:cTn id="24" fill="hold">
+                            <p:stCondLst>
+                              <p:cond delay="0"/>
+                            </p:stCondLst>
+                            <p:childTnLst>
+                              <p:par>
+                                <p:cTn id="25" presetID="10" presetClass="entr" presetSubtype="0" fill="hold" nodeType="clickEffect">
+                                  <p:stCondLst>
+                                    <p:cond delay="0"/>
+                                  </p:stCondLst>
+                                  <p:childTnLst>
+                                    <p:set>
+                                      <p:cBhvr>
+                                        <p:cTn id="26" dur="1" fill="hold">
+                                          <p:stCondLst>
+                                            <p:cond delay="0"/>
+                                          </p:stCondLst>
+                                        </p:cTn>
+                                        <p:tgtEl>
+                                          <p:spTgt spid="155"/>
+                                        </p:tgtEl>
+                                        <p:attrNameLst>
+                                          <p:attrName>style.visibility</p:attrName>
+                                        </p:attrNameLst>
+                                      </p:cBhvr>
+                                      <p:to>
+                                        <p:strVal val="visible"/>
+                                      </p:to>
+                                    </p:set>
+                                    <p:animEffect transition="in" filter="fade">
+                                      <p:cBhvr>
+                                        <p:cTn id="27" dur="500"/>
+                                        <p:tgtEl>
+                                          <p:spTgt spid="155"/>
+                                        </p:tgtEl>
+                                      </p:cBhvr>
+                                    </p:animEffect>
+                                  </p:childTnLst>
+                                </p:cTn>
+                              </p:par>
+                            </p:childTnLst>
+                          </p:cTn>
+                        </p:par>
+                      </p:childTnLst>
+                    </p:cTn>
+                  </p:par>
+                </p:childTnLst>
+              </p:cTn>
+              <p:prevCondLst>
+                <p:cond evt="onPrev" delay="0">
+                  <p:tgtEl>
+                    <p:sldTgt/>
+                  </p:tgtEl>
+                </p:cond>
+              </p:prevCondLst>
+              <p:nextCondLst>
+                <p:cond evt="onNext" delay="0">
+                  <p:tgtEl>
+                    <p:sldTgt/>
+                  </p:tgtEl>
+                </p:cond>
+              </p:nextCondLst>
+            </p:seq>
+          </p:childTnLst>
+        </p:cTn>
+      </p:par>
+    </p:tnLst>
+  </p:timing>
+</p:sld>
+</file>
+
 <file path=ppt/theme/theme1.xml><?xml version="1.0" encoding="utf-8"?>
 <a:theme xmlns:a="http://schemas.openxmlformats.org/drawingml/2006/main" name="Office Theme">
   <a:themeElements>

--- a/analysis/output/FigsFinal/CV.pptx
+++ b/analysis/output/FigsFinal/CV.pptx
@@ -5,7 +5,7 @@
     <p:sldMasterId id="2147483768" r:id="rId1"/>
   </p:sldMasterIdLst>
   <p:notesMasterIdLst>
-    <p:notesMasterId r:id="rId7"/>
+    <p:notesMasterId r:id="rId8"/>
   </p:notesMasterIdLst>
   <p:sldIdLst>
     <p:sldId id="256" r:id="rId2"/>
@@ -13,6 +13,7 @@
     <p:sldId id="258" r:id="rId4"/>
     <p:sldId id="259" r:id="rId5"/>
     <p:sldId id="260" r:id="rId6"/>
+    <p:sldId id="262" r:id="rId7"/>
   </p:sldIdLst>
   <p:sldSz cx="7164388" cy="9418638"/>
   <p:notesSz cx="6858000" cy="9144000"/>
@@ -201,7 +202,7 @@
           <a:p>
             <a:fld id="{D2BE48CB-5804-A340-8846-3CFD49527A96}" type="datetimeFigureOut">
               <a:rPr lang="en-US" smtClean="0"/>
-              <a:t>5/17/21</a:t>
+              <a:t>6/1/21</a:t>
             </a:fld>
             <a:endParaRPr lang="en-US"/>
           </a:p>
@@ -735,6 +736,95 @@
 </p:notes>
 </file>
 
+<file path=ppt/notesSlides/notesSlide4.xml><?xml version="1.0" encoding="utf-8"?>
+<p:notes xmlns:a="http://schemas.openxmlformats.org/drawingml/2006/main" xmlns:r="http://schemas.openxmlformats.org/officeDocument/2006/relationships" xmlns:p="http://schemas.openxmlformats.org/presentationml/2006/main">
+  <p:cSld>
+    <p:spTree>
+      <p:nvGrpSpPr>
+        <p:cNvPr id="1" name=""/>
+        <p:cNvGrpSpPr/>
+        <p:nvPr/>
+      </p:nvGrpSpPr>
+      <p:grpSpPr>
+        <a:xfrm>
+          <a:off x="0" y="0"/>
+          <a:ext cx="0" cy="0"/>
+          <a:chOff x="0" y="0"/>
+          <a:chExt cx="0" cy="0"/>
+        </a:xfrm>
+      </p:grpSpPr>
+      <p:sp>
+        <p:nvSpPr>
+          <p:cNvPr id="2" name="Slide Image Placeholder 1"/>
+          <p:cNvSpPr>
+            <a:spLocks noGrp="1" noRot="1" noChangeAspect="1"/>
+          </p:cNvSpPr>
+          <p:nvPr>
+            <p:ph type="sldImg"/>
+          </p:nvPr>
+        </p:nvSpPr>
+        <p:spPr>
+          <a:xfrm>
+            <a:off x="2255838" y="1143000"/>
+            <a:ext cx="2346325" cy="3086100"/>
+          </a:xfrm>
+        </p:spPr>
+      </p:sp>
+      <p:sp>
+        <p:nvSpPr>
+          <p:cNvPr id="3" name="Notes Placeholder 2"/>
+          <p:cNvSpPr>
+            <a:spLocks noGrp="1"/>
+          </p:cNvSpPr>
+          <p:nvPr>
+            <p:ph type="body" idx="1"/>
+          </p:nvPr>
+        </p:nvSpPr>
+        <p:spPr/>
+        <p:txBody>
+          <a:bodyPr/>
+          <a:lstStyle/>
+          <a:p>
+            <a:endParaRPr lang="en-US" dirty="0"/>
+          </a:p>
+        </p:txBody>
+      </p:sp>
+      <p:sp>
+        <p:nvSpPr>
+          <p:cNvPr id="4" name="Slide Number Placeholder 3"/>
+          <p:cNvSpPr>
+            <a:spLocks noGrp="1"/>
+          </p:cNvSpPr>
+          <p:nvPr>
+            <p:ph type="sldNum" sz="quarter" idx="5"/>
+          </p:nvPr>
+        </p:nvSpPr>
+        <p:spPr/>
+        <p:txBody>
+          <a:bodyPr/>
+          <a:lstStyle/>
+          <a:p>
+            <a:fld id="{5381BF36-B161-F746-A9A2-072A6FEBF401}" type="slidenum">
+              <a:rPr lang="en-US" smtClean="0"/>
+              <a:t>6</a:t>
+            </a:fld>
+            <a:endParaRPr lang="en-US"/>
+          </a:p>
+        </p:txBody>
+      </p:sp>
+    </p:spTree>
+    <p:extLst>
+      <p:ext uri="{BB962C8B-B14F-4D97-AF65-F5344CB8AC3E}">
+        <p14:creationId xmlns:p14="http://schemas.microsoft.com/office/powerpoint/2010/main" val="1265296806"/>
+      </p:ext>
+    </p:extLst>
+  </p:cSld>
+  <p:clrMapOvr>
+    <a:masterClrMapping/>
+  </p:clrMapOvr>
+</p:notes>
+</file>
+
 <file path=ppt/slideLayouts/slideLayout1.xml><?xml version="1.0" encoding="utf-8"?>
 <p:sldLayout xmlns:a="http://schemas.openxmlformats.org/drawingml/2006/main" xmlns:r="http://schemas.openxmlformats.org/officeDocument/2006/relationships" xmlns:p="http://schemas.openxmlformats.org/presentationml/2006/main" type="title" preserve="1">
   <p:cSld name="Title Slide">
@@ -866,7 +956,7 @@
           <a:p>
             <a:fld id="{95656FF8-6698-2D4C-A6FB-723933382C5D}" type="datetimeFigureOut">
               <a:rPr lang="en-US" smtClean="0"/>
-              <a:t>5/17/21</a:t>
+              <a:t>6/1/21</a:t>
             </a:fld>
             <a:endParaRPr lang="en-US"/>
           </a:p>
@@ -1036,7 +1126,7 @@
           <a:p>
             <a:fld id="{95656FF8-6698-2D4C-A6FB-723933382C5D}" type="datetimeFigureOut">
               <a:rPr lang="en-US" smtClean="0"/>
-              <a:t>5/17/21</a:t>
+              <a:t>6/1/21</a:t>
             </a:fld>
             <a:endParaRPr lang="en-US"/>
           </a:p>
@@ -1216,7 +1306,7 @@
           <a:p>
             <a:fld id="{95656FF8-6698-2D4C-A6FB-723933382C5D}" type="datetimeFigureOut">
               <a:rPr lang="en-US" smtClean="0"/>
-              <a:t>5/17/21</a:t>
+              <a:t>6/1/21</a:t>
             </a:fld>
             <a:endParaRPr lang="en-US"/>
           </a:p>
@@ -1386,7 +1476,7 @@
           <a:p>
             <a:fld id="{95656FF8-6698-2D4C-A6FB-723933382C5D}" type="datetimeFigureOut">
               <a:rPr lang="en-US" smtClean="0"/>
-              <a:t>5/17/21</a:t>
+              <a:t>6/1/21</a:t>
             </a:fld>
             <a:endParaRPr lang="en-US"/>
           </a:p>
@@ -1630,7 +1720,7 @@
           <a:p>
             <a:fld id="{95656FF8-6698-2D4C-A6FB-723933382C5D}" type="datetimeFigureOut">
               <a:rPr lang="en-US" smtClean="0"/>
-              <a:t>5/17/21</a:t>
+              <a:t>6/1/21</a:t>
             </a:fld>
             <a:endParaRPr lang="en-US"/>
           </a:p>
@@ -1862,7 +1952,7 @@
           <a:p>
             <a:fld id="{95656FF8-6698-2D4C-A6FB-723933382C5D}" type="datetimeFigureOut">
               <a:rPr lang="en-US" smtClean="0"/>
-              <a:t>5/17/21</a:t>
+              <a:t>6/1/21</a:t>
             </a:fld>
             <a:endParaRPr lang="en-US"/>
           </a:p>
@@ -2229,7 +2319,7 @@
           <a:p>
             <a:fld id="{95656FF8-6698-2D4C-A6FB-723933382C5D}" type="datetimeFigureOut">
               <a:rPr lang="en-US" smtClean="0"/>
-              <a:t>5/17/21</a:t>
+              <a:t>6/1/21</a:t>
             </a:fld>
             <a:endParaRPr lang="en-US"/>
           </a:p>
@@ -2347,7 +2437,7 @@
           <a:p>
             <a:fld id="{95656FF8-6698-2D4C-A6FB-723933382C5D}" type="datetimeFigureOut">
               <a:rPr lang="en-US" smtClean="0"/>
-              <a:t>5/17/21</a:t>
+              <a:t>6/1/21</a:t>
             </a:fld>
             <a:endParaRPr lang="en-US"/>
           </a:p>
@@ -2442,7 +2532,7 @@
           <a:p>
             <a:fld id="{95656FF8-6698-2D4C-A6FB-723933382C5D}" type="datetimeFigureOut">
               <a:rPr lang="en-US" smtClean="0"/>
-              <a:t>5/17/21</a:t>
+              <a:t>6/1/21</a:t>
             </a:fld>
             <a:endParaRPr lang="en-US"/>
           </a:p>
@@ -2719,7 +2809,7 @@
           <a:p>
             <a:fld id="{95656FF8-6698-2D4C-A6FB-723933382C5D}" type="datetimeFigureOut">
               <a:rPr lang="en-US" smtClean="0"/>
-              <a:t>5/17/21</a:t>
+              <a:t>6/1/21</a:t>
             </a:fld>
             <a:endParaRPr lang="en-US"/>
           </a:p>
@@ -2976,7 +3066,7 @@
           <a:p>
             <a:fld id="{95656FF8-6698-2D4C-A6FB-723933382C5D}" type="datetimeFigureOut">
               <a:rPr lang="en-US" smtClean="0"/>
-              <a:t>5/17/21</a:t>
+              <a:t>6/1/21</a:t>
             </a:fld>
             <a:endParaRPr lang="en-US"/>
           </a:p>
@@ -3189,7 +3279,7 @@
           <a:p>
             <a:fld id="{95656FF8-6698-2D4C-A6FB-723933382C5D}" type="datetimeFigureOut">
               <a:rPr lang="en-US" smtClean="0"/>
-              <a:t>5/17/21</a:t>
+              <a:t>6/1/21</a:t>
             </a:fld>
             <a:endParaRPr lang="en-US"/>
           </a:p>
@@ -15965,6 +16055,16 @@
 <file path=ppt/slides/slide5.xml><?xml version="1.0" encoding="utf-8"?>
 <p:sld xmlns:a="http://schemas.openxmlformats.org/drawingml/2006/main" xmlns:r="http://schemas.openxmlformats.org/officeDocument/2006/relationships" xmlns:p="http://schemas.openxmlformats.org/presentationml/2006/main">
   <p:cSld>
+    <p:bg>
+      <p:bgPr>
+        <a:solidFill>
+          <a:schemeClr val="bg1">
+            <a:alpha val="66000"/>
+          </a:schemeClr>
+        </a:solidFill>
+        <a:effectLst/>
+      </p:bgPr>
+    </p:bg>
     <p:spTree>
       <p:nvGrpSpPr>
         <p:cNvPr id="1" name=""/>
@@ -15979,6 +16079,61 @@
           <a:chExt cx="0" cy="0"/>
         </a:xfrm>
       </p:grpSpPr>
+      <p:sp>
+        <p:nvSpPr>
+          <p:cNvPr id="99" name="Rectangle 98">
+            <a:extLst>
+              <a:ext uri="{FF2B5EF4-FFF2-40B4-BE49-F238E27FC236}">
+                <a16:creationId xmlns:a16="http://schemas.microsoft.com/office/drawing/2014/main" id="{88B2A863-85F4-2649-A4B9-7B3F56180F7B}"/>
+              </a:ext>
+            </a:extLst>
+          </p:cNvPr>
+          <p:cNvSpPr>
+            <a:spLocks/>
+          </p:cNvSpPr>
+          <p:nvPr/>
+        </p:nvSpPr>
+        <p:spPr>
+          <a:xfrm>
+            <a:off x="4793145" y="3733446"/>
+            <a:ext cx="914400" cy="2560320"/>
+          </a:xfrm>
+          <a:prstGeom prst="rect">
+            <a:avLst/>
+          </a:prstGeom>
+          <a:solidFill>
+            <a:schemeClr val="bg2">
+              <a:lumMod val="25000"/>
+              <a:alpha val="35000"/>
+            </a:schemeClr>
+          </a:solidFill>
+          <a:ln>
+            <a:noFill/>
+          </a:ln>
+        </p:spPr>
+        <p:style>
+          <a:lnRef idx="1">
+            <a:schemeClr val="accent3"/>
+          </a:lnRef>
+          <a:fillRef idx="2">
+            <a:schemeClr val="accent3"/>
+          </a:fillRef>
+          <a:effectRef idx="1">
+            <a:schemeClr val="accent3"/>
+          </a:effectRef>
+          <a:fontRef idx="minor">
+            <a:schemeClr val="dk1"/>
+          </a:fontRef>
+        </p:style>
+        <p:txBody>
+          <a:bodyPr rtlCol="0" anchor="ctr"/>
+          <a:lstStyle/>
+          <a:p>
+            <a:pPr algn="ctr"/>
+            <a:endParaRPr lang="en-US"/>
+          </a:p>
+        </p:txBody>
+      </p:sp>
       <p:pic>
         <p:nvPicPr>
           <p:cNvPr id="50" name="Picture 49">
@@ -16340,8 +16495,8 @@
         </p:nvSpPr>
         <p:spPr>
           <a:xfrm>
-            <a:off x="1692275" y="321996"/>
-            <a:ext cx="1936107" cy="707886"/>
+            <a:off x="1849821" y="450002"/>
+            <a:ext cx="1242904" cy="461665"/>
           </a:xfrm>
           <a:prstGeom prst="rect">
             <a:avLst/>
@@ -16355,12 +16510,8 @@
           <a:lstStyle/>
           <a:p>
             <a:r>
-              <a:rPr lang="en-US" sz="4000" dirty="0"/>
-              <a:t>Training</a:t>
-            </a:r>
-            <a:r>
-              <a:rPr lang="en-US" sz="3600" dirty="0"/>
-              <a:t> </a:t>
+              <a:rPr lang="en-US" sz="2400" dirty="0"/>
+              <a:t>Training </a:t>
             </a:r>
           </a:p>
         </p:txBody>
@@ -16417,41 +16568,12 @@
           </a:p>
         </p:txBody>
       </p:sp>
-      <p:pic>
-        <p:nvPicPr>
-          <p:cNvPr id="69" name="Picture 68">
-            <a:extLst>
-              <a:ext uri="{FF2B5EF4-FFF2-40B4-BE49-F238E27FC236}">
-                <a16:creationId xmlns:a16="http://schemas.microsoft.com/office/drawing/2014/main" id="{57030E1A-DB95-E444-B134-5D585F08DADA}"/>
-              </a:ext>
-            </a:extLst>
-          </p:cNvPr>
-          <p:cNvPicPr>
-            <a:picLocks noChangeAspect="1"/>
-          </p:cNvPicPr>
-          <p:nvPr/>
-        </p:nvPicPr>
-        <p:blipFill rotWithShape="1">
-          <a:blip r:embed="rId3"/>
-          <a:srcRect l="74431" t="-2" r="12089" b="64747"/>
-          <a:stretch/>
-        </p:blipFill>
-        <p:spPr>
-          <a:xfrm>
-            <a:off x="4803961" y="1341516"/>
-            <a:ext cx="927648" cy="1908619"/>
-          </a:xfrm>
-          <a:prstGeom prst="rect">
-            <a:avLst/>
-          </a:prstGeom>
-        </p:spPr>
-      </p:pic>
-      <p:sp>
-        <p:nvSpPr>
-          <p:cNvPr id="70" name="TextBox 69">
-            <a:extLst>
-              <a:ext uri="{FF2B5EF4-FFF2-40B4-BE49-F238E27FC236}">
-                <a16:creationId xmlns:a16="http://schemas.microsoft.com/office/drawing/2014/main" id="{89FAA5EB-9A97-E147-86E7-35C0EE90AAFC}"/>
+      <p:sp>
+        <p:nvSpPr>
+          <p:cNvPr id="64" name="TextBox 63">
+            <a:extLst>
+              <a:ext uri="{FF2B5EF4-FFF2-40B4-BE49-F238E27FC236}">
+                <a16:creationId xmlns:a16="http://schemas.microsoft.com/office/drawing/2014/main" id="{B70ACFC5-F5A2-6C4C-A02C-D56E18737D32}"/>
               </a:ext>
             </a:extLst>
           </p:cNvPr>
@@ -16460,8 +16582,8 @@
         </p:nvSpPr>
         <p:spPr>
           <a:xfrm>
-            <a:off x="4932326" y="3055976"/>
-            <a:ext cx="998173" cy="246221"/>
+            <a:off x="5391017" y="450002"/>
+            <a:ext cx="681212" cy="461665"/>
           </a:xfrm>
           <a:prstGeom prst="rect">
             <a:avLst/>
@@ -16469,24 +16591,309 @@
           <a:noFill/>
         </p:spPr>
         <p:txBody>
+          <a:bodyPr wrap="none" rtlCol="0">
+            <a:spAutoFit/>
+          </a:bodyPr>
+          <a:lstStyle/>
+          <a:p>
+            <a:r>
+              <a:rPr lang="en-US" sz="2400" dirty="0"/>
+              <a:t>Test</a:t>
+            </a:r>
+          </a:p>
+        </p:txBody>
+      </p:sp>
+      <p:sp>
+        <p:nvSpPr>
+          <p:cNvPr id="65" name="TextBox 64">
+            <a:extLst>
+              <a:ext uri="{FF2B5EF4-FFF2-40B4-BE49-F238E27FC236}">
+                <a16:creationId xmlns:a16="http://schemas.microsoft.com/office/drawing/2014/main" id="{F4C63CDE-B9D7-934F-89AB-C93F20ECA694}"/>
+              </a:ext>
+            </a:extLst>
+          </p:cNvPr>
+          <p:cNvSpPr txBox="1"/>
+          <p:nvPr/>
+        </p:nvSpPr>
+        <p:spPr>
+          <a:xfrm>
+            <a:off x="5883563" y="1058761"/>
+            <a:ext cx="928006" cy="349968"/>
+          </a:xfrm>
+          <a:prstGeom prst="rect">
+            <a:avLst/>
+          </a:prstGeom>
+          <a:noFill/>
+        </p:spPr>
+        <p:txBody>
           <a:bodyPr wrap="square" rtlCol="0">
             <a:spAutoFit/>
           </a:bodyPr>
           <a:lstStyle/>
           <a:p>
             <a:r>
+              <a:rPr lang="en-US" dirty="0">
+                <a:solidFill>
+                  <a:srgbClr val="00B0F0"/>
+                </a:solidFill>
+              </a:rPr>
+              <a:t>MSC02</a:t>
+            </a:r>
+          </a:p>
+        </p:txBody>
+      </p:sp>
+      <p:pic>
+        <p:nvPicPr>
+          <p:cNvPr id="72" name="Picture 71">
+            <a:extLst>
+              <a:ext uri="{FF2B5EF4-FFF2-40B4-BE49-F238E27FC236}">
+                <a16:creationId xmlns:a16="http://schemas.microsoft.com/office/drawing/2014/main" id="{60A59F33-2A12-2746-9DD5-704A8BA36731}"/>
+              </a:ext>
+            </a:extLst>
+          </p:cNvPr>
+          <p:cNvPicPr>
+            <a:picLocks noChangeAspect="1"/>
+          </p:cNvPicPr>
+          <p:nvPr/>
+        </p:nvPicPr>
+        <p:blipFill rotWithShape="1">
+          <a:blip r:embed="rId3"/>
+          <a:srcRect t="30185" r="49984" b="29388"/>
+          <a:stretch/>
+        </p:blipFill>
+        <p:spPr>
+          <a:xfrm>
+            <a:off x="1115600" y="6817691"/>
+            <a:ext cx="3359742" cy="2140127"/>
+          </a:xfrm>
+          <a:prstGeom prst="rect">
+            <a:avLst/>
+          </a:prstGeom>
+        </p:spPr>
+      </p:pic>
+      <p:sp>
+        <p:nvSpPr>
+          <p:cNvPr id="73" name="TextBox 72">
+            <a:extLst>
+              <a:ext uri="{FF2B5EF4-FFF2-40B4-BE49-F238E27FC236}">
+                <a16:creationId xmlns:a16="http://schemas.microsoft.com/office/drawing/2014/main" id="{4C7C1EE5-8C21-A149-AEA8-AE0F252D5DFD}"/>
+              </a:ext>
+            </a:extLst>
+          </p:cNvPr>
+          <p:cNvSpPr txBox="1"/>
+          <p:nvPr/>
+        </p:nvSpPr>
+        <p:spPr>
+          <a:xfrm>
+            <a:off x="382997" y="7225878"/>
+            <a:ext cx="804047" cy="338554"/>
+          </a:xfrm>
+          <a:prstGeom prst="rect">
+            <a:avLst/>
+          </a:prstGeom>
+          <a:noFill/>
+        </p:spPr>
+        <p:txBody>
+          <a:bodyPr wrap="square" rtlCol="0">
+            <a:spAutoFit/>
+          </a:bodyPr>
+          <a:lstStyle/>
+          <a:p>
+            <a:pPr algn="r"/>
+            <a:r>
+              <a:rPr lang="en-US" sz="1600" dirty="0">
+                <a:solidFill>
+                  <a:srgbClr val="00B050"/>
+                </a:solidFill>
+              </a:rPr>
+              <a:t>Motor</a:t>
+            </a:r>
+          </a:p>
+        </p:txBody>
+      </p:sp>
+      <p:sp>
+        <p:nvSpPr>
+          <p:cNvPr id="74" name="TextBox 73">
+            <a:extLst>
+              <a:ext uri="{FF2B5EF4-FFF2-40B4-BE49-F238E27FC236}">
+                <a16:creationId xmlns:a16="http://schemas.microsoft.com/office/drawing/2014/main" id="{BB8F45C8-29E8-E446-B8B5-E4F1C8641345}"/>
+              </a:ext>
+            </a:extLst>
+          </p:cNvPr>
+          <p:cNvSpPr txBox="1"/>
+          <p:nvPr/>
+        </p:nvSpPr>
+        <p:spPr>
+          <a:xfrm>
+            <a:off x="447938" y="8135292"/>
+            <a:ext cx="739098" cy="338554"/>
+          </a:xfrm>
+          <a:prstGeom prst="rect">
+            <a:avLst/>
+          </a:prstGeom>
+          <a:noFill/>
+        </p:spPr>
+        <p:txBody>
+          <a:bodyPr wrap="square" rtlCol="0">
+            <a:spAutoFit/>
+          </a:bodyPr>
+          <a:lstStyle/>
+          <a:p>
+            <a:pPr algn="r"/>
+            <a:r>
+              <a:rPr lang="en-US" sz="1600" dirty="0"/>
+              <a:t>Rest</a:t>
+            </a:r>
+          </a:p>
+        </p:txBody>
+      </p:sp>
+      <p:sp>
+        <p:nvSpPr>
+          <p:cNvPr id="76" name="TextBox 75">
+            <a:extLst>
+              <a:ext uri="{FF2B5EF4-FFF2-40B4-BE49-F238E27FC236}">
+                <a16:creationId xmlns:a16="http://schemas.microsoft.com/office/drawing/2014/main" id="{65FB9F2F-9888-BB42-AD21-427702718A06}"/>
+              </a:ext>
+            </a:extLst>
+          </p:cNvPr>
+          <p:cNvSpPr txBox="1"/>
+          <p:nvPr/>
+        </p:nvSpPr>
+        <p:spPr>
+          <a:xfrm>
+            <a:off x="1177039" y="8692954"/>
+            <a:ext cx="704610" cy="246221"/>
+          </a:xfrm>
+          <a:prstGeom prst="rect">
+            <a:avLst/>
+          </a:prstGeom>
+          <a:noFill/>
+        </p:spPr>
+        <p:txBody>
+          <a:bodyPr wrap="square" rtlCol="0">
+            <a:spAutoFit/>
+          </a:bodyPr>
+          <a:lstStyle/>
+          <a:p>
+            <a:r>
               <a:rPr lang="en-US" sz="1000" dirty="0"/>
-              <a:t>Session 10</a:t>
-            </a:r>
-          </a:p>
-        </p:txBody>
-      </p:sp>
-      <p:sp>
-        <p:nvSpPr>
-          <p:cNvPr id="68" name="Rectangle 67">
-            <a:extLst>
-              <a:ext uri="{FF2B5EF4-FFF2-40B4-BE49-F238E27FC236}">
-                <a16:creationId xmlns:a16="http://schemas.microsoft.com/office/drawing/2014/main" id="{C80EA7A3-B316-964E-89DA-7D98F1940715}"/>
+              <a:t>Session 1</a:t>
+            </a:r>
+          </a:p>
+        </p:txBody>
+      </p:sp>
+      <p:sp>
+        <p:nvSpPr>
+          <p:cNvPr id="77" name="TextBox 76">
+            <a:extLst>
+              <a:ext uri="{FF2B5EF4-FFF2-40B4-BE49-F238E27FC236}">
+                <a16:creationId xmlns:a16="http://schemas.microsoft.com/office/drawing/2014/main" id="{7C03CDB6-4F53-9040-B4E0-7AFB21FE1684}"/>
+              </a:ext>
+            </a:extLst>
+          </p:cNvPr>
+          <p:cNvSpPr txBox="1"/>
+          <p:nvPr/>
+        </p:nvSpPr>
+        <p:spPr>
+          <a:xfrm>
+            <a:off x="2069455" y="8692955"/>
+            <a:ext cx="747048" cy="246221"/>
+          </a:xfrm>
+          <a:prstGeom prst="rect">
+            <a:avLst/>
+          </a:prstGeom>
+          <a:noFill/>
+        </p:spPr>
+        <p:txBody>
+          <a:bodyPr wrap="square" rtlCol="0">
+            <a:spAutoFit/>
+          </a:bodyPr>
+          <a:lstStyle/>
+          <a:p>
+            <a:r>
+              <a:rPr lang="en-US" sz="1000" dirty="0"/>
+              <a:t>Session 2</a:t>
+            </a:r>
+          </a:p>
+        </p:txBody>
+      </p:sp>
+      <p:sp>
+        <p:nvSpPr>
+          <p:cNvPr id="78" name="TextBox 77">
+            <a:extLst>
+              <a:ext uri="{FF2B5EF4-FFF2-40B4-BE49-F238E27FC236}">
+                <a16:creationId xmlns:a16="http://schemas.microsoft.com/office/drawing/2014/main" id="{829E2E5F-4B66-0043-ABE8-257EEDF99E1B}"/>
+              </a:ext>
+            </a:extLst>
+          </p:cNvPr>
+          <p:cNvSpPr txBox="1"/>
+          <p:nvPr/>
+        </p:nvSpPr>
+        <p:spPr>
+          <a:xfrm>
+            <a:off x="2978130" y="8569834"/>
+            <a:ext cx="421536" cy="349968"/>
+          </a:xfrm>
+          <a:prstGeom prst="rect">
+            <a:avLst/>
+          </a:prstGeom>
+          <a:noFill/>
+        </p:spPr>
+        <p:txBody>
+          <a:bodyPr wrap="square" rtlCol="0">
+            <a:spAutoFit/>
+          </a:bodyPr>
+          <a:lstStyle/>
+          <a:p>
+            <a:pPr algn="ctr"/>
+            <a:r>
+              <a:rPr lang="en-US" dirty="0"/>
+              <a:t>.…</a:t>
+            </a:r>
+          </a:p>
+        </p:txBody>
+      </p:sp>
+      <p:sp>
+        <p:nvSpPr>
+          <p:cNvPr id="79" name="TextBox 78">
+            <a:extLst>
+              <a:ext uri="{FF2B5EF4-FFF2-40B4-BE49-F238E27FC236}">
+                <a16:creationId xmlns:a16="http://schemas.microsoft.com/office/drawing/2014/main" id="{F8872E11-6506-EE43-9E95-C1CEB1B0D1D5}"/>
+              </a:ext>
+            </a:extLst>
+          </p:cNvPr>
+          <p:cNvSpPr txBox="1"/>
+          <p:nvPr/>
+        </p:nvSpPr>
+        <p:spPr>
+          <a:xfrm>
+            <a:off x="3745694" y="8692955"/>
+            <a:ext cx="805310" cy="246221"/>
+          </a:xfrm>
+          <a:prstGeom prst="rect">
+            <a:avLst/>
+          </a:prstGeom>
+          <a:noFill/>
+        </p:spPr>
+        <p:txBody>
+          <a:bodyPr wrap="square" rtlCol="0">
+            <a:spAutoFit/>
+          </a:bodyPr>
+          <a:lstStyle/>
+          <a:p>
+            <a:r>
+              <a:rPr lang="en-US" sz="1000" dirty="0"/>
+              <a:t>Session 9</a:t>
+            </a:r>
+          </a:p>
+        </p:txBody>
+      </p:sp>
+      <p:sp>
+        <p:nvSpPr>
+          <p:cNvPr id="80" name="Rectangle 79">
+            <a:extLst>
+              <a:ext uri="{FF2B5EF4-FFF2-40B4-BE49-F238E27FC236}">
+                <a16:creationId xmlns:a16="http://schemas.microsoft.com/office/drawing/2014/main" id="{BF7B54BC-395F-8B4F-AC57-CE13C748FBF2}"/>
               </a:ext>
             </a:extLst>
           </p:cNvPr>
@@ -16495,8 +16902,8 @@
         </p:nvSpPr>
         <p:spPr>
           <a:xfrm>
-            <a:off x="4844093" y="1063986"/>
-            <a:ext cx="900284" cy="2238202"/>
+            <a:off x="444122" y="6667973"/>
+            <a:ext cx="4019927" cy="2325360"/>
           </a:xfrm>
           <a:prstGeom prst="rect">
             <a:avLst/>
@@ -16504,9 +16911,8 @@
           <a:noFill/>
           <a:ln w="28575">
             <a:solidFill>
-              <a:srgbClr val="FF0000"/>
+              <a:schemeClr val="tx1"/>
             </a:solidFill>
-            <a:prstDash val="lgDash"/>
           </a:ln>
         </p:spPr>
         <p:style>
@@ -16536,359 +16942,10 @@
       </p:sp>
       <p:sp>
         <p:nvSpPr>
-          <p:cNvPr id="64" name="TextBox 63">
-            <a:extLst>
-              <a:ext uri="{FF2B5EF4-FFF2-40B4-BE49-F238E27FC236}">
-                <a16:creationId xmlns:a16="http://schemas.microsoft.com/office/drawing/2014/main" id="{B70ACFC5-F5A2-6C4C-A02C-D56E18737D32}"/>
-              </a:ext>
-            </a:extLst>
-          </p:cNvPr>
-          <p:cNvSpPr txBox="1"/>
-          <p:nvPr/>
-        </p:nvSpPr>
-        <p:spPr>
-          <a:xfrm>
-            <a:off x="5166974" y="321996"/>
-            <a:ext cx="1010148" cy="707886"/>
-          </a:xfrm>
-          <a:prstGeom prst="rect">
-            <a:avLst/>
-          </a:prstGeom>
-          <a:noFill/>
-        </p:spPr>
-        <p:txBody>
-          <a:bodyPr wrap="none" rtlCol="0">
-            <a:spAutoFit/>
-          </a:bodyPr>
-          <a:lstStyle/>
-          <a:p>
-            <a:r>
-              <a:rPr lang="en-US" sz="4000" dirty="0"/>
-              <a:t>Test</a:t>
-            </a:r>
-          </a:p>
-        </p:txBody>
-      </p:sp>
-      <p:sp>
-        <p:nvSpPr>
-          <p:cNvPr id="65" name="TextBox 64">
-            <a:extLst>
-              <a:ext uri="{FF2B5EF4-FFF2-40B4-BE49-F238E27FC236}">
-                <a16:creationId xmlns:a16="http://schemas.microsoft.com/office/drawing/2014/main" id="{F4C63CDE-B9D7-934F-89AB-C93F20ECA694}"/>
-              </a:ext>
-            </a:extLst>
-          </p:cNvPr>
-          <p:cNvSpPr txBox="1"/>
-          <p:nvPr/>
-        </p:nvSpPr>
-        <p:spPr>
-          <a:xfrm>
-            <a:off x="5883563" y="1058761"/>
-            <a:ext cx="928006" cy="349968"/>
-          </a:xfrm>
-          <a:prstGeom prst="rect">
-            <a:avLst/>
-          </a:prstGeom>
-          <a:noFill/>
-        </p:spPr>
-        <p:txBody>
-          <a:bodyPr wrap="square" rtlCol="0">
-            <a:spAutoFit/>
-          </a:bodyPr>
-          <a:lstStyle/>
-          <a:p>
-            <a:r>
-              <a:rPr lang="en-US" dirty="0">
-                <a:solidFill>
-                  <a:srgbClr val="00B0F0"/>
-                </a:solidFill>
-              </a:rPr>
-              <a:t>MSC02</a:t>
-            </a:r>
-          </a:p>
-        </p:txBody>
-      </p:sp>
-      <p:pic>
-        <p:nvPicPr>
-          <p:cNvPr id="66" name="Picture 65">
-            <a:extLst>
-              <a:ext uri="{FF2B5EF4-FFF2-40B4-BE49-F238E27FC236}">
-                <a16:creationId xmlns:a16="http://schemas.microsoft.com/office/drawing/2014/main" id="{D9DA12F0-3B8F-1949-B19C-CEEF76C3C5BB}"/>
-              </a:ext>
-            </a:extLst>
-          </p:cNvPr>
-          <p:cNvPicPr>
-            <a:picLocks noChangeAspect="1"/>
-          </p:cNvPicPr>
-          <p:nvPr/>
-        </p:nvPicPr>
-        <p:blipFill rotWithShape="1">
-          <a:blip r:embed="rId3"/>
-          <a:srcRect l="75916" t="-2" r="12672" b="67934"/>
-          <a:stretch/>
-        </p:blipFill>
-        <p:spPr>
-          <a:xfrm>
-            <a:off x="5877422" y="1357093"/>
-            <a:ext cx="785890" cy="1737359"/>
-          </a:xfrm>
-          <a:prstGeom prst="rect">
-            <a:avLst/>
-          </a:prstGeom>
-        </p:spPr>
-      </p:pic>
-      <p:pic>
-        <p:nvPicPr>
-          <p:cNvPr id="72" name="Picture 71">
-            <a:extLst>
-              <a:ext uri="{FF2B5EF4-FFF2-40B4-BE49-F238E27FC236}">
-                <a16:creationId xmlns:a16="http://schemas.microsoft.com/office/drawing/2014/main" id="{60A59F33-2A12-2746-9DD5-704A8BA36731}"/>
-              </a:ext>
-            </a:extLst>
-          </p:cNvPr>
-          <p:cNvPicPr>
-            <a:picLocks noChangeAspect="1"/>
-          </p:cNvPicPr>
-          <p:nvPr/>
-        </p:nvPicPr>
-        <p:blipFill rotWithShape="1">
-          <a:blip r:embed="rId3"/>
-          <a:srcRect t="30185" r="49984" b="29388"/>
-          <a:stretch/>
-        </p:blipFill>
-        <p:spPr>
-          <a:xfrm>
-            <a:off x="1115600" y="6817691"/>
-            <a:ext cx="3359742" cy="2140127"/>
-          </a:xfrm>
-          <a:prstGeom prst="rect">
-            <a:avLst/>
-          </a:prstGeom>
-        </p:spPr>
-      </p:pic>
-      <p:sp>
-        <p:nvSpPr>
-          <p:cNvPr id="73" name="TextBox 72">
-            <a:extLst>
-              <a:ext uri="{FF2B5EF4-FFF2-40B4-BE49-F238E27FC236}">
-                <a16:creationId xmlns:a16="http://schemas.microsoft.com/office/drawing/2014/main" id="{4C7C1EE5-8C21-A149-AEA8-AE0F252D5DFD}"/>
-              </a:ext>
-            </a:extLst>
-          </p:cNvPr>
-          <p:cNvSpPr txBox="1"/>
-          <p:nvPr/>
-        </p:nvSpPr>
-        <p:spPr>
-          <a:xfrm>
-            <a:off x="382997" y="7225878"/>
-            <a:ext cx="804047" cy="338554"/>
-          </a:xfrm>
-          <a:prstGeom prst="rect">
-            <a:avLst/>
-          </a:prstGeom>
-          <a:noFill/>
-        </p:spPr>
-        <p:txBody>
-          <a:bodyPr wrap="square" rtlCol="0">
-            <a:spAutoFit/>
-          </a:bodyPr>
-          <a:lstStyle/>
-          <a:p>
-            <a:pPr algn="r"/>
-            <a:r>
-              <a:rPr lang="en-US" sz="1600" dirty="0">
-                <a:solidFill>
-                  <a:srgbClr val="00B050"/>
-                </a:solidFill>
-              </a:rPr>
-              <a:t>Motor</a:t>
-            </a:r>
-          </a:p>
-        </p:txBody>
-      </p:sp>
-      <p:sp>
-        <p:nvSpPr>
-          <p:cNvPr id="74" name="TextBox 73">
-            <a:extLst>
-              <a:ext uri="{FF2B5EF4-FFF2-40B4-BE49-F238E27FC236}">
-                <a16:creationId xmlns:a16="http://schemas.microsoft.com/office/drawing/2014/main" id="{BB8F45C8-29E8-E446-B8B5-E4F1C8641345}"/>
-              </a:ext>
-            </a:extLst>
-          </p:cNvPr>
-          <p:cNvSpPr txBox="1"/>
-          <p:nvPr/>
-        </p:nvSpPr>
-        <p:spPr>
-          <a:xfrm>
-            <a:off x="447938" y="8135292"/>
-            <a:ext cx="739098" cy="338554"/>
-          </a:xfrm>
-          <a:prstGeom prst="rect">
-            <a:avLst/>
-          </a:prstGeom>
-          <a:noFill/>
-        </p:spPr>
-        <p:txBody>
-          <a:bodyPr wrap="square" rtlCol="0">
-            <a:spAutoFit/>
-          </a:bodyPr>
-          <a:lstStyle/>
-          <a:p>
-            <a:pPr algn="r"/>
-            <a:r>
-              <a:rPr lang="en-US" sz="1600" dirty="0"/>
-              <a:t>Rest</a:t>
-            </a:r>
-          </a:p>
-        </p:txBody>
-      </p:sp>
-      <p:sp>
-        <p:nvSpPr>
-          <p:cNvPr id="76" name="TextBox 75">
-            <a:extLst>
-              <a:ext uri="{FF2B5EF4-FFF2-40B4-BE49-F238E27FC236}">
-                <a16:creationId xmlns:a16="http://schemas.microsoft.com/office/drawing/2014/main" id="{65FB9F2F-9888-BB42-AD21-427702718A06}"/>
-              </a:ext>
-            </a:extLst>
-          </p:cNvPr>
-          <p:cNvSpPr txBox="1"/>
-          <p:nvPr/>
-        </p:nvSpPr>
-        <p:spPr>
-          <a:xfrm>
-            <a:off x="1177039" y="8692954"/>
-            <a:ext cx="704610" cy="246221"/>
-          </a:xfrm>
-          <a:prstGeom prst="rect">
-            <a:avLst/>
-          </a:prstGeom>
-          <a:noFill/>
-        </p:spPr>
-        <p:txBody>
-          <a:bodyPr wrap="square" rtlCol="0">
-            <a:spAutoFit/>
-          </a:bodyPr>
-          <a:lstStyle/>
-          <a:p>
-            <a:r>
-              <a:rPr lang="en-US" sz="1000" dirty="0"/>
-              <a:t>Session 1</a:t>
-            </a:r>
-          </a:p>
-        </p:txBody>
-      </p:sp>
-      <p:sp>
-        <p:nvSpPr>
-          <p:cNvPr id="77" name="TextBox 76">
-            <a:extLst>
-              <a:ext uri="{FF2B5EF4-FFF2-40B4-BE49-F238E27FC236}">
-                <a16:creationId xmlns:a16="http://schemas.microsoft.com/office/drawing/2014/main" id="{7C03CDB6-4F53-9040-B4E0-7AFB21FE1684}"/>
-              </a:ext>
-            </a:extLst>
-          </p:cNvPr>
-          <p:cNvSpPr txBox="1"/>
-          <p:nvPr/>
-        </p:nvSpPr>
-        <p:spPr>
-          <a:xfrm>
-            <a:off x="2069455" y="8692955"/>
-            <a:ext cx="747048" cy="246221"/>
-          </a:xfrm>
-          <a:prstGeom prst="rect">
-            <a:avLst/>
-          </a:prstGeom>
-          <a:noFill/>
-        </p:spPr>
-        <p:txBody>
-          <a:bodyPr wrap="square" rtlCol="0">
-            <a:spAutoFit/>
-          </a:bodyPr>
-          <a:lstStyle/>
-          <a:p>
-            <a:r>
-              <a:rPr lang="en-US" sz="1000" dirty="0"/>
-              <a:t>Session 2</a:t>
-            </a:r>
-          </a:p>
-        </p:txBody>
-      </p:sp>
-      <p:sp>
-        <p:nvSpPr>
-          <p:cNvPr id="78" name="TextBox 77">
-            <a:extLst>
-              <a:ext uri="{FF2B5EF4-FFF2-40B4-BE49-F238E27FC236}">
-                <a16:creationId xmlns:a16="http://schemas.microsoft.com/office/drawing/2014/main" id="{829E2E5F-4B66-0043-ABE8-257EEDF99E1B}"/>
-              </a:ext>
-            </a:extLst>
-          </p:cNvPr>
-          <p:cNvSpPr txBox="1"/>
-          <p:nvPr/>
-        </p:nvSpPr>
-        <p:spPr>
-          <a:xfrm>
-            <a:off x="2978130" y="8569834"/>
-            <a:ext cx="421536" cy="349968"/>
-          </a:xfrm>
-          <a:prstGeom prst="rect">
-            <a:avLst/>
-          </a:prstGeom>
-          <a:noFill/>
-        </p:spPr>
-        <p:txBody>
-          <a:bodyPr wrap="square" rtlCol="0">
-            <a:spAutoFit/>
-          </a:bodyPr>
-          <a:lstStyle/>
-          <a:p>
-            <a:pPr algn="ctr"/>
-            <a:r>
-              <a:rPr lang="en-US" dirty="0"/>
-              <a:t>.…</a:t>
-            </a:r>
-          </a:p>
-        </p:txBody>
-      </p:sp>
-      <p:sp>
-        <p:nvSpPr>
-          <p:cNvPr id="79" name="TextBox 78">
-            <a:extLst>
-              <a:ext uri="{FF2B5EF4-FFF2-40B4-BE49-F238E27FC236}">
-                <a16:creationId xmlns:a16="http://schemas.microsoft.com/office/drawing/2014/main" id="{F8872E11-6506-EE43-9E95-C1CEB1B0D1D5}"/>
-              </a:ext>
-            </a:extLst>
-          </p:cNvPr>
-          <p:cNvSpPr txBox="1"/>
-          <p:nvPr/>
-        </p:nvSpPr>
-        <p:spPr>
-          <a:xfrm>
-            <a:off x="3745694" y="8692955"/>
-            <a:ext cx="805310" cy="246221"/>
-          </a:xfrm>
-          <a:prstGeom prst="rect">
-            <a:avLst/>
-          </a:prstGeom>
-          <a:noFill/>
-        </p:spPr>
-        <p:txBody>
-          <a:bodyPr wrap="square" rtlCol="0">
-            <a:spAutoFit/>
-          </a:bodyPr>
-          <a:lstStyle/>
-          <a:p>
-            <a:r>
-              <a:rPr lang="en-US" sz="1000" dirty="0"/>
-              <a:t>Session 9</a:t>
-            </a:r>
-          </a:p>
-        </p:txBody>
-      </p:sp>
-      <p:sp>
-        <p:nvSpPr>
-          <p:cNvPr id="80" name="Rectangle 79">
-            <a:extLst>
-              <a:ext uri="{FF2B5EF4-FFF2-40B4-BE49-F238E27FC236}">
-                <a16:creationId xmlns:a16="http://schemas.microsoft.com/office/drawing/2014/main" id="{BF7B54BC-395F-8B4F-AC57-CE13C748FBF2}"/>
+          <p:cNvPr id="83" name="Rectangle 82">
+            <a:extLst>
+              <a:ext uri="{FF2B5EF4-FFF2-40B4-BE49-F238E27FC236}">
+                <a16:creationId xmlns:a16="http://schemas.microsoft.com/office/drawing/2014/main" id="{811DF2AC-05C2-D442-B108-7C9CEACDE59D}"/>
               </a:ext>
             </a:extLst>
           </p:cNvPr>
@@ -16897,8 +16954,8 @@
         </p:nvSpPr>
         <p:spPr>
           <a:xfrm>
-            <a:off x="444122" y="6667973"/>
-            <a:ext cx="4019927" cy="2325360"/>
+            <a:off x="4606607" y="6667973"/>
+            <a:ext cx="2213582" cy="2325360"/>
           </a:xfrm>
           <a:prstGeom prst="rect">
             <a:avLst/>
@@ -16937,10 +16994,184 @@
       </p:sp>
       <p:sp>
         <p:nvSpPr>
-          <p:cNvPr id="83" name="Rectangle 82">
-            <a:extLst>
-              <a:ext uri="{FF2B5EF4-FFF2-40B4-BE49-F238E27FC236}">
-                <a16:creationId xmlns:a16="http://schemas.microsoft.com/office/drawing/2014/main" id="{811DF2AC-05C2-D442-B108-7C9CEACDE59D}"/>
+          <p:cNvPr id="87" name="TextBox 86">
+            <a:extLst>
+              <a:ext uri="{FF2B5EF4-FFF2-40B4-BE49-F238E27FC236}">
+                <a16:creationId xmlns:a16="http://schemas.microsoft.com/office/drawing/2014/main" id="{FABFD1EB-45A5-6C4B-96A7-6A05D6CFD5B7}"/>
+              </a:ext>
+            </a:extLst>
+          </p:cNvPr>
+          <p:cNvSpPr txBox="1"/>
+          <p:nvPr/>
+        </p:nvSpPr>
+        <p:spPr>
+          <a:xfrm>
+            <a:off x="5840391" y="6716490"/>
+            <a:ext cx="1000741" cy="349968"/>
+          </a:xfrm>
+          <a:prstGeom prst="rect">
+            <a:avLst/>
+          </a:prstGeom>
+          <a:noFill/>
+        </p:spPr>
+        <p:txBody>
+          <a:bodyPr wrap="square" rtlCol="0">
+            <a:spAutoFit/>
+          </a:bodyPr>
+          <a:lstStyle/>
+          <a:p>
+            <a:r>
+              <a:rPr lang="en-US" dirty="0">
+                <a:solidFill>
+                  <a:srgbClr val="00B0F0"/>
+                </a:solidFill>
+              </a:rPr>
+              <a:t>MSC02</a:t>
+            </a:r>
+          </a:p>
+        </p:txBody>
+      </p:sp>
+      <p:pic>
+        <p:nvPicPr>
+          <p:cNvPr id="88" name="Picture 87">
+            <a:extLst>
+              <a:ext uri="{FF2B5EF4-FFF2-40B4-BE49-F238E27FC236}">
+                <a16:creationId xmlns:a16="http://schemas.microsoft.com/office/drawing/2014/main" id="{EE5E8CA4-C83B-F543-AEE2-3B96F7D5314C}"/>
+              </a:ext>
+            </a:extLst>
+          </p:cNvPr>
+          <p:cNvPicPr>
+            <a:picLocks noChangeAspect="1"/>
+          </p:cNvPicPr>
+          <p:nvPr/>
+        </p:nvPicPr>
+        <p:blipFill rotWithShape="1">
+          <a:blip r:embed="rId3"/>
+          <a:srcRect l="75916" t="-2" r="12672" b="67934"/>
+          <a:stretch/>
+        </p:blipFill>
+        <p:spPr>
+          <a:xfrm>
+            <a:off x="5873653" y="7013725"/>
+            <a:ext cx="785890" cy="1737359"/>
+          </a:xfrm>
+          <a:prstGeom prst="rect">
+            <a:avLst/>
+          </a:prstGeom>
+        </p:spPr>
+      </p:pic>
+      <p:sp>
+        <p:nvSpPr>
+          <p:cNvPr id="146" name="TextBox 145">
+            <a:extLst>
+              <a:ext uri="{FF2B5EF4-FFF2-40B4-BE49-F238E27FC236}">
+                <a16:creationId xmlns:a16="http://schemas.microsoft.com/office/drawing/2014/main" id="{B395A729-FD21-FC4F-A3A8-93DC6921329B}"/>
+              </a:ext>
+            </a:extLst>
+          </p:cNvPr>
+          <p:cNvSpPr txBox="1"/>
+          <p:nvPr/>
+        </p:nvSpPr>
+        <p:spPr>
+          <a:xfrm>
+            <a:off x="106358" y="810258"/>
+            <a:ext cx="336952" cy="461665"/>
+          </a:xfrm>
+          <a:prstGeom prst="rect">
+            <a:avLst/>
+          </a:prstGeom>
+          <a:noFill/>
+        </p:spPr>
+        <p:txBody>
+          <a:bodyPr wrap="none" rtlCol="0">
+            <a:spAutoFit/>
+          </a:bodyPr>
+          <a:lstStyle/>
+          <a:p>
+            <a:r>
+              <a:rPr lang="en-US" sz="2400" b="1" dirty="0"/>
+              <a:t>a</a:t>
+            </a:r>
+          </a:p>
+        </p:txBody>
+      </p:sp>
+      <p:sp>
+        <p:nvSpPr>
+          <p:cNvPr id="147" name="TextBox 146">
+            <a:extLst>
+              <a:ext uri="{FF2B5EF4-FFF2-40B4-BE49-F238E27FC236}">
+                <a16:creationId xmlns:a16="http://schemas.microsoft.com/office/drawing/2014/main" id="{FE3D4AD7-48BC-F342-BDC0-C4236B805C97}"/>
+              </a:ext>
+            </a:extLst>
+          </p:cNvPr>
+          <p:cNvSpPr txBox="1"/>
+          <p:nvPr/>
+        </p:nvSpPr>
+        <p:spPr>
+          <a:xfrm>
+            <a:off x="130405" y="6530816"/>
+            <a:ext cx="312906" cy="461665"/>
+          </a:xfrm>
+          <a:prstGeom prst="rect">
+            <a:avLst/>
+          </a:prstGeom>
+          <a:noFill/>
+        </p:spPr>
+        <p:txBody>
+          <a:bodyPr wrap="none" rtlCol="0">
+            <a:spAutoFit/>
+          </a:bodyPr>
+          <a:lstStyle/>
+          <a:p>
+            <a:r>
+              <a:rPr lang="en-US" sz="2400" b="1" dirty="0"/>
+              <a:t>c</a:t>
+            </a:r>
+          </a:p>
+        </p:txBody>
+      </p:sp>
+      <p:sp>
+        <p:nvSpPr>
+          <p:cNvPr id="109" name="TextBox 108">
+            <a:extLst>
+              <a:ext uri="{FF2B5EF4-FFF2-40B4-BE49-F238E27FC236}">
+                <a16:creationId xmlns:a16="http://schemas.microsoft.com/office/drawing/2014/main" id="{EC31F65D-B58F-D447-A391-2B4223B4DD94}"/>
+              </a:ext>
+            </a:extLst>
+          </p:cNvPr>
+          <p:cNvSpPr txBox="1"/>
+          <p:nvPr/>
+        </p:nvSpPr>
+        <p:spPr>
+          <a:xfrm>
+            <a:off x="907237" y="5879413"/>
+            <a:ext cx="717272" cy="338554"/>
+          </a:xfrm>
+          <a:prstGeom prst="rect">
+            <a:avLst/>
+          </a:prstGeom>
+          <a:noFill/>
+        </p:spPr>
+        <p:txBody>
+          <a:bodyPr wrap="square" rtlCol="0">
+            <a:spAutoFit/>
+          </a:bodyPr>
+          <a:lstStyle/>
+          <a:p>
+            <a:pPr algn="r"/>
+            <a:r>
+              <a:rPr lang="en-US" sz="1600" dirty="0"/>
+              <a:t>Rest</a:t>
+            </a:r>
+          </a:p>
+        </p:txBody>
+      </p:sp>
+      <p:sp>
+        <p:nvSpPr>
+          <p:cNvPr id="156" name="Rectangle 155">
+            <a:extLst>
+              <a:ext uri="{FF2B5EF4-FFF2-40B4-BE49-F238E27FC236}">
+                <a16:creationId xmlns:a16="http://schemas.microsoft.com/office/drawing/2014/main" id="{82E5084F-DF30-FE43-A95B-63616D090977}"/>
               </a:ext>
             </a:extLst>
           </p:cNvPr>
@@ -16949,8 +17180,8 @@
         </p:nvSpPr>
         <p:spPr>
           <a:xfrm>
-            <a:off x="4606607" y="6667973"/>
-            <a:ext cx="2213582" cy="2325360"/>
+            <a:off x="4606608" y="3491075"/>
+            <a:ext cx="2212848" cy="3039741"/>
           </a:xfrm>
           <a:prstGeom prst="rect">
             <a:avLst/>
@@ -16987,41 +17218,12 @@
           </a:p>
         </p:txBody>
       </p:sp>
-      <p:pic>
-        <p:nvPicPr>
-          <p:cNvPr id="91" name="Picture 90">
-            <a:extLst>
-              <a:ext uri="{FF2B5EF4-FFF2-40B4-BE49-F238E27FC236}">
-                <a16:creationId xmlns:a16="http://schemas.microsoft.com/office/drawing/2014/main" id="{5426C38C-6F87-064B-A4F7-B5C6E7C12BB3}"/>
-              </a:ext>
-            </a:extLst>
-          </p:cNvPr>
-          <p:cNvPicPr>
-            <a:picLocks noChangeAspect="1"/>
-          </p:cNvPicPr>
-          <p:nvPr/>
-        </p:nvPicPr>
-        <p:blipFill rotWithShape="1">
-          <a:blip r:embed="rId3"/>
-          <a:srcRect l="74431" t="-2" r="12089" b="64747"/>
-          <a:stretch/>
-        </p:blipFill>
-        <p:spPr>
-          <a:xfrm>
-            <a:off x="4800192" y="6998150"/>
-            <a:ext cx="927648" cy="1908619"/>
-          </a:xfrm>
-          <a:prstGeom prst="rect">
-            <a:avLst/>
-          </a:prstGeom>
-        </p:spPr>
-      </p:pic>
-      <p:sp>
-        <p:nvSpPr>
-          <p:cNvPr id="92" name="TextBox 91">
-            <a:extLst>
-              <a:ext uri="{FF2B5EF4-FFF2-40B4-BE49-F238E27FC236}">
-                <a16:creationId xmlns:a16="http://schemas.microsoft.com/office/drawing/2014/main" id="{DFF33AB6-9393-FF4D-A5CA-5D252732B23D}"/>
+      <p:sp>
+        <p:nvSpPr>
+          <p:cNvPr id="175" name="TextBox 174">
+            <a:extLst>
+              <a:ext uri="{FF2B5EF4-FFF2-40B4-BE49-F238E27FC236}">
+                <a16:creationId xmlns:a16="http://schemas.microsoft.com/office/drawing/2014/main" id="{666EAE55-CBC9-AB4E-A38E-27A394C542F9}"/>
               </a:ext>
             </a:extLst>
           </p:cNvPr>
@@ -17030,8 +17232,8 @@
         </p:nvSpPr>
         <p:spPr>
           <a:xfrm>
-            <a:off x="4941793" y="8692954"/>
-            <a:ext cx="783761" cy="246221"/>
+            <a:off x="93535" y="3371253"/>
+            <a:ext cx="349776" cy="461665"/>
           </a:xfrm>
           <a:prstGeom prst="rect">
             <a:avLst/>
@@ -17039,77 +17241,60 @@
           <a:noFill/>
         </p:spPr>
         <p:txBody>
-          <a:bodyPr wrap="square" rtlCol="0">
+          <a:bodyPr wrap="none" rtlCol="0">
             <a:spAutoFit/>
           </a:bodyPr>
           <a:lstStyle/>
           <a:p>
             <a:r>
-              <a:rPr lang="en-US" sz="1000" dirty="0"/>
-              <a:t>Session 10</a:t>
-            </a:r>
-          </a:p>
-        </p:txBody>
-      </p:sp>
-      <p:sp>
-        <p:nvSpPr>
-          <p:cNvPr id="90" name="Rectangle 89">
-            <a:extLst>
-              <a:ext uri="{FF2B5EF4-FFF2-40B4-BE49-F238E27FC236}">
-                <a16:creationId xmlns:a16="http://schemas.microsoft.com/office/drawing/2014/main" id="{3A5DCAD8-01E7-6B4E-A8CF-3F4AD2F26E27}"/>
-              </a:ext>
-            </a:extLst>
-          </p:cNvPr>
-          <p:cNvSpPr/>
-          <p:nvPr/>
-        </p:nvSpPr>
-        <p:spPr>
-          <a:xfrm>
-            <a:off x="4840324" y="6720627"/>
-            <a:ext cx="900284" cy="2198813"/>
+              <a:rPr lang="en-US" sz="2400" b="1" dirty="0"/>
+              <a:t>b</a:t>
+            </a:r>
+          </a:p>
+        </p:txBody>
+      </p:sp>
+      <p:sp>
+        <p:nvSpPr>
+          <p:cNvPr id="180" name="TextBox 179">
+            <a:extLst>
+              <a:ext uri="{FF2B5EF4-FFF2-40B4-BE49-F238E27FC236}">
+                <a16:creationId xmlns:a16="http://schemas.microsoft.com/office/drawing/2014/main" id="{862A1B86-B76E-974C-AF13-9E9222036408}"/>
+              </a:ext>
+            </a:extLst>
+          </p:cNvPr>
+          <p:cNvSpPr txBox="1"/>
+          <p:nvPr/>
+        </p:nvSpPr>
+        <p:spPr>
+          <a:xfrm>
+            <a:off x="665240" y="3850978"/>
+            <a:ext cx="959270" cy="338554"/>
           </a:xfrm>
           <a:prstGeom prst="rect">
             <a:avLst/>
           </a:prstGeom>
           <a:noFill/>
-          <a:ln w="28575">
-            <a:solidFill>
-              <a:srgbClr val="FF0000"/>
-            </a:solidFill>
-            <a:prstDash val="lgDash"/>
-          </a:ln>
-        </p:spPr>
-        <p:style>
-          <a:lnRef idx="2">
-            <a:schemeClr val="accent1">
-              <a:shade val="50000"/>
-            </a:schemeClr>
-          </a:lnRef>
-          <a:fillRef idx="1">
-            <a:schemeClr val="accent1"/>
-          </a:fillRef>
-          <a:effectRef idx="0">
-            <a:schemeClr val="accent1"/>
-          </a:effectRef>
-          <a:fontRef idx="minor">
-            <a:schemeClr val="lt1"/>
-          </a:fontRef>
-        </p:style>
-        <p:txBody>
-          <a:bodyPr rtlCol="0" anchor="ctr"/>
-          <a:lstStyle/>
-          <a:p>
-            <a:pPr algn="ctr"/>
-            <a:endParaRPr lang="en-US" sz="1350"/>
-          </a:p>
-        </p:txBody>
-      </p:sp>
-      <p:sp>
-        <p:nvSpPr>
-          <p:cNvPr id="87" name="TextBox 86">
-            <a:extLst>
-              <a:ext uri="{FF2B5EF4-FFF2-40B4-BE49-F238E27FC236}">
-                <a16:creationId xmlns:a16="http://schemas.microsoft.com/office/drawing/2014/main" id="{FABFD1EB-45A5-6C4B-96A7-6A05D6CFD5B7}"/>
+        </p:spPr>
+        <p:txBody>
+          <a:bodyPr wrap="square" rtlCol="0">
+            <a:spAutoFit/>
+          </a:bodyPr>
+          <a:lstStyle/>
+          <a:p>
+            <a:pPr algn="r"/>
+            <a:r>
+              <a:rPr lang="en-US" sz="1600" dirty="0"/>
+              <a:t>Semantic</a:t>
+            </a:r>
+          </a:p>
+        </p:txBody>
+      </p:sp>
+      <p:sp>
+        <p:nvSpPr>
+          <p:cNvPr id="181" name="TextBox 180">
+            <a:extLst>
+              <a:ext uri="{FF2B5EF4-FFF2-40B4-BE49-F238E27FC236}">
+                <a16:creationId xmlns:a16="http://schemas.microsoft.com/office/drawing/2014/main" id="{129D0F50-30E8-6947-B97B-4810C3C1426C}"/>
               </a:ext>
             </a:extLst>
           </p:cNvPr>
@@ -17118,8 +17303,8 @@
         </p:nvSpPr>
         <p:spPr>
           <a:xfrm>
-            <a:off x="5840391" y="6716490"/>
-            <a:ext cx="1000741" cy="349968"/>
+            <a:off x="421291" y="4327317"/>
+            <a:ext cx="1203227" cy="338554"/>
           </a:xfrm>
           <a:prstGeom prst="rect">
             <a:avLst/>
@@ -17132,52 +17317,20 @@
           </a:bodyPr>
           <a:lstStyle/>
           <a:p>
-            <a:r>
-              <a:rPr lang="en-US" dirty="0">
-                <a:solidFill>
-                  <a:srgbClr val="00B0F0"/>
-                </a:solidFill>
-              </a:rPr>
-              <a:t>MSC02</a:t>
-            </a:r>
-          </a:p>
-        </p:txBody>
-      </p:sp>
-      <p:pic>
-        <p:nvPicPr>
-          <p:cNvPr id="88" name="Picture 87">
-            <a:extLst>
-              <a:ext uri="{FF2B5EF4-FFF2-40B4-BE49-F238E27FC236}">
-                <a16:creationId xmlns:a16="http://schemas.microsoft.com/office/drawing/2014/main" id="{EE5E8CA4-C83B-F543-AEE2-3B96F7D5314C}"/>
-              </a:ext>
-            </a:extLst>
-          </p:cNvPr>
-          <p:cNvPicPr>
-            <a:picLocks noChangeAspect="1"/>
-          </p:cNvPicPr>
-          <p:nvPr/>
-        </p:nvPicPr>
-        <p:blipFill rotWithShape="1">
-          <a:blip r:embed="rId3"/>
-          <a:srcRect l="75916" t="-2" r="12672" b="67934"/>
-          <a:stretch/>
-        </p:blipFill>
-        <p:spPr>
-          <a:xfrm>
-            <a:off x="5873653" y="7013725"/>
-            <a:ext cx="785890" cy="1737359"/>
-          </a:xfrm>
-          <a:prstGeom prst="rect">
-            <a:avLst/>
-          </a:prstGeom>
-        </p:spPr>
-      </p:pic>
-      <p:sp>
-        <p:nvSpPr>
-          <p:cNvPr id="146" name="TextBox 145">
-            <a:extLst>
-              <a:ext uri="{FF2B5EF4-FFF2-40B4-BE49-F238E27FC236}">
-                <a16:creationId xmlns:a16="http://schemas.microsoft.com/office/drawing/2014/main" id="{B395A729-FD21-FC4F-A3A8-93DC6921329B}"/>
+            <a:pPr algn="r"/>
+            <a:r>
+              <a:rPr lang="en-US" sz="1600" dirty="0"/>
+              <a:t>Coherence</a:t>
+            </a:r>
+          </a:p>
+        </p:txBody>
+      </p:sp>
+      <p:sp>
+        <p:nvSpPr>
+          <p:cNvPr id="182" name="TextBox 181">
+            <a:extLst>
+              <a:ext uri="{FF2B5EF4-FFF2-40B4-BE49-F238E27FC236}">
+                <a16:creationId xmlns:a16="http://schemas.microsoft.com/office/drawing/2014/main" id="{3E126B5B-C761-2A48-9A2E-E3B72ECA7CFA}"/>
               </a:ext>
             </a:extLst>
           </p:cNvPr>
@@ -17186,8 +17339,8 @@
         </p:nvSpPr>
         <p:spPr>
           <a:xfrm>
-            <a:off x="106358" y="810258"/>
-            <a:ext cx="336952" cy="461665"/>
+            <a:off x="667951" y="5373012"/>
+            <a:ext cx="956558" cy="338554"/>
           </a:xfrm>
           <a:prstGeom prst="rect">
             <a:avLst/>
@@ -17195,24 +17348,25 @@
           <a:noFill/>
         </p:spPr>
         <p:txBody>
-          <a:bodyPr wrap="none" rtlCol="0">
+          <a:bodyPr wrap="square" rtlCol="0">
             <a:spAutoFit/>
           </a:bodyPr>
           <a:lstStyle/>
           <a:p>
-            <a:r>
-              <a:rPr lang="en-US" sz="2400" b="1" dirty="0"/>
-              <a:t>a</a:t>
-            </a:r>
-          </a:p>
-        </p:txBody>
-      </p:sp>
-      <p:sp>
-        <p:nvSpPr>
-          <p:cNvPr id="147" name="TextBox 146">
-            <a:extLst>
-              <a:ext uri="{FF2B5EF4-FFF2-40B4-BE49-F238E27FC236}">
-                <a16:creationId xmlns:a16="http://schemas.microsoft.com/office/drawing/2014/main" id="{FE3D4AD7-48BC-F342-BDC0-C4236B805C97}"/>
+            <a:pPr algn="r"/>
+            <a:r>
+              <a:rPr lang="en-US" sz="1600" dirty="0"/>
+              <a:t>Memory</a:t>
+            </a:r>
+          </a:p>
+        </p:txBody>
+      </p:sp>
+      <p:sp>
+        <p:nvSpPr>
+          <p:cNvPr id="183" name="TextBox 182">
+            <a:extLst>
+              <a:ext uri="{FF2B5EF4-FFF2-40B4-BE49-F238E27FC236}">
+                <a16:creationId xmlns:a16="http://schemas.microsoft.com/office/drawing/2014/main" id="{16583687-521D-2440-B9C4-10D9CA7F4348}"/>
               </a:ext>
             </a:extLst>
           </p:cNvPr>
@@ -17221,8 +17375,8 @@
         </p:nvSpPr>
         <p:spPr>
           <a:xfrm>
-            <a:off x="130405" y="6530816"/>
-            <a:ext cx="312906" cy="461665"/>
+            <a:off x="844207" y="4882760"/>
+            <a:ext cx="780302" cy="338554"/>
           </a:xfrm>
           <a:prstGeom prst="rect">
             <a:avLst/>
@@ -17230,41 +17384,6 @@
           <a:noFill/>
         </p:spPr>
         <p:txBody>
-          <a:bodyPr wrap="none" rtlCol="0">
-            <a:spAutoFit/>
-          </a:bodyPr>
-          <a:lstStyle/>
-          <a:p>
-            <a:r>
-              <a:rPr lang="en-US" sz="2400" b="1" dirty="0"/>
-              <a:t>c</a:t>
-            </a:r>
-          </a:p>
-        </p:txBody>
-      </p:sp>
-      <p:sp>
-        <p:nvSpPr>
-          <p:cNvPr id="109" name="TextBox 108">
-            <a:extLst>
-              <a:ext uri="{FF2B5EF4-FFF2-40B4-BE49-F238E27FC236}">
-                <a16:creationId xmlns:a16="http://schemas.microsoft.com/office/drawing/2014/main" id="{EC31F65D-B58F-D447-A391-2B4223B4DD94}"/>
-              </a:ext>
-            </a:extLst>
-          </p:cNvPr>
-          <p:cNvSpPr txBox="1"/>
-          <p:nvPr/>
-        </p:nvSpPr>
-        <p:spPr>
-          <a:xfrm>
-            <a:off x="907237" y="5879413"/>
-            <a:ext cx="717272" cy="338554"/>
-          </a:xfrm>
-          <a:prstGeom prst="rect">
-            <a:avLst/>
-          </a:prstGeom>
-          <a:noFill/>
-        </p:spPr>
-        <p:txBody>
           <a:bodyPr wrap="square" rtlCol="0">
             <a:spAutoFit/>
           </a:bodyPr>
@@ -17273,327 +17392,8 @@
             <a:pPr algn="r"/>
             <a:r>
               <a:rPr lang="en-US" sz="1600" dirty="0"/>
-              <a:t>Rest</a:t>
-            </a:r>
-          </a:p>
-        </p:txBody>
-      </p:sp>
-      <p:sp>
-        <p:nvSpPr>
-          <p:cNvPr id="156" name="Rectangle 155">
-            <a:extLst>
-              <a:ext uri="{FF2B5EF4-FFF2-40B4-BE49-F238E27FC236}">
-                <a16:creationId xmlns:a16="http://schemas.microsoft.com/office/drawing/2014/main" id="{82E5084F-DF30-FE43-A95B-63616D090977}"/>
-              </a:ext>
-            </a:extLst>
-          </p:cNvPr>
-          <p:cNvSpPr/>
-          <p:nvPr/>
-        </p:nvSpPr>
-        <p:spPr>
-          <a:xfrm>
-            <a:off x="4606608" y="3491075"/>
-            <a:ext cx="2212848" cy="3039741"/>
-          </a:xfrm>
-          <a:prstGeom prst="rect">
-            <a:avLst/>
-          </a:prstGeom>
-          <a:noFill/>
-          <a:ln w="28575">
-            <a:solidFill>
-              <a:schemeClr val="tx1"/>
-            </a:solidFill>
-          </a:ln>
-        </p:spPr>
-        <p:style>
-          <a:lnRef idx="2">
-            <a:schemeClr val="accent1">
-              <a:shade val="50000"/>
-            </a:schemeClr>
-          </a:lnRef>
-          <a:fillRef idx="1">
-            <a:schemeClr val="accent1"/>
-          </a:fillRef>
-          <a:effectRef idx="0">
-            <a:schemeClr val="accent1"/>
-          </a:effectRef>
-          <a:fontRef idx="minor">
-            <a:schemeClr val="lt1"/>
-          </a:fontRef>
-        </p:style>
-        <p:txBody>
-          <a:bodyPr rtlCol="0" anchor="ctr"/>
-          <a:lstStyle/>
-          <a:p>
-            <a:pPr algn="ctr"/>
-            <a:endParaRPr lang="en-US" sz="1350"/>
-          </a:p>
-        </p:txBody>
-      </p:sp>
-      <p:sp>
-        <p:nvSpPr>
-          <p:cNvPr id="175" name="TextBox 174">
-            <a:extLst>
-              <a:ext uri="{FF2B5EF4-FFF2-40B4-BE49-F238E27FC236}">
-                <a16:creationId xmlns:a16="http://schemas.microsoft.com/office/drawing/2014/main" id="{666EAE55-CBC9-AB4E-A38E-27A394C542F9}"/>
-              </a:ext>
-            </a:extLst>
-          </p:cNvPr>
-          <p:cNvSpPr txBox="1"/>
-          <p:nvPr/>
-        </p:nvSpPr>
-        <p:spPr>
-          <a:xfrm>
-            <a:off x="93535" y="3371253"/>
-            <a:ext cx="349776" cy="461665"/>
-          </a:xfrm>
-          <a:prstGeom prst="rect">
-            <a:avLst/>
-          </a:prstGeom>
-          <a:noFill/>
-        </p:spPr>
-        <p:txBody>
-          <a:bodyPr wrap="none" rtlCol="0">
-            <a:spAutoFit/>
-          </a:bodyPr>
-          <a:lstStyle/>
-          <a:p>
-            <a:r>
-              <a:rPr lang="en-US" sz="2400" b="1" dirty="0"/>
-              <a:t>b</a:t>
-            </a:r>
-          </a:p>
-        </p:txBody>
-      </p:sp>
-      <p:sp>
-        <p:nvSpPr>
-          <p:cNvPr id="180" name="TextBox 179">
-            <a:extLst>
-              <a:ext uri="{FF2B5EF4-FFF2-40B4-BE49-F238E27FC236}">
-                <a16:creationId xmlns:a16="http://schemas.microsoft.com/office/drawing/2014/main" id="{862A1B86-B76E-974C-AF13-9E9222036408}"/>
-              </a:ext>
-            </a:extLst>
-          </p:cNvPr>
-          <p:cNvSpPr txBox="1"/>
-          <p:nvPr/>
-        </p:nvSpPr>
-        <p:spPr>
-          <a:xfrm>
-            <a:off x="665240" y="3850978"/>
-            <a:ext cx="959270" cy="338554"/>
-          </a:xfrm>
-          <a:prstGeom prst="rect">
-            <a:avLst/>
-          </a:prstGeom>
-          <a:noFill/>
-        </p:spPr>
-        <p:txBody>
-          <a:bodyPr wrap="square" rtlCol="0">
-            <a:spAutoFit/>
-          </a:bodyPr>
-          <a:lstStyle/>
-          <a:p>
-            <a:pPr algn="r"/>
-            <a:r>
-              <a:rPr lang="en-US" sz="1600" dirty="0"/>
-              <a:t>Semantic</a:t>
-            </a:r>
-          </a:p>
-        </p:txBody>
-      </p:sp>
-      <p:sp>
-        <p:nvSpPr>
-          <p:cNvPr id="181" name="TextBox 180">
-            <a:extLst>
-              <a:ext uri="{FF2B5EF4-FFF2-40B4-BE49-F238E27FC236}">
-                <a16:creationId xmlns:a16="http://schemas.microsoft.com/office/drawing/2014/main" id="{129D0F50-30E8-6947-B97B-4810C3C1426C}"/>
-              </a:ext>
-            </a:extLst>
-          </p:cNvPr>
-          <p:cNvSpPr txBox="1"/>
-          <p:nvPr/>
-        </p:nvSpPr>
-        <p:spPr>
-          <a:xfrm>
-            <a:off x="421291" y="4327317"/>
-            <a:ext cx="1203227" cy="338554"/>
-          </a:xfrm>
-          <a:prstGeom prst="rect">
-            <a:avLst/>
-          </a:prstGeom>
-          <a:noFill/>
-        </p:spPr>
-        <p:txBody>
-          <a:bodyPr wrap="square" rtlCol="0">
-            <a:spAutoFit/>
-          </a:bodyPr>
-          <a:lstStyle/>
-          <a:p>
-            <a:pPr algn="r"/>
-            <a:r>
-              <a:rPr lang="en-US" sz="1600" dirty="0"/>
-              <a:t>Coherence</a:t>
-            </a:r>
-          </a:p>
-        </p:txBody>
-      </p:sp>
-      <p:sp>
-        <p:nvSpPr>
-          <p:cNvPr id="182" name="TextBox 181">
-            <a:extLst>
-              <a:ext uri="{FF2B5EF4-FFF2-40B4-BE49-F238E27FC236}">
-                <a16:creationId xmlns:a16="http://schemas.microsoft.com/office/drawing/2014/main" id="{3E126B5B-C761-2A48-9A2E-E3B72ECA7CFA}"/>
-              </a:ext>
-            </a:extLst>
-          </p:cNvPr>
-          <p:cNvSpPr txBox="1"/>
-          <p:nvPr/>
-        </p:nvSpPr>
-        <p:spPr>
-          <a:xfrm>
-            <a:off x="667951" y="5373012"/>
-            <a:ext cx="956558" cy="338554"/>
-          </a:xfrm>
-          <a:prstGeom prst="rect">
-            <a:avLst/>
-          </a:prstGeom>
-          <a:noFill/>
-        </p:spPr>
-        <p:txBody>
-          <a:bodyPr wrap="square" rtlCol="0">
-            <a:spAutoFit/>
-          </a:bodyPr>
-          <a:lstStyle/>
-          <a:p>
-            <a:pPr algn="r"/>
-            <a:r>
-              <a:rPr lang="en-US" sz="1600" dirty="0"/>
-              <a:t>Memory</a:t>
-            </a:r>
-          </a:p>
-        </p:txBody>
-      </p:sp>
-      <p:sp>
-        <p:nvSpPr>
-          <p:cNvPr id="183" name="TextBox 182">
-            <a:extLst>
-              <a:ext uri="{FF2B5EF4-FFF2-40B4-BE49-F238E27FC236}">
-                <a16:creationId xmlns:a16="http://schemas.microsoft.com/office/drawing/2014/main" id="{16583687-521D-2440-B9C4-10D9CA7F4348}"/>
-              </a:ext>
-            </a:extLst>
-          </p:cNvPr>
-          <p:cNvSpPr txBox="1"/>
-          <p:nvPr/>
-        </p:nvSpPr>
-        <p:spPr>
-          <a:xfrm>
-            <a:off x="844207" y="4882760"/>
-            <a:ext cx="780302" cy="338554"/>
-          </a:xfrm>
-          <a:prstGeom prst="rect">
-            <a:avLst/>
-          </a:prstGeom>
-          <a:noFill/>
-        </p:spPr>
-        <p:txBody>
-          <a:bodyPr wrap="square" rtlCol="0">
-            <a:spAutoFit/>
-          </a:bodyPr>
-          <a:lstStyle/>
-          <a:p>
-            <a:pPr algn="r"/>
-            <a:r>
-              <a:rPr lang="en-US" sz="1600" dirty="0"/>
               <a:t>Motor</a:t>
             </a:r>
-          </a:p>
-        </p:txBody>
-      </p:sp>
-      <p:sp>
-        <p:nvSpPr>
-          <p:cNvPr id="103" name="TextBox 102">
-            <a:extLst>
-              <a:ext uri="{FF2B5EF4-FFF2-40B4-BE49-F238E27FC236}">
-                <a16:creationId xmlns:a16="http://schemas.microsoft.com/office/drawing/2014/main" id="{5DDA3A49-6B9F-6D47-A115-355C8AE7D8A2}"/>
-              </a:ext>
-            </a:extLst>
-          </p:cNvPr>
-          <p:cNvSpPr txBox="1"/>
-          <p:nvPr/>
-        </p:nvSpPr>
-        <p:spPr>
-          <a:xfrm>
-            <a:off x="4895168" y="1058761"/>
-            <a:ext cx="928585" cy="349968"/>
-          </a:xfrm>
-          <a:prstGeom prst="rect">
-            <a:avLst/>
-          </a:prstGeom>
-          <a:noFill/>
-        </p:spPr>
-        <p:txBody>
-          <a:bodyPr wrap="square" rtlCol="0">
-            <a:spAutoFit/>
-          </a:bodyPr>
-          <a:lstStyle/>
-          <a:p>
-            <a:r>
-              <a:rPr lang="en-US" dirty="0">
-                <a:solidFill>
-                  <a:srgbClr val="0070C0"/>
-                </a:solidFill>
-              </a:rPr>
-              <a:t>MSC01</a:t>
-            </a:r>
-            <a:endParaRPr lang="en-US" sz="1600" dirty="0">
-              <a:solidFill>
-                <a:srgbClr val="0070C0"/>
-              </a:solidFill>
-            </a:endParaRPr>
-          </a:p>
-        </p:txBody>
-      </p:sp>
-      <p:sp>
-        <p:nvSpPr>
-          <p:cNvPr id="106" name="TextBox 105">
-            <a:extLst>
-              <a:ext uri="{FF2B5EF4-FFF2-40B4-BE49-F238E27FC236}">
-                <a16:creationId xmlns:a16="http://schemas.microsoft.com/office/drawing/2014/main" id="{1C9CD2FF-1D0C-5B4D-9554-FCA7D70B7F23}"/>
-              </a:ext>
-            </a:extLst>
-          </p:cNvPr>
-          <p:cNvSpPr txBox="1"/>
-          <p:nvPr/>
-        </p:nvSpPr>
-        <p:spPr>
-          <a:xfrm>
-            <a:off x="4895080" y="6706342"/>
-            <a:ext cx="915130" cy="349968"/>
-          </a:xfrm>
-          <a:prstGeom prst="rect">
-            <a:avLst/>
-          </a:prstGeom>
-          <a:noFill/>
-        </p:spPr>
-        <p:txBody>
-          <a:bodyPr wrap="square" rtlCol="0">
-            <a:spAutoFit/>
-          </a:bodyPr>
-          <a:lstStyle/>
-          <a:p>
-            <a:r>
-              <a:rPr lang="en-US" dirty="0">
-                <a:solidFill>
-                  <a:srgbClr val="0070C0"/>
-                </a:solidFill>
-              </a:rPr>
-              <a:t>MSC01</a:t>
-            </a:r>
-            <a:endParaRPr lang="en-US" sz="1600" dirty="0">
-              <a:solidFill>
-                <a:srgbClr val="0070C0"/>
-              </a:solidFill>
-            </a:endParaRPr>
           </a:p>
         </p:txBody>
       </p:sp>
@@ -17919,12 +17719,86 @@
           </a:p>
         </p:txBody>
       </p:sp>
+      <p:sp>
+        <p:nvSpPr>
+          <p:cNvPr id="165" name="TextBox 164">
+            <a:extLst>
+              <a:ext uri="{FF2B5EF4-FFF2-40B4-BE49-F238E27FC236}">
+                <a16:creationId xmlns:a16="http://schemas.microsoft.com/office/drawing/2014/main" id="{EEC1E19C-6C19-7444-8E15-AF2D491BAC26}"/>
+              </a:ext>
+            </a:extLst>
+          </p:cNvPr>
+          <p:cNvSpPr txBox="1"/>
+          <p:nvPr/>
+        </p:nvSpPr>
+        <p:spPr>
+          <a:xfrm>
+            <a:off x="4876448" y="6060649"/>
+            <a:ext cx="775138" cy="246221"/>
+          </a:xfrm>
+          <a:prstGeom prst="rect">
+            <a:avLst/>
+          </a:prstGeom>
+          <a:noFill/>
+        </p:spPr>
+        <p:txBody>
+          <a:bodyPr wrap="square" rtlCol="0">
+            <a:spAutoFit/>
+          </a:bodyPr>
+          <a:lstStyle/>
+          <a:p>
+            <a:r>
+              <a:rPr lang="en-US" sz="1000" dirty="0"/>
+              <a:t>Session 10</a:t>
+            </a:r>
+          </a:p>
+        </p:txBody>
+      </p:sp>
+      <p:sp>
+        <p:nvSpPr>
+          <p:cNvPr id="104" name="TextBox 103">
+            <a:extLst>
+              <a:ext uri="{FF2B5EF4-FFF2-40B4-BE49-F238E27FC236}">
+                <a16:creationId xmlns:a16="http://schemas.microsoft.com/office/drawing/2014/main" id="{1099612A-7D56-6A4F-8CE7-AB727A0B7B91}"/>
+              </a:ext>
+            </a:extLst>
+          </p:cNvPr>
+          <p:cNvSpPr txBox="1"/>
+          <p:nvPr/>
+        </p:nvSpPr>
+        <p:spPr>
+          <a:xfrm>
+            <a:off x="4817420" y="3672009"/>
+            <a:ext cx="806067" cy="349968"/>
+          </a:xfrm>
+          <a:prstGeom prst="rect">
+            <a:avLst/>
+          </a:prstGeom>
+          <a:noFill/>
+        </p:spPr>
+        <p:txBody>
+          <a:bodyPr wrap="square" rtlCol="0">
+            <a:spAutoFit/>
+          </a:bodyPr>
+          <a:lstStyle/>
+          <a:p>
+            <a:r>
+              <a:rPr lang="en-US" dirty="0">
+                <a:solidFill>
+                  <a:srgbClr val="0070C0"/>
+                </a:solidFill>
+              </a:rPr>
+              <a:t>MSC01</a:t>
+            </a:r>
+          </a:p>
+        </p:txBody>
+      </p:sp>
       <p:grpSp>
         <p:nvGrpSpPr>
-          <p:cNvPr id="5" name="Group 4">
-            <a:extLst>
-              <a:ext uri="{FF2B5EF4-FFF2-40B4-BE49-F238E27FC236}">
-                <a16:creationId xmlns:a16="http://schemas.microsoft.com/office/drawing/2014/main" id="{41FF4675-2E3D-A144-9674-EF26933C3120}"/>
+          <p:cNvPr id="8" name="Group 7">
+            <a:extLst>
+              <a:ext uri="{FF2B5EF4-FFF2-40B4-BE49-F238E27FC236}">
+                <a16:creationId xmlns:a16="http://schemas.microsoft.com/office/drawing/2014/main" id="{ADA3ADF8-5EAC-A14F-B4D5-66F50B2A4967}"/>
               </a:ext>
             </a:extLst>
           </p:cNvPr>
@@ -17933,10 +17807,10 @@
         </p:nvGrpSpPr>
         <p:grpSpPr>
           <a:xfrm>
-            <a:off x="4768017" y="3664171"/>
-            <a:ext cx="1140872" cy="2652542"/>
-            <a:chOff x="8636097" y="5142256"/>
-            <a:chExt cx="1140872" cy="2652542"/>
+            <a:off x="4800487" y="3963731"/>
+            <a:ext cx="903526" cy="2107086"/>
+            <a:chOff x="4800487" y="3963731"/>
+            <a:chExt cx="903526" cy="2107086"/>
           </a:xfrm>
         </p:grpSpPr>
         <p:pic>
@@ -17954,13 +17828,35 @@
             <p:nvPr/>
           </p:nvPicPr>
           <p:blipFill rotWithShape="1">
-            <a:blip r:embed="rId3"/>
+            <a:blip r:embed="rId4">
+              <a:extLst>
+                <a:ext uri="{BEBA8EAE-BF5A-486C-A8C5-ECC9F3942E4B}">
+                  <a14:imgProps xmlns:a14="http://schemas.microsoft.com/office/drawing/2010/main">
+                    <a14:imgLayer r:embed="rId5">
+                      <a14:imgEffect>
+                        <a14:backgroundRemoval t="34065" b="65413" l="781" r="49883">
+                          <a14:foregroundMark x1="13427" y1="64890" x2="13427" y2="64890"/>
+                          <a14:foregroundMark x1="13739" y1="64577" x2="13583" y2="51620"/>
+                          <a14:foregroundMark x1="13427" y1="48589" x2="13349" y2="35423"/>
+                          <a14:foregroundMark x1="10461" y1="64890" x2="10461" y2="51620"/>
+                          <a14:foregroundMark x1="10773" y1="58621" x2="10773" y2="58621"/>
+                          <a14:foregroundMark x1="26151" y1="64890" x2="26151" y2="52247"/>
+                          <a14:foregroundMark x1="26151" y1="48276" x2="26308" y2="34587"/>
+                          <a14:foregroundMark x1="1405" y1="48067" x2="10773" y2="48276"/>
+                          <a14:foregroundMark x1="39110" y1="48589" x2="38954" y2="35214"/>
+                        </a14:backgroundRemoval>
+                      </a14:imgEffect>
+                    </a14:imgLayer>
+                  </a14:imgProps>
+                </a:ext>
+              </a:extLst>
+            </a:blip>
             <a:srcRect t="32766" r="49984" b="33566"/>
             <a:stretch/>
           </p:blipFill>
           <p:spPr>
             <a:xfrm rot="5400000">
-              <a:off x="8268731" y="6245540"/>
+              <a:off x="4400651" y="4767455"/>
               <a:ext cx="1703199" cy="903525"/>
             </a:xfrm>
             <a:prstGeom prst="rect">
@@ -17968,154 +17864,6 @@
             </a:prstGeom>
           </p:spPr>
         </p:pic>
-        <p:grpSp>
-          <p:nvGrpSpPr>
-            <p:cNvPr id="157" name="Group 156">
-              <a:extLst>
-                <a:ext uri="{FF2B5EF4-FFF2-40B4-BE49-F238E27FC236}">
-                  <a16:creationId xmlns:a16="http://schemas.microsoft.com/office/drawing/2014/main" id="{6F77EDD8-1716-C645-83A6-F7C4AD0646EE}"/>
-                </a:ext>
-              </a:extLst>
-            </p:cNvPr>
-            <p:cNvGrpSpPr/>
-            <p:nvPr/>
-          </p:nvGrpSpPr>
-          <p:grpSpPr>
-            <a:xfrm>
-              <a:off x="8636097" y="5142256"/>
-              <a:ext cx="935996" cy="2652542"/>
-              <a:chOff x="4316973" y="2353202"/>
-              <a:chExt cx="935996" cy="2652542"/>
-            </a:xfrm>
-          </p:grpSpPr>
-          <p:sp>
-            <p:nvSpPr>
-              <p:cNvPr id="165" name="TextBox 164">
-                <a:extLst>
-                  <a:ext uri="{FF2B5EF4-FFF2-40B4-BE49-F238E27FC236}">
-                    <a16:creationId xmlns:a16="http://schemas.microsoft.com/office/drawing/2014/main" id="{EEC1E19C-6C19-7444-8E15-AF2D491BAC26}"/>
-                  </a:ext>
-                </a:extLst>
-              </p:cNvPr>
-              <p:cNvSpPr txBox="1"/>
-              <p:nvPr/>
-            </p:nvSpPr>
-            <p:spPr>
-              <a:xfrm>
-                <a:off x="4425404" y="4749680"/>
-                <a:ext cx="775138" cy="246221"/>
-              </a:xfrm>
-              <a:prstGeom prst="rect">
-                <a:avLst/>
-              </a:prstGeom>
-              <a:noFill/>
-            </p:spPr>
-            <p:txBody>
-              <a:bodyPr wrap="square" rtlCol="0">
-                <a:spAutoFit/>
-              </a:bodyPr>
-              <a:lstStyle/>
-              <a:p>
-                <a:r>
-                  <a:rPr lang="en-US" sz="1000" dirty="0"/>
-                  <a:t>Session 10</a:t>
-                </a:r>
-              </a:p>
-            </p:txBody>
-          </p:sp>
-          <p:sp>
-            <p:nvSpPr>
-              <p:cNvPr id="163" name="Rectangle 162">
-                <a:extLst>
-                  <a:ext uri="{FF2B5EF4-FFF2-40B4-BE49-F238E27FC236}">
-                    <a16:creationId xmlns:a16="http://schemas.microsoft.com/office/drawing/2014/main" id="{74EB74B1-0A66-F046-B4E3-1B198BCC05A4}"/>
-                  </a:ext>
-                </a:extLst>
-              </p:cNvPr>
-              <p:cNvSpPr/>
-              <p:nvPr/>
-            </p:nvSpPr>
-            <p:spPr>
-              <a:xfrm>
-                <a:off x="4316973" y="2353202"/>
-                <a:ext cx="935996" cy="2652542"/>
-              </a:xfrm>
-              <a:prstGeom prst="rect">
-                <a:avLst/>
-              </a:prstGeom>
-              <a:noFill/>
-              <a:ln w="28575">
-                <a:solidFill>
-                  <a:srgbClr val="FF0000"/>
-                </a:solidFill>
-                <a:prstDash val="lgDash"/>
-              </a:ln>
-            </p:spPr>
-            <p:style>
-              <a:lnRef idx="2">
-                <a:schemeClr val="accent1">
-                  <a:shade val="50000"/>
-                </a:schemeClr>
-              </a:lnRef>
-              <a:fillRef idx="1">
-                <a:schemeClr val="accent1"/>
-              </a:fillRef>
-              <a:effectRef idx="0">
-                <a:schemeClr val="accent1"/>
-              </a:effectRef>
-              <a:fontRef idx="minor">
-                <a:schemeClr val="lt1"/>
-              </a:fontRef>
-            </p:style>
-            <p:txBody>
-              <a:bodyPr rtlCol="0" anchor="ctr"/>
-              <a:lstStyle/>
-              <a:p>
-                <a:pPr algn="ctr"/>
-                <a:endParaRPr lang="en-US" sz="1350"/>
-              </a:p>
-            </p:txBody>
-          </p:sp>
-        </p:grpSp>
-        <p:sp>
-          <p:nvSpPr>
-            <p:cNvPr id="104" name="TextBox 103">
-              <a:extLst>
-                <a:ext uri="{FF2B5EF4-FFF2-40B4-BE49-F238E27FC236}">
-                  <a16:creationId xmlns:a16="http://schemas.microsoft.com/office/drawing/2014/main" id="{1099612A-7D56-6A4F-8CE7-AB727A0B7B91}"/>
-                </a:ext>
-              </a:extLst>
-            </p:cNvPr>
-            <p:cNvSpPr txBox="1"/>
-            <p:nvPr/>
-          </p:nvSpPr>
-          <p:spPr>
-            <a:xfrm>
-              <a:off x="8685501" y="5150094"/>
-              <a:ext cx="1091468" cy="349968"/>
-            </a:xfrm>
-            <a:prstGeom prst="rect">
-              <a:avLst/>
-            </a:prstGeom>
-            <a:noFill/>
-          </p:spPr>
-          <p:txBody>
-            <a:bodyPr wrap="square" rtlCol="0">
-              <a:spAutoFit/>
-            </a:bodyPr>
-            <a:lstStyle/>
-            <a:p>
-              <a:r>
-                <a:rPr lang="en-US" dirty="0">
-                  <a:solidFill>
-                    <a:srgbClr val="0070C0"/>
-                  </a:solidFill>
-                </a:rPr>
-                <a:t>MSC01</a:t>
-              </a:r>
-            </a:p>
-          </p:txBody>
-        </p:sp>
         <p:pic>
           <p:nvPicPr>
             <p:cNvPr id="75" name="Picture 74">
@@ -18131,13 +17879,27 @@
             <p:nvPr/>
           </p:nvPicPr>
           <p:blipFill rotWithShape="1">
-            <a:blip r:embed="rId3"/>
+            <a:blip r:embed="rId6">
+              <a:extLst>
+                <a:ext uri="{BEBA8EAE-BF5A-486C-A8C5-ECC9F3942E4B}">
+                  <a14:imgProps xmlns:a14="http://schemas.microsoft.com/office/drawing/2010/main">
+                    <a14:imgLayer r:embed="rId5">
+                      <a14:imgEffect>
+                        <a14:backgroundRemoval t="34483" b="65831" l="0" r="10617">
+                          <a14:foregroundMark x1="1717" y1="52247" x2="10539" y2="52456"/>
+                        </a14:backgroundRemoval>
+                      </a14:imgEffect>
+                    </a14:imgLayer>
+                  </a14:imgProps>
+                </a:ext>
+              </a:extLst>
+            </a:blip>
             <a:srcRect t="32766" r="88129" b="33566"/>
             <a:stretch/>
           </p:blipFill>
           <p:spPr>
             <a:xfrm rot="5400000">
-              <a:off x="8918211" y="5192172"/>
+              <a:off x="5050131" y="3714087"/>
               <a:ext cx="404238" cy="903525"/>
             </a:xfrm>
             <a:prstGeom prst="rect">
@@ -18352,10 +18114,3134 @@
           </a:p>
         </p:txBody>
       </p:sp>
+      <p:sp>
+        <p:nvSpPr>
+          <p:cNvPr id="67" name="TextBox 66">
+            <a:extLst>
+              <a:ext uri="{FF2B5EF4-FFF2-40B4-BE49-F238E27FC236}">
+                <a16:creationId xmlns:a16="http://schemas.microsoft.com/office/drawing/2014/main" id="{9336223B-E7A8-AB48-BA6E-AA42B8EF47C8}"/>
+              </a:ext>
+            </a:extLst>
+          </p:cNvPr>
+          <p:cNvSpPr txBox="1"/>
+          <p:nvPr/>
+        </p:nvSpPr>
+        <p:spPr>
+          <a:xfrm>
+            <a:off x="5909181" y="3065971"/>
+            <a:ext cx="998173" cy="246221"/>
+          </a:xfrm>
+          <a:prstGeom prst="rect">
+            <a:avLst/>
+          </a:prstGeom>
+          <a:noFill/>
+        </p:spPr>
+        <p:txBody>
+          <a:bodyPr wrap="square" rtlCol="0">
+            <a:spAutoFit/>
+          </a:bodyPr>
+          <a:lstStyle/>
+          <a:p>
+            <a:r>
+              <a:rPr lang="en-US" sz="1000" dirty="0"/>
+              <a:t>Session 10</a:t>
+            </a:r>
+          </a:p>
+        </p:txBody>
+      </p:sp>
+      <p:sp>
+        <p:nvSpPr>
+          <p:cNvPr id="71" name="TextBox 70">
+            <a:extLst>
+              <a:ext uri="{FF2B5EF4-FFF2-40B4-BE49-F238E27FC236}">
+                <a16:creationId xmlns:a16="http://schemas.microsoft.com/office/drawing/2014/main" id="{ECC09440-8454-FC4D-8AC9-A9ED9D8839D4}"/>
+              </a:ext>
+            </a:extLst>
+          </p:cNvPr>
+          <p:cNvSpPr txBox="1"/>
+          <p:nvPr/>
+        </p:nvSpPr>
+        <p:spPr>
+          <a:xfrm>
+            <a:off x="5897893" y="6060649"/>
+            <a:ext cx="775138" cy="246221"/>
+          </a:xfrm>
+          <a:prstGeom prst="rect">
+            <a:avLst/>
+          </a:prstGeom>
+          <a:noFill/>
+        </p:spPr>
+        <p:txBody>
+          <a:bodyPr wrap="square" rtlCol="0">
+            <a:spAutoFit/>
+          </a:bodyPr>
+          <a:lstStyle/>
+          <a:p>
+            <a:r>
+              <a:rPr lang="en-US" sz="1000" dirty="0"/>
+              <a:t>Session 10</a:t>
+            </a:r>
+          </a:p>
+        </p:txBody>
+      </p:sp>
+      <p:sp>
+        <p:nvSpPr>
+          <p:cNvPr id="81" name="TextBox 80">
+            <a:extLst>
+              <a:ext uri="{FF2B5EF4-FFF2-40B4-BE49-F238E27FC236}">
+                <a16:creationId xmlns:a16="http://schemas.microsoft.com/office/drawing/2014/main" id="{F5081E1B-6FD6-2449-BC84-1A9A26A0641B}"/>
+              </a:ext>
+            </a:extLst>
+          </p:cNvPr>
+          <p:cNvSpPr txBox="1"/>
+          <p:nvPr/>
+        </p:nvSpPr>
+        <p:spPr>
+          <a:xfrm>
+            <a:off x="5908889" y="8692954"/>
+            <a:ext cx="783761" cy="246221"/>
+          </a:xfrm>
+          <a:prstGeom prst="rect">
+            <a:avLst/>
+          </a:prstGeom>
+          <a:noFill/>
+        </p:spPr>
+        <p:txBody>
+          <a:bodyPr wrap="square" rtlCol="0">
+            <a:spAutoFit/>
+          </a:bodyPr>
+          <a:lstStyle/>
+          <a:p>
+            <a:r>
+              <a:rPr lang="en-US" sz="1000" dirty="0"/>
+              <a:t>Session 10</a:t>
+            </a:r>
+          </a:p>
+        </p:txBody>
+      </p:sp>
+      <p:sp>
+        <p:nvSpPr>
+          <p:cNvPr id="3" name="Rectangle 2">
+            <a:extLst>
+              <a:ext uri="{FF2B5EF4-FFF2-40B4-BE49-F238E27FC236}">
+                <a16:creationId xmlns:a16="http://schemas.microsoft.com/office/drawing/2014/main" id="{AEF959EA-FB30-C24D-89F4-53D95EAB491B}"/>
+              </a:ext>
+            </a:extLst>
+          </p:cNvPr>
+          <p:cNvSpPr>
+            <a:spLocks/>
+          </p:cNvSpPr>
+          <p:nvPr/>
+        </p:nvSpPr>
+        <p:spPr>
+          <a:xfrm>
+            <a:off x="4793145" y="1116635"/>
+            <a:ext cx="914400" cy="2194560"/>
+          </a:xfrm>
+          <a:prstGeom prst="rect">
+            <a:avLst/>
+          </a:prstGeom>
+          <a:solidFill>
+            <a:schemeClr val="bg2">
+              <a:lumMod val="25000"/>
+              <a:alpha val="35000"/>
+            </a:schemeClr>
+          </a:solidFill>
+          <a:ln>
+            <a:noFill/>
+          </a:ln>
+        </p:spPr>
+        <p:style>
+          <a:lnRef idx="1">
+            <a:schemeClr val="accent3"/>
+          </a:lnRef>
+          <a:fillRef idx="2">
+            <a:schemeClr val="accent3"/>
+          </a:fillRef>
+          <a:effectRef idx="1">
+            <a:schemeClr val="accent3"/>
+          </a:effectRef>
+          <a:fontRef idx="minor">
+            <a:schemeClr val="dk1"/>
+          </a:fontRef>
+        </p:style>
+        <p:txBody>
+          <a:bodyPr rtlCol="0" anchor="ctr"/>
+          <a:lstStyle/>
+          <a:p>
+            <a:pPr algn="ctr"/>
+            <a:endParaRPr lang="en-US"/>
+          </a:p>
+        </p:txBody>
+      </p:sp>
+      <p:sp>
+        <p:nvSpPr>
+          <p:cNvPr id="70" name="TextBox 69">
+            <a:extLst>
+              <a:ext uri="{FF2B5EF4-FFF2-40B4-BE49-F238E27FC236}">
+                <a16:creationId xmlns:a16="http://schemas.microsoft.com/office/drawing/2014/main" id="{89FAA5EB-9A97-E147-86E7-35C0EE90AAFC}"/>
+              </a:ext>
+            </a:extLst>
+          </p:cNvPr>
+          <p:cNvSpPr txBox="1"/>
+          <p:nvPr/>
+        </p:nvSpPr>
+        <p:spPr>
+          <a:xfrm>
+            <a:off x="4860379" y="3065971"/>
+            <a:ext cx="998173" cy="246221"/>
+          </a:xfrm>
+          <a:prstGeom prst="rect">
+            <a:avLst/>
+          </a:prstGeom>
+          <a:noFill/>
+        </p:spPr>
+        <p:txBody>
+          <a:bodyPr wrap="square" rtlCol="0">
+            <a:spAutoFit/>
+          </a:bodyPr>
+          <a:lstStyle/>
+          <a:p>
+            <a:r>
+              <a:rPr lang="en-US" sz="1000" dirty="0"/>
+              <a:t>Session 10</a:t>
+            </a:r>
+          </a:p>
+        </p:txBody>
+      </p:sp>
+      <p:sp>
+        <p:nvSpPr>
+          <p:cNvPr id="103" name="TextBox 102">
+            <a:extLst>
+              <a:ext uri="{FF2B5EF4-FFF2-40B4-BE49-F238E27FC236}">
+                <a16:creationId xmlns:a16="http://schemas.microsoft.com/office/drawing/2014/main" id="{5DDA3A49-6B9F-6D47-A115-355C8AE7D8A2}"/>
+              </a:ext>
+            </a:extLst>
+          </p:cNvPr>
+          <p:cNvSpPr txBox="1"/>
+          <p:nvPr/>
+        </p:nvSpPr>
+        <p:spPr>
+          <a:xfrm>
+            <a:off x="4823221" y="1058761"/>
+            <a:ext cx="828365" cy="349968"/>
+          </a:xfrm>
+          <a:prstGeom prst="rect">
+            <a:avLst/>
+          </a:prstGeom>
+          <a:noFill/>
+        </p:spPr>
+        <p:txBody>
+          <a:bodyPr wrap="square" rtlCol="0">
+            <a:spAutoFit/>
+          </a:bodyPr>
+          <a:lstStyle/>
+          <a:p>
+            <a:r>
+              <a:rPr lang="en-US" dirty="0">
+                <a:solidFill>
+                  <a:srgbClr val="0070C0"/>
+                </a:solidFill>
+              </a:rPr>
+              <a:t>MSC01</a:t>
+            </a:r>
+            <a:endParaRPr lang="en-US" sz="1600" dirty="0">
+              <a:solidFill>
+                <a:srgbClr val="0070C0"/>
+              </a:solidFill>
+            </a:endParaRPr>
+          </a:p>
+        </p:txBody>
+      </p:sp>
+      <p:pic>
+        <p:nvPicPr>
+          <p:cNvPr id="86" name="Picture 85">
+            <a:extLst>
+              <a:ext uri="{FF2B5EF4-FFF2-40B4-BE49-F238E27FC236}">
+                <a16:creationId xmlns:a16="http://schemas.microsoft.com/office/drawing/2014/main" id="{F3E7AA76-2E1D-6044-A8D7-F4705B82EAD5}"/>
+              </a:ext>
+            </a:extLst>
+          </p:cNvPr>
+          <p:cNvPicPr>
+            <a:picLocks noChangeAspect="1"/>
+          </p:cNvPicPr>
+          <p:nvPr/>
+        </p:nvPicPr>
+        <p:blipFill rotWithShape="1">
+          <a:blip r:embed="rId7">
+            <a:alphaModFix/>
+            <a:extLst>
+              <a:ext uri="{BEBA8EAE-BF5A-486C-A8C5-ECC9F3942E4B}">
+                <a14:imgProps xmlns:a14="http://schemas.microsoft.com/office/drawing/2010/main">
+                  <a14:imgLayer>
+                    <a14:imgEffect>
+                      <a14:backgroundRemoval t="627" b="31243" l="76581" r="86807">
+                        <a14:foregroundMark x1="76581" y1="17764" x2="86651" y2="17764"/>
+                        <a14:foregroundMark x1="86807" y1="18286" x2="86807" y2="31243"/>
+                      </a14:backgroundRemoval>
+                    </a14:imgEffect>
+                    <a14:imgEffect>
+                      <a14:saturation sat="400000"/>
+                    </a14:imgEffect>
+                  </a14:imgLayer>
+                </a14:imgProps>
+              </a:ext>
+            </a:extLst>
+          </a:blip>
+          <a:srcRect l="75916" t="-2" r="12672" b="67934"/>
+          <a:stretch/>
+        </p:blipFill>
+        <p:spPr>
+          <a:xfrm>
+            <a:off x="4837598" y="1357093"/>
+            <a:ext cx="785890" cy="1737359"/>
+          </a:xfrm>
+          <a:prstGeom prst="rect">
+            <a:avLst/>
+          </a:prstGeom>
+        </p:spPr>
+      </p:pic>
+      <p:sp>
+        <p:nvSpPr>
+          <p:cNvPr id="93" name="Rectangle 92">
+            <a:extLst>
+              <a:ext uri="{FF2B5EF4-FFF2-40B4-BE49-F238E27FC236}">
+                <a16:creationId xmlns:a16="http://schemas.microsoft.com/office/drawing/2014/main" id="{03F6446F-B8D4-C24D-8417-3048B9B11219}"/>
+              </a:ext>
+            </a:extLst>
+          </p:cNvPr>
+          <p:cNvSpPr>
+            <a:spLocks/>
+          </p:cNvSpPr>
+          <p:nvPr/>
+        </p:nvSpPr>
+        <p:spPr>
+          <a:xfrm>
+            <a:off x="4793145" y="6761095"/>
+            <a:ext cx="914400" cy="2194560"/>
+          </a:xfrm>
+          <a:prstGeom prst="rect">
+            <a:avLst/>
+          </a:prstGeom>
+          <a:solidFill>
+            <a:schemeClr val="bg2">
+              <a:lumMod val="25000"/>
+              <a:alpha val="35000"/>
+            </a:schemeClr>
+          </a:solidFill>
+          <a:ln>
+            <a:noFill/>
+          </a:ln>
+        </p:spPr>
+        <p:style>
+          <a:lnRef idx="1">
+            <a:schemeClr val="accent3"/>
+          </a:lnRef>
+          <a:fillRef idx="2">
+            <a:schemeClr val="accent3"/>
+          </a:fillRef>
+          <a:effectRef idx="1">
+            <a:schemeClr val="accent3"/>
+          </a:effectRef>
+          <a:fontRef idx="minor">
+            <a:schemeClr val="dk1"/>
+          </a:fontRef>
+        </p:style>
+        <p:txBody>
+          <a:bodyPr rtlCol="0" anchor="ctr"/>
+          <a:lstStyle/>
+          <a:p>
+            <a:pPr algn="ctr"/>
+            <a:endParaRPr lang="en-US"/>
+          </a:p>
+        </p:txBody>
+      </p:sp>
+      <p:sp>
+        <p:nvSpPr>
+          <p:cNvPr id="94" name="TextBox 93">
+            <a:extLst>
+              <a:ext uri="{FF2B5EF4-FFF2-40B4-BE49-F238E27FC236}">
+                <a16:creationId xmlns:a16="http://schemas.microsoft.com/office/drawing/2014/main" id="{D4C1186E-649D-DC49-A4B3-A6A983A803D6}"/>
+              </a:ext>
+            </a:extLst>
+          </p:cNvPr>
+          <p:cNvSpPr txBox="1"/>
+          <p:nvPr/>
+        </p:nvSpPr>
+        <p:spPr>
+          <a:xfrm>
+            <a:off x="4860379" y="8719988"/>
+            <a:ext cx="998173" cy="246221"/>
+          </a:xfrm>
+          <a:prstGeom prst="rect">
+            <a:avLst/>
+          </a:prstGeom>
+          <a:noFill/>
+        </p:spPr>
+        <p:txBody>
+          <a:bodyPr wrap="square" rtlCol="0">
+            <a:spAutoFit/>
+          </a:bodyPr>
+          <a:lstStyle/>
+          <a:p>
+            <a:r>
+              <a:rPr lang="en-US" sz="1000" dirty="0"/>
+              <a:t>Session 10</a:t>
+            </a:r>
+          </a:p>
+        </p:txBody>
+      </p:sp>
+      <p:sp>
+        <p:nvSpPr>
+          <p:cNvPr id="95" name="TextBox 94">
+            <a:extLst>
+              <a:ext uri="{FF2B5EF4-FFF2-40B4-BE49-F238E27FC236}">
+                <a16:creationId xmlns:a16="http://schemas.microsoft.com/office/drawing/2014/main" id="{C40F0139-8826-0441-A2B1-6EE45FC3C221}"/>
+              </a:ext>
+            </a:extLst>
+          </p:cNvPr>
+          <p:cNvSpPr txBox="1"/>
+          <p:nvPr/>
+        </p:nvSpPr>
+        <p:spPr>
+          <a:xfrm>
+            <a:off x="4823221" y="6712778"/>
+            <a:ext cx="800267" cy="349968"/>
+          </a:xfrm>
+          <a:prstGeom prst="rect">
+            <a:avLst/>
+          </a:prstGeom>
+          <a:noFill/>
+        </p:spPr>
+        <p:txBody>
+          <a:bodyPr wrap="square" rtlCol="0">
+            <a:spAutoFit/>
+          </a:bodyPr>
+          <a:lstStyle/>
+          <a:p>
+            <a:r>
+              <a:rPr lang="en-US" dirty="0">
+                <a:solidFill>
+                  <a:srgbClr val="0070C0"/>
+                </a:solidFill>
+              </a:rPr>
+              <a:t>MSC01</a:t>
+            </a:r>
+            <a:endParaRPr lang="en-US" sz="1600" dirty="0">
+              <a:solidFill>
+                <a:srgbClr val="0070C0"/>
+              </a:solidFill>
+            </a:endParaRPr>
+          </a:p>
+        </p:txBody>
+      </p:sp>
+      <p:pic>
+        <p:nvPicPr>
+          <p:cNvPr id="96" name="Picture 95">
+            <a:extLst>
+              <a:ext uri="{FF2B5EF4-FFF2-40B4-BE49-F238E27FC236}">
+                <a16:creationId xmlns:a16="http://schemas.microsoft.com/office/drawing/2014/main" id="{89F776D5-456A-FC40-B947-A281F707EABC}"/>
+              </a:ext>
+            </a:extLst>
+          </p:cNvPr>
+          <p:cNvPicPr>
+            <a:picLocks noChangeAspect="1"/>
+          </p:cNvPicPr>
+          <p:nvPr/>
+        </p:nvPicPr>
+        <p:blipFill rotWithShape="1">
+          <a:blip r:embed="rId7">
+            <a:alphaModFix/>
+            <a:extLst>
+              <a:ext uri="{BEBA8EAE-BF5A-486C-A8C5-ECC9F3942E4B}">
+                <a14:imgProps xmlns:a14="http://schemas.microsoft.com/office/drawing/2010/main">
+                  <a14:imgLayer>
+                    <a14:imgEffect>
+                      <a14:backgroundRemoval t="627" b="31243" l="76581" r="86807">
+                        <a14:foregroundMark x1="76581" y1="17764" x2="86651" y2="17764"/>
+                        <a14:foregroundMark x1="86807" y1="18286" x2="86807" y2="31243"/>
+                      </a14:backgroundRemoval>
+                    </a14:imgEffect>
+                    <a14:imgEffect>
+                      <a14:saturation sat="400000"/>
+                    </a14:imgEffect>
+                  </a14:imgLayer>
+                </a14:imgProps>
+              </a:ext>
+            </a:extLst>
+          </a:blip>
+          <a:srcRect l="75916" t="-2" r="12672" b="67934"/>
+          <a:stretch/>
+        </p:blipFill>
+        <p:spPr>
+          <a:xfrm>
+            <a:off x="4837598" y="7011110"/>
+            <a:ext cx="785890" cy="1737359"/>
+          </a:xfrm>
+          <a:prstGeom prst="rect">
+            <a:avLst/>
+          </a:prstGeom>
+        </p:spPr>
+      </p:pic>
+      <p:pic>
+        <p:nvPicPr>
+          <p:cNvPr id="97" name="Picture 96">
+            <a:extLst>
+              <a:ext uri="{FF2B5EF4-FFF2-40B4-BE49-F238E27FC236}">
+                <a16:creationId xmlns:a16="http://schemas.microsoft.com/office/drawing/2014/main" id="{BD840D37-5146-C340-A0FD-75D609715B34}"/>
+              </a:ext>
+            </a:extLst>
+          </p:cNvPr>
+          <p:cNvPicPr>
+            <a:picLocks noChangeAspect="1"/>
+          </p:cNvPicPr>
+          <p:nvPr/>
+        </p:nvPicPr>
+        <p:blipFill rotWithShape="1">
+          <a:blip r:embed="rId3"/>
+          <a:srcRect l="75916" t="-2" r="12672" b="67934"/>
+          <a:stretch/>
+        </p:blipFill>
+        <p:spPr>
+          <a:xfrm>
+            <a:off x="5873653" y="1353298"/>
+            <a:ext cx="785890" cy="1737359"/>
+          </a:xfrm>
+          <a:prstGeom prst="rect">
+            <a:avLst/>
+          </a:prstGeom>
+        </p:spPr>
+      </p:pic>
     </p:spTree>
     <p:extLst>
       <p:ext uri="{BB962C8B-B14F-4D97-AF65-F5344CB8AC3E}">
         <p14:creationId xmlns:p14="http://schemas.microsoft.com/office/powerpoint/2010/main" val="3231663402"/>
+      </p:ext>
+    </p:extLst>
+  </p:cSld>
+  <p:clrMapOvr>
+    <a:masterClrMapping/>
+  </p:clrMapOvr>
+</p:sld>
+</file>
+
+<file path=ppt/slides/slide6.xml><?xml version="1.0" encoding="utf-8"?>
+<p:sld xmlns:a="http://schemas.openxmlformats.org/drawingml/2006/main" xmlns:r="http://schemas.openxmlformats.org/officeDocument/2006/relationships" xmlns:p="http://schemas.openxmlformats.org/presentationml/2006/main">
+  <p:cSld>
+    <p:spTree>
+      <p:nvGrpSpPr>
+        <p:cNvPr id="1" name=""/>
+        <p:cNvGrpSpPr/>
+        <p:nvPr/>
+      </p:nvGrpSpPr>
+      <p:grpSpPr>
+        <a:xfrm>
+          <a:off x="0" y="0"/>
+          <a:ext cx="0" cy="0"/>
+          <a:chOff x="0" y="0"/>
+          <a:chExt cx="0" cy="0"/>
+        </a:xfrm>
+      </p:grpSpPr>
+      <p:grpSp>
+        <p:nvGrpSpPr>
+          <p:cNvPr id="5" name="Group 4">
+            <a:extLst>
+              <a:ext uri="{FF2B5EF4-FFF2-40B4-BE49-F238E27FC236}">
+                <a16:creationId xmlns:a16="http://schemas.microsoft.com/office/drawing/2014/main" id="{AE0529BB-70E5-5347-9FE1-BA8D1BBD2972}"/>
+              </a:ext>
+            </a:extLst>
+          </p:cNvPr>
+          <p:cNvGrpSpPr/>
+          <p:nvPr/>
+        </p:nvGrpSpPr>
+        <p:grpSpPr>
+          <a:xfrm>
+            <a:off x="108841" y="5809756"/>
+            <a:ext cx="6854502" cy="3198015"/>
+            <a:chOff x="93535" y="3371253"/>
+            <a:chExt cx="6854502" cy="3198015"/>
+          </a:xfrm>
+        </p:grpSpPr>
+        <p:sp>
+          <p:nvSpPr>
+            <p:cNvPr id="99" name="Rectangle 98">
+              <a:extLst>
+                <a:ext uri="{FF2B5EF4-FFF2-40B4-BE49-F238E27FC236}">
+                  <a16:creationId xmlns:a16="http://schemas.microsoft.com/office/drawing/2014/main" id="{88B2A863-85F4-2649-A4B9-7B3F56180F7B}"/>
+                </a:ext>
+              </a:extLst>
+            </p:cNvPr>
+            <p:cNvSpPr>
+              <a:spLocks/>
+            </p:cNvSpPr>
+            <p:nvPr/>
+          </p:nvSpPr>
+          <p:spPr>
+            <a:xfrm>
+              <a:off x="4793145" y="3733446"/>
+              <a:ext cx="914400" cy="2560320"/>
+            </a:xfrm>
+            <a:prstGeom prst="rect">
+              <a:avLst/>
+            </a:prstGeom>
+            <a:solidFill>
+              <a:schemeClr val="bg2">
+                <a:lumMod val="25000"/>
+                <a:alpha val="35000"/>
+              </a:schemeClr>
+            </a:solidFill>
+            <a:ln>
+              <a:noFill/>
+            </a:ln>
+          </p:spPr>
+          <p:style>
+            <a:lnRef idx="1">
+              <a:schemeClr val="accent3"/>
+            </a:lnRef>
+            <a:fillRef idx="2">
+              <a:schemeClr val="accent3"/>
+            </a:fillRef>
+            <a:effectRef idx="1">
+              <a:schemeClr val="accent3"/>
+            </a:effectRef>
+            <a:fontRef idx="minor">
+              <a:schemeClr val="dk1"/>
+            </a:fontRef>
+          </p:style>
+          <p:txBody>
+            <a:bodyPr rtlCol="0" anchor="ctr"/>
+            <a:lstStyle/>
+            <a:p>
+              <a:pPr algn="ctr"/>
+              <a:endParaRPr lang="en-US"/>
+            </a:p>
+          </p:txBody>
+        </p:sp>
+        <p:sp>
+          <p:nvSpPr>
+            <p:cNvPr id="109" name="TextBox 108">
+              <a:extLst>
+                <a:ext uri="{FF2B5EF4-FFF2-40B4-BE49-F238E27FC236}">
+                  <a16:creationId xmlns:a16="http://schemas.microsoft.com/office/drawing/2014/main" id="{EC31F65D-B58F-D447-A391-2B4223B4DD94}"/>
+                </a:ext>
+              </a:extLst>
+            </p:cNvPr>
+            <p:cNvSpPr txBox="1"/>
+            <p:nvPr/>
+          </p:nvSpPr>
+          <p:spPr>
+            <a:xfrm>
+              <a:off x="907237" y="5879413"/>
+              <a:ext cx="717272" cy="338554"/>
+            </a:xfrm>
+            <a:prstGeom prst="rect">
+              <a:avLst/>
+            </a:prstGeom>
+            <a:noFill/>
+          </p:spPr>
+          <p:txBody>
+            <a:bodyPr wrap="square" rtlCol="0">
+              <a:spAutoFit/>
+            </a:bodyPr>
+            <a:lstStyle/>
+            <a:p>
+              <a:pPr algn="r"/>
+              <a:r>
+                <a:rPr lang="en-US" sz="1600" dirty="0"/>
+                <a:t>Rest</a:t>
+              </a:r>
+            </a:p>
+          </p:txBody>
+        </p:sp>
+        <p:sp>
+          <p:nvSpPr>
+            <p:cNvPr id="156" name="Rectangle 155">
+              <a:extLst>
+                <a:ext uri="{FF2B5EF4-FFF2-40B4-BE49-F238E27FC236}">
+                  <a16:creationId xmlns:a16="http://schemas.microsoft.com/office/drawing/2014/main" id="{82E5084F-DF30-FE43-A95B-63616D090977}"/>
+                </a:ext>
+              </a:extLst>
+            </p:cNvPr>
+            <p:cNvSpPr/>
+            <p:nvPr/>
+          </p:nvSpPr>
+          <p:spPr>
+            <a:xfrm>
+              <a:off x="4606608" y="3491075"/>
+              <a:ext cx="2212848" cy="3039741"/>
+            </a:xfrm>
+            <a:prstGeom prst="rect">
+              <a:avLst/>
+            </a:prstGeom>
+            <a:noFill/>
+            <a:ln w="28575">
+              <a:solidFill>
+                <a:schemeClr val="tx1"/>
+              </a:solidFill>
+            </a:ln>
+          </p:spPr>
+          <p:style>
+            <a:lnRef idx="2">
+              <a:schemeClr val="accent1">
+                <a:shade val="50000"/>
+              </a:schemeClr>
+            </a:lnRef>
+            <a:fillRef idx="1">
+              <a:schemeClr val="accent1"/>
+            </a:fillRef>
+            <a:effectRef idx="0">
+              <a:schemeClr val="accent1"/>
+            </a:effectRef>
+            <a:fontRef idx="minor">
+              <a:schemeClr val="lt1"/>
+            </a:fontRef>
+          </p:style>
+          <p:txBody>
+            <a:bodyPr rtlCol="0" anchor="ctr"/>
+            <a:lstStyle/>
+            <a:p>
+              <a:pPr algn="ctr"/>
+              <a:endParaRPr lang="en-US" sz="1350"/>
+            </a:p>
+          </p:txBody>
+        </p:sp>
+        <p:sp>
+          <p:nvSpPr>
+            <p:cNvPr id="175" name="TextBox 174">
+              <a:extLst>
+                <a:ext uri="{FF2B5EF4-FFF2-40B4-BE49-F238E27FC236}">
+                  <a16:creationId xmlns:a16="http://schemas.microsoft.com/office/drawing/2014/main" id="{666EAE55-CBC9-AB4E-A38E-27A394C542F9}"/>
+                </a:ext>
+              </a:extLst>
+            </p:cNvPr>
+            <p:cNvSpPr txBox="1"/>
+            <p:nvPr/>
+          </p:nvSpPr>
+          <p:spPr>
+            <a:xfrm>
+              <a:off x="93535" y="3371253"/>
+              <a:ext cx="312906" cy="461665"/>
+            </a:xfrm>
+            <a:prstGeom prst="rect">
+              <a:avLst/>
+            </a:prstGeom>
+            <a:noFill/>
+          </p:spPr>
+          <p:txBody>
+            <a:bodyPr wrap="none" rtlCol="0">
+              <a:spAutoFit/>
+            </a:bodyPr>
+            <a:lstStyle/>
+            <a:p>
+              <a:r>
+                <a:rPr lang="en-US" sz="2400" b="1" dirty="0"/>
+                <a:t>c</a:t>
+              </a:r>
+            </a:p>
+          </p:txBody>
+        </p:sp>
+        <p:sp>
+          <p:nvSpPr>
+            <p:cNvPr id="180" name="TextBox 179">
+              <a:extLst>
+                <a:ext uri="{FF2B5EF4-FFF2-40B4-BE49-F238E27FC236}">
+                  <a16:creationId xmlns:a16="http://schemas.microsoft.com/office/drawing/2014/main" id="{862A1B86-B76E-974C-AF13-9E9222036408}"/>
+                </a:ext>
+              </a:extLst>
+            </p:cNvPr>
+            <p:cNvSpPr txBox="1"/>
+            <p:nvPr/>
+          </p:nvSpPr>
+          <p:spPr>
+            <a:xfrm>
+              <a:off x="665240" y="3850978"/>
+              <a:ext cx="959270" cy="338554"/>
+            </a:xfrm>
+            <a:prstGeom prst="rect">
+              <a:avLst/>
+            </a:prstGeom>
+            <a:noFill/>
+          </p:spPr>
+          <p:txBody>
+            <a:bodyPr wrap="square" rtlCol="0">
+              <a:spAutoFit/>
+            </a:bodyPr>
+            <a:lstStyle/>
+            <a:p>
+              <a:pPr algn="r"/>
+              <a:r>
+                <a:rPr lang="en-US" sz="1600" dirty="0"/>
+                <a:t>Semantic</a:t>
+              </a:r>
+            </a:p>
+          </p:txBody>
+        </p:sp>
+        <p:sp>
+          <p:nvSpPr>
+            <p:cNvPr id="181" name="TextBox 180">
+              <a:extLst>
+                <a:ext uri="{FF2B5EF4-FFF2-40B4-BE49-F238E27FC236}">
+                  <a16:creationId xmlns:a16="http://schemas.microsoft.com/office/drawing/2014/main" id="{129D0F50-30E8-6947-B97B-4810C3C1426C}"/>
+                </a:ext>
+              </a:extLst>
+            </p:cNvPr>
+            <p:cNvSpPr txBox="1"/>
+            <p:nvPr/>
+          </p:nvSpPr>
+          <p:spPr>
+            <a:xfrm>
+              <a:off x="421291" y="4327317"/>
+              <a:ext cx="1203227" cy="338554"/>
+            </a:xfrm>
+            <a:prstGeom prst="rect">
+              <a:avLst/>
+            </a:prstGeom>
+            <a:noFill/>
+          </p:spPr>
+          <p:txBody>
+            <a:bodyPr wrap="square" rtlCol="0">
+              <a:spAutoFit/>
+            </a:bodyPr>
+            <a:lstStyle/>
+            <a:p>
+              <a:pPr algn="r"/>
+              <a:r>
+                <a:rPr lang="en-US" sz="1600" dirty="0"/>
+                <a:t>Coherence</a:t>
+              </a:r>
+            </a:p>
+          </p:txBody>
+        </p:sp>
+        <p:sp>
+          <p:nvSpPr>
+            <p:cNvPr id="182" name="TextBox 181">
+              <a:extLst>
+                <a:ext uri="{FF2B5EF4-FFF2-40B4-BE49-F238E27FC236}">
+                  <a16:creationId xmlns:a16="http://schemas.microsoft.com/office/drawing/2014/main" id="{3E126B5B-C761-2A48-9A2E-E3B72ECA7CFA}"/>
+                </a:ext>
+              </a:extLst>
+            </p:cNvPr>
+            <p:cNvSpPr txBox="1"/>
+            <p:nvPr/>
+          </p:nvSpPr>
+          <p:spPr>
+            <a:xfrm>
+              <a:off x="667951" y="5373012"/>
+              <a:ext cx="956558" cy="338554"/>
+            </a:xfrm>
+            <a:prstGeom prst="rect">
+              <a:avLst/>
+            </a:prstGeom>
+            <a:noFill/>
+          </p:spPr>
+          <p:txBody>
+            <a:bodyPr wrap="square" rtlCol="0">
+              <a:spAutoFit/>
+            </a:bodyPr>
+            <a:lstStyle/>
+            <a:p>
+              <a:pPr algn="r"/>
+              <a:r>
+                <a:rPr lang="en-US" sz="1600" dirty="0"/>
+                <a:t>Memory</a:t>
+              </a:r>
+            </a:p>
+          </p:txBody>
+        </p:sp>
+        <p:sp>
+          <p:nvSpPr>
+            <p:cNvPr id="183" name="TextBox 182">
+              <a:extLst>
+                <a:ext uri="{FF2B5EF4-FFF2-40B4-BE49-F238E27FC236}">
+                  <a16:creationId xmlns:a16="http://schemas.microsoft.com/office/drawing/2014/main" id="{16583687-521D-2440-B9C4-10D9CA7F4348}"/>
+                </a:ext>
+              </a:extLst>
+            </p:cNvPr>
+            <p:cNvSpPr txBox="1"/>
+            <p:nvPr/>
+          </p:nvSpPr>
+          <p:spPr>
+            <a:xfrm>
+              <a:off x="844207" y="4882760"/>
+              <a:ext cx="780302" cy="338554"/>
+            </a:xfrm>
+            <a:prstGeom prst="rect">
+              <a:avLst/>
+            </a:prstGeom>
+            <a:noFill/>
+          </p:spPr>
+          <p:txBody>
+            <a:bodyPr wrap="square" rtlCol="0">
+              <a:spAutoFit/>
+            </a:bodyPr>
+            <a:lstStyle/>
+            <a:p>
+              <a:pPr algn="r"/>
+              <a:r>
+                <a:rPr lang="en-US" sz="1600" dirty="0"/>
+                <a:t>Motor</a:t>
+              </a:r>
+            </a:p>
+          </p:txBody>
+        </p:sp>
+        <p:grpSp>
+          <p:nvGrpSpPr>
+            <p:cNvPr id="4" name="Group 3">
+              <a:extLst>
+                <a:ext uri="{FF2B5EF4-FFF2-40B4-BE49-F238E27FC236}">
+                  <a16:creationId xmlns:a16="http://schemas.microsoft.com/office/drawing/2014/main" id="{8F6FA7BE-2275-9347-8EBB-76E1E7FABAFC}"/>
+                </a:ext>
+              </a:extLst>
+            </p:cNvPr>
+            <p:cNvGrpSpPr/>
+            <p:nvPr/>
+          </p:nvGrpSpPr>
+          <p:grpSpPr>
+            <a:xfrm>
+              <a:off x="1554172" y="3677991"/>
+              <a:ext cx="2437950" cy="2891277"/>
+              <a:chOff x="5264947" y="4802109"/>
+              <a:chExt cx="2437950" cy="2891276"/>
+            </a:xfrm>
+          </p:grpSpPr>
+          <p:grpSp>
+            <p:nvGrpSpPr>
+              <p:cNvPr id="2" name="Group 1">
+                <a:extLst>
+                  <a:ext uri="{FF2B5EF4-FFF2-40B4-BE49-F238E27FC236}">
+                    <a16:creationId xmlns:a16="http://schemas.microsoft.com/office/drawing/2014/main" id="{118AFA69-4F2A-7543-984B-2763DF927DB5}"/>
+                  </a:ext>
+                </a:extLst>
+              </p:cNvPr>
+              <p:cNvGrpSpPr/>
+              <p:nvPr/>
+            </p:nvGrpSpPr>
+            <p:grpSpPr>
+              <a:xfrm>
+                <a:off x="5393520" y="4802109"/>
+                <a:ext cx="2075339" cy="2805881"/>
+                <a:chOff x="5367452" y="5661135"/>
+                <a:chExt cx="1707419" cy="2404296"/>
+              </a:xfrm>
+            </p:grpSpPr>
+            <p:pic>
+              <p:nvPicPr>
+                <p:cNvPr id="105" name="Picture 104">
+                  <a:extLst>
+                    <a:ext uri="{FF2B5EF4-FFF2-40B4-BE49-F238E27FC236}">
+                      <a16:creationId xmlns:a16="http://schemas.microsoft.com/office/drawing/2014/main" id="{7E0633CE-883D-DE45-99D4-951EA7667FAB}"/>
+                    </a:ext>
+                  </a:extLst>
+                </p:cNvPr>
+                <p:cNvPicPr>
+                  <a:picLocks noChangeAspect="1"/>
+                </p:cNvPicPr>
+                <p:nvPr/>
+              </p:nvPicPr>
+              <p:blipFill rotWithShape="1">
+                <a:blip r:embed="rId3"/>
+                <a:srcRect t="30185" r="49984" b="29388"/>
+                <a:stretch/>
+              </p:blipFill>
+              <p:spPr>
+                <a:xfrm>
+                  <a:off x="5367452" y="6980507"/>
+                  <a:ext cx="1703199" cy="1084924"/>
+                </a:xfrm>
+                <a:prstGeom prst="rect">
+                  <a:avLst/>
+                </a:prstGeom>
+              </p:spPr>
+            </p:pic>
+            <p:pic>
+              <p:nvPicPr>
+                <p:cNvPr id="178" name="Picture 177">
+                  <a:extLst>
+                    <a:ext uri="{FF2B5EF4-FFF2-40B4-BE49-F238E27FC236}">
+                      <a16:creationId xmlns:a16="http://schemas.microsoft.com/office/drawing/2014/main" id="{137F0DF1-4A8D-AB40-AE81-F36469BAC1EC}"/>
+                    </a:ext>
+                  </a:extLst>
+                </p:cNvPr>
+                <p:cNvPicPr>
+                  <a:picLocks noChangeAspect="1"/>
+                </p:cNvPicPr>
+                <p:nvPr/>
+              </p:nvPicPr>
+              <p:blipFill rotWithShape="1">
+                <a:blip r:embed="rId3"/>
+                <a:srcRect t="30185" r="49984" b="33566"/>
+                <a:stretch/>
+              </p:blipFill>
+              <p:spPr>
+                <a:xfrm>
+                  <a:off x="5370869" y="6093645"/>
+                  <a:ext cx="1703199" cy="972790"/>
+                </a:xfrm>
+                <a:prstGeom prst="rect">
+                  <a:avLst/>
+                </a:prstGeom>
+              </p:spPr>
+            </p:pic>
+            <p:pic>
+              <p:nvPicPr>
+                <p:cNvPr id="179" name="Picture 178">
+                  <a:extLst>
+                    <a:ext uri="{FF2B5EF4-FFF2-40B4-BE49-F238E27FC236}">
+                      <a16:creationId xmlns:a16="http://schemas.microsoft.com/office/drawing/2014/main" id="{F982828C-8CBA-394C-B25A-DD05EB6F5E5C}"/>
+                    </a:ext>
+                  </a:extLst>
+                </p:cNvPr>
+                <p:cNvPicPr>
+                  <a:picLocks noChangeAspect="1"/>
+                </p:cNvPicPr>
+                <p:nvPr/>
+              </p:nvPicPr>
+              <p:blipFill rotWithShape="1">
+                <a:blip r:embed="rId3"/>
+                <a:srcRect t="30185" r="49984" b="48900"/>
+                <a:stretch/>
+              </p:blipFill>
+              <p:spPr>
+                <a:xfrm>
+                  <a:off x="5371672" y="5661135"/>
+                  <a:ext cx="1703199" cy="561269"/>
+                </a:xfrm>
+                <a:prstGeom prst="rect">
+                  <a:avLst/>
+                </a:prstGeom>
+              </p:spPr>
+            </p:pic>
+          </p:grpSp>
+          <p:sp>
+            <p:nvSpPr>
+              <p:cNvPr id="149" name="TextBox 148">
+                <a:extLst>
+                  <a:ext uri="{FF2B5EF4-FFF2-40B4-BE49-F238E27FC236}">
+                    <a16:creationId xmlns:a16="http://schemas.microsoft.com/office/drawing/2014/main" id="{52A0FDFB-DF51-334B-8833-8976851DFE78}"/>
+                  </a:ext>
+                </a:extLst>
+              </p:cNvPr>
+              <p:cNvSpPr txBox="1"/>
+              <p:nvPr/>
+            </p:nvSpPr>
+            <p:spPr>
+              <a:xfrm>
+                <a:off x="5264947" y="7437843"/>
+                <a:ext cx="818659" cy="246221"/>
+              </a:xfrm>
+              <a:prstGeom prst="rect">
+                <a:avLst/>
+              </a:prstGeom>
+              <a:noFill/>
+            </p:spPr>
+            <p:txBody>
+              <a:bodyPr wrap="square" rtlCol="0">
+                <a:spAutoFit/>
+              </a:bodyPr>
+              <a:lstStyle/>
+              <a:p>
+                <a:r>
+                  <a:rPr lang="en-US" sz="1000" dirty="0"/>
+                  <a:t>Session 1</a:t>
+                </a:r>
+              </a:p>
+            </p:txBody>
+          </p:sp>
+          <p:sp>
+            <p:nvSpPr>
+              <p:cNvPr id="150" name="TextBox 149">
+                <a:extLst>
+                  <a:ext uri="{FF2B5EF4-FFF2-40B4-BE49-F238E27FC236}">
+                    <a16:creationId xmlns:a16="http://schemas.microsoft.com/office/drawing/2014/main" id="{F41C918F-E990-734F-8C8A-95EBF39D580A}"/>
+                  </a:ext>
+                </a:extLst>
+              </p:cNvPr>
+              <p:cNvSpPr txBox="1"/>
+              <p:nvPr/>
+            </p:nvSpPr>
+            <p:spPr>
+              <a:xfrm>
+                <a:off x="5843537" y="7447164"/>
+                <a:ext cx="769635" cy="246221"/>
+              </a:xfrm>
+              <a:prstGeom prst="rect">
+                <a:avLst/>
+              </a:prstGeom>
+              <a:noFill/>
+            </p:spPr>
+            <p:txBody>
+              <a:bodyPr wrap="square" rtlCol="0">
+                <a:spAutoFit/>
+              </a:bodyPr>
+              <a:lstStyle/>
+              <a:p>
+                <a:r>
+                  <a:rPr lang="en-US" sz="1000" dirty="0"/>
+                  <a:t>Session 2</a:t>
+                </a:r>
+              </a:p>
+            </p:txBody>
+          </p:sp>
+          <p:sp>
+            <p:nvSpPr>
+              <p:cNvPr id="151" name="TextBox 150">
+                <a:extLst>
+                  <a:ext uri="{FF2B5EF4-FFF2-40B4-BE49-F238E27FC236}">
+                    <a16:creationId xmlns:a16="http://schemas.microsoft.com/office/drawing/2014/main" id="{D79B51A8-C393-0647-B141-5145877213DA}"/>
+                  </a:ext>
+                </a:extLst>
+              </p:cNvPr>
+              <p:cNvSpPr txBox="1"/>
+              <p:nvPr/>
+            </p:nvSpPr>
+            <p:spPr>
+              <a:xfrm>
+                <a:off x="6477010" y="7368055"/>
+                <a:ext cx="421536" cy="276999"/>
+              </a:xfrm>
+              <a:prstGeom prst="rect">
+                <a:avLst/>
+              </a:prstGeom>
+              <a:noFill/>
+            </p:spPr>
+            <p:txBody>
+              <a:bodyPr wrap="square" rtlCol="0">
+                <a:spAutoFit/>
+              </a:bodyPr>
+              <a:lstStyle/>
+              <a:p>
+                <a:pPr algn="ctr"/>
+                <a:r>
+                  <a:rPr lang="en-US" sz="1200" dirty="0"/>
+                  <a:t>.…</a:t>
+                </a:r>
+              </a:p>
+            </p:txBody>
+          </p:sp>
+          <p:sp>
+            <p:nvSpPr>
+              <p:cNvPr id="152" name="TextBox 151">
+                <a:extLst>
+                  <a:ext uri="{FF2B5EF4-FFF2-40B4-BE49-F238E27FC236}">
+                    <a16:creationId xmlns:a16="http://schemas.microsoft.com/office/drawing/2014/main" id="{2B17802F-9687-C04C-8F44-5C0045E937AA}"/>
+                  </a:ext>
+                </a:extLst>
+              </p:cNvPr>
+              <p:cNvSpPr txBox="1"/>
+              <p:nvPr/>
+            </p:nvSpPr>
+            <p:spPr>
+              <a:xfrm>
+                <a:off x="6881003" y="7424189"/>
+                <a:ext cx="821894" cy="246221"/>
+              </a:xfrm>
+              <a:prstGeom prst="rect">
+                <a:avLst/>
+              </a:prstGeom>
+              <a:noFill/>
+            </p:spPr>
+            <p:txBody>
+              <a:bodyPr wrap="square" rtlCol="0">
+                <a:spAutoFit/>
+              </a:bodyPr>
+              <a:lstStyle/>
+              <a:p>
+                <a:r>
+                  <a:rPr lang="en-US" sz="1000" dirty="0"/>
+                  <a:t>Session 9</a:t>
+                </a:r>
+              </a:p>
+            </p:txBody>
+          </p:sp>
+        </p:grpSp>
+        <p:sp>
+          <p:nvSpPr>
+            <p:cNvPr id="153" name="Rectangle 152">
+              <a:extLst>
+                <a:ext uri="{FF2B5EF4-FFF2-40B4-BE49-F238E27FC236}">
+                  <a16:creationId xmlns:a16="http://schemas.microsoft.com/office/drawing/2014/main" id="{147C621D-9C36-3440-932B-2575854EE49B}"/>
+                </a:ext>
+              </a:extLst>
+            </p:cNvPr>
+            <p:cNvSpPr/>
+            <p:nvPr/>
+          </p:nvSpPr>
+          <p:spPr>
+            <a:xfrm>
+              <a:off x="443807" y="3491075"/>
+              <a:ext cx="4020241" cy="3049525"/>
+            </a:xfrm>
+            <a:prstGeom prst="rect">
+              <a:avLst/>
+            </a:prstGeom>
+            <a:noFill/>
+            <a:ln w="28575">
+              <a:solidFill>
+                <a:schemeClr val="tx1"/>
+              </a:solidFill>
+            </a:ln>
+          </p:spPr>
+          <p:style>
+            <a:lnRef idx="2">
+              <a:schemeClr val="accent1">
+                <a:shade val="50000"/>
+              </a:schemeClr>
+            </a:lnRef>
+            <a:fillRef idx="1">
+              <a:schemeClr val="accent1"/>
+            </a:fillRef>
+            <a:effectRef idx="0">
+              <a:schemeClr val="accent1"/>
+            </a:effectRef>
+            <a:fontRef idx="minor">
+              <a:schemeClr val="lt1"/>
+            </a:fontRef>
+          </p:style>
+          <p:txBody>
+            <a:bodyPr rtlCol="0" anchor="ctr"/>
+            <a:lstStyle/>
+            <a:p>
+              <a:pPr algn="ctr"/>
+              <a:endParaRPr lang="en-US" sz="1350"/>
+            </a:p>
+          </p:txBody>
+        </p:sp>
+        <p:sp>
+          <p:nvSpPr>
+            <p:cNvPr id="165" name="TextBox 164">
+              <a:extLst>
+                <a:ext uri="{FF2B5EF4-FFF2-40B4-BE49-F238E27FC236}">
+                  <a16:creationId xmlns:a16="http://schemas.microsoft.com/office/drawing/2014/main" id="{EEC1E19C-6C19-7444-8E15-AF2D491BAC26}"/>
+                </a:ext>
+              </a:extLst>
+            </p:cNvPr>
+            <p:cNvSpPr txBox="1"/>
+            <p:nvPr/>
+          </p:nvSpPr>
+          <p:spPr>
+            <a:xfrm>
+              <a:off x="4876448" y="6060649"/>
+              <a:ext cx="775138" cy="246221"/>
+            </a:xfrm>
+            <a:prstGeom prst="rect">
+              <a:avLst/>
+            </a:prstGeom>
+            <a:noFill/>
+          </p:spPr>
+          <p:txBody>
+            <a:bodyPr wrap="square" rtlCol="0">
+              <a:spAutoFit/>
+            </a:bodyPr>
+            <a:lstStyle/>
+            <a:p>
+              <a:r>
+                <a:rPr lang="en-US" sz="1000" dirty="0"/>
+                <a:t>Session 10</a:t>
+              </a:r>
+            </a:p>
+          </p:txBody>
+        </p:sp>
+        <p:sp>
+          <p:nvSpPr>
+            <p:cNvPr id="104" name="TextBox 103">
+              <a:extLst>
+                <a:ext uri="{FF2B5EF4-FFF2-40B4-BE49-F238E27FC236}">
+                  <a16:creationId xmlns:a16="http://schemas.microsoft.com/office/drawing/2014/main" id="{1099612A-7D56-6A4F-8CE7-AB727A0B7B91}"/>
+                </a:ext>
+              </a:extLst>
+            </p:cNvPr>
+            <p:cNvSpPr txBox="1"/>
+            <p:nvPr/>
+          </p:nvSpPr>
+          <p:spPr>
+            <a:xfrm>
+              <a:off x="4817420" y="3672009"/>
+              <a:ext cx="806067" cy="349968"/>
+            </a:xfrm>
+            <a:prstGeom prst="rect">
+              <a:avLst/>
+            </a:prstGeom>
+            <a:noFill/>
+          </p:spPr>
+          <p:txBody>
+            <a:bodyPr wrap="square" rtlCol="0">
+              <a:spAutoFit/>
+            </a:bodyPr>
+            <a:lstStyle/>
+            <a:p>
+              <a:r>
+                <a:rPr lang="en-US" dirty="0">
+                  <a:solidFill>
+                    <a:srgbClr val="0070C0"/>
+                  </a:solidFill>
+                </a:rPr>
+                <a:t>MSC01</a:t>
+              </a:r>
+            </a:p>
+          </p:txBody>
+        </p:sp>
+        <p:grpSp>
+          <p:nvGrpSpPr>
+            <p:cNvPr id="8" name="Group 7">
+              <a:extLst>
+                <a:ext uri="{FF2B5EF4-FFF2-40B4-BE49-F238E27FC236}">
+                  <a16:creationId xmlns:a16="http://schemas.microsoft.com/office/drawing/2014/main" id="{ADA3ADF8-5EAC-A14F-B4D5-66F50B2A4967}"/>
+                </a:ext>
+              </a:extLst>
+            </p:cNvPr>
+            <p:cNvGrpSpPr/>
+            <p:nvPr/>
+          </p:nvGrpSpPr>
+          <p:grpSpPr>
+            <a:xfrm>
+              <a:off x="4800487" y="3963731"/>
+              <a:ext cx="903526" cy="2107086"/>
+              <a:chOff x="4800487" y="3963731"/>
+              <a:chExt cx="903526" cy="2107086"/>
+            </a:xfrm>
+          </p:grpSpPr>
+          <p:pic>
+            <p:nvPicPr>
+              <p:cNvPr id="184" name="Picture 183">
+                <a:extLst>
+                  <a:ext uri="{FF2B5EF4-FFF2-40B4-BE49-F238E27FC236}">
+                    <a16:creationId xmlns:a16="http://schemas.microsoft.com/office/drawing/2014/main" id="{0D833588-73AD-9A4C-B681-1D2AF9ED908C}"/>
+                  </a:ext>
+                </a:extLst>
+              </p:cNvPr>
+              <p:cNvPicPr>
+                <a:picLocks noChangeAspect="1"/>
+              </p:cNvPicPr>
+              <p:nvPr/>
+            </p:nvPicPr>
+            <p:blipFill rotWithShape="1">
+              <a:blip r:embed="rId4">
+                <a:extLst>
+                  <a:ext uri="{BEBA8EAE-BF5A-486C-A8C5-ECC9F3942E4B}">
+                    <a14:imgProps xmlns:a14="http://schemas.microsoft.com/office/drawing/2010/main">
+                      <a14:imgLayer r:embed="rId5">
+                        <a14:imgEffect>
+                          <a14:backgroundRemoval t="34065" b="65413" l="781" r="49883">
+                            <a14:foregroundMark x1="13427" y1="64890" x2="13427" y2="64890"/>
+                            <a14:foregroundMark x1="13739" y1="64577" x2="13583" y2="51620"/>
+                            <a14:foregroundMark x1="13427" y1="48589" x2="13349" y2="35423"/>
+                            <a14:foregroundMark x1="10461" y1="64890" x2="10461" y2="51620"/>
+                            <a14:foregroundMark x1="10773" y1="58621" x2="10773" y2="58621"/>
+                            <a14:foregroundMark x1="26151" y1="64890" x2="26151" y2="52247"/>
+                            <a14:foregroundMark x1="26151" y1="48276" x2="26308" y2="34587"/>
+                            <a14:foregroundMark x1="1405" y1="48067" x2="10773" y2="48276"/>
+                            <a14:foregroundMark x1="39110" y1="48589" x2="38954" y2="35214"/>
+                          </a14:backgroundRemoval>
+                        </a14:imgEffect>
+                      </a14:imgLayer>
+                    </a14:imgProps>
+                  </a:ext>
+                </a:extLst>
+              </a:blip>
+              <a:srcRect t="32766" r="49984" b="33566"/>
+              <a:stretch/>
+            </p:blipFill>
+            <p:spPr>
+              <a:xfrm rot="5400000">
+                <a:off x="4400651" y="4767455"/>
+                <a:ext cx="1703199" cy="903525"/>
+              </a:xfrm>
+              <a:prstGeom prst="rect">
+                <a:avLst/>
+              </a:prstGeom>
+            </p:spPr>
+          </p:pic>
+          <p:pic>
+            <p:nvPicPr>
+              <p:cNvPr id="75" name="Picture 74">
+                <a:extLst>
+                  <a:ext uri="{FF2B5EF4-FFF2-40B4-BE49-F238E27FC236}">
+                    <a16:creationId xmlns:a16="http://schemas.microsoft.com/office/drawing/2014/main" id="{56E2AFA9-0D37-E44A-9A17-5180B7BF87A1}"/>
+                  </a:ext>
+                </a:extLst>
+              </p:cNvPr>
+              <p:cNvPicPr>
+                <a:picLocks noChangeAspect="1"/>
+              </p:cNvPicPr>
+              <p:nvPr/>
+            </p:nvPicPr>
+            <p:blipFill rotWithShape="1">
+              <a:blip r:embed="rId6">
+                <a:extLst>
+                  <a:ext uri="{BEBA8EAE-BF5A-486C-A8C5-ECC9F3942E4B}">
+                    <a14:imgProps xmlns:a14="http://schemas.microsoft.com/office/drawing/2010/main">
+                      <a14:imgLayer r:embed="rId7">
+                        <a14:imgEffect>
+                          <a14:backgroundRemoval t="34483" b="65831" l="0" r="10617">
+                            <a14:foregroundMark x1="1717" y1="52247" x2="10539" y2="52456"/>
+                          </a14:backgroundRemoval>
+                        </a14:imgEffect>
+                      </a14:imgLayer>
+                    </a14:imgProps>
+                  </a:ext>
+                </a:extLst>
+              </a:blip>
+              <a:srcRect t="32766" r="88129" b="33566"/>
+              <a:stretch/>
+            </p:blipFill>
+            <p:spPr>
+              <a:xfrm rot="5400000">
+                <a:off x="5050131" y="3714087"/>
+                <a:ext cx="404238" cy="903525"/>
+              </a:xfrm>
+              <a:prstGeom prst="rect">
+                <a:avLst/>
+              </a:prstGeom>
+            </p:spPr>
+          </p:pic>
+        </p:grpSp>
+        <p:grpSp>
+          <p:nvGrpSpPr>
+            <p:cNvPr id="6" name="Group 5">
+              <a:extLst>
+                <a:ext uri="{FF2B5EF4-FFF2-40B4-BE49-F238E27FC236}">
+                  <a16:creationId xmlns:a16="http://schemas.microsoft.com/office/drawing/2014/main" id="{BDD6ECB1-E6B5-6342-BC2D-9EB8FAF0665A}"/>
+                </a:ext>
+              </a:extLst>
+            </p:cNvPr>
+            <p:cNvGrpSpPr/>
+            <p:nvPr/>
+          </p:nvGrpSpPr>
+          <p:grpSpPr>
+            <a:xfrm>
+              <a:off x="5799092" y="3664171"/>
+              <a:ext cx="1148945" cy="2389885"/>
+              <a:chOff x="9667164" y="5142249"/>
+              <a:chExt cx="1148945" cy="2389886"/>
+            </a:xfrm>
+          </p:grpSpPr>
+          <p:sp>
+            <p:nvSpPr>
+              <p:cNvPr id="160" name="TextBox 159">
+                <a:extLst>
+                  <a:ext uri="{FF2B5EF4-FFF2-40B4-BE49-F238E27FC236}">
+                    <a16:creationId xmlns:a16="http://schemas.microsoft.com/office/drawing/2014/main" id="{3548A0E6-DCD9-C240-B6D8-DB6ABBC21BC3}"/>
+                  </a:ext>
+                </a:extLst>
+              </p:cNvPr>
+              <p:cNvSpPr txBox="1"/>
+              <p:nvPr/>
+            </p:nvSpPr>
+            <p:spPr>
+              <a:xfrm>
+                <a:off x="9695946" y="5142249"/>
+                <a:ext cx="1120163" cy="349968"/>
+              </a:xfrm>
+              <a:prstGeom prst="rect">
+                <a:avLst/>
+              </a:prstGeom>
+              <a:noFill/>
+            </p:spPr>
+            <p:txBody>
+              <a:bodyPr wrap="square" rtlCol="0">
+                <a:spAutoFit/>
+              </a:bodyPr>
+              <a:lstStyle/>
+              <a:p>
+                <a:r>
+                  <a:rPr lang="en-US" dirty="0">
+                    <a:solidFill>
+                      <a:srgbClr val="00B0F0"/>
+                    </a:solidFill>
+                  </a:rPr>
+                  <a:t>MSC02</a:t>
+                </a:r>
+              </a:p>
+            </p:txBody>
+          </p:sp>
+          <p:pic>
+            <p:nvPicPr>
+              <p:cNvPr id="185" name="Picture 184">
+                <a:extLst>
+                  <a:ext uri="{FF2B5EF4-FFF2-40B4-BE49-F238E27FC236}">
+                    <a16:creationId xmlns:a16="http://schemas.microsoft.com/office/drawing/2014/main" id="{A9F950DA-159D-C74A-8C65-E95B282D9C21}"/>
+                  </a:ext>
+                </a:extLst>
+              </p:cNvPr>
+              <p:cNvPicPr>
+                <a:picLocks noChangeAspect="1"/>
+              </p:cNvPicPr>
+              <p:nvPr/>
+            </p:nvPicPr>
+            <p:blipFill rotWithShape="1">
+              <a:blip r:embed="rId3"/>
+              <a:srcRect t="32766" r="49984" b="33566"/>
+              <a:stretch/>
+            </p:blipFill>
+            <p:spPr>
+              <a:xfrm rot="5400000">
+                <a:off x="9267328" y="6228773"/>
+                <a:ext cx="1703199" cy="903525"/>
+              </a:xfrm>
+              <a:prstGeom prst="rect">
+                <a:avLst/>
+              </a:prstGeom>
+            </p:spPr>
+          </p:pic>
+          <p:pic>
+            <p:nvPicPr>
+              <p:cNvPr id="82" name="Picture 81">
+                <a:extLst>
+                  <a:ext uri="{FF2B5EF4-FFF2-40B4-BE49-F238E27FC236}">
+                    <a16:creationId xmlns:a16="http://schemas.microsoft.com/office/drawing/2014/main" id="{215D9473-582F-BE45-AFED-3B2B0C12F9B6}"/>
+                  </a:ext>
+                </a:extLst>
+              </p:cNvPr>
+              <p:cNvPicPr>
+                <a:picLocks noChangeAspect="1"/>
+              </p:cNvPicPr>
+              <p:nvPr/>
+            </p:nvPicPr>
+            <p:blipFill rotWithShape="1">
+              <a:blip r:embed="rId3"/>
+              <a:srcRect t="32766" r="88129" b="33566"/>
+              <a:stretch/>
+            </p:blipFill>
+            <p:spPr>
+              <a:xfrm rot="5400000">
+                <a:off x="9916808" y="5171325"/>
+                <a:ext cx="404238" cy="903525"/>
+              </a:xfrm>
+              <a:prstGeom prst="rect">
+                <a:avLst/>
+              </a:prstGeom>
+            </p:spPr>
+          </p:pic>
+        </p:grpSp>
+        <p:sp>
+          <p:nvSpPr>
+            <p:cNvPr id="85" name="TextBox 84">
+              <a:extLst>
+                <a:ext uri="{FF2B5EF4-FFF2-40B4-BE49-F238E27FC236}">
+                  <a16:creationId xmlns:a16="http://schemas.microsoft.com/office/drawing/2014/main" id="{94A8E02C-969B-BD4F-ACA1-0FCC2243AC5F}"/>
+                </a:ext>
+              </a:extLst>
+            </p:cNvPr>
+            <p:cNvSpPr txBox="1"/>
+            <p:nvPr/>
+          </p:nvSpPr>
+          <p:spPr>
+            <a:xfrm>
+              <a:off x="1159074" y="3474952"/>
+              <a:ext cx="1041016" cy="349968"/>
+            </a:xfrm>
+            <a:prstGeom prst="rect">
+              <a:avLst/>
+            </a:prstGeom>
+            <a:noFill/>
+          </p:spPr>
+          <p:txBody>
+            <a:bodyPr wrap="square" rtlCol="0">
+              <a:spAutoFit/>
+            </a:bodyPr>
+            <a:lstStyle/>
+            <a:p>
+              <a:r>
+                <a:rPr lang="en-US" dirty="0">
+                  <a:solidFill>
+                    <a:srgbClr val="0070C0"/>
+                  </a:solidFill>
+                </a:rPr>
+                <a:t>MSC01</a:t>
+              </a:r>
+              <a:endParaRPr lang="en-US" sz="1600" dirty="0">
+                <a:solidFill>
+                  <a:srgbClr val="0070C0"/>
+                </a:solidFill>
+              </a:endParaRPr>
+            </a:p>
+          </p:txBody>
+        </p:sp>
+        <p:sp>
+          <p:nvSpPr>
+            <p:cNvPr id="71" name="TextBox 70">
+              <a:extLst>
+                <a:ext uri="{FF2B5EF4-FFF2-40B4-BE49-F238E27FC236}">
+                  <a16:creationId xmlns:a16="http://schemas.microsoft.com/office/drawing/2014/main" id="{ECC09440-8454-FC4D-8AC9-A9ED9D8839D4}"/>
+                </a:ext>
+              </a:extLst>
+            </p:cNvPr>
+            <p:cNvSpPr txBox="1"/>
+            <p:nvPr/>
+          </p:nvSpPr>
+          <p:spPr>
+            <a:xfrm>
+              <a:off x="5897893" y="6060649"/>
+              <a:ext cx="775138" cy="246221"/>
+            </a:xfrm>
+            <a:prstGeom prst="rect">
+              <a:avLst/>
+            </a:prstGeom>
+            <a:noFill/>
+          </p:spPr>
+          <p:txBody>
+            <a:bodyPr wrap="square" rtlCol="0">
+              <a:spAutoFit/>
+            </a:bodyPr>
+            <a:lstStyle/>
+            <a:p>
+              <a:r>
+                <a:rPr lang="en-US" sz="1000" dirty="0"/>
+                <a:t>Session 10</a:t>
+              </a:r>
+            </a:p>
+          </p:txBody>
+        </p:sp>
+      </p:grpSp>
+      <p:grpSp>
+        <p:nvGrpSpPr>
+          <p:cNvPr id="7" name="Group 6">
+            <a:extLst>
+              <a:ext uri="{FF2B5EF4-FFF2-40B4-BE49-F238E27FC236}">
+                <a16:creationId xmlns:a16="http://schemas.microsoft.com/office/drawing/2014/main" id="{87C4D362-6354-C443-A2CD-44148041EB2C}"/>
+              </a:ext>
+            </a:extLst>
+          </p:cNvPr>
+          <p:cNvGrpSpPr/>
+          <p:nvPr/>
+        </p:nvGrpSpPr>
+        <p:grpSpPr>
+          <a:xfrm>
+            <a:off x="145289" y="3350776"/>
+            <a:ext cx="6710727" cy="2462517"/>
+            <a:chOff x="130405" y="6530816"/>
+            <a:chExt cx="6710727" cy="2462517"/>
+          </a:xfrm>
+        </p:grpSpPr>
+        <p:pic>
+          <p:nvPicPr>
+            <p:cNvPr id="72" name="Picture 71">
+              <a:extLst>
+                <a:ext uri="{FF2B5EF4-FFF2-40B4-BE49-F238E27FC236}">
+                  <a16:creationId xmlns:a16="http://schemas.microsoft.com/office/drawing/2014/main" id="{60A59F33-2A12-2746-9DD5-704A8BA36731}"/>
+                </a:ext>
+              </a:extLst>
+            </p:cNvPr>
+            <p:cNvPicPr>
+              <a:picLocks noChangeAspect="1"/>
+            </p:cNvPicPr>
+            <p:nvPr/>
+          </p:nvPicPr>
+          <p:blipFill rotWithShape="1">
+            <a:blip r:embed="rId3"/>
+            <a:srcRect t="30185" r="49984" b="29388"/>
+            <a:stretch/>
+          </p:blipFill>
+          <p:spPr>
+            <a:xfrm>
+              <a:off x="1115600" y="6817691"/>
+              <a:ext cx="3359742" cy="2140127"/>
+            </a:xfrm>
+            <a:prstGeom prst="rect">
+              <a:avLst/>
+            </a:prstGeom>
+          </p:spPr>
+        </p:pic>
+        <p:sp>
+          <p:nvSpPr>
+            <p:cNvPr id="73" name="TextBox 72">
+              <a:extLst>
+                <a:ext uri="{FF2B5EF4-FFF2-40B4-BE49-F238E27FC236}">
+                  <a16:creationId xmlns:a16="http://schemas.microsoft.com/office/drawing/2014/main" id="{4C7C1EE5-8C21-A149-AEA8-AE0F252D5DFD}"/>
+                </a:ext>
+              </a:extLst>
+            </p:cNvPr>
+            <p:cNvSpPr txBox="1"/>
+            <p:nvPr/>
+          </p:nvSpPr>
+          <p:spPr>
+            <a:xfrm>
+              <a:off x="382997" y="7225878"/>
+              <a:ext cx="804047" cy="338554"/>
+            </a:xfrm>
+            <a:prstGeom prst="rect">
+              <a:avLst/>
+            </a:prstGeom>
+            <a:noFill/>
+          </p:spPr>
+          <p:txBody>
+            <a:bodyPr wrap="square" rtlCol="0">
+              <a:spAutoFit/>
+            </a:bodyPr>
+            <a:lstStyle/>
+            <a:p>
+              <a:pPr algn="r"/>
+              <a:r>
+                <a:rPr lang="en-US" sz="1600" dirty="0">
+                  <a:solidFill>
+                    <a:srgbClr val="00B050"/>
+                  </a:solidFill>
+                </a:rPr>
+                <a:t>Motor</a:t>
+              </a:r>
+            </a:p>
+          </p:txBody>
+        </p:sp>
+        <p:sp>
+          <p:nvSpPr>
+            <p:cNvPr id="74" name="TextBox 73">
+              <a:extLst>
+                <a:ext uri="{FF2B5EF4-FFF2-40B4-BE49-F238E27FC236}">
+                  <a16:creationId xmlns:a16="http://schemas.microsoft.com/office/drawing/2014/main" id="{BB8F45C8-29E8-E446-B8B5-E4F1C8641345}"/>
+                </a:ext>
+              </a:extLst>
+            </p:cNvPr>
+            <p:cNvSpPr txBox="1"/>
+            <p:nvPr/>
+          </p:nvSpPr>
+          <p:spPr>
+            <a:xfrm>
+              <a:off x="447938" y="8135292"/>
+              <a:ext cx="739098" cy="338554"/>
+            </a:xfrm>
+            <a:prstGeom prst="rect">
+              <a:avLst/>
+            </a:prstGeom>
+            <a:noFill/>
+          </p:spPr>
+          <p:txBody>
+            <a:bodyPr wrap="square" rtlCol="0">
+              <a:spAutoFit/>
+            </a:bodyPr>
+            <a:lstStyle/>
+            <a:p>
+              <a:pPr algn="r"/>
+              <a:r>
+                <a:rPr lang="en-US" sz="1600" dirty="0"/>
+                <a:t>Rest</a:t>
+              </a:r>
+            </a:p>
+          </p:txBody>
+        </p:sp>
+        <p:sp>
+          <p:nvSpPr>
+            <p:cNvPr id="76" name="TextBox 75">
+              <a:extLst>
+                <a:ext uri="{FF2B5EF4-FFF2-40B4-BE49-F238E27FC236}">
+                  <a16:creationId xmlns:a16="http://schemas.microsoft.com/office/drawing/2014/main" id="{65FB9F2F-9888-BB42-AD21-427702718A06}"/>
+                </a:ext>
+              </a:extLst>
+            </p:cNvPr>
+            <p:cNvSpPr txBox="1"/>
+            <p:nvPr/>
+          </p:nvSpPr>
+          <p:spPr>
+            <a:xfrm>
+              <a:off x="1177039" y="8692954"/>
+              <a:ext cx="704610" cy="246221"/>
+            </a:xfrm>
+            <a:prstGeom prst="rect">
+              <a:avLst/>
+            </a:prstGeom>
+            <a:noFill/>
+          </p:spPr>
+          <p:txBody>
+            <a:bodyPr wrap="square" rtlCol="0">
+              <a:spAutoFit/>
+            </a:bodyPr>
+            <a:lstStyle/>
+            <a:p>
+              <a:r>
+                <a:rPr lang="en-US" sz="1000" dirty="0"/>
+                <a:t>Session 1</a:t>
+              </a:r>
+            </a:p>
+          </p:txBody>
+        </p:sp>
+        <p:sp>
+          <p:nvSpPr>
+            <p:cNvPr id="77" name="TextBox 76">
+              <a:extLst>
+                <a:ext uri="{FF2B5EF4-FFF2-40B4-BE49-F238E27FC236}">
+                  <a16:creationId xmlns:a16="http://schemas.microsoft.com/office/drawing/2014/main" id="{7C03CDB6-4F53-9040-B4E0-7AFB21FE1684}"/>
+                </a:ext>
+              </a:extLst>
+            </p:cNvPr>
+            <p:cNvSpPr txBox="1"/>
+            <p:nvPr/>
+          </p:nvSpPr>
+          <p:spPr>
+            <a:xfrm>
+              <a:off x="2069455" y="8692955"/>
+              <a:ext cx="747048" cy="246221"/>
+            </a:xfrm>
+            <a:prstGeom prst="rect">
+              <a:avLst/>
+            </a:prstGeom>
+            <a:noFill/>
+          </p:spPr>
+          <p:txBody>
+            <a:bodyPr wrap="square" rtlCol="0">
+              <a:spAutoFit/>
+            </a:bodyPr>
+            <a:lstStyle/>
+            <a:p>
+              <a:r>
+                <a:rPr lang="en-US" sz="1000" dirty="0"/>
+                <a:t>Session 2</a:t>
+              </a:r>
+            </a:p>
+          </p:txBody>
+        </p:sp>
+        <p:sp>
+          <p:nvSpPr>
+            <p:cNvPr id="78" name="TextBox 77">
+              <a:extLst>
+                <a:ext uri="{FF2B5EF4-FFF2-40B4-BE49-F238E27FC236}">
+                  <a16:creationId xmlns:a16="http://schemas.microsoft.com/office/drawing/2014/main" id="{829E2E5F-4B66-0043-ABE8-257EEDF99E1B}"/>
+                </a:ext>
+              </a:extLst>
+            </p:cNvPr>
+            <p:cNvSpPr txBox="1"/>
+            <p:nvPr/>
+          </p:nvSpPr>
+          <p:spPr>
+            <a:xfrm>
+              <a:off x="2978130" y="8569834"/>
+              <a:ext cx="421536" cy="349968"/>
+            </a:xfrm>
+            <a:prstGeom prst="rect">
+              <a:avLst/>
+            </a:prstGeom>
+            <a:noFill/>
+          </p:spPr>
+          <p:txBody>
+            <a:bodyPr wrap="square" rtlCol="0">
+              <a:spAutoFit/>
+            </a:bodyPr>
+            <a:lstStyle/>
+            <a:p>
+              <a:pPr algn="ctr"/>
+              <a:r>
+                <a:rPr lang="en-US" dirty="0"/>
+                <a:t>.…</a:t>
+              </a:r>
+            </a:p>
+          </p:txBody>
+        </p:sp>
+        <p:sp>
+          <p:nvSpPr>
+            <p:cNvPr id="79" name="TextBox 78">
+              <a:extLst>
+                <a:ext uri="{FF2B5EF4-FFF2-40B4-BE49-F238E27FC236}">
+                  <a16:creationId xmlns:a16="http://schemas.microsoft.com/office/drawing/2014/main" id="{F8872E11-6506-EE43-9E95-C1CEB1B0D1D5}"/>
+                </a:ext>
+              </a:extLst>
+            </p:cNvPr>
+            <p:cNvSpPr txBox="1"/>
+            <p:nvPr/>
+          </p:nvSpPr>
+          <p:spPr>
+            <a:xfrm>
+              <a:off x="3745694" y="8692955"/>
+              <a:ext cx="805310" cy="246221"/>
+            </a:xfrm>
+            <a:prstGeom prst="rect">
+              <a:avLst/>
+            </a:prstGeom>
+            <a:noFill/>
+          </p:spPr>
+          <p:txBody>
+            <a:bodyPr wrap="square" rtlCol="0">
+              <a:spAutoFit/>
+            </a:bodyPr>
+            <a:lstStyle/>
+            <a:p>
+              <a:r>
+                <a:rPr lang="en-US" sz="1000" dirty="0"/>
+                <a:t>Session 9</a:t>
+              </a:r>
+            </a:p>
+          </p:txBody>
+        </p:sp>
+        <p:sp>
+          <p:nvSpPr>
+            <p:cNvPr id="80" name="Rectangle 79">
+              <a:extLst>
+                <a:ext uri="{FF2B5EF4-FFF2-40B4-BE49-F238E27FC236}">
+                  <a16:creationId xmlns:a16="http://schemas.microsoft.com/office/drawing/2014/main" id="{BF7B54BC-395F-8B4F-AC57-CE13C748FBF2}"/>
+                </a:ext>
+              </a:extLst>
+            </p:cNvPr>
+            <p:cNvSpPr/>
+            <p:nvPr/>
+          </p:nvSpPr>
+          <p:spPr>
+            <a:xfrm>
+              <a:off x="444122" y="6667973"/>
+              <a:ext cx="4019927" cy="2325360"/>
+            </a:xfrm>
+            <a:prstGeom prst="rect">
+              <a:avLst/>
+            </a:prstGeom>
+            <a:noFill/>
+            <a:ln w="28575">
+              <a:solidFill>
+                <a:schemeClr val="tx1"/>
+              </a:solidFill>
+            </a:ln>
+          </p:spPr>
+          <p:style>
+            <a:lnRef idx="2">
+              <a:schemeClr val="accent1">
+                <a:shade val="50000"/>
+              </a:schemeClr>
+            </a:lnRef>
+            <a:fillRef idx="1">
+              <a:schemeClr val="accent1"/>
+            </a:fillRef>
+            <a:effectRef idx="0">
+              <a:schemeClr val="accent1"/>
+            </a:effectRef>
+            <a:fontRef idx="minor">
+              <a:schemeClr val="lt1"/>
+            </a:fontRef>
+          </p:style>
+          <p:txBody>
+            <a:bodyPr rtlCol="0" anchor="ctr"/>
+            <a:lstStyle/>
+            <a:p>
+              <a:pPr algn="ctr"/>
+              <a:endParaRPr lang="en-US" sz="1350"/>
+            </a:p>
+          </p:txBody>
+        </p:sp>
+        <p:sp>
+          <p:nvSpPr>
+            <p:cNvPr id="83" name="Rectangle 82">
+              <a:extLst>
+                <a:ext uri="{FF2B5EF4-FFF2-40B4-BE49-F238E27FC236}">
+                  <a16:creationId xmlns:a16="http://schemas.microsoft.com/office/drawing/2014/main" id="{811DF2AC-05C2-D442-B108-7C9CEACDE59D}"/>
+                </a:ext>
+              </a:extLst>
+            </p:cNvPr>
+            <p:cNvSpPr/>
+            <p:nvPr/>
+          </p:nvSpPr>
+          <p:spPr>
+            <a:xfrm>
+              <a:off x="4606607" y="6667973"/>
+              <a:ext cx="2213582" cy="2325360"/>
+            </a:xfrm>
+            <a:prstGeom prst="rect">
+              <a:avLst/>
+            </a:prstGeom>
+            <a:noFill/>
+            <a:ln w="28575">
+              <a:solidFill>
+                <a:schemeClr val="tx1"/>
+              </a:solidFill>
+            </a:ln>
+          </p:spPr>
+          <p:style>
+            <a:lnRef idx="2">
+              <a:schemeClr val="accent1">
+                <a:shade val="50000"/>
+              </a:schemeClr>
+            </a:lnRef>
+            <a:fillRef idx="1">
+              <a:schemeClr val="accent1"/>
+            </a:fillRef>
+            <a:effectRef idx="0">
+              <a:schemeClr val="accent1"/>
+            </a:effectRef>
+            <a:fontRef idx="minor">
+              <a:schemeClr val="lt1"/>
+            </a:fontRef>
+          </p:style>
+          <p:txBody>
+            <a:bodyPr rtlCol="0" anchor="ctr"/>
+            <a:lstStyle/>
+            <a:p>
+              <a:pPr algn="ctr"/>
+              <a:endParaRPr lang="en-US" sz="1350"/>
+            </a:p>
+          </p:txBody>
+        </p:sp>
+        <p:sp>
+          <p:nvSpPr>
+            <p:cNvPr id="87" name="TextBox 86">
+              <a:extLst>
+                <a:ext uri="{FF2B5EF4-FFF2-40B4-BE49-F238E27FC236}">
+                  <a16:creationId xmlns:a16="http://schemas.microsoft.com/office/drawing/2014/main" id="{FABFD1EB-45A5-6C4B-96A7-6A05D6CFD5B7}"/>
+                </a:ext>
+              </a:extLst>
+            </p:cNvPr>
+            <p:cNvSpPr txBox="1"/>
+            <p:nvPr/>
+          </p:nvSpPr>
+          <p:spPr>
+            <a:xfrm>
+              <a:off x="5840391" y="6716490"/>
+              <a:ext cx="1000741" cy="349968"/>
+            </a:xfrm>
+            <a:prstGeom prst="rect">
+              <a:avLst/>
+            </a:prstGeom>
+            <a:noFill/>
+          </p:spPr>
+          <p:txBody>
+            <a:bodyPr wrap="square" rtlCol="0">
+              <a:spAutoFit/>
+            </a:bodyPr>
+            <a:lstStyle/>
+            <a:p>
+              <a:r>
+                <a:rPr lang="en-US" dirty="0">
+                  <a:solidFill>
+                    <a:srgbClr val="00B0F0"/>
+                  </a:solidFill>
+                </a:rPr>
+                <a:t>MSC02</a:t>
+              </a:r>
+            </a:p>
+          </p:txBody>
+        </p:sp>
+        <p:pic>
+          <p:nvPicPr>
+            <p:cNvPr id="88" name="Picture 87">
+              <a:extLst>
+                <a:ext uri="{FF2B5EF4-FFF2-40B4-BE49-F238E27FC236}">
+                  <a16:creationId xmlns:a16="http://schemas.microsoft.com/office/drawing/2014/main" id="{EE5E8CA4-C83B-F543-AEE2-3B96F7D5314C}"/>
+                </a:ext>
+              </a:extLst>
+            </p:cNvPr>
+            <p:cNvPicPr>
+              <a:picLocks noChangeAspect="1"/>
+            </p:cNvPicPr>
+            <p:nvPr/>
+          </p:nvPicPr>
+          <p:blipFill rotWithShape="1">
+            <a:blip r:embed="rId3"/>
+            <a:srcRect l="75916" t="-2" r="12672" b="67934"/>
+            <a:stretch/>
+          </p:blipFill>
+          <p:spPr>
+            <a:xfrm>
+              <a:off x="5873653" y="7013725"/>
+              <a:ext cx="785890" cy="1737359"/>
+            </a:xfrm>
+            <a:prstGeom prst="rect">
+              <a:avLst/>
+            </a:prstGeom>
+          </p:spPr>
+        </p:pic>
+        <p:sp>
+          <p:nvSpPr>
+            <p:cNvPr id="147" name="TextBox 146">
+              <a:extLst>
+                <a:ext uri="{FF2B5EF4-FFF2-40B4-BE49-F238E27FC236}">
+                  <a16:creationId xmlns:a16="http://schemas.microsoft.com/office/drawing/2014/main" id="{FE3D4AD7-48BC-F342-BDC0-C4236B805C97}"/>
+                </a:ext>
+              </a:extLst>
+            </p:cNvPr>
+            <p:cNvSpPr txBox="1"/>
+            <p:nvPr/>
+          </p:nvSpPr>
+          <p:spPr>
+            <a:xfrm>
+              <a:off x="130405" y="6530816"/>
+              <a:ext cx="349776" cy="461665"/>
+            </a:xfrm>
+            <a:prstGeom prst="rect">
+              <a:avLst/>
+            </a:prstGeom>
+            <a:noFill/>
+          </p:spPr>
+          <p:txBody>
+            <a:bodyPr wrap="none" rtlCol="0">
+              <a:spAutoFit/>
+            </a:bodyPr>
+            <a:lstStyle/>
+            <a:p>
+              <a:r>
+                <a:rPr lang="en-US" sz="2400" b="1" dirty="0"/>
+                <a:t>b</a:t>
+              </a:r>
+            </a:p>
+          </p:txBody>
+        </p:sp>
+        <p:sp>
+          <p:nvSpPr>
+            <p:cNvPr id="84" name="TextBox 83">
+              <a:extLst>
+                <a:ext uri="{FF2B5EF4-FFF2-40B4-BE49-F238E27FC236}">
+                  <a16:creationId xmlns:a16="http://schemas.microsoft.com/office/drawing/2014/main" id="{29B0D1C7-22B1-7D41-9C42-62FA2F1F6CA9}"/>
+                </a:ext>
+              </a:extLst>
+            </p:cNvPr>
+            <p:cNvSpPr txBox="1"/>
+            <p:nvPr/>
+          </p:nvSpPr>
+          <p:spPr>
+            <a:xfrm>
+              <a:off x="1108954" y="6721932"/>
+              <a:ext cx="1041016" cy="349968"/>
+            </a:xfrm>
+            <a:prstGeom prst="rect">
+              <a:avLst/>
+            </a:prstGeom>
+            <a:noFill/>
+          </p:spPr>
+          <p:txBody>
+            <a:bodyPr wrap="square" rtlCol="0">
+              <a:spAutoFit/>
+            </a:bodyPr>
+            <a:lstStyle/>
+            <a:p>
+              <a:r>
+                <a:rPr lang="en-US" dirty="0">
+                  <a:solidFill>
+                    <a:srgbClr val="0070C0"/>
+                  </a:solidFill>
+                </a:rPr>
+                <a:t>MSC01</a:t>
+              </a:r>
+              <a:endParaRPr lang="en-US" sz="1600" dirty="0">
+                <a:solidFill>
+                  <a:srgbClr val="0070C0"/>
+                </a:solidFill>
+              </a:endParaRPr>
+            </a:p>
+          </p:txBody>
+        </p:sp>
+        <p:sp>
+          <p:nvSpPr>
+            <p:cNvPr id="81" name="TextBox 80">
+              <a:extLst>
+                <a:ext uri="{FF2B5EF4-FFF2-40B4-BE49-F238E27FC236}">
+                  <a16:creationId xmlns:a16="http://schemas.microsoft.com/office/drawing/2014/main" id="{F5081E1B-6FD6-2449-BC84-1A9A26A0641B}"/>
+                </a:ext>
+              </a:extLst>
+            </p:cNvPr>
+            <p:cNvSpPr txBox="1"/>
+            <p:nvPr/>
+          </p:nvSpPr>
+          <p:spPr>
+            <a:xfrm>
+              <a:off x="5908889" y="8692954"/>
+              <a:ext cx="783761" cy="246221"/>
+            </a:xfrm>
+            <a:prstGeom prst="rect">
+              <a:avLst/>
+            </a:prstGeom>
+            <a:noFill/>
+          </p:spPr>
+          <p:txBody>
+            <a:bodyPr wrap="square" rtlCol="0">
+              <a:spAutoFit/>
+            </a:bodyPr>
+            <a:lstStyle/>
+            <a:p>
+              <a:r>
+                <a:rPr lang="en-US" sz="1000" dirty="0"/>
+                <a:t>Session 10</a:t>
+              </a:r>
+            </a:p>
+          </p:txBody>
+        </p:sp>
+        <p:sp>
+          <p:nvSpPr>
+            <p:cNvPr id="93" name="Rectangle 92">
+              <a:extLst>
+                <a:ext uri="{FF2B5EF4-FFF2-40B4-BE49-F238E27FC236}">
+                  <a16:creationId xmlns:a16="http://schemas.microsoft.com/office/drawing/2014/main" id="{03F6446F-B8D4-C24D-8417-3048B9B11219}"/>
+                </a:ext>
+              </a:extLst>
+            </p:cNvPr>
+            <p:cNvSpPr>
+              <a:spLocks/>
+            </p:cNvSpPr>
+            <p:nvPr/>
+          </p:nvSpPr>
+          <p:spPr>
+            <a:xfrm>
+              <a:off x="4793145" y="6761095"/>
+              <a:ext cx="914400" cy="2194560"/>
+            </a:xfrm>
+            <a:prstGeom prst="rect">
+              <a:avLst/>
+            </a:prstGeom>
+            <a:solidFill>
+              <a:schemeClr val="bg2">
+                <a:lumMod val="25000"/>
+                <a:alpha val="35000"/>
+              </a:schemeClr>
+            </a:solidFill>
+            <a:ln>
+              <a:noFill/>
+            </a:ln>
+          </p:spPr>
+          <p:style>
+            <a:lnRef idx="1">
+              <a:schemeClr val="accent3"/>
+            </a:lnRef>
+            <a:fillRef idx="2">
+              <a:schemeClr val="accent3"/>
+            </a:fillRef>
+            <a:effectRef idx="1">
+              <a:schemeClr val="accent3"/>
+            </a:effectRef>
+            <a:fontRef idx="minor">
+              <a:schemeClr val="dk1"/>
+            </a:fontRef>
+          </p:style>
+          <p:txBody>
+            <a:bodyPr rtlCol="0" anchor="ctr"/>
+            <a:lstStyle/>
+            <a:p>
+              <a:pPr algn="ctr"/>
+              <a:endParaRPr lang="en-US"/>
+            </a:p>
+          </p:txBody>
+        </p:sp>
+        <p:sp>
+          <p:nvSpPr>
+            <p:cNvPr id="94" name="TextBox 93">
+              <a:extLst>
+                <a:ext uri="{FF2B5EF4-FFF2-40B4-BE49-F238E27FC236}">
+                  <a16:creationId xmlns:a16="http://schemas.microsoft.com/office/drawing/2014/main" id="{D4C1186E-649D-DC49-A4B3-A6A983A803D6}"/>
+                </a:ext>
+              </a:extLst>
+            </p:cNvPr>
+            <p:cNvSpPr txBox="1"/>
+            <p:nvPr/>
+          </p:nvSpPr>
+          <p:spPr>
+            <a:xfrm>
+              <a:off x="4860379" y="8719988"/>
+              <a:ext cx="998173" cy="246221"/>
+            </a:xfrm>
+            <a:prstGeom prst="rect">
+              <a:avLst/>
+            </a:prstGeom>
+            <a:noFill/>
+          </p:spPr>
+          <p:txBody>
+            <a:bodyPr wrap="square" rtlCol="0">
+              <a:spAutoFit/>
+            </a:bodyPr>
+            <a:lstStyle/>
+            <a:p>
+              <a:r>
+                <a:rPr lang="en-US" sz="1000" dirty="0"/>
+                <a:t>Session 10</a:t>
+              </a:r>
+            </a:p>
+          </p:txBody>
+        </p:sp>
+        <p:sp>
+          <p:nvSpPr>
+            <p:cNvPr id="95" name="TextBox 94">
+              <a:extLst>
+                <a:ext uri="{FF2B5EF4-FFF2-40B4-BE49-F238E27FC236}">
+                  <a16:creationId xmlns:a16="http://schemas.microsoft.com/office/drawing/2014/main" id="{C40F0139-8826-0441-A2B1-6EE45FC3C221}"/>
+                </a:ext>
+              </a:extLst>
+            </p:cNvPr>
+            <p:cNvSpPr txBox="1"/>
+            <p:nvPr/>
+          </p:nvSpPr>
+          <p:spPr>
+            <a:xfrm>
+              <a:off x="4823221" y="6712778"/>
+              <a:ext cx="800267" cy="349968"/>
+            </a:xfrm>
+            <a:prstGeom prst="rect">
+              <a:avLst/>
+            </a:prstGeom>
+            <a:noFill/>
+          </p:spPr>
+          <p:txBody>
+            <a:bodyPr wrap="square" rtlCol="0">
+              <a:spAutoFit/>
+            </a:bodyPr>
+            <a:lstStyle/>
+            <a:p>
+              <a:r>
+                <a:rPr lang="en-US" dirty="0">
+                  <a:solidFill>
+                    <a:srgbClr val="0070C0"/>
+                  </a:solidFill>
+                </a:rPr>
+                <a:t>MSC01</a:t>
+              </a:r>
+              <a:endParaRPr lang="en-US" sz="1600" dirty="0">
+                <a:solidFill>
+                  <a:srgbClr val="0070C0"/>
+                </a:solidFill>
+              </a:endParaRPr>
+            </a:p>
+          </p:txBody>
+        </p:sp>
+        <p:pic>
+          <p:nvPicPr>
+            <p:cNvPr id="96" name="Picture 95">
+              <a:extLst>
+                <a:ext uri="{FF2B5EF4-FFF2-40B4-BE49-F238E27FC236}">
+                  <a16:creationId xmlns:a16="http://schemas.microsoft.com/office/drawing/2014/main" id="{89F776D5-456A-FC40-B947-A281F707EABC}"/>
+                </a:ext>
+              </a:extLst>
+            </p:cNvPr>
+            <p:cNvPicPr>
+              <a:picLocks noChangeAspect="1"/>
+            </p:cNvPicPr>
+            <p:nvPr/>
+          </p:nvPicPr>
+          <p:blipFill rotWithShape="1">
+            <a:blip r:embed="rId8">
+              <a:alphaModFix/>
+              <a:extLst>
+                <a:ext uri="{BEBA8EAE-BF5A-486C-A8C5-ECC9F3942E4B}">
+                  <a14:imgProps xmlns:a14="http://schemas.microsoft.com/office/drawing/2010/main">
+                    <a14:imgLayer>
+                      <a14:imgEffect>
+                        <a14:backgroundRemoval t="627" b="31243" l="76581" r="86807">
+                          <a14:foregroundMark x1="76581" y1="17764" x2="86651" y2="17764"/>
+                          <a14:foregroundMark x1="86807" y1="18286" x2="86807" y2="31243"/>
+                        </a14:backgroundRemoval>
+                      </a14:imgEffect>
+                      <a14:imgEffect>
+                        <a14:saturation sat="400000"/>
+                      </a14:imgEffect>
+                    </a14:imgLayer>
+                  </a14:imgProps>
+                </a:ext>
+              </a:extLst>
+            </a:blip>
+            <a:srcRect l="75916" t="-2" r="12672" b="67934"/>
+            <a:stretch/>
+          </p:blipFill>
+          <p:spPr>
+            <a:xfrm>
+              <a:off x="4837598" y="7011110"/>
+              <a:ext cx="785890" cy="1737359"/>
+            </a:xfrm>
+            <a:prstGeom prst="rect">
+              <a:avLst/>
+            </a:prstGeom>
+          </p:spPr>
+        </p:pic>
+      </p:grpSp>
+      <p:grpSp>
+        <p:nvGrpSpPr>
+          <p:cNvPr id="9" name="Group 8">
+            <a:extLst>
+              <a:ext uri="{FF2B5EF4-FFF2-40B4-BE49-F238E27FC236}">
+                <a16:creationId xmlns:a16="http://schemas.microsoft.com/office/drawing/2014/main" id="{85FE49F9-2C0F-FE48-B9BE-2699B7AA8633}"/>
+              </a:ext>
+            </a:extLst>
+          </p:cNvPr>
+          <p:cNvGrpSpPr/>
+          <p:nvPr/>
+        </p:nvGrpSpPr>
+        <p:grpSpPr>
+          <a:xfrm>
+            <a:off x="106137" y="450002"/>
+            <a:ext cx="6801143" cy="2920919"/>
+            <a:chOff x="106211" y="450002"/>
+            <a:chExt cx="6801143" cy="2920919"/>
+          </a:xfrm>
+        </p:grpSpPr>
+        <p:pic>
+          <p:nvPicPr>
+            <p:cNvPr id="50" name="Picture 49">
+              <a:extLst>
+                <a:ext uri="{FF2B5EF4-FFF2-40B4-BE49-F238E27FC236}">
+                  <a16:creationId xmlns:a16="http://schemas.microsoft.com/office/drawing/2014/main" id="{F181AA92-831C-3343-8F3A-03CE0E823073}"/>
+                </a:ext>
+              </a:extLst>
+            </p:cNvPr>
+            <p:cNvPicPr>
+              <a:picLocks noChangeAspect="1"/>
+            </p:cNvPicPr>
+            <p:nvPr/>
+          </p:nvPicPr>
+          <p:blipFill rotWithShape="1">
+            <a:blip r:embed="rId3"/>
+            <a:srcRect t="30185" r="49984" b="29388"/>
+            <a:stretch/>
+          </p:blipFill>
+          <p:spPr>
+            <a:xfrm>
+              <a:off x="1122539" y="1175985"/>
+              <a:ext cx="3359742" cy="2140127"/>
+            </a:xfrm>
+            <a:prstGeom prst="rect">
+              <a:avLst/>
+            </a:prstGeom>
+          </p:spPr>
+        </p:pic>
+        <p:sp>
+          <p:nvSpPr>
+            <p:cNvPr id="51" name="TextBox 50">
+              <a:extLst>
+                <a:ext uri="{FF2B5EF4-FFF2-40B4-BE49-F238E27FC236}">
+                  <a16:creationId xmlns:a16="http://schemas.microsoft.com/office/drawing/2014/main" id="{5894F6F8-4675-F345-AE70-C470759C0F68}"/>
+                </a:ext>
+              </a:extLst>
+            </p:cNvPr>
+            <p:cNvSpPr txBox="1"/>
+            <p:nvPr/>
+          </p:nvSpPr>
+          <p:spPr>
+            <a:xfrm>
+              <a:off x="106211" y="1617016"/>
+              <a:ext cx="1150819" cy="338554"/>
+            </a:xfrm>
+            <a:prstGeom prst="rect">
+              <a:avLst/>
+            </a:prstGeom>
+            <a:noFill/>
+          </p:spPr>
+          <p:txBody>
+            <a:bodyPr wrap="square" rtlCol="0">
+              <a:spAutoFit/>
+            </a:bodyPr>
+            <a:lstStyle/>
+            <a:p>
+              <a:pPr algn="r"/>
+              <a:r>
+                <a:rPr lang="en-US" sz="1600" dirty="0"/>
+                <a:t>All</a:t>
+              </a:r>
+              <a:r>
+                <a:rPr lang="en-US" sz="1400" dirty="0"/>
+                <a:t> </a:t>
+              </a:r>
+              <a:r>
+                <a:rPr lang="en-US" sz="1600" dirty="0"/>
+                <a:t>Tasks</a:t>
+              </a:r>
+              <a:endParaRPr lang="en-US" sz="1400" dirty="0"/>
+            </a:p>
+          </p:txBody>
+        </p:sp>
+        <p:sp>
+          <p:nvSpPr>
+            <p:cNvPr id="52" name="TextBox 51">
+              <a:extLst>
+                <a:ext uri="{FF2B5EF4-FFF2-40B4-BE49-F238E27FC236}">
+                  <a16:creationId xmlns:a16="http://schemas.microsoft.com/office/drawing/2014/main" id="{2F88D740-160F-134A-BCBA-9865B9A2C8F0}"/>
+                </a:ext>
+              </a:extLst>
+            </p:cNvPr>
+            <p:cNvSpPr txBox="1"/>
+            <p:nvPr/>
+          </p:nvSpPr>
+          <p:spPr>
+            <a:xfrm>
+              <a:off x="668306" y="2570944"/>
+              <a:ext cx="576613" cy="338554"/>
+            </a:xfrm>
+            <a:prstGeom prst="rect">
+              <a:avLst/>
+            </a:prstGeom>
+            <a:noFill/>
+          </p:spPr>
+          <p:txBody>
+            <a:bodyPr wrap="square" rtlCol="0">
+              <a:spAutoFit/>
+            </a:bodyPr>
+            <a:lstStyle/>
+            <a:p>
+              <a:pPr algn="r"/>
+              <a:r>
+                <a:rPr lang="en-US" sz="1600" dirty="0"/>
+                <a:t>Rest</a:t>
+              </a:r>
+            </a:p>
+          </p:txBody>
+        </p:sp>
+        <p:sp>
+          <p:nvSpPr>
+            <p:cNvPr id="53" name="TextBox 52">
+              <a:extLst>
+                <a:ext uri="{FF2B5EF4-FFF2-40B4-BE49-F238E27FC236}">
+                  <a16:creationId xmlns:a16="http://schemas.microsoft.com/office/drawing/2014/main" id="{9121F5C0-CF21-0E47-9F88-D8E6B74FFB88}"/>
+                </a:ext>
+              </a:extLst>
+            </p:cNvPr>
+            <p:cNvSpPr txBox="1"/>
+            <p:nvPr/>
+          </p:nvSpPr>
+          <p:spPr>
+            <a:xfrm>
+              <a:off x="1092973" y="1041081"/>
+              <a:ext cx="1041016" cy="349968"/>
+            </a:xfrm>
+            <a:prstGeom prst="rect">
+              <a:avLst/>
+            </a:prstGeom>
+            <a:noFill/>
+          </p:spPr>
+          <p:txBody>
+            <a:bodyPr wrap="square" rtlCol="0">
+              <a:spAutoFit/>
+            </a:bodyPr>
+            <a:lstStyle/>
+            <a:p>
+              <a:r>
+                <a:rPr lang="en-US" dirty="0">
+                  <a:solidFill>
+                    <a:srgbClr val="0070C0"/>
+                  </a:solidFill>
+                </a:rPr>
+                <a:t>MSC01</a:t>
+              </a:r>
+              <a:endParaRPr lang="en-US" sz="1600" dirty="0">
+                <a:solidFill>
+                  <a:srgbClr val="0070C0"/>
+                </a:solidFill>
+              </a:endParaRPr>
+            </a:p>
+          </p:txBody>
+        </p:sp>
+        <p:sp>
+          <p:nvSpPr>
+            <p:cNvPr id="54" name="TextBox 53">
+              <a:extLst>
+                <a:ext uri="{FF2B5EF4-FFF2-40B4-BE49-F238E27FC236}">
+                  <a16:creationId xmlns:a16="http://schemas.microsoft.com/office/drawing/2014/main" id="{FFADD284-9A4E-0645-A57D-DA13803027BB}"/>
+                </a:ext>
+              </a:extLst>
+            </p:cNvPr>
+            <p:cNvSpPr txBox="1"/>
+            <p:nvPr/>
+          </p:nvSpPr>
+          <p:spPr>
+            <a:xfrm>
+              <a:off x="1215032" y="3055976"/>
+              <a:ext cx="762850" cy="246221"/>
+            </a:xfrm>
+            <a:prstGeom prst="rect">
+              <a:avLst/>
+            </a:prstGeom>
+            <a:noFill/>
+          </p:spPr>
+          <p:txBody>
+            <a:bodyPr wrap="square" rtlCol="0">
+              <a:spAutoFit/>
+            </a:bodyPr>
+            <a:lstStyle/>
+            <a:p>
+              <a:r>
+                <a:rPr lang="en-US" sz="1000" dirty="0"/>
+                <a:t>Session 1</a:t>
+              </a:r>
+            </a:p>
+          </p:txBody>
+        </p:sp>
+        <p:sp>
+          <p:nvSpPr>
+            <p:cNvPr id="55" name="TextBox 54">
+              <a:extLst>
+                <a:ext uri="{FF2B5EF4-FFF2-40B4-BE49-F238E27FC236}">
+                  <a16:creationId xmlns:a16="http://schemas.microsoft.com/office/drawing/2014/main" id="{67EFDAB6-33CA-1842-9B29-9136FD2D9431}"/>
+                </a:ext>
+              </a:extLst>
+            </p:cNvPr>
+            <p:cNvSpPr txBox="1"/>
+            <p:nvPr/>
+          </p:nvSpPr>
+          <p:spPr>
+            <a:xfrm>
+              <a:off x="2057975" y="3055976"/>
+              <a:ext cx="826596" cy="246221"/>
+            </a:xfrm>
+            <a:prstGeom prst="rect">
+              <a:avLst/>
+            </a:prstGeom>
+            <a:noFill/>
+          </p:spPr>
+          <p:txBody>
+            <a:bodyPr wrap="square" rtlCol="0">
+              <a:spAutoFit/>
+            </a:bodyPr>
+            <a:lstStyle/>
+            <a:p>
+              <a:r>
+                <a:rPr lang="en-US" sz="1000" dirty="0"/>
+                <a:t>Session 2</a:t>
+              </a:r>
+            </a:p>
+          </p:txBody>
+        </p:sp>
+        <p:sp>
+          <p:nvSpPr>
+            <p:cNvPr id="56" name="TextBox 55">
+              <a:extLst>
+                <a:ext uri="{FF2B5EF4-FFF2-40B4-BE49-F238E27FC236}">
+                  <a16:creationId xmlns:a16="http://schemas.microsoft.com/office/drawing/2014/main" id="{0AAE4441-F4E8-C340-84D8-9F49B21E9422}"/>
+                </a:ext>
+              </a:extLst>
+            </p:cNvPr>
+            <p:cNvSpPr txBox="1"/>
+            <p:nvPr/>
+          </p:nvSpPr>
+          <p:spPr>
+            <a:xfrm>
+              <a:off x="2985071" y="3037867"/>
+              <a:ext cx="421536" cy="276999"/>
+            </a:xfrm>
+            <a:prstGeom prst="rect">
+              <a:avLst/>
+            </a:prstGeom>
+            <a:noFill/>
+          </p:spPr>
+          <p:txBody>
+            <a:bodyPr wrap="square" rtlCol="0">
+              <a:spAutoFit/>
+            </a:bodyPr>
+            <a:lstStyle/>
+            <a:p>
+              <a:pPr algn="ctr"/>
+              <a:r>
+                <a:rPr lang="en-US" sz="1200" dirty="0"/>
+                <a:t>.…</a:t>
+              </a:r>
+            </a:p>
+          </p:txBody>
+        </p:sp>
+        <p:sp>
+          <p:nvSpPr>
+            <p:cNvPr id="57" name="TextBox 56">
+              <a:extLst>
+                <a:ext uri="{FF2B5EF4-FFF2-40B4-BE49-F238E27FC236}">
+                  <a16:creationId xmlns:a16="http://schemas.microsoft.com/office/drawing/2014/main" id="{51541200-2D5E-E54D-BA6B-F3028F7ECC9B}"/>
+                </a:ext>
+              </a:extLst>
+            </p:cNvPr>
+            <p:cNvSpPr txBox="1"/>
+            <p:nvPr/>
+          </p:nvSpPr>
+          <p:spPr>
+            <a:xfrm>
+              <a:off x="3729667" y="3055976"/>
+              <a:ext cx="937310" cy="246221"/>
+            </a:xfrm>
+            <a:prstGeom prst="rect">
+              <a:avLst/>
+            </a:prstGeom>
+            <a:noFill/>
+          </p:spPr>
+          <p:txBody>
+            <a:bodyPr wrap="square" rtlCol="0">
+              <a:spAutoFit/>
+            </a:bodyPr>
+            <a:lstStyle/>
+            <a:p>
+              <a:r>
+                <a:rPr lang="en-US" sz="1000" dirty="0"/>
+                <a:t>Session 9</a:t>
+              </a:r>
+            </a:p>
+          </p:txBody>
+        </p:sp>
+        <p:sp>
+          <p:nvSpPr>
+            <p:cNvPr id="58" name="Rectangle 57">
+              <a:extLst>
+                <a:ext uri="{FF2B5EF4-FFF2-40B4-BE49-F238E27FC236}">
+                  <a16:creationId xmlns:a16="http://schemas.microsoft.com/office/drawing/2014/main" id="{5E648BF2-8DA8-A443-B6AA-5BCC7DF56100}"/>
+                </a:ext>
+              </a:extLst>
+            </p:cNvPr>
+            <p:cNvSpPr/>
+            <p:nvPr/>
+          </p:nvSpPr>
+          <p:spPr>
+            <a:xfrm>
+              <a:off x="459122" y="934705"/>
+              <a:ext cx="4025152" cy="2436216"/>
+            </a:xfrm>
+            <a:prstGeom prst="rect">
+              <a:avLst/>
+            </a:prstGeom>
+            <a:noFill/>
+            <a:ln w="28575">
+              <a:solidFill>
+                <a:schemeClr val="tx1"/>
+              </a:solidFill>
+            </a:ln>
+          </p:spPr>
+          <p:style>
+            <a:lnRef idx="2">
+              <a:schemeClr val="accent1">
+                <a:shade val="50000"/>
+              </a:schemeClr>
+            </a:lnRef>
+            <a:fillRef idx="1">
+              <a:schemeClr val="accent1"/>
+            </a:fillRef>
+            <a:effectRef idx="0">
+              <a:schemeClr val="accent1"/>
+            </a:effectRef>
+            <a:fontRef idx="minor">
+              <a:schemeClr val="lt1"/>
+            </a:fontRef>
+          </p:style>
+          <p:txBody>
+            <a:bodyPr rtlCol="0" anchor="ctr"/>
+            <a:lstStyle/>
+            <a:p>
+              <a:pPr algn="ctr"/>
+              <a:endParaRPr lang="en-US" sz="1350"/>
+            </a:p>
+          </p:txBody>
+        </p:sp>
+        <p:sp>
+          <p:nvSpPr>
+            <p:cNvPr id="59" name="TextBox 58">
+              <a:extLst>
+                <a:ext uri="{FF2B5EF4-FFF2-40B4-BE49-F238E27FC236}">
+                  <a16:creationId xmlns:a16="http://schemas.microsoft.com/office/drawing/2014/main" id="{BD687136-3638-A043-AE97-5CD5105C8665}"/>
+                </a:ext>
+              </a:extLst>
+            </p:cNvPr>
+            <p:cNvSpPr txBox="1"/>
+            <p:nvPr/>
+          </p:nvSpPr>
+          <p:spPr>
+            <a:xfrm>
+              <a:off x="1849821" y="450002"/>
+              <a:ext cx="1242904" cy="461665"/>
+            </a:xfrm>
+            <a:prstGeom prst="rect">
+              <a:avLst/>
+            </a:prstGeom>
+            <a:noFill/>
+          </p:spPr>
+          <p:txBody>
+            <a:bodyPr wrap="none" rtlCol="0">
+              <a:spAutoFit/>
+            </a:bodyPr>
+            <a:lstStyle/>
+            <a:p>
+              <a:r>
+                <a:rPr lang="en-US" sz="2400" dirty="0"/>
+                <a:t>Training </a:t>
+              </a:r>
+            </a:p>
+          </p:txBody>
+        </p:sp>
+        <p:sp>
+          <p:nvSpPr>
+            <p:cNvPr id="61" name="Rectangle 60">
+              <a:extLst>
+                <a:ext uri="{FF2B5EF4-FFF2-40B4-BE49-F238E27FC236}">
+                  <a16:creationId xmlns:a16="http://schemas.microsoft.com/office/drawing/2014/main" id="{2F43F4E4-7632-2646-9467-AEC9E4A1EED7}"/>
+                </a:ext>
+              </a:extLst>
+            </p:cNvPr>
+            <p:cNvSpPr/>
+            <p:nvPr/>
+          </p:nvSpPr>
+          <p:spPr>
+            <a:xfrm>
+              <a:off x="4606616" y="934712"/>
+              <a:ext cx="2216413" cy="2432303"/>
+            </a:xfrm>
+            <a:prstGeom prst="rect">
+              <a:avLst/>
+            </a:prstGeom>
+            <a:noFill/>
+            <a:ln w="28575">
+              <a:solidFill>
+                <a:schemeClr val="tx1"/>
+              </a:solidFill>
+            </a:ln>
+          </p:spPr>
+          <p:style>
+            <a:lnRef idx="2">
+              <a:schemeClr val="accent1">
+                <a:shade val="50000"/>
+              </a:schemeClr>
+            </a:lnRef>
+            <a:fillRef idx="1">
+              <a:schemeClr val="accent1"/>
+            </a:fillRef>
+            <a:effectRef idx="0">
+              <a:schemeClr val="accent1"/>
+            </a:effectRef>
+            <a:fontRef idx="minor">
+              <a:schemeClr val="lt1"/>
+            </a:fontRef>
+          </p:style>
+          <p:txBody>
+            <a:bodyPr rtlCol="0" anchor="ctr"/>
+            <a:lstStyle/>
+            <a:p>
+              <a:pPr algn="ctr"/>
+              <a:endParaRPr lang="en-US" sz="1350"/>
+            </a:p>
+          </p:txBody>
+        </p:sp>
+        <p:sp>
+          <p:nvSpPr>
+            <p:cNvPr id="64" name="TextBox 63">
+              <a:extLst>
+                <a:ext uri="{FF2B5EF4-FFF2-40B4-BE49-F238E27FC236}">
+                  <a16:creationId xmlns:a16="http://schemas.microsoft.com/office/drawing/2014/main" id="{B70ACFC5-F5A2-6C4C-A02C-D56E18737D32}"/>
+                </a:ext>
+              </a:extLst>
+            </p:cNvPr>
+            <p:cNvSpPr txBox="1"/>
+            <p:nvPr/>
+          </p:nvSpPr>
+          <p:spPr>
+            <a:xfrm>
+              <a:off x="5391017" y="450002"/>
+              <a:ext cx="681212" cy="461665"/>
+            </a:xfrm>
+            <a:prstGeom prst="rect">
+              <a:avLst/>
+            </a:prstGeom>
+            <a:noFill/>
+          </p:spPr>
+          <p:txBody>
+            <a:bodyPr wrap="none" rtlCol="0">
+              <a:spAutoFit/>
+            </a:bodyPr>
+            <a:lstStyle/>
+            <a:p>
+              <a:r>
+                <a:rPr lang="en-US" sz="2400" dirty="0"/>
+                <a:t>Test</a:t>
+              </a:r>
+            </a:p>
+          </p:txBody>
+        </p:sp>
+        <p:sp>
+          <p:nvSpPr>
+            <p:cNvPr id="65" name="TextBox 64">
+              <a:extLst>
+                <a:ext uri="{FF2B5EF4-FFF2-40B4-BE49-F238E27FC236}">
+                  <a16:creationId xmlns:a16="http://schemas.microsoft.com/office/drawing/2014/main" id="{F4C63CDE-B9D7-934F-89AB-C93F20ECA694}"/>
+                </a:ext>
+              </a:extLst>
+            </p:cNvPr>
+            <p:cNvSpPr txBox="1"/>
+            <p:nvPr/>
+          </p:nvSpPr>
+          <p:spPr>
+            <a:xfrm>
+              <a:off x="5883563" y="1058761"/>
+              <a:ext cx="928006" cy="349968"/>
+            </a:xfrm>
+            <a:prstGeom prst="rect">
+              <a:avLst/>
+            </a:prstGeom>
+            <a:noFill/>
+          </p:spPr>
+          <p:txBody>
+            <a:bodyPr wrap="square" rtlCol="0">
+              <a:spAutoFit/>
+            </a:bodyPr>
+            <a:lstStyle/>
+            <a:p>
+              <a:r>
+                <a:rPr lang="en-US" dirty="0">
+                  <a:solidFill>
+                    <a:srgbClr val="00B0F0"/>
+                  </a:solidFill>
+                </a:rPr>
+                <a:t>MSC02</a:t>
+              </a:r>
+            </a:p>
+          </p:txBody>
+        </p:sp>
+        <p:sp>
+          <p:nvSpPr>
+            <p:cNvPr id="146" name="TextBox 145">
+              <a:extLst>
+                <a:ext uri="{FF2B5EF4-FFF2-40B4-BE49-F238E27FC236}">
+                  <a16:creationId xmlns:a16="http://schemas.microsoft.com/office/drawing/2014/main" id="{B395A729-FD21-FC4F-A3A8-93DC6921329B}"/>
+                </a:ext>
+              </a:extLst>
+            </p:cNvPr>
+            <p:cNvSpPr txBox="1"/>
+            <p:nvPr/>
+          </p:nvSpPr>
+          <p:spPr>
+            <a:xfrm>
+              <a:off x="106358" y="810258"/>
+              <a:ext cx="336952" cy="461665"/>
+            </a:xfrm>
+            <a:prstGeom prst="rect">
+              <a:avLst/>
+            </a:prstGeom>
+            <a:noFill/>
+          </p:spPr>
+          <p:txBody>
+            <a:bodyPr wrap="none" rtlCol="0">
+              <a:spAutoFit/>
+            </a:bodyPr>
+            <a:lstStyle/>
+            <a:p>
+              <a:r>
+                <a:rPr lang="en-US" sz="2400" b="1" dirty="0"/>
+                <a:t>a</a:t>
+              </a:r>
+            </a:p>
+          </p:txBody>
+        </p:sp>
+        <p:sp>
+          <p:nvSpPr>
+            <p:cNvPr id="67" name="TextBox 66">
+              <a:extLst>
+                <a:ext uri="{FF2B5EF4-FFF2-40B4-BE49-F238E27FC236}">
+                  <a16:creationId xmlns:a16="http://schemas.microsoft.com/office/drawing/2014/main" id="{9336223B-E7A8-AB48-BA6E-AA42B8EF47C8}"/>
+                </a:ext>
+              </a:extLst>
+            </p:cNvPr>
+            <p:cNvSpPr txBox="1"/>
+            <p:nvPr/>
+          </p:nvSpPr>
+          <p:spPr>
+            <a:xfrm>
+              <a:off x="5909181" y="3065971"/>
+              <a:ext cx="998173" cy="246221"/>
+            </a:xfrm>
+            <a:prstGeom prst="rect">
+              <a:avLst/>
+            </a:prstGeom>
+            <a:noFill/>
+          </p:spPr>
+          <p:txBody>
+            <a:bodyPr wrap="square" rtlCol="0">
+              <a:spAutoFit/>
+            </a:bodyPr>
+            <a:lstStyle/>
+            <a:p>
+              <a:r>
+                <a:rPr lang="en-US" sz="1000" dirty="0"/>
+                <a:t>Session 10</a:t>
+              </a:r>
+            </a:p>
+          </p:txBody>
+        </p:sp>
+        <p:sp>
+          <p:nvSpPr>
+            <p:cNvPr id="3" name="Rectangle 2">
+              <a:extLst>
+                <a:ext uri="{FF2B5EF4-FFF2-40B4-BE49-F238E27FC236}">
+                  <a16:creationId xmlns:a16="http://schemas.microsoft.com/office/drawing/2014/main" id="{AEF959EA-FB30-C24D-89F4-53D95EAB491B}"/>
+                </a:ext>
+              </a:extLst>
+            </p:cNvPr>
+            <p:cNvSpPr>
+              <a:spLocks/>
+            </p:cNvSpPr>
+            <p:nvPr/>
+          </p:nvSpPr>
+          <p:spPr>
+            <a:xfrm>
+              <a:off x="4793145" y="1116635"/>
+              <a:ext cx="914400" cy="2194560"/>
+            </a:xfrm>
+            <a:prstGeom prst="rect">
+              <a:avLst/>
+            </a:prstGeom>
+            <a:solidFill>
+              <a:schemeClr val="bg2">
+                <a:lumMod val="25000"/>
+                <a:alpha val="35000"/>
+              </a:schemeClr>
+            </a:solidFill>
+            <a:ln>
+              <a:noFill/>
+            </a:ln>
+          </p:spPr>
+          <p:style>
+            <a:lnRef idx="1">
+              <a:schemeClr val="accent3"/>
+            </a:lnRef>
+            <a:fillRef idx="2">
+              <a:schemeClr val="accent3"/>
+            </a:fillRef>
+            <a:effectRef idx="1">
+              <a:schemeClr val="accent3"/>
+            </a:effectRef>
+            <a:fontRef idx="minor">
+              <a:schemeClr val="dk1"/>
+            </a:fontRef>
+          </p:style>
+          <p:txBody>
+            <a:bodyPr rtlCol="0" anchor="ctr"/>
+            <a:lstStyle/>
+            <a:p>
+              <a:pPr algn="ctr"/>
+              <a:endParaRPr lang="en-US"/>
+            </a:p>
+          </p:txBody>
+        </p:sp>
+        <p:sp>
+          <p:nvSpPr>
+            <p:cNvPr id="70" name="TextBox 69">
+              <a:extLst>
+                <a:ext uri="{FF2B5EF4-FFF2-40B4-BE49-F238E27FC236}">
+                  <a16:creationId xmlns:a16="http://schemas.microsoft.com/office/drawing/2014/main" id="{89FAA5EB-9A97-E147-86E7-35C0EE90AAFC}"/>
+                </a:ext>
+              </a:extLst>
+            </p:cNvPr>
+            <p:cNvSpPr txBox="1"/>
+            <p:nvPr/>
+          </p:nvSpPr>
+          <p:spPr>
+            <a:xfrm>
+              <a:off x="4860379" y="3065971"/>
+              <a:ext cx="998173" cy="246221"/>
+            </a:xfrm>
+            <a:prstGeom prst="rect">
+              <a:avLst/>
+            </a:prstGeom>
+            <a:noFill/>
+          </p:spPr>
+          <p:txBody>
+            <a:bodyPr wrap="square" rtlCol="0">
+              <a:spAutoFit/>
+            </a:bodyPr>
+            <a:lstStyle/>
+            <a:p>
+              <a:r>
+                <a:rPr lang="en-US" sz="1000" dirty="0"/>
+                <a:t>Session 10</a:t>
+              </a:r>
+            </a:p>
+          </p:txBody>
+        </p:sp>
+        <p:sp>
+          <p:nvSpPr>
+            <p:cNvPr id="103" name="TextBox 102">
+              <a:extLst>
+                <a:ext uri="{FF2B5EF4-FFF2-40B4-BE49-F238E27FC236}">
+                  <a16:creationId xmlns:a16="http://schemas.microsoft.com/office/drawing/2014/main" id="{5DDA3A49-6B9F-6D47-A115-355C8AE7D8A2}"/>
+                </a:ext>
+              </a:extLst>
+            </p:cNvPr>
+            <p:cNvSpPr txBox="1"/>
+            <p:nvPr/>
+          </p:nvSpPr>
+          <p:spPr>
+            <a:xfrm>
+              <a:off x="4823221" y="1058761"/>
+              <a:ext cx="828365" cy="349968"/>
+            </a:xfrm>
+            <a:prstGeom prst="rect">
+              <a:avLst/>
+            </a:prstGeom>
+            <a:noFill/>
+          </p:spPr>
+          <p:txBody>
+            <a:bodyPr wrap="square" rtlCol="0">
+              <a:spAutoFit/>
+            </a:bodyPr>
+            <a:lstStyle/>
+            <a:p>
+              <a:r>
+                <a:rPr lang="en-US" dirty="0">
+                  <a:solidFill>
+                    <a:srgbClr val="0070C0"/>
+                  </a:solidFill>
+                </a:rPr>
+                <a:t>MSC01</a:t>
+              </a:r>
+              <a:endParaRPr lang="en-US" sz="1600" dirty="0">
+                <a:solidFill>
+                  <a:srgbClr val="0070C0"/>
+                </a:solidFill>
+              </a:endParaRPr>
+            </a:p>
+          </p:txBody>
+        </p:sp>
+        <p:pic>
+          <p:nvPicPr>
+            <p:cNvPr id="86" name="Picture 85">
+              <a:extLst>
+                <a:ext uri="{FF2B5EF4-FFF2-40B4-BE49-F238E27FC236}">
+                  <a16:creationId xmlns:a16="http://schemas.microsoft.com/office/drawing/2014/main" id="{F3E7AA76-2E1D-6044-A8D7-F4705B82EAD5}"/>
+                </a:ext>
+              </a:extLst>
+            </p:cNvPr>
+            <p:cNvPicPr>
+              <a:picLocks noChangeAspect="1"/>
+            </p:cNvPicPr>
+            <p:nvPr/>
+          </p:nvPicPr>
+          <p:blipFill rotWithShape="1">
+            <a:blip r:embed="rId8">
+              <a:alphaModFix/>
+              <a:extLst>
+                <a:ext uri="{BEBA8EAE-BF5A-486C-A8C5-ECC9F3942E4B}">
+                  <a14:imgProps xmlns:a14="http://schemas.microsoft.com/office/drawing/2010/main">
+                    <a14:imgLayer>
+                      <a14:imgEffect>
+                        <a14:backgroundRemoval t="627" b="31243" l="76581" r="86807">
+                          <a14:foregroundMark x1="76581" y1="17764" x2="86651" y2="17764"/>
+                          <a14:foregroundMark x1="86807" y1="18286" x2="86807" y2="31243"/>
+                        </a14:backgroundRemoval>
+                      </a14:imgEffect>
+                      <a14:imgEffect>
+                        <a14:saturation sat="400000"/>
+                      </a14:imgEffect>
+                    </a14:imgLayer>
+                  </a14:imgProps>
+                </a:ext>
+              </a:extLst>
+            </a:blip>
+            <a:srcRect l="75916" t="-2" r="12672" b="67934"/>
+            <a:stretch/>
+          </p:blipFill>
+          <p:spPr>
+            <a:xfrm>
+              <a:off x="4837598" y="1357093"/>
+              <a:ext cx="785890" cy="1737359"/>
+            </a:xfrm>
+            <a:prstGeom prst="rect">
+              <a:avLst/>
+            </a:prstGeom>
+          </p:spPr>
+        </p:pic>
+        <p:pic>
+          <p:nvPicPr>
+            <p:cNvPr id="97" name="Picture 96">
+              <a:extLst>
+                <a:ext uri="{FF2B5EF4-FFF2-40B4-BE49-F238E27FC236}">
+                  <a16:creationId xmlns:a16="http://schemas.microsoft.com/office/drawing/2014/main" id="{BD840D37-5146-C340-A0FD-75D609715B34}"/>
+                </a:ext>
+              </a:extLst>
+            </p:cNvPr>
+            <p:cNvPicPr>
+              <a:picLocks noChangeAspect="1"/>
+            </p:cNvPicPr>
+            <p:nvPr/>
+          </p:nvPicPr>
+          <p:blipFill rotWithShape="1">
+            <a:blip r:embed="rId3"/>
+            <a:srcRect l="75916" t="-2" r="12672" b="67934"/>
+            <a:stretch/>
+          </p:blipFill>
+          <p:spPr>
+            <a:xfrm>
+              <a:off x="5873653" y="1353298"/>
+              <a:ext cx="785890" cy="1737359"/>
+            </a:xfrm>
+            <a:prstGeom prst="rect">
+              <a:avLst/>
+            </a:prstGeom>
+          </p:spPr>
+        </p:pic>
+      </p:grpSp>
+    </p:spTree>
+    <p:extLst>
+      <p:ext uri="{BB962C8B-B14F-4D97-AF65-F5344CB8AC3E}">
+        <p14:creationId xmlns:p14="http://schemas.microsoft.com/office/powerpoint/2010/main" val="4281820995"/>
       </p:ext>
     </p:extLst>
   </p:cSld>
